--- a/Supplier Scorecard Project Review.pptx
+++ b/Supplier Scorecard Project Review.pptx
@@ -10,29 +10,33 @@
     <p:sldMasterId id="2147483839" r:id="rId6"/>
     <p:sldMasterId id="2147483851" r:id="rId7"/>
     <p:sldMasterId id="2147483863" r:id="rId8"/>
-    <p:sldMasterId id="2147483875" r:id="rId9"/>
   </p:sldMasterIdLst>
   <p:notesMasterIdLst>
-    <p:notesMasterId r:id="rId24"/>
+    <p:notesMasterId r:id="rId28"/>
   </p:notesMasterIdLst>
   <p:handoutMasterIdLst>
-    <p:handoutMasterId r:id="rId25"/>
+    <p:handoutMasterId r:id="rId29"/>
   </p:handoutMasterIdLst>
   <p:sldIdLst>
-    <p:sldId id="256" r:id="rId10"/>
-    <p:sldId id="257" r:id="rId11"/>
-    <p:sldId id="258" r:id="rId12"/>
-    <p:sldId id="259" r:id="rId13"/>
-    <p:sldId id="268" r:id="rId14"/>
-    <p:sldId id="260" r:id="rId15"/>
-    <p:sldId id="261" r:id="rId16"/>
-    <p:sldId id="262" r:id="rId17"/>
-    <p:sldId id="263" r:id="rId18"/>
-    <p:sldId id="264" r:id="rId19"/>
-    <p:sldId id="265" r:id="rId20"/>
-    <p:sldId id="266" r:id="rId21"/>
-    <p:sldId id="267" r:id="rId22"/>
-    <p:sldId id="269" r:id="rId23"/>
+    <p:sldId id="256" r:id="rId9"/>
+    <p:sldId id="257" r:id="rId10"/>
+    <p:sldId id="258" r:id="rId11"/>
+    <p:sldId id="259" r:id="rId12"/>
+    <p:sldId id="268" r:id="rId13"/>
+    <p:sldId id="260" r:id="rId14"/>
+    <p:sldId id="261" r:id="rId15"/>
+    <p:sldId id="262" r:id="rId16"/>
+    <p:sldId id="270" r:id="rId17"/>
+    <p:sldId id="271" r:id="rId18"/>
+    <p:sldId id="263" r:id="rId19"/>
+    <p:sldId id="272" r:id="rId20"/>
+    <p:sldId id="264" r:id="rId21"/>
+    <p:sldId id="273" r:id="rId22"/>
+    <p:sldId id="265" r:id="rId23"/>
+    <p:sldId id="274" r:id="rId24"/>
+    <p:sldId id="266" r:id="rId25"/>
+    <p:sldId id="275" r:id="rId26"/>
+    <p:sldId id="267" r:id="rId27"/>
   </p:sldIdLst>
   <p:sldSz cx="12192000" cy="6858000"/>
   <p:notesSz cx="7023100" cy="9309100"/>
@@ -216,7 +220,7 @@
           <a:p>
             <a:fld id="{83EDBFD5-74B3-4FB6-A912-D4AA98054A76}" type="datetimeFigureOut">
               <a:rPr lang="en-US" smtClean="0"/>
-              <a:t>12/1/2016</a:t>
+              <a:t>7/31/17</a:t>
             </a:fld>
             <a:endParaRPr lang="en-US"/>
           </a:p>
@@ -381,7 +385,7 @@
           <a:p>
             <a:fld id="{AC08A307-01DC-415A-8DFC-AD44DF2FA618}" type="datetimeFigureOut">
               <a:rPr lang="en-US" smtClean="0"/>
-              <a:t>12/1/2016</a:t>
+              <a:t>7/31/17</a:t>
             </a:fld>
             <a:endParaRPr lang="en-US"/>
           </a:p>
@@ -798,7 +802,7 @@
           <a:p>
             <a:fld id="{AFBC9663-30CA-4A3B-BD1F-CD77DE93BFBD}" type="slidenum">
               <a:rPr lang="en-US" smtClean="0"/>
-              <a:t>10</a:t>
+              <a:t>13</a:t>
             </a:fld>
             <a:endParaRPr lang="en-US"/>
           </a:p>
@@ -882,7 +886,7 @@
           <a:p>
             <a:fld id="{AFBC9663-30CA-4A3B-BD1F-CD77DE93BFBD}" type="slidenum">
               <a:rPr lang="en-US" smtClean="0"/>
-              <a:t>11</a:t>
+              <a:t>15</a:t>
             </a:fld>
             <a:endParaRPr lang="en-US"/>
           </a:p>
@@ -966,7 +970,7 @@
           <a:p>
             <a:fld id="{AFBC9663-30CA-4A3B-BD1F-CD77DE93BFBD}" type="slidenum">
               <a:rPr lang="en-US" smtClean="0"/>
-              <a:t>12</a:t>
+              <a:t>17</a:t>
             </a:fld>
             <a:endParaRPr lang="en-US"/>
           </a:p>
@@ -1050,7 +1054,7 @@
           <a:p>
             <a:fld id="{AFBC9663-30CA-4A3B-BD1F-CD77DE93BFBD}" type="slidenum">
               <a:rPr lang="en-US" smtClean="0"/>
-              <a:t>13</a:t>
+              <a:t>19</a:t>
             </a:fld>
             <a:endParaRPr lang="en-US"/>
           </a:p>
@@ -1060,90 +1064,6 @@
     <p:extLst>
       <p:ext uri="{BB962C8B-B14F-4D97-AF65-F5344CB8AC3E}">
         <p14:creationId xmlns:p14="http://schemas.microsoft.com/office/powerpoint/2010/main" val="457547890"/>
-      </p:ext>
-    </p:extLst>
-  </p:cSld>
-  <p:clrMapOvr>
-    <a:masterClrMapping/>
-  </p:clrMapOvr>
-</p:notes>
-</file>
-
-<file path=ppt/notesSlides/notesSlide14.xml><?xml version="1.0" encoding="utf-8"?>
-<p:notes xmlns:a="http://schemas.openxmlformats.org/drawingml/2006/main" xmlns:r="http://schemas.openxmlformats.org/officeDocument/2006/relationships" xmlns:p="http://schemas.openxmlformats.org/presentationml/2006/main">
-  <p:cSld>
-    <p:spTree>
-      <p:nvGrpSpPr>
-        <p:cNvPr id="1" name=""/>
-        <p:cNvGrpSpPr/>
-        <p:nvPr/>
-      </p:nvGrpSpPr>
-      <p:grpSpPr>
-        <a:xfrm>
-          <a:off x="0" y="0"/>
-          <a:ext cx="0" cy="0"/>
-          <a:chOff x="0" y="0"/>
-          <a:chExt cx="0" cy="0"/>
-        </a:xfrm>
-      </p:grpSpPr>
-      <p:sp>
-        <p:nvSpPr>
-          <p:cNvPr id="2" name="Slide Image Placeholder 1"/>
-          <p:cNvSpPr>
-            <a:spLocks noGrp="1" noRot="1" noChangeAspect="1"/>
-          </p:cNvSpPr>
-          <p:nvPr>
-            <p:ph type="sldImg"/>
-          </p:nvPr>
-        </p:nvSpPr>
-        <p:spPr/>
-      </p:sp>
-      <p:sp>
-        <p:nvSpPr>
-          <p:cNvPr id="3" name="Notes Placeholder 2"/>
-          <p:cNvSpPr>
-            <a:spLocks noGrp="1"/>
-          </p:cNvSpPr>
-          <p:nvPr>
-            <p:ph type="body" idx="1"/>
-          </p:nvPr>
-        </p:nvSpPr>
-        <p:spPr/>
-        <p:txBody>
-          <a:bodyPr/>
-          <a:lstStyle/>
-          <a:p>
-            <a:endParaRPr lang="en-US"/>
-          </a:p>
-        </p:txBody>
-      </p:sp>
-      <p:sp>
-        <p:nvSpPr>
-          <p:cNvPr id="4" name="Slide Number Placeholder 3"/>
-          <p:cNvSpPr>
-            <a:spLocks noGrp="1"/>
-          </p:cNvSpPr>
-          <p:nvPr>
-            <p:ph type="sldNum" sz="quarter" idx="10"/>
-          </p:nvPr>
-        </p:nvSpPr>
-        <p:spPr/>
-        <p:txBody>
-          <a:bodyPr/>
-          <a:lstStyle/>
-          <a:p>
-            <a:fld id="{AFBC9663-30CA-4A3B-BD1F-CD77DE93BFBD}" type="slidenum">
-              <a:rPr lang="en-US" smtClean="0"/>
-              <a:t>14</a:t>
-            </a:fld>
-            <a:endParaRPr lang="en-US"/>
-          </a:p>
-        </p:txBody>
-      </p:sp>
-    </p:spTree>
-    <p:extLst>
-      <p:ext uri="{BB962C8B-B14F-4D97-AF65-F5344CB8AC3E}">
-        <p14:creationId xmlns:p14="http://schemas.microsoft.com/office/powerpoint/2010/main" val="1188193505"/>
       </p:ext>
     </p:extLst>
   </p:cSld>
@@ -1806,7 +1726,7 @@
           <a:p>
             <a:fld id="{AFBC9663-30CA-4A3B-BD1F-CD77DE93BFBD}" type="slidenum">
               <a:rPr lang="en-US" smtClean="0"/>
-              <a:t>9</a:t>
+              <a:t>11</a:t>
             </a:fld>
             <a:endParaRPr lang="en-US"/>
           </a:p>
@@ -2361,7 +2281,7 @@
   <p:clrMapOvr>
     <a:masterClrMapping/>
   </p:clrMapOvr>
-  <p:transition spd="med"/>
+  <p:transition xmlns:p14="http://schemas.microsoft.com/office/powerpoint/2010/main" spd="med"/>
 </p:sldLayout>
 </file>
 
@@ -2467,1994 +2387,7 @@
   <p:clrMapOvr>
     <a:masterClrMapping/>
   </p:clrMapOvr>
-  <p:transition spd="med"/>
-</p:sldLayout>
-</file>
-
-<file path=ppt/slideLayouts/slideLayout100.xml><?xml version="1.0" encoding="utf-8"?>
-<p:sldLayout xmlns:a="http://schemas.openxmlformats.org/drawingml/2006/main" xmlns:r="http://schemas.openxmlformats.org/officeDocument/2006/relationships" xmlns:p="http://schemas.openxmlformats.org/presentationml/2006/main" preserve="1">
-  <p:cSld name="Quote with Caption">
-    <p:spTree>
-      <p:nvGrpSpPr>
-        <p:cNvPr id="1" name=""/>
-        <p:cNvGrpSpPr/>
-        <p:nvPr/>
-      </p:nvGrpSpPr>
-      <p:grpSpPr>
-        <a:xfrm>
-          <a:off x="0" y="0"/>
-          <a:ext cx="0" cy="0"/>
-          <a:chOff x="0" y="0"/>
-          <a:chExt cx="0" cy="0"/>
-        </a:xfrm>
-      </p:grpSpPr>
-      <p:sp>
-        <p:nvSpPr>
-          <p:cNvPr id="14" name="TextBox 13"/>
-          <p:cNvSpPr txBox="1"/>
-          <p:nvPr/>
-        </p:nvSpPr>
-        <p:spPr>
-          <a:xfrm>
-            <a:off x="1598612" y="863023"/>
-            <a:ext cx="609600" cy="584776"/>
-          </a:xfrm>
-          <a:prstGeom prst="rect">
-            <a:avLst/>
-          </a:prstGeom>
-        </p:spPr>
-        <p:txBody>
-          <a:bodyPr vert="horz" lIns="91440" tIns="45720" rIns="91440" bIns="45720" rtlCol="0" anchor="ctr">
-            <a:noAutofit/>
-          </a:bodyPr>
-          <a:lstStyle>
-            <a:lvl1pPr>
-              <a:spcBef>
-                <a:spcPct val="0"/>
-              </a:spcBef>
-              <a:buNone/>
-              <a:defRPr sz="3200" b="0" cap="all">
-                <a:ln w="3175" cmpd="sng">
-                  <a:noFill/>
-                </a:ln>
-                <a:effectLst>
-                  <a:glow rad="38100">
-                    <a:schemeClr val="bg1">
-                      <a:lumMod val="65000"/>
-                      <a:lumOff val="35000"/>
-                      <a:alpha val="40000"/>
-                    </a:schemeClr>
-                  </a:glow>
-                  <a:outerShdw blurRad="28575" dist="38100" dir="14040000" algn="tl" rotWithShape="0">
-                    <a:srgbClr val="000000">
-                      <a:alpha val="25000"/>
-                    </a:srgbClr>
-                  </a:outerShdw>
-                </a:effectLst>
-              </a:defRPr>
-            </a:lvl1pPr>
-            <a:lvl2pPr>
-              <a:defRPr>
-                <a:solidFill>
-                  <a:schemeClr val="tx2"/>
-                </a:solidFill>
-              </a:defRPr>
-            </a:lvl2pPr>
-            <a:lvl3pPr>
-              <a:defRPr>
-                <a:solidFill>
-                  <a:schemeClr val="tx2"/>
-                </a:solidFill>
-              </a:defRPr>
-            </a:lvl3pPr>
-            <a:lvl4pPr>
-              <a:defRPr>
-                <a:solidFill>
-                  <a:schemeClr val="tx2"/>
-                </a:solidFill>
-              </a:defRPr>
-            </a:lvl4pPr>
-            <a:lvl5pPr>
-              <a:defRPr>
-                <a:solidFill>
-                  <a:schemeClr val="tx2"/>
-                </a:solidFill>
-              </a:defRPr>
-            </a:lvl5pPr>
-            <a:lvl6pPr>
-              <a:defRPr>
-                <a:solidFill>
-                  <a:schemeClr val="tx2"/>
-                </a:solidFill>
-              </a:defRPr>
-            </a:lvl6pPr>
-            <a:lvl7pPr>
-              <a:defRPr>
-                <a:solidFill>
-                  <a:schemeClr val="tx2"/>
-                </a:solidFill>
-              </a:defRPr>
-            </a:lvl7pPr>
-            <a:lvl8pPr>
-              <a:defRPr>
-                <a:solidFill>
-                  <a:schemeClr val="tx2"/>
-                </a:solidFill>
-              </a:defRPr>
-            </a:lvl8pPr>
-            <a:lvl9pPr>
-              <a:defRPr>
-                <a:solidFill>
-                  <a:schemeClr val="tx2"/>
-                </a:solidFill>
-              </a:defRPr>
-            </a:lvl9pPr>
-          </a:lstStyle>
-          <a:p>
-            <a:pPr lvl="0"/>
-            <a:r>
-              <a:rPr lang="en-US" sz="8000" dirty="0">
-                <a:solidFill>
-                  <a:schemeClr val="tx1"/>
-                </a:solidFill>
-                <a:effectLst/>
-              </a:rPr>
-              <a:t>“</a:t>
-            </a:r>
-          </a:p>
-        </p:txBody>
-      </p:sp>
-      <p:sp>
-        <p:nvSpPr>
-          <p:cNvPr id="15" name="TextBox 14"/>
-          <p:cNvSpPr txBox="1"/>
-          <p:nvPr/>
-        </p:nvSpPr>
-        <p:spPr>
-          <a:xfrm>
-            <a:off x="10893425" y="2819399"/>
-            <a:ext cx="609600" cy="584776"/>
-          </a:xfrm>
-          <a:prstGeom prst="rect">
-            <a:avLst/>
-          </a:prstGeom>
-        </p:spPr>
-        <p:txBody>
-          <a:bodyPr vert="horz" lIns="91440" tIns="45720" rIns="91440" bIns="45720" rtlCol="0" anchor="ctr">
-            <a:noAutofit/>
-          </a:bodyPr>
-          <a:lstStyle>
-            <a:lvl1pPr>
-              <a:spcBef>
-                <a:spcPct val="0"/>
-              </a:spcBef>
-              <a:buNone/>
-              <a:defRPr sz="3200" b="0" cap="all">
-                <a:ln w="3175" cmpd="sng">
-                  <a:noFill/>
-                </a:ln>
-                <a:effectLst>
-                  <a:glow rad="38100">
-                    <a:schemeClr val="bg1">
-                      <a:lumMod val="65000"/>
-                      <a:lumOff val="35000"/>
-                      <a:alpha val="40000"/>
-                    </a:schemeClr>
-                  </a:glow>
-                  <a:outerShdw blurRad="28575" dist="38100" dir="14040000" algn="tl" rotWithShape="0">
-                    <a:srgbClr val="000000">
-                      <a:alpha val="25000"/>
-                    </a:srgbClr>
-                  </a:outerShdw>
-                </a:effectLst>
-              </a:defRPr>
-            </a:lvl1pPr>
-            <a:lvl2pPr>
-              <a:defRPr>
-                <a:solidFill>
-                  <a:schemeClr val="tx2"/>
-                </a:solidFill>
-              </a:defRPr>
-            </a:lvl2pPr>
-            <a:lvl3pPr>
-              <a:defRPr>
-                <a:solidFill>
-                  <a:schemeClr val="tx2"/>
-                </a:solidFill>
-              </a:defRPr>
-            </a:lvl3pPr>
-            <a:lvl4pPr>
-              <a:defRPr>
-                <a:solidFill>
-                  <a:schemeClr val="tx2"/>
-                </a:solidFill>
-              </a:defRPr>
-            </a:lvl4pPr>
-            <a:lvl5pPr>
-              <a:defRPr>
-                <a:solidFill>
-                  <a:schemeClr val="tx2"/>
-                </a:solidFill>
-              </a:defRPr>
-            </a:lvl5pPr>
-            <a:lvl6pPr>
-              <a:defRPr>
-                <a:solidFill>
-                  <a:schemeClr val="tx2"/>
-                </a:solidFill>
-              </a:defRPr>
-            </a:lvl6pPr>
-            <a:lvl7pPr>
-              <a:defRPr>
-                <a:solidFill>
-                  <a:schemeClr val="tx2"/>
-                </a:solidFill>
-              </a:defRPr>
-            </a:lvl7pPr>
-            <a:lvl8pPr>
-              <a:defRPr>
-                <a:solidFill>
-                  <a:schemeClr val="tx2"/>
-                </a:solidFill>
-              </a:defRPr>
-            </a:lvl8pPr>
-            <a:lvl9pPr>
-              <a:defRPr>
-                <a:solidFill>
-                  <a:schemeClr val="tx2"/>
-                </a:solidFill>
-              </a:defRPr>
-            </a:lvl9pPr>
-          </a:lstStyle>
-          <a:p>
-            <a:pPr lvl="0" algn="r"/>
-            <a:r>
-              <a:rPr lang="en-US" sz="8000" dirty="0">
-                <a:solidFill>
-                  <a:schemeClr val="tx1"/>
-                </a:solidFill>
-                <a:effectLst/>
-              </a:rPr>
-              <a:t>”</a:t>
-            </a:r>
-          </a:p>
-        </p:txBody>
-      </p:sp>
-      <p:sp>
-        <p:nvSpPr>
-          <p:cNvPr id="2" name="Title 1"/>
-          <p:cNvSpPr>
-            <a:spLocks noGrp="1"/>
-          </p:cNvSpPr>
-          <p:nvPr>
-            <p:ph type="title"/>
-          </p:nvPr>
-        </p:nvSpPr>
-        <p:spPr>
-          <a:xfrm>
-            <a:off x="2208212" y="685800"/>
-            <a:ext cx="8990012" cy="2743199"/>
-          </a:xfrm>
-        </p:spPr>
-        <p:txBody>
-          <a:bodyPr anchor="ctr">
-            <a:normAutofit/>
-          </a:bodyPr>
-          <a:lstStyle>
-            <a:lvl1pPr algn="ctr">
-              <a:defRPr sz="3200" b="0" cap="none">
-                <a:solidFill>
-                  <a:schemeClr val="tx1"/>
-                </a:solidFill>
-              </a:defRPr>
-            </a:lvl1pPr>
-          </a:lstStyle>
-          <a:p>
-            <a:r>
-              <a:rPr lang="en-US" smtClean="0"/>
-              <a:t>Click to edit Master title style</a:t>
-            </a:r>
-            <a:endParaRPr lang="en-US" dirty="0"/>
-          </a:p>
-        </p:txBody>
-      </p:sp>
-      <p:sp>
-        <p:nvSpPr>
-          <p:cNvPr id="10" name="Text Placeholder 9"/>
-          <p:cNvSpPr>
-            <a:spLocks noGrp="1"/>
-          </p:cNvSpPr>
-          <p:nvPr>
-            <p:ph type="body" sz="quarter" idx="13"/>
-          </p:nvPr>
-        </p:nvSpPr>
-        <p:spPr>
-          <a:xfrm>
-            <a:off x="2436811" y="3428999"/>
-            <a:ext cx="8532815" cy="381000"/>
-          </a:xfrm>
-        </p:spPr>
-        <p:txBody>
-          <a:bodyPr anchor="ctr">
-            <a:normAutofit/>
-          </a:bodyPr>
-          <a:lstStyle>
-            <a:lvl1pPr marL="0" indent="0">
-              <a:buFontTx/>
-              <a:buNone/>
-              <a:defRPr sz="1800"/>
-            </a:lvl1pPr>
-            <a:lvl2pPr marL="457200" indent="0">
-              <a:buFontTx/>
-              <a:buNone/>
-              <a:defRPr/>
-            </a:lvl2pPr>
-            <a:lvl3pPr marL="914400" indent="0">
-              <a:buFontTx/>
-              <a:buNone/>
-              <a:defRPr/>
-            </a:lvl3pPr>
-            <a:lvl4pPr marL="1371600" indent="0">
-              <a:buFontTx/>
-              <a:buNone/>
-              <a:defRPr/>
-            </a:lvl4pPr>
-            <a:lvl5pPr marL="1828800" indent="0">
-              <a:buFontTx/>
-              <a:buNone/>
-              <a:defRPr/>
-            </a:lvl5pPr>
-          </a:lstStyle>
-          <a:p>
-            <a:pPr lvl="0"/>
-            <a:r>
-              <a:rPr lang="en-US" smtClean="0"/>
-              <a:t>Click to edit Master text styles</a:t>
-            </a:r>
-          </a:p>
-        </p:txBody>
-      </p:sp>
-      <p:sp>
-        <p:nvSpPr>
-          <p:cNvPr id="3" name="Text Placeholder 2"/>
-          <p:cNvSpPr>
-            <a:spLocks noGrp="1"/>
-          </p:cNvSpPr>
-          <p:nvPr>
-            <p:ph type="body" idx="1"/>
-          </p:nvPr>
-        </p:nvSpPr>
-        <p:spPr>
-          <a:xfrm>
-            <a:off x="1484311" y="4343400"/>
-            <a:ext cx="10018711" cy="1447800"/>
-          </a:xfrm>
-        </p:spPr>
-        <p:txBody>
-          <a:bodyPr anchor="ctr">
-            <a:normAutofit/>
-          </a:bodyPr>
-          <a:lstStyle>
-            <a:lvl1pPr marL="0" indent="0" algn="ctr">
-              <a:buNone/>
-              <a:defRPr sz="2000">
-                <a:solidFill>
-                  <a:schemeClr val="tx1"/>
-                </a:solidFill>
-              </a:defRPr>
-            </a:lvl1pPr>
-            <a:lvl2pPr marL="457200" indent="0">
-              <a:buNone/>
-              <a:defRPr sz="1800">
-                <a:solidFill>
-                  <a:schemeClr val="tx1">
-                    <a:tint val="75000"/>
-                  </a:schemeClr>
-                </a:solidFill>
-              </a:defRPr>
-            </a:lvl2pPr>
-            <a:lvl3pPr marL="914400" indent="0">
-              <a:buNone/>
-              <a:defRPr sz="1600">
-                <a:solidFill>
-                  <a:schemeClr val="tx1">
-                    <a:tint val="75000"/>
-                  </a:schemeClr>
-                </a:solidFill>
-              </a:defRPr>
-            </a:lvl3pPr>
-            <a:lvl4pPr marL="1371600" indent="0">
-              <a:buNone/>
-              <a:defRPr sz="1400">
-                <a:solidFill>
-                  <a:schemeClr val="tx1">
-                    <a:tint val="75000"/>
-                  </a:schemeClr>
-                </a:solidFill>
-              </a:defRPr>
-            </a:lvl4pPr>
-            <a:lvl5pPr marL="1828800" indent="0">
-              <a:buNone/>
-              <a:defRPr sz="1400">
-                <a:solidFill>
-                  <a:schemeClr val="tx1">
-                    <a:tint val="75000"/>
-                  </a:schemeClr>
-                </a:solidFill>
-              </a:defRPr>
-            </a:lvl5pPr>
-            <a:lvl6pPr marL="2286000" indent="0">
-              <a:buNone/>
-              <a:defRPr sz="1400">
-                <a:solidFill>
-                  <a:schemeClr val="tx1">
-                    <a:tint val="75000"/>
-                  </a:schemeClr>
-                </a:solidFill>
-              </a:defRPr>
-            </a:lvl6pPr>
-            <a:lvl7pPr marL="2743200" indent="0">
-              <a:buNone/>
-              <a:defRPr sz="1400">
-                <a:solidFill>
-                  <a:schemeClr val="tx1">
-                    <a:tint val="75000"/>
-                  </a:schemeClr>
-                </a:solidFill>
-              </a:defRPr>
-            </a:lvl7pPr>
-            <a:lvl8pPr marL="3200400" indent="0">
-              <a:buNone/>
-              <a:defRPr sz="1400">
-                <a:solidFill>
-                  <a:schemeClr val="tx1">
-                    <a:tint val="75000"/>
-                  </a:schemeClr>
-                </a:solidFill>
-              </a:defRPr>
-            </a:lvl8pPr>
-            <a:lvl9pPr marL="3657600" indent="0">
-              <a:buNone/>
-              <a:defRPr sz="1400">
-                <a:solidFill>
-                  <a:schemeClr val="tx1">
-                    <a:tint val="75000"/>
-                  </a:schemeClr>
-                </a:solidFill>
-              </a:defRPr>
-            </a:lvl9pPr>
-          </a:lstStyle>
-          <a:p>
-            <a:pPr lvl="0"/>
-            <a:r>
-              <a:rPr lang="en-US" smtClean="0"/>
-              <a:t>Click to edit Master text styles</a:t>
-            </a:r>
-          </a:p>
-        </p:txBody>
-      </p:sp>
-      <p:sp>
-        <p:nvSpPr>
-          <p:cNvPr id="4" name="Date Placeholder 3"/>
-          <p:cNvSpPr>
-            <a:spLocks noGrp="1"/>
-          </p:cNvSpPr>
-          <p:nvPr>
-            <p:ph type="dt" sz="half" idx="10"/>
-          </p:nvPr>
-        </p:nvSpPr>
-        <p:spPr/>
-        <p:txBody>
-          <a:bodyPr/>
-          <a:lstStyle/>
-          <a:p>
-            <a:fld id="{B61BEF0D-F0BB-DE4B-95CE-6DB70DBA9567}" type="datetimeFigureOut">
-              <a:rPr lang="en-US" dirty="0"/>
-              <a:pPr/>
-              <a:t>12/1/2016</a:t>
-            </a:fld>
-            <a:endParaRPr lang="en-US" dirty="0"/>
-          </a:p>
-        </p:txBody>
-      </p:sp>
-      <p:sp>
-        <p:nvSpPr>
-          <p:cNvPr id="5" name="Footer Placeholder 4"/>
-          <p:cNvSpPr>
-            <a:spLocks noGrp="1"/>
-          </p:cNvSpPr>
-          <p:nvPr>
-            <p:ph type="ftr" sz="quarter" idx="11"/>
-          </p:nvPr>
-        </p:nvSpPr>
-        <p:spPr/>
-        <p:txBody>
-          <a:bodyPr/>
-          <a:lstStyle/>
-          <a:p>
-            <a:endParaRPr lang="en-US" dirty="0"/>
-          </a:p>
-        </p:txBody>
-      </p:sp>
-      <p:sp>
-        <p:nvSpPr>
-          <p:cNvPr id="6" name="Slide Number Placeholder 5"/>
-          <p:cNvSpPr>
-            <a:spLocks noGrp="1"/>
-          </p:cNvSpPr>
-          <p:nvPr>
-            <p:ph type="sldNum" sz="quarter" idx="12"/>
-          </p:nvPr>
-        </p:nvSpPr>
-        <p:spPr/>
-        <p:txBody>
-          <a:bodyPr/>
-          <a:lstStyle/>
-          <a:p>
-            <a:fld id="{D57F1E4F-1CFF-5643-939E-217C01CDF565}" type="slidenum">
-              <a:rPr lang="en-US" dirty="0"/>
-              <a:pPr/>
-              <a:t>‹#›</a:t>
-            </a:fld>
-            <a:endParaRPr lang="en-US" dirty="0"/>
-          </a:p>
-        </p:txBody>
-      </p:sp>
-    </p:spTree>
-    <p:extLst>
-      <p:ext uri="{BB962C8B-B14F-4D97-AF65-F5344CB8AC3E}">
-        <p14:creationId xmlns:p14="http://schemas.microsoft.com/office/powerpoint/2010/main" val="1308810152"/>
-      </p:ext>
-    </p:extLst>
-  </p:cSld>
-  <p:clrMapOvr>
-    <a:masterClrMapping/>
-  </p:clrMapOvr>
-  <p:hf hdr="0" dt="0"/>
-</p:sldLayout>
-</file>
-
-<file path=ppt/slideLayouts/slideLayout101.xml><?xml version="1.0" encoding="utf-8"?>
-<p:sldLayout xmlns:a="http://schemas.openxmlformats.org/drawingml/2006/main" xmlns:r="http://schemas.openxmlformats.org/officeDocument/2006/relationships" xmlns:p="http://schemas.openxmlformats.org/presentationml/2006/main" preserve="1">
-  <p:cSld name="Name Card">
-    <p:spTree>
-      <p:nvGrpSpPr>
-        <p:cNvPr id="1" name=""/>
-        <p:cNvGrpSpPr/>
-        <p:nvPr/>
-      </p:nvGrpSpPr>
-      <p:grpSpPr>
-        <a:xfrm>
-          <a:off x="0" y="0"/>
-          <a:ext cx="0" cy="0"/>
-          <a:chOff x="0" y="0"/>
-          <a:chExt cx="0" cy="0"/>
-        </a:xfrm>
-      </p:grpSpPr>
-      <p:sp>
-        <p:nvSpPr>
-          <p:cNvPr id="2" name="Title 1"/>
-          <p:cNvSpPr>
-            <a:spLocks noGrp="1"/>
-          </p:cNvSpPr>
-          <p:nvPr>
-            <p:ph type="title"/>
-          </p:nvPr>
-        </p:nvSpPr>
-        <p:spPr>
-          <a:xfrm>
-            <a:off x="1484313" y="3308581"/>
-            <a:ext cx="10018709" cy="1468800"/>
-          </a:xfrm>
-        </p:spPr>
-        <p:txBody>
-          <a:bodyPr anchor="b">
-            <a:normAutofit/>
-          </a:bodyPr>
-          <a:lstStyle>
-            <a:lvl1pPr algn="r">
-              <a:defRPr sz="3200" b="0" cap="none"/>
-            </a:lvl1pPr>
-          </a:lstStyle>
-          <a:p>
-            <a:r>
-              <a:rPr lang="en-US" smtClean="0"/>
-              <a:t>Click to edit Master title style</a:t>
-            </a:r>
-            <a:endParaRPr lang="en-US" dirty="0"/>
-          </a:p>
-        </p:txBody>
-      </p:sp>
-      <p:sp>
-        <p:nvSpPr>
-          <p:cNvPr id="3" name="Text Placeholder 2"/>
-          <p:cNvSpPr>
-            <a:spLocks noGrp="1"/>
-          </p:cNvSpPr>
-          <p:nvPr>
-            <p:ph type="body" idx="1"/>
-          </p:nvPr>
-        </p:nvSpPr>
-        <p:spPr>
-          <a:xfrm>
-            <a:off x="1484312" y="4777381"/>
-            <a:ext cx="10018710" cy="860400"/>
-          </a:xfrm>
-        </p:spPr>
-        <p:txBody>
-          <a:bodyPr anchor="t">
-            <a:normAutofit/>
-          </a:bodyPr>
-          <a:lstStyle>
-            <a:lvl1pPr marL="0" indent="0" algn="r">
-              <a:buNone/>
-              <a:defRPr sz="2000">
-                <a:solidFill>
-                  <a:schemeClr val="tx1"/>
-                </a:solidFill>
-              </a:defRPr>
-            </a:lvl1pPr>
-            <a:lvl2pPr marL="457200" indent="0">
-              <a:buNone/>
-              <a:defRPr sz="1800">
-                <a:solidFill>
-                  <a:schemeClr val="tx1">
-                    <a:tint val="75000"/>
-                  </a:schemeClr>
-                </a:solidFill>
-              </a:defRPr>
-            </a:lvl2pPr>
-            <a:lvl3pPr marL="914400" indent="0">
-              <a:buNone/>
-              <a:defRPr sz="1600">
-                <a:solidFill>
-                  <a:schemeClr val="tx1">
-                    <a:tint val="75000"/>
-                  </a:schemeClr>
-                </a:solidFill>
-              </a:defRPr>
-            </a:lvl3pPr>
-            <a:lvl4pPr marL="1371600" indent="0">
-              <a:buNone/>
-              <a:defRPr sz="1400">
-                <a:solidFill>
-                  <a:schemeClr val="tx1">
-                    <a:tint val="75000"/>
-                  </a:schemeClr>
-                </a:solidFill>
-              </a:defRPr>
-            </a:lvl4pPr>
-            <a:lvl5pPr marL="1828800" indent="0">
-              <a:buNone/>
-              <a:defRPr sz="1400">
-                <a:solidFill>
-                  <a:schemeClr val="tx1">
-                    <a:tint val="75000"/>
-                  </a:schemeClr>
-                </a:solidFill>
-              </a:defRPr>
-            </a:lvl5pPr>
-            <a:lvl6pPr marL="2286000" indent="0">
-              <a:buNone/>
-              <a:defRPr sz="1400">
-                <a:solidFill>
-                  <a:schemeClr val="tx1">
-                    <a:tint val="75000"/>
-                  </a:schemeClr>
-                </a:solidFill>
-              </a:defRPr>
-            </a:lvl6pPr>
-            <a:lvl7pPr marL="2743200" indent="0">
-              <a:buNone/>
-              <a:defRPr sz="1400">
-                <a:solidFill>
-                  <a:schemeClr val="tx1">
-                    <a:tint val="75000"/>
-                  </a:schemeClr>
-                </a:solidFill>
-              </a:defRPr>
-            </a:lvl7pPr>
-            <a:lvl8pPr marL="3200400" indent="0">
-              <a:buNone/>
-              <a:defRPr sz="1400">
-                <a:solidFill>
-                  <a:schemeClr val="tx1">
-                    <a:tint val="75000"/>
-                  </a:schemeClr>
-                </a:solidFill>
-              </a:defRPr>
-            </a:lvl8pPr>
-            <a:lvl9pPr marL="3657600" indent="0">
-              <a:buNone/>
-              <a:defRPr sz="1400">
-                <a:solidFill>
-                  <a:schemeClr val="tx1">
-                    <a:tint val="75000"/>
-                  </a:schemeClr>
-                </a:solidFill>
-              </a:defRPr>
-            </a:lvl9pPr>
-          </a:lstStyle>
-          <a:p>
-            <a:pPr lvl="0"/>
-            <a:r>
-              <a:rPr lang="en-US" smtClean="0"/>
-              <a:t>Click to edit Master text styles</a:t>
-            </a:r>
-          </a:p>
-        </p:txBody>
-      </p:sp>
-      <p:sp>
-        <p:nvSpPr>
-          <p:cNvPr id="4" name="Date Placeholder 3"/>
-          <p:cNvSpPr>
-            <a:spLocks noGrp="1"/>
-          </p:cNvSpPr>
-          <p:nvPr>
-            <p:ph type="dt" sz="half" idx="10"/>
-          </p:nvPr>
-        </p:nvSpPr>
-        <p:spPr/>
-        <p:txBody>
-          <a:bodyPr/>
-          <a:lstStyle/>
-          <a:p>
-            <a:fld id="{B61BEF0D-F0BB-DE4B-95CE-6DB70DBA9567}" type="datetimeFigureOut">
-              <a:rPr lang="en-US" dirty="0"/>
-              <a:pPr/>
-              <a:t>12/1/2016</a:t>
-            </a:fld>
-            <a:endParaRPr lang="en-US" dirty="0"/>
-          </a:p>
-        </p:txBody>
-      </p:sp>
-      <p:sp>
-        <p:nvSpPr>
-          <p:cNvPr id="5" name="Footer Placeholder 4"/>
-          <p:cNvSpPr>
-            <a:spLocks noGrp="1"/>
-          </p:cNvSpPr>
-          <p:nvPr>
-            <p:ph type="ftr" sz="quarter" idx="11"/>
-          </p:nvPr>
-        </p:nvSpPr>
-        <p:spPr/>
-        <p:txBody>
-          <a:bodyPr/>
-          <a:lstStyle/>
-          <a:p>
-            <a:endParaRPr lang="en-US" dirty="0"/>
-          </a:p>
-        </p:txBody>
-      </p:sp>
-      <p:sp>
-        <p:nvSpPr>
-          <p:cNvPr id="6" name="Slide Number Placeholder 5"/>
-          <p:cNvSpPr>
-            <a:spLocks noGrp="1"/>
-          </p:cNvSpPr>
-          <p:nvPr>
-            <p:ph type="sldNum" sz="quarter" idx="12"/>
-          </p:nvPr>
-        </p:nvSpPr>
-        <p:spPr/>
-        <p:txBody>
-          <a:bodyPr/>
-          <a:lstStyle/>
-          <a:p>
-            <a:fld id="{D57F1E4F-1CFF-5643-939E-217C01CDF565}" type="slidenum">
-              <a:rPr lang="en-US" dirty="0"/>
-              <a:pPr/>
-              <a:t>‹#›</a:t>
-            </a:fld>
-            <a:endParaRPr lang="en-US" dirty="0"/>
-          </a:p>
-        </p:txBody>
-      </p:sp>
-    </p:spTree>
-    <p:extLst>
-      <p:ext uri="{BB962C8B-B14F-4D97-AF65-F5344CB8AC3E}">
-        <p14:creationId xmlns:p14="http://schemas.microsoft.com/office/powerpoint/2010/main" val="636349882"/>
-      </p:ext>
-    </p:extLst>
-  </p:cSld>
-  <p:clrMapOvr>
-    <a:masterClrMapping/>
-  </p:clrMapOvr>
-  <p:hf hdr="0" dt="0"/>
-</p:sldLayout>
-</file>
-
-<file path=ppt/slideLayouts/slideLayout102.xml><?xml version="1.0" encoding="utf-8"?>
-<p:sldLayout xmlns:a="http://schemas.openxmlformats.org/drawingml/2006/main" xmlns:r="http://schemas.openxmlformats.org/officeDocument/2006/relationships" xmlns:p="http://schemas.openxmlformats.org/presentationml/2006/main" preserve="1">
-  <p:cSld name="Quote Name Card">
-    <p:spTree>
-      <p:nvGrpSpPr>
-        <p:cNvPr id="1" name=""/>
-        <p:cNvGrpSpPr/>
-        <p:nvPr/>
-      </p:nvGrpSpPr>
-      <p:grpSpPr>
-        <a:xfrm>
-          <a:off x="0" y="0"/>
-          <a:ext cx="0" cy="0"/>
-          <a:chOff x="0" y="0"/>
-          <a:chExt cx="0" cy="0"/>
-        </a:xfrm>
-      </p:grpSpPr>
-      <p:sp>
-        <p:nvSpPr>
-          <p:cNvPr id="14" name="TextBox 13"/>
-          <p:cNvSpPr txBox="1"/>
-          <p:nvPr/>
-        </p:nvSpPr>
-        <p:spPr>
-          <a:xfrm>
-            <a:off x="1598612" y="863023"/>
-            <a:ext cx="609600" cy="584776"/>
-          </a:xfrm>
-          <a:prstGeom prst="rect">
-            <a:avLst/>
-          </a:prstGeom>
-        </p:spPr>
-        <p:txBody>
-          <a:bodyPr vert="horz" lIns="91440" tIns="45720" rIns="91440" bIns="45720" rtlCol="0" anchor="ctr">
-            <a:noAutofit/>
-          </a:bodyPr>
-          <a:lstStyle>
-            <a:lvl1pPr>
-              <a:spcBef>
-                <a:spcPct val="0"/>
-              </a:spcBef>
-              <a:buNone/>
-              <a:defRPr sz="3200" b="0" cap="all">
-                <a:ln w="3175" cmpd="sng">
-                  <a:noFill/>
-                </a:ln>
-                <a:effectLst>
-                  <a:glow rad="38100">
-                    <a:schemeClr val="bg1">
-                      <a:lumMod val="65000"/>
-                      <a:lumOff val="35000"/>
-                      <a:alpha val="40000"/>
-                    </a:schemeClr>
-                  </a:glow>
-                  <a:outerShdw blurRad="28575" dist="38100" dir="14040000" algn="tl" rotWithShape="0">
-                    <a:srgbClr val="000000">
-                      <a:alpha val="25000"/>
-                    </a:srgbClr>
-                  </a:outerShdw>
-                </a:effectLst>
-              </a:defRPr>
-            </a:lvl1pPr>
-            <a:lvl2pPr>
-              <a:defRPr>
-                <a:solidFill>
-                  <a:schemeClr val="tx2"/>
-                </a:solidFill>
-              </a:defRPr>
-            </a:lvl2pPr>
-            <a:lvl3pPr>
-              <a:defRPr>
-                <a:solidFill>
-                  <a:schemeClr val="tx2"/>
-                </a:solidFill>
-              </a:defRPr>
-            </a:lvl3pPr>
-            <a:lvl4pPr>
-              <a:defRPr>
-                <a:solidFill>
-                  <a:schemeClr val="tx2"/>
-                </a:solidFill>
-              </a:defRPr>
-            </a:lvl4pPr>
-            <a:lvl5pPr>
-              <a:defRPr>
-                <a:solidFill>
-                  <a:schemeClr val="tx2"/>
-                </a:solidFill>
-              </a:defRPr>
-            </a:lvl5pPr>
-            <a:lvl6pPr>
-              <a:defRPr>
-                <a:solidFill>
-                  <a:schemeClr val="tx2"/>
-                </a:solidFill>
-              </a:defRPr>
-            </a:lvl6pPr>
-            <a:lvl7pPr>
-              <a:defRPr>
-                <a:solidFill>
-                  <a:schemeClr val="tx2"/>
-                </a:solidFill>
-              </a:defRPr>
-            </a:lvl7pPr>
-            <a:lvl8pPr>
-              <a:defRPr>
-                <a:solidFill>
-                  <a:schemeClr val="tx2"/>
-                </a:solidFill>
-              </a:defRPr>
-            </a:lvl8pPr>
-            <a:lvl9pPr>
-              <a:defRPr>
-                <a:solidFill>
-                  <a:schemeClr val="tx2"/>
-                </a:solidFill>
-              </a:defRPr>
-            </a:lvl9pPr>
-          </a:lstStyle>
-          <a:p>
-            <a:pPr lvl="0"/>
-            <a:r>
-              <a:rPr lang="en-US" sz="8000" dirty="0">
-                <a:solidFill>
-                  <a:schemeClr val="tx1"/>
-                </a:solidFill>
-                <a:effectLst/>
-              </a:rPr>
-              <a:t>“</a:t>
-            </a:r>
-          </a:p>
-        </p:txBody>
-      </p:sp>
-      <p:sp>
-        <p:nvSpPr>
-          <p:cNvPr id="15" name="TextBox 14"/>
-          <p:cNvSpPr txBox="1"/>
-          <p:nvPr/>
-        </p:nvSpPr>
-        <p:spPr>
-          <a:xfrm>
-            <a:off x="10893425" y="2819399"/>
-            <a:ext cx="609600" cy="584776"/>
-          </a:xfrm>
-          <a:prstGeom prst="rect">
-            <a:avLst/>
-          </a:prstGeom>
-        </p:spPr>
-        <p:txBody>
-          <a:bodyPr vert="horz" lIns="91440" tIns="45720" rIns="91440" bIns="45720" rtlCol="0" anchor="ctr">
-            <a:noAutofit/>
-          </a:bodyPr>
-          <a:lstStyle>
-            <a:lvl1pPr>
-              <a:spcBef>
-                <a:spcPct val="0"/>
-              </a:spcBef>
-              <a:buNone/>
-              <a:defRPr sz="3200" b="0" cap="all">
-                <a:ln w="3175" cmpd="sng">
-                  <a:noFill/>
-                </a:ln>
-                <a:effectLst>
-                  <a:glow rad="38100">
-                    <a:schemeClr val="bg1">
-                      <a:lumMod val="65000"/>
-                      <a:lumOff val="35000"/>
-                      <a:alpha val="40000"/>
-                    </a:schemeClr>
-                  </a:glow>
-                  <a:outerShdw blurRad="28575" dist="38100" dir="14040000" algn="tl" rotWithShape="0">
-                    <a:srgbClr val="000000">
-                      <a:alpha val="25000"/>
-                    </a:srgbClr>
-                  </a:outerShdw>
-                </a:effectLst>
-              </a:defRPr>
-            </a:lvl1pPr>
-            <a:lvl2pPr>
-              <a:defRPr>
-                <a:solidFill>
-                  <a:schemeClr val="tx2"/>
-                </a:solidFill>
-              </a:defRPr>
-            </a:lvl2pPr>
-            <a:lvl3pPr>
-              <a:defRPr>
-                <a:solidFill>
-                  <a:schemeClr val="tx2"/>
-                </a:solidFill>
-              </a:defRPr>
-            </a:lvl3pPr>
-            <a:lvl4pPr>
-              <a:defRPr>
-                <a:solidFill>
-                  <a:schemeClr val="tx2"/>
-                </a:solidFill>
-              </a:defRPr>
-            </a:lvl4pPr>
-            <a:lvl5pPr>
-              <a:defRPr>
-                <a:solidFill>
-                  <a:schemeClr val="tx2"/>
-                </a:solidFill>
-              </a:defRPr>
-            </a:lvl5pPr>
-            <a:lvl6pPr>
-              <a:defRPr>
-                <a:solidFill>
-                  <a:schemeClr val="tx2"/>
-                </a:solidFill>
-              </a:defRPr>
-            </a:lvl6pPr>
-            <a:lvl7pPr>
-              <a:defRPr>
-                <a:solidFill>
-                  <a:schemeClr val="tx2"/>
-                </a:solidFill>
-              </a:defRPr>
-            </a:lvl7pPr>
-            <a:lvl8pPr>
-              <a:defRPr>
-                <a:solidFill>
-                  <a:schemeClr val="tx2"/>
-                </a:solidFill>
-              </a:defRPr>
-            </a:lvl8pPr>
-            <a:lvl9pPr>
-              <a:defRPr>
-                <a:solidFill>
-                  <a:schemeClr val="tx2"/>
-                </a:solidFill>
-              </a:defRPr>
-            </a:lvl9pPr>
-          </a:lstStyle>
-          <a:p>
-            <a:pPr lvl="0" algn="r"/>
-            <a:r>
-              <a:rPr lang="en-US" sz="8000" dirty="0">
-                <a:solidFill>
-                  <a:schemeClr val="tx1"/>
-                </a:solidFill>
-                <a:effectLst/>
-              </a:rPr>
-              <a:t>”</a:t>
-            </a:r>
-          </a:p>
-        </p:txBody>
-      </p:sp>
-      <p:sp>
-        <p:nvSpPr>
-          <p:cNvPr id="2" name="Title 1"/>
-          <p:cNvSpPr>
-            <a:spLocks noGrp="1"/>
-          </p:cNvSpPr>
-          <p:nvPr>
-            <p:ph type="title"/>
-          </p:nvPr>
-        </p:nvSpPr>
-        <p:spPr>
-          <a:xfrm>
-            <a:off x="2208212" y="685800"/>
-            <a:ext cx="8990012" cy="2743199"/>
-          </a:xfrm>
-        </p:spPr>
-        <p:txBody>
-          <a:bodyPr anchor="ctr">
-            <a:normAutofit/>
-          </a:bodyPr>
-          <a:lstStyle>
-            <a:lvl1pPr algn="ctr">
-              <a:defRPr sz="3200" b="0" cap="none">
-                <a:solidFill>
-                  <a:schemeClr val="tx1"/>
-                </a:solidFill>
-              </a:defRPr>
-            </a:lvl1pPr>
-          </a:lstStyle>
-          <a:p>
-            <a:r>
-              <a:rPr lang="en-US" smtClean="0"/>
-              <a:t>Click to edit Master title style</a:t>
-            </a:r>
-            <a:endParaRPr lang="en-US" dirty="0"/>
-          </a:p>
-        </p:txBody>
-      </p:sp>
-      <p:sp>
-        <p:nvSpPr>
-          <p:cNvPr id="10" name="Text Placeholder 9"/>
-          <p:cNvSpPr>
-            <a:spLocks noGrp="1"/>
-          </p:cNvSpPr>
-          <p:nvPr>
-            <p:ph type="body" sz="quarter" idx="13"/>
-          </p:nvPr>
-        </p:nvSpPr>
-        <p:spPr>
-          <a:xfrm>
-            <a:off x="1484313" y="3886200"/>
-            <a:ext cx="10018710" cy="889000"/>
-          </a:xfrm>
-        </p:spPr>
-        <p:txBody>
-          <a:bodyPr vert="horz" lIns="91440" tIns="45720" rIns="91440" bIns="45720" rtlCol="0" anchor="b">
-            <a:normAutofit/>
-          </a:bodyPr>
-          <a:lstStyle>
-            <a:lvl1pPr algn="r">
-              <a:buNone/>
-              <a:defRPr lang="en-US" sz="2400" b="0" cap="none" dirty="0">
-                <a:ln w="3175" cmpd="sng">
-                  <a:noFill/>
-                </a:ln>
-                <a:solidFill>
-                  <a:schemeClr val="tx1"/>
-                </a:solidFill>
-                <a:effectLst/>
-              </a:defRPr>
-            </a:lvl1pPr>
-          </a:lstStyle>
-          <a:p>
-            <a:pPr marL="0" lvl="0">
-              <a:spcBef>
-                <a:spcPct val="0"/>
-              </a:spcBef>
-              <a:buNone/>
-            </a:pPr>
-            <a:r>
-              <a:rPr lang="en-US" smtClean="0"/>
-              <a:t>Click to edit Master text styles</a:t>
-            </a:r>
-          </a:p>
-        </p:txBody>
-      </p:sp>
-      <p:sp>
-        <p:nvSpPr>
-          <p:cNvPr id="3" name="Text Placeholder 2"/>
-          <p:cNvSpPr>
-            <a:spLocks noGrp="1"/>
-          </p:cNvSpPr>
-          <p:nvPr>
-            <p:ph type="body" idx="1"/>
-          </p:nvPr>
-        </p:nvSpPr>
-        <p:spPr>
-          <a:xfrm>
-            <a:off x="1484312" y="4775200"/>
-            <a:ext cx="10018710" cy="1016000"/>
-          </a:xfrm>
-        </p:spPr>
-        <p:txBody>
-          <a:bodyPr anchor="t">
-            <a:normAutofit/>
-          </a:bodyPr>
-          <a:lstStyle>
-            <a:lvl1pPr marL="0" indent="0" algn="r">
-              <a:buNone/>
-              <a:defRPr sz="1800">
-                <a:solidFill>
-                  <a:schemeClr val="tx1"/>
-                </a:solidFill>
-              </a:defRPr>
-            </a:lvl1pPr>
-            <a:lvl2pPr marL="457200" indent="0">
-              <a:buNone/>
-              <a:defRPr sz="1800">
-                <a:solidFill>
-                  <a:schemeClr val="tx1">
-                    <a:tint val="75000"/>
-                  </a:schemeClr>
-                </a:solidFill>
-              </a:defRPr>
-            </a:lvl2pPr>
-            <a:lvl3pPr marL="914400" indent="0">
-              <a:buNone/>
-              <a:defRPr sz="1600">
-                <a:solidFill>
-                  <a:schemeClr val="tx1">
-                    <a:tint val="75000"/>
-                  </a:schemeClr>
-                </a:solidFill>
-              </a:defRPr>
-            </a:lvl3pPr>
-            <a:lvl4pPr marL="1371600" indent="0">
-              <a:buNone/>
-              <a:defRPr sz="1400">
-                <a:solidFill>
-                  <a:schemeClr val="tx1">
-                    <a:tint val="75000"/>
-                  </a:schemeClr>
-                </a:solidFill>
-              </a:defRPr>
-            </a:lvl4pPr>
-            <a:lvl5pPr marL="1828800" indent="0">
-              <a:buNone/>
-              <a:defRPr sz="1400">
-                <a:solidFill>
-                  <a:schemeClr val="tx1">
-                    <a:tint val="75000"/>
-                  </a:schemeClr>
-                </a:solidFill>
-              </a:defRPr>
-            </a:lvl5pPr>
-            <a:lvl6pPr marL="2286000" indent="0">
-              <a:buNone/>
-              <a:defRPr sz="1400">
-                <a:solidFill>
-                  <a:schemeClr val="tx1">
-                    <a:tint val="75000"/>
-                  </a:schemeClr>
-                </a:solidFill>
-              </a:defRPr>
-            </a:lvl6pPr>
-            <a:lvl7pPr marL="2743200" indent="0">
-              <a:buNone/>
-              <a:defRPr sz="1400">
-                <a:solidFill>
-                  <a:schemeClr val="tx1">
-                    <a:tint val="75000"/>
-                  </a:schemeClr>
-                </a:solidFill>
-              </a:defRPr>
-            </a:lvl7pPr>
-            <a:lvl8pPr marL="3200400" indent="0">
-              <a:buNone/>
-              <a:defRPr sz="1400">
-                <a:solidFill>
-                  <a:schemeClr val="tx1">
-                    <a:tint val="75000"/>
-                  </a:schemeClr>
-                </a:solidFill>
-              </a:defRPr>
-            </a:lvl8pPr>
-            <a:lvl9pPr marL="3657600" indent="0">
-              <a:buNone/>
-              <a:defRPr sz="1400">
-                <a:solidFill>
-                  <a:schemeClr val="tx1">
-                    <a:tint val="75000"/>
-                  </a:schemeClr>
-                </a:solidFill>
-              </a:defRPr>
-            </a:lvl9pPr>
-          </a:lstStyle>
-          <a:p>
-            <a:pPr lvl="0"/>
-            <a:r>
-              <a:rPr lang="en-US" smtClean="0"/>
-              <a:t>Click to edit Master text styles</a:t>
-            </a:r>
-          </a:p>
-        </p:txBody>
-      </p:sp>
-      <p:sp>
-        <p:nvSpPr>
-          <p:cNvPr id="4" name="Date Placeholder 3"/>
-          <p:cNvSpPr>
-            <a:spLocks noGrp="1"/>
-          </p:cNvSpPr>
-          <p:nvPr>
-            <p:ph type="dt" sz="half" idx="10"/>
-          </p:nvPr>
-        </p:nvSpPr>
-        <p:spPr/>
-        <p:txBody>
-          <a:bodyPr/>
-          <a:lstStyle/>
-          <a:p>
-            <a:fld id="{B61BEF0D-F0BB-DE4B-95CE-6DB70DBA9567}" type="datetimeFigureOut">
-              <a:rPr lang="en-US" dirty="0"/>
-              <a:pPr/>
-              <a:t>12/1/2016</a:t>
-            </a:fld>
-            <a:endParaRPr lang="en-US" dirty="0"/>
-          </a:p>
-        </p:txBody>
-      </p:sp>
-      <p:sp>
-        <p:nvSpPr>
-          <p:cNvPr id="5" name="Footer Placeholder 4"/>
-          <p:cNvSpPr>
-            <a:spLocks noGrp="1"/>
-          </p:cNvSpPr>
-          <p:nvPr>
-            <p:ph type="ftr" sz="quarter" idx="11"/>
-          </p:nvPr>
-        </p:nvSpPr>
-        <p:spPr/>
-        <p:txBody>
-          <a:bodyPr/>
-          <a:lstStyle/>
-          <a:p>
-            <a:endParaRPr lang="en-US" dirty="0"/>
-          </a:p>
-        </p:txBody>
-      </p:sp>
-      <p:sp>
-        <p:nvSpPr>
-          <p:cNvPr id="6" name="Slide Number Placeholder 5"/>
-          <p:cNvSpPr>
-            <a:spLocks noGrp="1"/>
-          </p:cNvSpPr>
-          <p:nvPr>
-            <p:ph type="sldNum" sz="quarter" idx="12"/>
-          </p:nvPr>
-        </p:nvSpPr>
-        <p:spPr/>
-        <p:txBody>
-          <a:bodyPr/>
-          <a:lstStyle/>
-          <a:p>
-            <a:fld id="{D57F1E4F-1CFF-5643-939E-217C01CDF565}" type="slidenum">
-              <a:rPr lang="en-US" dirty="0"/>
-              <a:pPr/>
-              <a:t>‹#›</a:t>
-            </a:fld>
-            <a:endParaRPr lang="en-US" dirty="0"/>
-          </a:p>
-        </p:txBody>
-      </p:sp>
-    </p:spTree>
-    <p:extLst>
-      <p:ext uri="{BB962C8B-B14F-4D97-AF65-F5344CB8AC3E}">
-        <p14:creationId xmlns:p14="http://schemas.microsoft.com/office/powerpoint/2010/main" val="207069278"/>
-      </p:ext>
-    </p:extLst>
-  </p:cSld>
-  <p:clrMapOvr>
-    <a:masterClrMapping/>
-  </p:clrMapOvr>
-  <p:hf hdr="0" dt="0"/>
-</p:sldLayout>
-</file>
-
-<file path=ppt/slideLayouts/slideLayout103.xml><?xml version="1.0" encoding="utf-8"?>
-<p:sldLayout xmlns:a="http://schemas.openxmlformats.org/drawingml/2006/main" xmlns:r="http://schemas.openxmlformats.org/officeDocument/2006/relationships" xmlns:p="http://schemas.openxmlformats.org/presentationml/2006/main" preserve="1">
-  <p:cSld name="True or False">
-    <p:spTree>
-      <p:nvGrpSpPr>
-        <p:cNvPr id="1" name=""/>
-        <p:cNvGrpSpPr/>
-        <p:nvPr/>
-      </p:nvGrpSpPr>
-      <p:grpSpPr>
-        <a:xfrm>
-          <a:off x="0" y="0"/>
-          <a:ext cx="0" cy="0"/>
-          <a:chOff x="0" y="0"/>
-          <a:chExt cx="0" cy="0"/>
-        </a:xfrm>
-      </p:grpSpPr>
-      <p:sp>
-        <p:nvSpPr>
-          <p:cNvPr id="2" name="Title 1"/>
-          <p:cNvSpPr>
-            <a:spLocks noGrp="1"/>
-          </p:cNvSpPr>
-          <p:nvPr>
-            <p:ph type="title"/>
-          </p:nvPr>
-        </p:nvSpPr>
-        <p:spPr>
-          <a:xfrm>
-            <a:off x="1484313" y="685800"/>
-            <a:ext cx="10018712" cy="2727325"/>
-          </a:xfrm>
-        </p:spPr>
-        <p:txBody>
-          <a:bodyPr vert="horz" lIns="91440" tIns="45720" rIns="91440" bIns="45720" rtlCol="0" anchor="ctr">
-            <a:normAutofit/>
-          </a:bodyPr>
-          <a:lstStyle>
-            <a:lvl1pPr>
-              <a:defRPr lang="en-US" b="0" dirty="0"/>
-            </a:lvl1pPr>
-          </a:lstStyle>
-          <a:p>
-            <a:pPr marL="0" lvl="0"/>
-            <a:r>
-              <a:rPr lang="en-US" smtClean="0"/>
-              <a:t>Click to edit Master title style</a:t>
-            </a:r>
-            <a:endParaRPr lang="en-US" dirty="0"/>
-          </a:p>
-        </p:txBody>
-      </p:sp>
-      <p:sp>
-        <p:nvSpPr>
-          <p:cNvPr id="10" name="Text Placeholder 9"/>
-          <p:cNvSpPr>
-            <a:spLocks noGrp="1"/>
-          </p:cNvSpPr>
-          <p:nvPr>
-            <p:ph type="body" sz="quarter" idx="13"/>
-          </p:nvPr>
-        </p:nvSpPr>
-        <p:spPr>
-          <a:xfrm>
-            <a:off x="1484312" y="3505200"/>
-            <a:ext cx="10018713" cy="838200"/>
-          </a:xfrm>
-        </p:spPr>
-        <p:txBody>
-          <a:bodyPr vert="horz" lIns="91440" tIns="45720" rIns="91440" bIns="45720" rtlCol="0" anchor="b">
-            <a:normAutofit/>
-          </a:bodyPr>
-          <a:lstStyle>
-            <a:lvl1pPr>
-              <a:buNone/>
-              <a:defRPr lang="en-US" sz="2800" b="0" cap="none" dirty="0">
-                <a:ln w="3175" cmpd="sng">
-                  <a:noFill/>
-                </a:ln>
-                <a:solidFill>
-                  <a:schemeClr val="tx1"/>
-                </a:solidFill>
-                <a:effectLst/>
-              </a:defRPr>
-            </a:lvl1pPr>
-          </a:lstStyle>
-          <a:p>
-            <a:pPr marL="0" lvl="0">
-              <a:spcBef>
-                <a:spcPct val="0"/>
-              </a:spcBef>
-              <a:buNone/>
-            </a:pPr>
-            <a:r>
-              <a:rPr lang="en-US" smtClean="0"/>
-              <a:t>Click to edit Master text styles</a:t>
-            </a:r>
-          </a:p>
-        </p:txBody>
-      </p:sp>
-      <p:sp>
-        <p:nvSpPr>
-          <p:cNvPr id="3" name="Text Placeholder 2"/>
-          <p:cNvSpPr>
-            <a:spLocks noGrp="1"/>
-          </p:cNvSpPr>
-          <p:nvPr>
-            <p:ph type="body" idx="1"/>
-          </p:nvPr>
-        </p:nvSpPr>
-        <p:spPr>
-          <a:xfrm>
-            <a:off x="1484311" y="4343400"/>
-            <a:ext cx="10018713" cy="1447800"/>
-          </a:xfrm>
-        </p:spPr>
-        <p:txBody>
-          <a:bodyPr anchor="t">
-            <a:normAutofit/>
-          </a:bodyPr>
-          <a:lstStyle>
-            <a:lvl1pPr marL="0" indent="0" algn="l">
-              <a:buNone/>
-              <a:defRPr sz="1800">
-                <a:solidFill>
-                  <a:schemeClr val="tx1"/>
-                </a:solidFill>
-              </a:defRPr>
-            </a:lvl1pPr>
-            <a:lvl2pPr marL="457200" indent="0">
-              <a:buNone/>
-              <a:defRPr sz="1800">
-                <a:solidFill>
-                  <a:schemeClr val="tx1">
-                    <a:tint val="75000"/>
-                  </a:schemeClr>
-                </a:solidFill>
-              </a:defRPr>
-            </a:lvl2pPr>
-            <a:lvl3pPr marL="914400" indent="0">
-              <a:buNone/>
-              <a:defRPr sz="1600">
-                <a:solidFill>
-                  <a:schemeClr val="tx1">
-                    <a:tint val="75000"/>
-                  </a:schemeClr>
-                </a:solidFill>
-              </a:defRPr>
-            </a:lvl3pPr>
-            <a:lvl4pPr marL="1371600" indent="0">
-              <a:buNone/>
-              <a:defRPr sz="1400">
-                <a:solidFill>
-                  <a:schemeClr val="tx1">
-                    <a:tint val="75000"/>
-                  </a:schemeClr>
-                </a:solidFill>
-              </a:defRPr>
-            </a:lvl4pPr>
-            <a:lvl5pPr marL="1828800" indent="0">
-              <a:buNone/>
-              <a:defRPr sz="1400">
-                <a:solidFill>
-                  <a:schemeClr val="tx1">
-                    <a:tint val="75000"/>
-                  </a:schemeClr>
-                </a:solidFill>
-              </a:defRPr>
-            </a:lvl5pPr>
-            <a:lvl6pPr marL="2286000" indent="0">
-              <a:buNone/>
-              <a:defRPr sz="1400">
-                <a:solidFill>
-                  <a:schemeClr val="tx1">
-                    <a:tint val="75000"/>
-                  </a:schemeClr>
-                </a:solidFill>
-              </a:defRPr>
-            </a:lvl6pPr>
-            <a:lvl7pPr marL="2743200" indent="0">
-              <a:buNone/>
-              <a:defRPr sz="1400">
-                <a:solidFill>
-                  <a:schemeClr val="tx1">
-                    <a:tint val="75000"/>
-                  </a:schemeClr>
-                </a:solidFill>
-              </a:defRPr>
-            </a:lvl7pPr>
-            <a:lvl8pPr marL="3200400" indent="0">
-              <a:buNone/>
-              <a:defRPr sz="1400">
-                <a:solidFill>
-                  <a:schemeClr val="tx1">
-                    <a:tint val="75000"/>
-                  </a:schemeClr>
-                </a:solidFill>
-              </a:defRPr>
-            </a:lvl8pPr>
-            <a:lvl9pPr marL="3657600" indent="0">
-              <a:buNone/>
-              <a:defRPr sz="1400">
-                <a:solidFill>
-                  <a:schemeClr val="tx1">
-                    <a:tint val="75000"/>
-                  </a:schemeClr>
-                </a:solidFill>
-              </a:defRPr>
-            </a:lvl9pPr>
-          </a:lstStyle>
-          <a:p>
-            <a:pPr lvl="0"/>
-            <a:r>
-              <a:rPr lang="en-US" smtClean="0"/>
-              <a:t>Click to edit Master text styles</a:t>
-            </a:r>
-          </a:p>
-        </p:txBody>
-      </p:sp>
-      <p:sp>
-        <p:nvSpPr>
-          <p:cNvPr id="4" name="Date Placeholder 3"/>
-          <p:cNvSpPr>
-            <a:spLocks noGrp="1"/>
-          </p:cNvSpPr>
-          <p:nvPr>
-            <p:ph type="dt" sz="half" idx="10"/>
-          </p:nvPr>
-        </p:nvSpPr>
-        <p:spPr/>
-        <p:txBody>
-          <a:bodyPr/>
-          <a:lstStyle/>
-          <a:p>
-            <a:fld id="{B61BEF0D-F0BB-DE4B-95CE-6DB70DBA9567}" type="datetimeFigureOut">
-              <a:rPr lang="en-US" dirty="0"/>
-              <a:pPr/>
-              <a:t>12/1/2016</a:t>
-            </a:fld>
-            <a:endParaRPr lang="en-US" dirty="0"/>
-          </a:p>
-        </p:txBody>
-      </p:sp>
-      <p:sp>
-        <p:nvSpPr>
-          <p:cNvPr id="5" name="Footer Placeholder 4"/>
-          <p:cNvSpPr>
-            <a:spLocks noGrp="1"/>
-          </p:cNvSpPr>
-          <p:nvPr>
-            <p:ph type="ftr" sz="quarter" idx="11"/>
-          </p:nvPr>
-        </p:nvSpPr>
-        <p:spPr/>
-        <p:txBody>
-          <a:bodyPr/>
-          <a:lstStyle/>
-          <a:p>
-            <a:endParaRPr lang="en-US" dirty="0"/>
-          </a:p>
-        </p:txBody>
-      </p:sp>
-      <p:sp>
-        <p:nvSpPr>
-          <p:cNvPr id="6" name="Slide Number Placeholder 5"/>
-          <p:cNvSpPr>
-            <a:spLocks noGrp="1"/>
-          </p:cNvSpPr>
-          <p:nvPr>
-            <p:ph type="sldNum" sz="quarter" idx="12"/>
-          </p:nvPr>
-        </p:nvSpPr>
-        <p:spPr/>
-        <p:txBody>
-          <a:bodyPr/>
-          <a:lstStyle/>
-          <a:p>
-            <a:fld id="{D57F1E4F-1CFF-5643-939E-217C01CDF565}" type="slidenum">
-              <a:rPr lang="en-US" dirty="0"/>
-              <a:pPr/>
-              <a:t>‹#›</a:t>
-            </a:fld>
-            <a:endParaRPr lang="en-US" dirty="0"/>
-          </a:p>
-        </p:txBody>
-      </p:sp>
-    </p:spTree>
-    <p:extLst>
-      <p:ext uri="{BB962C8B-B14F-4D97-AF65-F5344CB8AC3E}">
-        <p14:creationId xmlns:p14="http://schemas.microsoft.com/office/powerpoint/2010/main" val="1334622668"/>
-      </p:ext>
-    </p:extLst>
-  </p:cSld>
-  <p:clrMapOvr>
-    <a:masterClrMapping/>
-  </p:clrMapOvr>
-  <p:hf hdr="0" dt="0"/>
-</p:sldLayout>
-</file>
-
-<file path=ppt/slideLayouts/slideLayout104.xml><?xml version="1.0" encoding="utf-8"?>
-<p:sldLayout xmlns:a="http://schemas.openxmlformats.org/drawingml/2006/main" xmlns:r="http://schemas.openxmlformats.org/officeDocument/2006/relationships" xmlns:p="http://schemas.openxmlformats.org/presentationml/2006/main" type="vertTx" preserve="1">
-  <p:cSld name="Title and Vertical Text">
-    <p:spTree>
-      <p:nvGrpSpPr>
-        <p:cNvPr id="1" name=""/>
-        <p:cNvGrpSpPr/>
-        <p:nvPr/>
-      </p:nvGrpSpPr>
-      <p:grpSpPr>
-        <a:xfrm>
-          <a:off x="0" y="0"/>
-          <a:ext cx="0" cy="0"/>
-          <a:chOff x="0" y="0"/>
-          <a:chExt cx="0" cy="0"/>
-        </a:xfrm>
-      </p:grpSpPr>
-      <p:sp>
-        <p:nvSpPr>
-          <p:cNvPr id="2" name="Title 1"/>
-          <p:cNvSpPr>
-            <a:spLocks noGrp="1"/>
-          </p:cNvSpPr>
-          <p:nvPr>
-            <p:ph type="title"/>
-          </p:nvPr>
-        </p:nvSpPr>
-        <p:spPr/>
-        <p:txBody>
-          <a:bodyPr/>
-          <a:lstStyle>
-            <a:lvl1pPr algn="ctr">
-              <a:defRPr/>
-            </a:lvl1pPr>
-          </a:lstStyle>
-          <a:p>
-            <a:r>
-              <a:rPr lang="en-US" smtClean="0"/>
-              <a:t>Click to edit Master title style</a:t>
-            </a:r>
-            <a:endParaRPr lang="en-US" dirty="0"/>
-          </a:p>
-        </p:txBody>
-      </p:sp>
-      <p:sp>
-        <p:nvSpPr>
-          <p:cNvPr id="3" name="Vertical Text Placeholder 2"/>
-          <p:cNvSpPr>
-            <a:spLocks noGrp="1"/>
-          </p:cNvSpPr>
-          <p:nvPr>
-            <p:ph type="body" orient="vert" idx="1"/>
-          </p:nvPr>
-        </p:nvSpPr>
-        <p:spPr/>
-        <p:txBody>
-          <a:bodyPr vert="eaVert" anchor="t"/>
-          <a:lstStyle/>
-          <a:p>
-            <a:pPr lvl="0"/>
-            <a:r>
-              <a:rPr lang="en-US" smtClean="0"/>
-              <a:t>Click to edit Master text styles</a:t>
-            </a:r>
-          </a:p>
-          <a:p>
-            <a:pPr lvl="1"/>
-            <a:r>
-              <a:rPr lang="en-US" smtClean="0"/>
-              <a:t>Second level</a:t>
-            </a:r>
-          </a:p>
-          <a:p>
-            <a:pPr lvl="2"/>
-            <a:r>
-              <a:rPr lang="en-US" smtClean="0"/>
-              <a:t>Third level</a:t>
-            </a:r>
-          </a:p>
-          <a:p>
-            <a:pPr lvl="3"/>
-            <a:r>
-              <a:rPr lang="en-US" smtClean="0"/>
-              <a:t>Fourth level</a:t>
-            </a:r>
-          </a:p>
-          <a:p>
-            <a:pPr lvl="4"/>
-            <a:r>
-              <a:rPr lang="en-US" smtClean="0"/>
-              <a:t>Fifth level</a:t>
-            </a:r>
-            <a:endParaRPr lang="en-US" dirty="0"/>
-          </a:p>
-        </p:txBody>
-      </p:sp>
-      <p:sp>
-        <p:nvSpPr>
-          <p:cNvPr id="4" name="Date Placeholder 3"/>
-          <p:cNvSpPr>
-            <a:spLocks noGrp="1"/>
-          </p:cNvSpPr>
-          <p:nvPr>
-            <p:ph type="dt" sz="half" idx="10"/>
-          </p:nvPr>
-        </p:nvSpPr>
-        <p:spPr/>
-        <p:txBody>
-          <a:bodyPr/>
-          <a:lstStyle/>
-          <a:p>
-            <a:fld id="{B61BEF0D-F0BB-DE4B-95CE-6DB70DBA9567}" type="datetimeFigureOut">
-              <a:rPr lang="en-US" dirty="0"/>
-              <a:pPr/>
-              <a:t>12/1/2016</a:t>
-            </a:fld>
-            <a:endParaRPr lang="en-US" dirty="0"/>
-          </a:p>
-        </p:txBody>
-      </p:sp>
-      <p:sp>
-        <p:nvSpPr>
-          <p:cNvPr id="5" name="Footer Placeholder 4"/>
-          <p:cNvSpPr>
-            <a:spLocks noGrp="1"/>
-          </p:cNvSpPr>
-          <p:nvPr>
-            <p:ph type="ftr" sz="quarter" idx="11"/>
-          </p:nvPr>
-        </p:nvSpPr>
-        <p:spPr/>
-        <p:txBody>
-          <a:bodyPr/>
-          <a:lstStyle/>
-          <a:p>
-            <a:endParaRPr lang="en-US" dirty="0"/>
-          </a:p>
-        </p:txBody>
-      </p:sp>
-      <p:sp>
-        <p:nvSpPr>
-          <p:cNvPr id="6" name="Slide Number Placeholder 5"/>
-          <p:cNvSpPr>
-            <a:spLocks noGrp="1"/>
-          </p:cNvSpPr>
-          <p:nvPr>
-            <p:ph type="sldNum" sz="quarter" idx="12"/>
-          </p:nvPr>
-        </p:nvSpPr>
-        <p:spPr/>
-        <p:txBody>
-          <a:bodyPr/>
-          <a:lstStyle/>
-          <a:p>
-            <a:fld id="{D57F1E4F-1CFF-5643-939E-217C01CDF565}" type="slidenum">
-              <a:rPr lang="en-US" dirty="0"/>
-              <a:pPr/>
-              <a:t>‹#›</a:t>
-            </a:fld>
-            <a:endParaRPr lang="en-US" dirty="0"/>
-          </a:p>
-        </p:txBody>
-      </p:sp>
-    </p:spTree>
-    <p:extLst>
-      <p:ext uri="{BB962C8B-B14F-4D97-AF65-F5344CB8AC3E}">
-        <p14:creationId xmlns:p14="http://schemas.microsoft.com/office/powerpoint/2010/main" val="2628061002"/>
-      </p:ext>
-    </p:extLst>
-  </p:cSld>
-  <p:clrMapOvr>
-    <a:masterClrMapping/>
-  </p:clrMapOvr>
-</p:sldLayout>
-</file>
-
-<file path=ppt/slideLayouts/slideLayout105.xml><?xml version="1.0" encoding="utf-8"?>
-<p:sldLayout xmlns:a="http://schemas.openxmlformats.org/drawingml/2006/main" xmlns:r="http://schemas.openxmlformats.org/officeDocument/2006/relationships" xmlns:p="http://schemas.openxmlformats.org/presentationml/2006/main" type="vertTitleAndTx" preserve="1">
-  <p:cSld name="Vertical Title and Text">
-    <p:spTree>
-      <p:nvGrpSpPr>
-        <p:cNvPr id="1" name=""/>
-        <p:cNvGrpSpPr/>
-        <p:nvPr/>
-      </p:nvGrpSpPr>
-      <p:grpSpPr>
-        <a:xfrm>
-          <a:off x="0" y="0"/>
-          <a:ext cx="0" cy="0"/>
-          <a:chOff x="0" y="0"/>
-          <a:chExt cx="0" cy="0"/>
-        </a:xfrm>
-      </p:grpSpPr>
-      <p:sp>
-        <p:nvSpPr>
-          <p:cNvPr id="2" name="Vertical Title 1"/>
-          <p:cNvSpPr>
-            <a:spLocks noGrp="1"/>
-          </p:cNvSpPr>
-          <p:nvPr>
-            <p:ph type="title" orient="vert"/>
-          </p:nvPr>
-        </p:nvSpPr>
-        <p:spPr>
-          <a:xfrm>
-            <a:off x="9732655" y="685800"/>
-            <a:ext cx="1770369" cy="5105400"/>
-          </a:xfrm>
-        </p:spPr>
-        <p:txBody>
-          <a:bodyPr vert="eaVert"/>
-          <a:lstStyle/>
-          <a:p>
-            <a:r>
-              <a:rPr lang="en-US" smtClean="0"/>
-              <a:t>Click to edit Master title style</a:t>
-            </a:r>
-            <a:endParaRPr lang="en-US" dirty="0"/>
-          </a:p>
-        </p:txBody>
-      </p:sp>
-      <p:sp>
-        <p:nvSpPr>
-          <p:cNvPr id="3" name="Vertical Text Placeholder 2"/>
-          <p:cNvSpPr>
-            <a:spLocks noGrp="1"/>
-          </p:cNvSpPr>
-          <p:nvPr>
-            <p:ph type="body" orient="vert" idx="1"/>
-          </p:nvPr>
-        </p:nvSpPr>
-        <p:spPr>
-          <a:xfrm>
-            <a:off x="1484312" y="685800"/>
-            <a:ext cx="8019742" cy="5105400"/>
-          </a:xfrm>
-        </p:spPr>
-        <p:txBody>
-          <a:bodyPr vert="eaVert" anchor="t"/>
-          <a:lstStyle/>
-          <a:p>
-            <a:pPr lvl="0"/>
-            <a:r>
-              <a:rPr lang="en-US" smtClean="0"/>
-              <a:t>Click to edit Master text styles</a:t>
-            </a:r>
-          </a:p>
-          <a:p>
-            <a:pPr lvl="1"/>
-            <a:r>
-              <a:rPr lang="en-US" smtClean="0"/>
-              <a:t>Second level</a:t>
-            </a:r>
-          </a:p>
-          <a:p>
-            <a:pPr lvl="2"/>
-            <a:r>
-              <a:rPr lang="en-US" smtClean="0"/>
-              <a:t>Third level</a:t>
-            </a:r>
-          </a:p>
-          <a:p>
-            <a:pPr lvl="3"/>
-            <a:r>
-              <a:rPr lang="en-US" smtClean="0"/>
-              <a:t>Fourth level</a:t>
-            </a:r>
-          </a:p>
-          <a:p>
-            <a:pPr lvl="4"/>
-            <a:r>
-              <a:rPr lang="en-US" smtClean="0"/>
-              <a:t>Fifth level</a:t>
-            </a:r>
-            <a:endParaRPr lang="en-US" dirty="0"/>
-          </a:p>
-        </p:txBody>
-      </p:sp>
-      <p:sp>
-        <p:nvSpPr>
-          <p:cNvPr id="4" name="Date Placeholder 3"/>
-          <p:cNvSpPr>
-            <a:spLocks noGrp="1"/>
-          </p:cNvSpPr>
-          <p:nvPr>
-            <p:ph type="dt" sz="half" idx="10"/>
-          </p:nvPr>
-        </p:nvSpPr>
-        <p:spPr/>
-        <p:txBody>
-          <a:bodyPr/>
-          <a:lstStyle/>
-          <a:p>
-            <a:fld id="{B61BEF0D-F0BB-DE4B-95CE-6DB70DBA9567}" type="datetimeFigureOut">
-              <a:rPr lang="en-US" dirty="0"/>
-              <a:pPr/>
-              <a:t>12/1/2016</a:t>
-            </a:fld>
-            <a:endParaRPr lang="en-US" dirty="0"/>
-          </a:p>
-        </p:txBody>
-      </p:sp>
-      <p:sp>
-        <p:nvSpPr>
-          <p:cNvPr id="5" name="Footer Placeholder 4"/>
-          <p:cNvSpPr>
-            <a:spLocks noGrp="1"/>
-          </p:cNvSpPr>
-          <p:nvPr>
-            <p:ph type="ftr" sz="quarter" idx="11"/>
-          </p:nvPr>
-        </p:nvSpPr>
-        <p:spPr/>
-        <p:txBody>
-          <a:bodyPr/>
-          <a:lstStyle/>
-          <a:p>
-            <a:endParaRPr lang="en-US" dirty="0"/>
-          </a:p>
-        </p:txBody>
-      </p:sp>
-      <p:sp>
-        <p:nvSpPr>
-          <p:cNvPr id="6" name="Slide Number Placeholder 5"/>
-          <p:cNvSpPr>
-            <a:spLocks noGrp="1"/>
-          </p:cNvSpPr>
-          <p:nvPr>
-            <p:ph type="sldNum" sz="quarter" idx="12"/>
-          </p:nvPr>
-        </p:nvSpPr>
-        <p:spPr/>
-        <p:txBody>
-          <a:bodyPr/>
-          <a:lstStyle/>
-          <a:p>
-            <a:fld id="{D57F1E4F-1CFF-5643-939E-217C01CDF565}" type="slidenum">
-              <a:rPr lang="en-US" dirty="0"/>
-              <a:pPr/>
-              <a:t>‹#›</a:t>
-            </a:fld>
-            <a:endParaRPr lang="en-US" dirty="0"/>
-          </a:p>
-        </p:txBody>
-      </p:sp>
-    </p:spTree>
-    <p:extLst>
-      <p:ext uri="{BB962C8B-B14F-4D97-AF65-F5344CB8AC3E}">
-        <p14:creationId xmlns:p14="http://schemas.microsoft.com/office/powerpoint/2010/main" val="315997899"/>
-      </p:ext>
-    </p:extLst>
-  </p:cSld>
-  <p:clrMapOvr>
-    <a:masterClrMapping/>
-  </p:clrMapOvr>
+  <p:transition xmlns:p14="http://schemas.microsoft.com/office/powerpoint/2010/main" spd="med"/>
 </p:sldLayout>
 </file>
 
@@ -4570,7 +2503,7 @@
   <p:clrMapOvr>
     <a:masterClrMapping/>
   </p:clrMapOvr>
-  <p:transition spd="med"/>
+  <p:transition xmlns:p14="http://schemas.microsoft.com/office/powerpoint/2010/main" spd="med"/>
 </p:sldLayout>
 </file>
 
@@ -4694,7 +2627,7 @@
   <p:clrMapOvr>
     <a:masterClrMapping/>
   </p:clrMapOvr>
-  <p:transition spd="med"/>
+  <p:transition xmlns:p14="http://schemas.microsoft.com/office/powerpoint/2010/main" spd="med"/>
 </p:sldLayout>
 </file>
 
@@ -4800,7 +2733,7 @@
   <p:clrMapOvr>
     <a:masterClrMapping/>
   </p:clrMapOvr>
-  <p:transition spd="med"/>
+  <p:transition xmlns:p14="http://schemas.microsoft.com/office/powerpoint/2010/main" spd="med"/>
 </p:sldLayout>
 </file>
 
@@ -4928,7 +2861,7 @@
   <p:clrMapOvr>
     <a:masterClrMapping/>
   </p:clrMapOvr>
-  <p:transition spd="med"/>
+  <p:transition xmlns:p14="http://schemas.microsoft.com/office/powerpoint/2010/main" spd="med"/>
 </p:sldLayout>
 </file>
 
@@ -5152,7 +3085,7 @@
   <p:clrMapOvr>
     <a:masterClrMapping/>
   </p:clrMapOvr>
-  <p:transition spd="med"/>
+  <p:transition xmlns:p14="http://schemas.microsoft.com/office/powerpoint/2010/main" spd="med"/>
 </p:sldLayout>
 </file>
 
@@ -5515,7 +3448,7 @@
   <p:clrMapOvr>
     <a:masterClrMapping/>
   </p:clrMapOvr>
-  <p:transition spd="med"/>
+  <p:transition xmlns:p14="http://schemas.microsoft.com/office/powerpoint/2010/main" spd="med"/>
 </p:sldLayout>
 </file>
 
@@ -5569,7 +3502,7 @@
   <p:clrMapOvr>
     <a:masterClrMapping/>
   </p:clrMapOvr>
-  <p:transition spd="med"/>
+  <p:transition xmlns:p14="http://schemas.microsoft.com/office/powerpoint/2010/main" spd="med"/>
 </p:sldLayout>
 </file>
 
@@ -5600,7 +3533,7 @@
   <p:clrMapOvr>
     <a:masterClrMapping/>
   </p:clrMapOvr>
-  <p:transition spd="med"/>
+  <p:transition xmlns:p14="http://schemas.microsoft.com/office/powerpoint/2010/main" spd="med"/>
 </p:sldLayout>
 </file>
 
@@ -5813,7 +3746,7 @@
   <p:clrMapOvr>
     <a:masterClrMapping/>
   </p:clrMapOvr>
-  <p:transition spd="med"/>
+  <p:transition xmlns:p14="http://schemas.microsoft.com/office/powerpoint/2010/main" spd="med"/>
 </p:sldLayout>
 </file>
 
@@ -5919,7 +3852,7 @@
   <p:clrMapOvr>
     <a:masterClrMapping/>
   </p:clrMapOvr>
-  <p:transition spd="med"/>
+  <p:transition xmlns:p14="http://schemas.microsoft.com/office/powerpoint/2010/main" spd="med"/>
 </p:sldLayout>
 </file>
 
@@ -6113,7 +4046,7 @@
   <p:clrMapOvr>
     <a:masterClrMapping/>
   </p:clrMapOvr>
-  <p:transition spd="med"/>
+  <p:transition xmlns:p14="http://schemas.microsoft.com/office/powerpoint/2010/main" spd="med"/>
 </p:sldLayout>
 </file>
 
@@ -6219,7 +4152,7 @@
   <p:clrMapOvr>
     <a:masterClrMapping/>
   </p:clrMapOvr>
-  <p:transition spd="med"/>
+  <p:transition xmlns:p14="http://schemas.microsoft.com/office/powerpoint/2010/main" spd="med"/>
 </p:sldLayout>
 </file>
 
@@ -6335,7 +4268,7 @@
   <p:clrMapOvr>
     <a:masterClrMapping/>
   </p:clrMapOvr>
-  <p:transition spd="med"/>
+  <p:transition xmlns:p14="http://schemas.microsoft.com/office/powerpoint/2010/main" spd="med"/>
 </p:sldLayout>
 </file>
 
@@ -6875,7 +4808,7 @@
   <p:clrMapOvr>
     <a:masterClrMapping/>
   </p:clrMapOvr>
-  <p:transition spd="med"/>
+  <p:transition xmlns:p14="http://schemas.microsoft.com/office/powerpoint/2010/main" spd="med"/>
 </p:sldLayout>
 </file>
 
@@ -6981,7 +4914,7 @@
   <p:clrMapOvr>
     <a:masterClrMapping/>
   </p:clrMapOvr>
-  <p:transition spd="med"/>
+  <p:transition xmlns:p14="http://schemas.microsoft.com/office/powerpoint/2010/main" spd="med"/>
 </p:sldLayout>
 </file>
 
@@ -7109,7 +5042,7 @@
   <p:clrMapOvr>
     <a:masterClrMapping/>
   </p:clrMapOvr>
-  <p:transition spd="med"/>
+  <p:transition xmlns:p14="http://schemas.microsoft.com/office/powerpoint/2010/main" spd="med"/>
 </p:sldLayout>
 </file>
 
@@ -7333,7 +5266,7 @@
   <p:clrMapOvr>
     <a:masterClrMapping/>
   </p:clrMapOvr>
-  <p:transition spd="med"/>
+  <p:transition xmlns:p14="http://schemas.microsoft.com/office/powerpoint/2010/main" spd="med"/>
 </p:sldLayout>
 </file>
 
@@ -7696,7 +5629,7 @@
   <p:clrMapOvr>
     <a:masterClrMapping/>
   </p:clrMapOvr>
-  <p:transition spd="med"/>
+  <p:transition xmlns:p14="http://schemas.microsoft.com/office/powerpoint/2010/main" spd="med"/>
 </p:sldLayout>
 </file>
 
@@ -7750,7 +5683,7 @@
   <p:clrMapOvr>
     <a:masterClrMapping/>
   </p:clrMapOvr>
-  <p:transition spd="med"/>
+  <p:transition xmlns:p14="http://schemas.microsoft.com/office/powerpoint/2010/main" spd="med"/>
 </p:sldLayout>
 </file>
 
@@ -7781,7 +5714,7 @@
   <p:clrMapOvr>
     <a:masterClrMapping/>
   </p:clrMapOvr>
-  <p:transition spd="med"/>
+  <p:transition xmlns:p14="http://schemas.microsoft.com/office/powerpoint/2010/main" spd="med"/>
 </p:sldLayout>
 </file>
 
@@ -7909,7 +5842,7 @@
   <p:clrMapOvr>
     <a:masterClrMapping/>
   </p:clrMapOvr>
-  <p:transition spd="med"/>
+  <p:transition xmlns:p14="http://schemas.microsoft.com/office/powerpoint/2010/main" spd="med"/>
 </p:sldLayout>
 </file>
 
@@ -8122,7 +6055,7 @@
   <p:clrMapOvr>
     <a:masterClrMapping/>
   </p:clrMapOvr>
-  <p:transition spd="med"/>
+  <p:transition xmlns:p14="http://schemas.microsoft.com/office/powerpoint/2010/main" spd="med"/>
 </p:sldLayout>
 </file>
 
@@ -8316,7 +6249,7 @@
   <p:clrMapOvr>
     <a:masterClrMapping/>
   </p:clrMapOvr>
-  <p:transition spd="med"/>
+  <p:transition xmlns:p14="http://schemas.microsoft.com/office/powerpoint/2010/main" spd="med"/>
 </p:sldLayout>
 </file>
 
@@ -8422,7 +6355,7 @@
   <p:clrMapOvr>
     <a:masterClrMapping/>
   </p:clrMapOvr>
-  <p:transition spd="med"/>
+  <p:transition xmlns:p14="http://schemas.microsoft.com/office/powerpoint/2010/main" spd="med"/>
 </p:sldLayout>
 </file>
 
@@ -8538,7 +6471,7 @@
   <p:clrMapOvr>
     <a:masterClrMapping/>
   </p:clrMapOvr>
-  <p:transition spd="med"/>
+  <p:transition xmlns:p14="http://schemas.microsoft.com/office/powerpoint/2010/main" spd="med"/>
 </p:sldLayout>
 </file>
 
@@ -8662,7 +6595,7 @@
   <p:clrMapOvr>
     <a:masterClrMapping/>
   </p:clrMapOvr>
-  <p:transition spd="med"/>
+  <p:transition xmlns:p14="http://schemas.microsoft.com/office/powerpoint/2010/main" spd="med"/>
 </p:sldLayout>
 </file>
 
@@ -8768,7 +6701,7 @@
   <p:clrMapOvr>
     <a:masterClrMapping/>
   </p:clrMapOvr>
-  <p:transition spd="med"/>
+  <p:transition xmlns:p14="http://schemas.microsoft.com/office/powerpoint/2010/main" spd="med"/>
 </p:sldLayout>
 </file>
 
@@ -8896,7 +6829,7 @@
   <p:clrMapOvr>
     <a:masterClrMapping/>
   </p:clrMapOvr>
-  <p:transition spd="med"/>
+  <p:transition xmlns:p14="http://schemas.microsoft.com/office/powerpoint/2010/main" spd="med"/>
 </p:sldLayout>
 </file>
 
@@ -9120,7 +7053,7 @@
   <p:clrMapOvr>
     <a:masterClrMapping/>
   </p:clrMapOvr>
-  <p:transition spd="med"/>
+  <p:transition xmlns:p14="http://schemas.microsoft.com/office/powerpoint/2010/main" spd="med"/>
 </p:sldLayout>
 </file>
 
@@ -9483,7 +7416,7 @@
   <p:clrMapOvr>
     <a:masterClrMapping/>
   </p:clrMapOvr>
-  <p:transition spd="med"/>
+  <p:transition xmlns:p14="http://schemas.microsoft.com/office/powerpoint/2010/main" spd="med"/>
 </p:sldLayout>
 </file>
 
@@ -9537,7 +7470,7 @@
   <p:clrMapOvr>
     <a:masterClrMapping/>
   </p:clrMapOvr>
-  <p:transition spd="med"/>
+  <p:transition xmlns:p14="http://schemas.microsoft.com/office/powerpoint/2010/main" spd="med"/>
 </p:sldLayout>
 </file>
 
@@ -9761,10 +7694,10 @@
   <p:clrMapOvr>
     <a:masterClrMapping/>
   </p:clrMapOvr>
-  <p:transition spd="med"/>
+  <p:transition xmlns:p14="http://schemas.microsoft.com/office/powerpoint/2010/main" spd="med"/>
   <p:extLst>
     <p:ext uri="{DCECCB84-F9BA-43D5-87BE-67443E8EF086}">
-      <p15:sldGuideLst xmlns:p15="http://schemas.microsoft.com/office/powerpoint/2012/main"/>
+      <p15:sldGuideLst xmlns:p15="http://schemas.microsoft.com/office/powerpoint/2012/main" xmlns=""/>
     </p:ext>
   </p:extLst>
 </p:sldLayout>
@@ -9797,7 +7730,7 @@
   <p:clrMapOvr>
     <a:masterClrMapping/>
   </p:clrMapOvr>
-  <p:transition spd="med"/>
+  <p:transition xmlns:p14="http://schemas.microsoft.com/office/powerpoint/2010/main" spd="med"/>
 </p:sldLayout>
 </file>
 
@@ -10010,7 +7943,7 @@
   <p:clrMapOvr>
     <a:masterClrMapping/>
   </p:clrMapOvr>
-  <p:transition spd="med"/>
+  <p:transition xmlns:p14="http://schemas.microsoft.com/office/powerpoint/2010/main" spd="med"/>
 </p:sldLayout>
 </file>
 
@@ -10204,7 +8137,7 @@
   <p:clrMapOvr>
     <a:masterClrMapping/>
   </p:clrMapOvr>
-  <p:transition spd="med"/>
+  <p:transition xmlns:p14="http://schemas.microsoft.com/office/powerpoint/2010/main" spd="med"/>
 </p:sldLayout>
 </file>
 
@@ -10310,7 +8243,7 @@
   <p:clrMapOvr>
     <a:masterClrMapping/>
   </p:clrMapOvr>
-  <p:transition spd="med"/>
+  <p:transition xmlns:p14="http://schemas.microsoft.com/office/powerpoint/2010/main" spd="med"/>
 </p:sldLayout>
 </file>
 
@@ -10426,7 +8359,7 @@
   <p:clrMapOvr>
     <a:masterClrMapping/>
   </p:clrMapOvr>
-  <p:transition spd="med"/>
+  <p:transition xmlns:p14="http://schemas.microsoft.com/office/powerpoint/2010/main" spd="med"/>
 </p:sldLayout>
 </file>
 
@@ -10966,7 +8899,7 @@
   <p:clrMapOvr>
     <a:masterClrMapping/>
   </p:clrMapOvr>
-  <p:transition spd="med"/>
+  <p:transition xmlns:p14="http://schemas.microsoft.com/office/powerpoint/2010/main" spd="med"/>
 </p:sldLayout>
 </file>
 
@@ -11072,7 +9005,7 @@
   <p:clrMapOvr>
     <a:masterClrMapping/>
   </p:clrMapOvr>
-  <p:transition spd="med"/>
+  <p:transition xmlns:p14="http://schemas.microsoft.com/office/powerpoint/2010/main" spd="med"/>
 </p:sldLayout>
 </file>
 
@@ -11200,7 +9133,7 @@
   <p:clrMapOvr>
     <a:masterClrMapping/>
   </p:clrMapOvr>
-  <p:transition spd="med"/>
+  <p:transition xmlns:p14="http://schemas.microsoft.com/office/powerpoint/2010/main" spd="med"/>
 </p:sldLayout>
 </file>
 
@@ -11424,7 +9357,7 @@
   <p:clrMapOvr>
     <a:masterClrMapping/>
   </p:clrMapOvr>
-  <p:transition spd="med"/>
+  <p:transition xmlns:p14="http://schemas.microsoft.com/office/powerpoint/2010/main" spd="med"/>
 </p:sldLayout>
 </file>
 
@@ -11787,7 +9720,7 @@
   <p:clrMapOvr>
     <a:masterClrMapping/>
   </p:clrMapOvr>
-  <p:transition spd="med"/>
+  <p:transition xmlns:p14="http://schemas.microsoft.com/office/powerpoint/2010/main" spd="med"/>
 </p:sldLayout>
 </file>
 
@@ -12150,10 +10083,10 @@
   <p:clrMapOvr>
     <a:masterClrMapping/>
   </p:clrMapOvr>
-  <p:transition spd="med"/>
+  <p:transition xmlns:p14="http://schemas.microsoft.com/office/powerpoint/2010/main" spd="med"/>
   <p:extLst>
     <p:ext uri="{DCECCB84-F9BA-43D5-87BE-67443E8EF086}">
-      <p15:sldGuideLst xmlns:p15="http://schemas.microsoft.com/office/powerpoint/2012/main"/>
+      <p15:sldGuideLst xmlns:p15="http://schemas.microsoft.com/office/powerpoint/2012/main" xmlns=""/>
     </p:ext>
   </p:extLst>
 </p:sldLayout>
@@ -12209,7 +10142,7 @@
   <p:clrMapOvr>
     <a:masterClrMapping/>
   </p:clrMapOvr>
-  <p:transition spd="med"/>
+  <p:transition xmlns:p14="http://schemas.microsoft.com/office/powerpoint/2010/main" spd="med"/>
 </p:sldLayout>
 </file>
 
@@ -12240,7 +10173,7 @@
   <p:clrMapOvr>
     <a:masterClrMapping/>
   </p:clrMapOvr>
-  <p:transition spd="med"/>
+  <p:transition xmlns:p14="http://schemas.microsoft.com/office/powerpoint/2010/main" spd="med"/>
 </p:sldLayout>
 </file>
 
@@ -12453,7 +10386,7 @@
   <p:clrMapOvr>
     <a:masterClrMapping/>
   </p:clrMapOvr>
-  <p:transition spd="med"/>
+  <p:transition xmlns:p14="http://schemas.microsoft.com/office/powerpoint/2010/main" spd="med"/>
 </p:sldLayout>
 </file>
 
@@ -12647,7 +10580,7 @@
   <p:clrMapOvr>
     <a:masterClrMapping/>
   </p:clrMapOvr>
-  <p:transition spd="med"/>
+  <p:transition xmlns:p14="http://schemas.microsoft.com/office/powerpoint/2010/main" spd="med"/>
 </p:sldLayout>
 </file>
 
@@ -12753,7 +10686,7 @@
   <p:clrMapOvr>
     <a:masterClrMapping/>
   </p:clrMapOvr>
-  <p:transition spd="med"/>
+  <p:transition xmlns:p14="http://schemas.microsoft.com/office/powerpoint/2010/main" spd="med"/>
 </p:sldLayout>
 </file>
 
@@ -12869,7 +10802,7 @@
   <p:clrMapOvr>
     <a:masterClrMapping/>
   </p:clrMapOvr>
-  <p:transition spd="med"/>
+  <p:transition xmlns:p14="http://schemas.microsoft.com/office/powerpoint/2010/main" spd="med"/>
 </p:sldLayout>
 </file>
 
@@ -12993,7 +10926,7 @@
   <p:clrMapOvr>
     <a:masterClrMapping/>
   </p:clrMapOvr>
-  <p:transition spd="med"/>
+  <p:transition xmlns:p14="http://schemas.microsoft.com/office/powerpoint/2010/main" spd="med"/>
 </p:sldLayout>
 </file>
 
@@ -13099,7 +11032,7 @@
   <p:clrMapOvr>
     <a:masterClrMapping/>
   </p:clrMapOvr>
-  <p:transition spd="med"/>
+  <p:transition xmlns:p14="http://schemas.microsoft.com/office/powerpoint/2010/main" spd="med"/>
 </p:sldLayout>
 </file>
 
@@ -13227,7 +11160,7 @@
   <p:clrMapOvr>
     <a:masterClrMapping/>
   </p:clrMapOvr>
-  <p:transition spd="med"/>
+  <p:transition xmlns:p14="http://schemas.microsoft.com/office/powerpoint/2010/main" spd="med"/>
 </p:sldLayout>
 </file>
 
@@ -13451,7 +11384,7 @@
   <p:clrMapOvr>
     <a:masterClrMapping/>
   </p:clrMapOvr>
-  <p:transition spd="med"/>
+  <p:transition xmlns:p14="http://schemas.microsoft.com/office/powerpoint/2010/main" spd="med"/>
 </p:sldLayout>
 </file>
 
@@ -13505,7 +11438,7 @@
   <p:clrMapOvr>
     <a:masterClrMapping/>
   </p:clrMapOvr>
-  <p:transition spd="med"/>
+  <p:transition xmlns:p14="http://schemas.microsoft.com/office/powerpoint/2010/main" spd="med"/>
 </p:sldLayout>
 </file>
 
@@ -13868,7 +11801,7 @@
   <p:clrMapOvr>
     <a:masterClrMapping/>
   </p:clrMapOvr>
-  <p:transition spd="med"/>
+  <p:transition xmlns:p14="http://schemas.microsoft.com/office/powerpoint/2010/main" spd="med"/>
 </p:sldLayout>
 </file>
 
@@ -13922,7 +11855,7 @@
   <p:clrMapOvr>
     <a:masterClrMapping/>
   </p:clrMapOvr>
-  <p:transition spd="med"/>
+  <p:transition xmlns:p14="http://schemas.microsoft.com/office/powerpoint/2010/main" spd="med"/>
 </p:sldLayout>
 </file>
 
@@ -13953,7 +11886,7 @@
   <p:clrMapOvr>
     <a:masterClrMapping/>
   </p:clrMapOvr>
-  <p:transition spd="med"/>
+  <p:transition xmlns:p14="http://schemas.microsoft.com/office/powerpoint/2010/main" spd="med"/>
 </p:sldLayout>
 </file>
 
@@ -14166,7 +12099,7 @@
   <p:clrMapOvr>
     <a:masterClrMapping/>
   </p:clrMapOvr>
-  <p:transition spd="med"/>
+  <p:transition xmlns:p14="http://schemas.microsoft.com/office/powerpoint/2010/main" spd="med"/>
 </p:sldLayout>
 </file>
 
@@ -14360,7 +12293,7 @@
   <p:clrMapOvr>
     <a:masterClrMapping/>
   </p:clrMapOvr>
-  <p:transition spd="med"/>
+  <p:transition xmlns:p14="http://schemas.microsoft.com/office/powerpoint/2010/main" spd="med"/>
 </p:sldLayout>
 </file>
 
@@ -14466,7 +12399,7 @@
   <p:clrMapOvr>
     <a:masterClrMapping/>
   </p:clrMapOvr>
-  <p:transition spd="med"/>
+  <p:transition xmlns:p14="http://schemas.microsoft.com/office/powerpoint/2010/main" spd="med"/>
 </p:sldLayout>
 </file>
 
@@ -14582,7 +12515,7 @@
   <p:clrMapOvr>
     <a:masterClrMapping/>
   </p:clrMapOvr>
-  <p:transition spd="med"/>
+  <p:transition xmlns:p14="http://schemas.microsoft.com/office/powerpoint/2010/main" spd="med"/>
 </p:sldLayout>
 </file>
 
@@ -15122,7 +13055,7 @@
   <p:clrMapOvr>
     <a:masterClrMapping/>
   </p:clrMapOvr>
-  <p:transition spd="med"/>
+  <p:transition xmlns:p14="http://schemas.microsoft.com/office/powerpoint/2010/main" spd="med"/>
 </p:sldLayout>
 </file>
 
@@ -15228,7 +13161,7 @@
   <p:clrMapOvr>
     <a:masterClrMapping/>
   </p:clrMapOvr>
-  <p:transition spd="med"/>
+  <p:transition xmlns:p14="http://schemas.microsoft.com/office/powerpoint/2010/main" spd="med"/>
 </p:sldLayout>
 </file>
 
@@ -15356,7 +13289,7 @@
   <p:clrMapOvr>
     <a:masterClrMapping/>
   </p:clrMapOvr>
-  <p:transition spd="med"/>
+  <p:transition xmlns:p14="http://schemas.microsoft.com/office/powerpoint/2010/main" spd="med"/>
 </p:sldLayout>
 </file>
 
@@ -15387,7 +13320,7 @@
   <p:clrMapOvr>
     <a:masterClrMapping/>
   </p:clrMapOvr>
-  <p:transition spd="med"/>
+  <p:transition xmlns:p14="http://schemas.microsoft.com/office/powerpoint/2010/main" spd="med"/>
 </p:sldLayout>
 </file>
 
@@ -15611,7 +13544,7 @@
   <p:clrMapOvr>
     <a:masterClrMapping/>
   </p:clrMapOvr>
-  <p:transition spd="med"/>
+  <p:transition xmlns:p14="http://schemas.microsoft.com/office/powerpoint/2010/main" spd="med"/>
 </p:sldLayout>
 </file>
 
@@ -15974,7 +13907,7 @@
   <p:clrMapOvr>
     <a:masterClrMapping/>
   </p:clrMapOvr>
-  <p:transition spd="med"/>
+  <p:transition xmlns:p14="http://schemas.microsoft.com/office/powerpoint/2010/main" spd="med"/>
 </p:sldLayout>
 </file>
 
@@ -16028,7 +13961,7 @@
   <p:clrMapOvr>
     <a:masterClrMapping/>
   </p:clrMapOvr>
-  <p:transition spd="med"/>
+  <p:transition xmlns:p14="http://schemas.microsoft.com/office/powerpoint/2010/main" spd="med"/>
 </p:sldLayout>
 </file>
 
@@ -16059,7 +13992,7 @@
   <p:clrMapOvr>
     <a:masterClrMapping/>
   </p:clrMapOvr>
-  <p:transition spd="med"/>
+  <p:transition xmlns:p14="http://schemas.microsoft.com/office/powerpoint/2010/main" spd="med"/>
 </p:sldLayout>
 </file>
 
@@ -16272,7 +14205,7 @@
   <p:clrMapOvr>
     <a:masterClrMapping/>
   </p:clrMapOvr>
-  <p:transition spd="med"/>
+  <p:transition xmlns:p14="http://schemas.microsoft.com/office/powerpoint/2010/main" spd="med"/>
 </p:sldLayout>
 </file>
 
@@ -16466,7 +14399,7 @@
   <p:clrMapOvr>
     <a:masterClrMapping/>
   </p:clrMapOvr>
-  <p:transition spd="med"/>
+  <p:transition xmlns:p14="http://schemas.microsoft.com/office/powerpoint/2010/main" spd="med"/>
 </p:sldLayout>
 </file>
 
@@ -16572,7 +14505,7 @@
   <p:clrMapOvr>
     <a:masterClrMapping/>
   </p:clrMapOvr>
-  <p:transition spd="med"/>
+  <p:transition xmlns:p14="http://schemas.microsoft.com/office/powerpoint/2010/main" spd="med"/>
 </p:sldLayout>
 </file>
 
@@ -16688,7 +14621,7 @@
   <p:clrMapOvr>
     <a:masterClrMapping/>
   </p:clrMapOvr>
-  <p:transition spd="med"/>
+  <p:transition xmlns:p14="http://schemas.microsoft.com/office/powerpoint/2010/main" spd="med"/>
 </p:sldLayout>
 </file>
 
@@ -16812,7 +14745,7 @@
   <p:clrMapOvr>
     <a:masterClrMapping/>
   </p:clrMapOvr>
-  <p:transition spd="med"/>
+  <p:transition xmlns:p14="http://schemas.microsoft.com/office/powerpoint/2010/main" spd="med"/>
 </p:sldLayout>
 </file>
 
@@ -16918,7 +14851,7 @@
   <p:clrMapOvr>
     <a:masterClrMapping/>
   </p:clrMapOvr>
-  <p:transition spd="med"/>
+  <p:transition xmlns:p14="http://schemas.microsoft.com/office/powerpoint/2010/main" spd="med"/>
 </p:sldLayout>
 </file>
 
@@ -17131,10 +15064,10 @@
   <p:clrMapOvr>
     <a:masterClrMapping/>
   </p:clrMapOvr>
-  <p:transition spd="med"/>
+  <p:transition xmlns:p14="http://schemas.microsoft.com/office/powerpoint/2010/main" spd="med"/>
   <p:extLst>
     <p:ext uri="{DCECCB84-F9BA-43D5-87BE-67443E8EF086}">
-      <p15:sldGuideLst xmlns:p15="http://schemas.microsoft.com/office/powerpoint/2012/main"/>
+      <p15:sldGuideLst xmlns:p15="http://schemas.microsoft.com/office/powerpoint/2012/main" xmlns=""/>
     </p:ext>
   </p:extLst>
 </p:sldLayout>
@@ -17264,7 +15197,7 @@
   <p:clrMapOvr>
     <a:masterClrMapping/>
   </p:clrMapOvr>
-  <p:transition spd="med"/>
+  <p:transition xmlns:p14="http://schemas.microsoft.com/office/powerpoint/2010/main" spd="med"/>
 </p:sldLayout>
 </file>
 
@@ -17488,7 +15421,7 @@
   <p:clrMapOvr>
     <a:masterClrMapping/>
   </p:clrMapOvr>
-  <p:transition spd="med"/>
+  <p:transition xmlns:p14="http://schemas.microsoft.com/office/powerpoint/2010/main" spd="med"/>
 </p:sldLayout>
 </file>
 
@@ -17851,7 +15784,7 @@
   <p:clrMapOvr>
     <a:masterClrMapping/>
   </p:clrMapOvr>
-  <p:transition spd="med"/>
+  <p:transition xmlns:p14="http://schemas.microsoft.com/office/powerpoint/2010/main" spd="med"/>
 </p:sldLayout>
 </file>
 
@@ -17905,7 +15838,7 @@
   <p:clrMapOvr>
     <a:masterClrMapping/>
   </p:clrMapOvr>
-  <p:transition spd="med"/>
+  <p:transition xmlns:p14="http://schemas.microsoft.com/office/powerpoint/2010/main" spd="med"/>
 </p:sldLayout>
 </file>
 
@@ -17936,7 +15869,7 @@
   <p:clrMapOvr>
     <a:masterClrMapping/>
   </p:clrMapOvr>
-  <p:transition spd="med"/>
+  <p:transition xmlns:p14="http://schemas.microsoft.com/office/powerpoint/2010/main" spd="med"/>
 </p:sldLayout>
 </file>
 
@@ -18149,7 +16082,7 @@
   <p:clrMapOvr>
     <a:masterClrMapping/>
   </p:clrMapOvr>
-  <p:transition spd="med"/>
+  <p:transition xmlns:p14="http://schemas.microsoft.com/office/powerpoint/2010/main" spd="med"/>
 </p:sldLayout>
 </file>
 
@@ -18343,7 +16276,7 @@
   <p:clrMapOvr>
     <a:masterClrMapping/>
   </p:clrMapOvr>
-  <p:transition spd="med"/>
+  <p:transition xmlns:p14="http://schemas.microsoft.com/office/powerpoint/2010/main" spd="med"/>
 </p:sldLayout>
 </file>
 
@@ -18449,7 +16382,7 @@
   <p:clrMapOvr>
     <a:masterClrMapping/>
   </p:clrMapOvr>
-  <p:transition spd="med"/>
+  <p:transition xmlns:p14="http://schemas.microsoft.com/office/powerpoint/2010/main" spd="med"/>
 </p:sldLayout>
 </file>
 
@@ -18565,577 +16498,7 @@
   <p:clrMapOvr>
     <a:masterClrMapping/>
   </p:clrMapOvr>
-  <p:transition spd="med"/>
-</p:sldLayout>
-</file>
-
-<file path=ppt/slideLayouts/slideLayout89.xml><?xml version="1.0" encoding="utf-8"?>
-<p:sldLayout xmlns:a="http://schemas.openxmlformats.org/drawingml/2006/main" xmlns:r="http://schemas.openxmlformats.org/officeDocument/2006/relationships" xmlns:p="http://schemas.openxmlformats.org/presentationml/2006/main" showMasterSp="0" type="title" preserve="1">
-  <p:cSld name="Title Slide">
-    <p:spTree>
-      <p:nvGrpSpPr>
-        <p:cNvPr id="1" name=""/>
-        <p:cNvGrpSpPr/>
-        <p:nvPr/>
-      </p:nvGrpSpPr>
-      <p:grpSpPr>
-        <a:xfrm>
-          <a:off x="0" y="0"/>
-          <a:ext cx="0" cy="0"/>
-          <a:chOff x="0" y="0"/>
-          <a:chExt cx="0" cy="0"/>
-        </a:xfrm>
-      </p:grpSpPr>
-      <p:grpSp>
-        <p:nvGrpSpPr>
-          <p:cNvPr id="19" name="Group 18"/>
-          <p:cNvGrpSpPr/>
-          <p:nvPr/>
-        </p:nvGrpSpPr>
-        <p:grpSpPr>
-          <a:xfrm>
-            <a:off x="546100" y="-4763"/>
-            <a:ext cx="5014912" cy="6862763"/>
-            <a:chOff x="2928938" y="-4763"/>
-            <a:chExt cx="5014912" cy="6862763"/>
-          </a:xfrm>
-        </p:grpSpPr>
-        <p:sp>
-          <p:nvSpPr>
-            <p:cNvPr id="22" name="Freeform 6"/>
-            <p:cNvSpPr/>
-            <p:nvPr/>
-          </p:nvSpPr>
-          <p:spPr bwMode="auto">
-            <a:xfrm>
-              <a:off x="3367088" y="-4763"/>
-              <a:ext cx="1063625" cy="2782888"/>
-            </a:xfrm>
-            <a:custGeom>
-              <a:avLst/>
-              <a:gdLst/>
-              <a:ahLst/>
-              <a:cxnLst/>
-              <a:rect l="0" t="0" r="r" b="b"/>
-              <a:pathLst>
-                <a:path w="670" h="1753">
-                  <a:moveTo>
-                    <a:pt x="0" y="1696"/>
-                  </a:moveTo>
-                  <a:lnTo>
-                    <a:pt x="225" y="1753"/>
-                  </a:lnTo>
-                  <a:lnTo>
-                    <a:pt x="670" y="0"/>
-                  </a:lnTo>
-                  <a:lnTo>
-                    <a:pt x="430" y="0"/>
-                  </a:lnTo>
-                  <a:lnTo>
-                    <a:pt x="0" y="1696"/>
-                  </a:lnTo>
-                  <a:close/>
-                </a:path>
-              </a:pathLst>
-            </a:custGeom>
-            <a:solidFill>
-              <a:schemeClr val="accent1"/>
-            </a:solidFill>
-            <a:ln>
-              <a:noFill/>
-            </a:ln>
-          </p:spPr>
-        </p:sp>
-        <p:sp>
-          <p:nvSpPr>
-            <p:cNvPr id="23" name="Freeform 7"/>
-            <p:cNvSpPr/>
-            <p:nvPr/>
-          </p:nvSpPr>
-          <p:spPr bwMode="auto">
-            <a:xfrm>
-              <a:off x="2928938" y="-4763"/>
-              <a:ext cx="1035050" cy="2673350"/>
-            </a:xfrm>
-            <a:custGeom>
-              <a:avLst/>
-              <a:gdLst/>
-              <a:ahLst/>
-              <a:cxnLst/>
-              <a:rect l="0" t="0" r="r" b="b"/>
-              <a:pathLst>
-                <a:path w="652" h="1684">
-                  <a:moveTo>
-                    <a:pt x="225" y="1684"/>
-                  </a:moveTo>
-                  <a:lnTo>
-                    <a:pt x="652" y="0"/>
-                  </a:lnTo>
-                  <a:lnTo>
-                    <a:pt x="411" y="0"/>
-                  </a:lnTo>
-                  <a:lnTo>
-                    <a:pt x="0" y="1627"/>
-                  </a:lnTo>
-                  <a:lnTo>
-                    <a:pt x="219" y="1681"/>
-                  </a:lnTo>
-                  <a:lnTo>
-                    <a:pt x="225" y="1684"/>
-                  </a:lnTo>
-                  <a:close/>
-                </a:path>
-              </a:pathLst>
-            </a:custGeom>
-            <a:solidFill>
-              <a:schemeClr val="tx1">
-                <a:lumMod val="65000"/>
-                <a:lumOff val="35000"/>
-              </a:schemeClr>
-            </a:solidFill>
-            <a:ln>
-              <a:noFill/>
-            </a:ln>
-          </p:spPr>
-        </p:sp>
-        <p:sp>
-          <p:nvSpPr>
-            <p:cNvPr id="24" name="Freeform 9"/>
-            <p:cNvSpPr/>
-            <p:nvPr/>
-          </p:nvSpPr>
-          <p:spPr bwMode="auto">
-            <a:xfrm>
-              <a:off x="2928938" y="2582862"/>
-              <a:ext cx="2693987" cy="4275138"/>
-            </a:xfrm>
-            <a:custGeom>
-              <a:avLst/>
-              <a:gdLst/>
-              <a:ahLst/>
-              <a:cxnLst/>
-              <a:rect l="0" t="0" r="r" b="b"/>
-              <a:pathLst>
-                <a:path w="1697" h="2693">
-                  <a:moveTo>
-                    <a:pt x="0" y="0"/>
-                  </a:moveTo>
-                  <a:lnTo>
-                    <a:pt x="1622" y="2693"/>
-                  </a:lnTo>
-                  <a:lnTo>
-                    <a:pt x="1697" y="2693"/>
-                  </a:lnTo>
-                  <a:lnTo>
-                    <a:pt x="0" y="0"/>
-                  </a:lnTo>
-                  <a:close/>
-                </a:path>
-              </a:pathLst>
-            </a:custGeom>
-            <a:solidFill>
-              <a:schemeClr val="tx1">
-                <a:lumMod val="85000"/>
-                <a:lumOff val="15000"/>
-              </a:schemeClr>
-            </a:solidFill>
-            <a:ln>
-              <a:noFill/>
-            </a:ln>
-          </p:spPr>
-        </p:sp>
-        <p:sp>
-          <p:nvSpPr>
-            <p:cNvPr id="25" name="Freeform 10"/>
-            <p:cNvSpPr/>
-            <p:nvPr/>
-          </p:nvSpPr>
-          <p:spPr bwMode="auto">
-            <a:xfrm>
-              <a:off x="3371850" y="2692400"/>
-              <a:ext cx="3332162" cy="4165600"/>
-            </a:xfrm>
-            <a:custGeom>
-              <a:avLst/>
-              <a:gdLst/>
-              <a:ahLst/>
-              <a:cxnLst/>
-              <a:rect l="0" t="0" r="r" b="b"/>
-              <a:pathLst>
-                <a:path w="2099" h="2624">
-                  <a:moveTo>
-                    <a:pt x="2099" y="2624"/>
-                  </a:moveTo>
-                  <a:lnTo>
-                    <a:pt x="0" y="0"/>
-                  </a:lnTo>
-                  <a:lnTo>
-                    <a:pt x="2021" y="2624"/>
-                  </a:lnTo>
-                  <a:lnTo>
-                    <a:pt x="2099" y="2624"/>
-                  </a:lnTo>
-                  <a:close/>
-                </a:path>
-              </a:pathLst>
-            </a:custGeom>
-            <a:solidFill>
-              <a:schemeClr val="accent1">
-                <a:lumMod val="50000"/>
-              </a:schemeClr>
-            </a:solidFill>
-            <a:ln>
-              <a:noFill/>
-            </a:ln>
-          </p:spPr>
-        </p:sp>
-        <p:sp>
-          <p:nvSpPr>
-            <p:cNvPr id="26" name="Freeform 11"/>
-            <p:cNvSpPr/>
-            <p:nvPr/>
-          </p:nvSpPr>
-          <p:spPr bwMode="auto">
-            <a:xfrm>
-              <a:off x="3367088" y="2687637"/>
-              <a:ext cx="4576762" cy="4170363"/>
-            </a:xfrm>
-            <a:custGeom>
-              <a:avLst/>
-              <a:gdLst/>
-              <a:ahLst/>
-              <a:cxnLst/>
-              <a:rect l="0" t="0" r="r" b="b"/>
-              <a:pathLst>
-                <a:path w="2883" h="2627">
-                  <a:moveTo>
-                    <a:pt x="0" y="0"/>
-                  </a:moveTo>
-                  <a:lnTo>
-                    <a:pt x="3" y="3"/>
-                  </a:lnTo>
-                  <a:lnTo>
-                    <a:pt x="2102" y="2627"/>
-                  </a:lnTo>
-                  <a:lnTo>
-                    <a:pt x="2883" y="2627"/>
-                  </a:lnTo>
-                  <a:lnTo>
-                    <a:pt x="225" y="57"/>
-                  </a:lnTo>
-                  <a:lnTo>
-                    <a:pt x="0" y="0"/>
-                  </a:lnTo>
-                  <a:close/>
-                </a:path>
-              </a:pathLst>
-            </a:custGeom>
-            <a:solidFill>
-              <a:schemeClr val="accent1">
-                <a:lumMod val="75000"/>
-              </a:schemeClr>
-            </a:solidFill>
-            <a:ln>
-              <a:noFill/>
-            </a:ln>
-          </p:spPr>
-        </p:sp>
-        <p:sp>
-          <p:nvSpPr>
-            <p:cNvPr id="27" name="Freeform 12"/>
-            <p:cNvSpPr/>
-            <p:nvPr/>
-          </p:nvSpPr>
-          <p:spPr bwMode="auto">
-            <a:xfrm>
-              <a:off x="2928938" y="2578100"/>
-              <a:ext cx="3584575" cy="4279900"/>
-            </a:xfrm>
-            <a:custGeom>
-              <a:avLst/>
-              <a:gdLst/>
-              <a:ahLst/>
-              <a:cxnLst/>
-              <a:rect l="0" t="0" r="r" b="b"/>
-              <a:pathLst>
-                <a:path w="2258" h="2696">
-                  <a:moveTo>
-                    <a:pt x="2258" y="2696"/>
-                  </a:moveTo>
-                  <a:lnTo>
-                    <a:pt x="264" y="111"/>
-                  </a:lnTo>
-                  <a:lnTo>
-                    <a:pt x="228" y="60"/>
-                  </a:lnTo>
-                  <a:lnTo>
-                    <a:pt x="225" y="57"/>
-                  </a:lnTo>
-                  <a:lnTo>
-                    <a:pt x="0" y="0"/>
-                  </a:lnTo>
-                  <a:lnTo>
-                    <a:pt x="0" y="3"/>
-                  </a:lnTo>
-                  <a:lnTo>
-                    <a:pt x="1697" y="2696"/>
-                  </a:lnTo>
-                  <a:lnTo>
-                    <a:pt x="2258" y="2696"/>
-                  </a:lnTo>
-                  <a:close/>
-                </a:path>
-              </a:pathLst>
-            </a:custGeom>
-            <a:solidFill>
-              <a:schemeClr val="tx1">
-                <a:lumMod val="75000"/>
-                <a:lumOff val="25000"/>
-              </a:schemeClr>
-            </a:solidFill>
-            <a:ln>
-              <a:noFill/>
-            </a:ln>
-          </p:spPr>
-        </p:sp>
-      </p:grpSp>
-      <p:sp>
-        <p:nvSpPr>
-          <p:cNvPr id="2" name="Title 1"/>
-          <p:cNvSpPr>
-            <a:spLocks noGrp="1"/>
-          </p:cNvSpPr>
-          <p:nvPr>
-            <p:ph type="ctrTitle"/>
-          </p:nvPr>
-        </p:nvSpPr>
-        <p:spPr>
-          <a:xfrm>
-            <a:off x="2928401" y="1380068"/>
-            <a:ext cx="8574622" cy="2616199"/>
-          </a:xfrm>
-        </p:spPr>
-        <p:txBody>
-          <a:bodyPr anchor="b">
-            <a:normAutofit/>
-          </a:bodyPr>
-          <a:lstStyle>
-            <a:lvl1pPr algn="r">
-              <a:defRPr sz="6000">
-                <a:effectLst/>
-              </a:defRPr>
-            </a:lvl1pPr>
-          </a:lstStyle>
-          <a:p>
-            <a:r>
-              <a:rPr lang="en-US" smtClean="0"/>
-              <a:t>Click to edit Master title style</a:t>
-            </a:r>
-            <a:endParaRPr lang="en-US" dirty="0"/>
-          </a:p>
-        </p:txBody>
-      </p:sp>
-      <p:sp>
-        <p:nvSpPr>
-          <p:cNvPr id="3" name="Subtitle 2"/>
-          <p:cNvSpPr>
-            <a:spLocks noGrp="1"/>
-          </p:cNvSpPr>
-          <p:nvPr>
-            <p:ph type="subTitle" idx="1"/>
-          </p:nvPr>
-        </p:nvSpPr>
-        <p:spPr>
-          <a:xfrm>
-            <a:off x="4515377" y="3996267"/>
-            <a:ext cx="6987645" cy="1388534"/>
-          </a:xfrm>
-        </p:spPr>
-        <p:txBody>
-          <a:bodyPr anchor="t">
-            <a:normAutofit/>
-          </a:bodyPr>
-          <a:lstStyle>
-            <a:lvl1pPr marL="0" indent="0" algn="r">
-              <a:buNone/>
-              <a:defRPr sz="2100">
-                <a:solidFill>
-                  <a:schemeClr val="tx1"/>
-                </a:solidFill>
-              </a:defRPr>
-            </a:lvl1pPr>
-            <a:lvl2pPr marL="457200" indent="0" algn="ctr">
-              <a:buNone/>
-              <a:defRPr>
-                <a:solidFill>
-                  <a:schemeClr val="tx1">
-                    <a:tint val="75000"/>
-                  </a:schemeClr>
-                </a:solidFill>
-              </a:defRPr>
-            </a:lvl2pPr>
-            <a:lvl3pPr marL="914400" indent="0" algn="ctr">
-              <a:buNone/>
-              <a:defRPr>
-                <a:solidFill>
-                  <a:schemeClr val="tx1">
-                    <a:tint val="75000"/>
-                  </a:schemeClr>
-                </a:solidFill>
-              </a:defRPr>
-            </a:lvl3pPr>
-            <a:lvl4pPr marL="1371600" indent="0" algn="ctr">
-              <a:buNone/>
-              <a:defRPr>
-                <a:solidFill>
-                  <a:schemeClr val="tx1">
-                    <a:tint val="75000"/>
-                  </a:schemeClr>
-                </a:solidFill>
-              </a:defRPr>
-            </a:lvl4pPr>
-            <a:lvl5pPr marL="1828800" indent="0" algn="ctr">
-              <a:buNone/>
-              <a:defRPr>
-                <a:solidFill>
-                  <a:schemeClr val="tx1">
-                    <a:tint val="75000"/>
-                  </a:schemeClr>
-                </a:solidFill>
-              </a:defRPr>
-            </a:lvl5pPr>
-            <a:lvl6pPr marL="2286000" indent="0" algn="ctr">
-              <a:buNone/>
-              <a:defRPr>
-                <a:solidFill>
-                  <a:schemeClr val="tx1">
-                    <a:tint val="75000"/>
-                  </a:schemeClr>
-                </a:solidFill>
-              </a:defRPr>
-            </a:lvl6pPr>
-            <a:lvl7pPr marL="2743200" indent="0" algn="ctr">
-              <a:buNone/>
-              <a:defRPr>
-                <a:solidFill>
-                  <a:schemeClr val="tx1">
-                    <a:tint val="75000"/>
-                  </a:schemeClr>
-                </a:solidFill>
-              </a:defRPr>
-            </a:lvl7pPr>
-            <a:lvl8pPr marL="3200400" indent="0" algn="ctr">
-              <a:buNone/>
-              <a:defRPr>
-                <a:solidFill>
-                  <a:schemeClr val="tx1">
-                    <a:tint val="75000"/>
-                  </a:schemeClr>
-                </a:solidFill>
-              </a:defRPr>
-            </a:lvl8pPr>
-            <a:lvl9pPr marL="3657600" indent="0" algn="ctr">
-              <a:buNone/>
-              <a:defRPr>
-                <a:solidFill>
-                  <a:schemeClr val="tx1">
-                    <a:tint val="75000"/>
-                  </a:schemeClr>
-                </a:solidFill>
-              </a:defRPr>
-            </a:lvl9pPr>
-          </a:lstStyle>
-          <a:p>
-            <a:r>
-              <a:rPr lang="en-US" smtClean="0"/>
-              <a:t>Click to edit Master subtitle style</a:t>
-            </a:r>
-            <a:endParaRPr lang="en-US" dirty="0"/>
-          </a:p>
-        </p:txBody>
-      </p:sp>
-      <p:sp>
-        <p:nvSpPr>
-          <p:cNvPr id="4" name="Date Placeholder 3"/>
-          <p:cNvSpPr>
-            <a:spLocks noGrp="1"/>
-          </p:cNvSpPr>
-          <p:nvPr>
-            <p:ph type="dt" sz="half" idx="10"/>
-          </p:nvPr>
-        </p:nvSpPr>
-        <p:spPr/>
-        <p:txBody>
-          <a:bodyPr/>
-          <a:lstStyle/>
-          <a:p>
-            <a:fld id="{B61BEF0D-F0BB-DE4B-95CE-6DB70DBA9567}" type="datetimeFigureOut">
-              <a:rPr lang="en-US" dirty="0"/>
-              <a:pPr/>
-              <a:t>12/1/2016</a:t>
-            </a:fld>
-            <a:endParaRPr lang="en-US" dirty="0"/>
-          </a:p>
-        </p:txBody>
-      </p:sp>
-      <p:sp>
-        <p:nvSpPr>
-          <p:cNvPr id="5" name="Footer Placeholder 4"/>
-          <p:cNvSpPr>
-            <a:spLocks noGrp="1"/>
-          </p:cNvSpPr>
-          <p:nvPr>
-            <p:ph type="ftr" sz="quarter" idx="11"/>
-          </p:nvPr>
-        </p:nvSpPr>
-        <p:spPr>
-          <a:xfrm>
-            <a:off x="5332412" y="5883275"/>
-            <a:ext cx="4324044" cy="365125"/>
-          </a:xfrm>
-        </p:spPr>
-        <p:txBody>
-          <a:bodyPr/>
-          <a:lstStyle/>
-          <a:p>
-            <a:endParaRPr lang="en-US" dirty="0"/>
-          </a:p>
-        </p:txBody>
-      </p:sp>
-      <p:sp>
-        <p:nvSpPr>
-          <p:cNvPr id="6" name="Slide Number Placeholder 5"/>
-          <p:cNvSpPr>
-            <a:spLocks noGrp="1"/>
-          </p:cNvSpPr>
-          <p:nvPr>
-            <p:ph type="sldNum" sz="quarter" idx="12"/>
-          </p:nvPr>
-        </p:nvSpPr>
-        <p:spPr/>
-        <p:txBody>
-          <a:bodyPr/>
-          <a:lstStyle/>
-          <a:p>
-            <a:fld id="{D57F1E4F-1CFF-5643-939E-217C01CDF565}" type="slidenum">
-              <a:rPr lang="en-US" dirty="0"/>
-              <a:pPr/>
-              <a:t>‹#›</a:t>
-            </a:fld>
-            <a:endParaRPr lang="en-US" dirty="0"/>
-          </a:p>
-        </p:txBody>
-      </p:sp>
-    </p:spTree>
-    <p:extLst>
-      <p:ext uri="{BB962C8B-B14F-4D97-AF65-F5344CB8AC3E}">
-        <p14:creationId xmlns:p14="http://schemas.microsoft.com/office/powerpoint/2010/main" val="1844126341"/>
-      </p:ext>
-    </p:extLst>
-  </p:cSld>
-  <p:clrMapOvr>
-    <a:masterClrMapping/>
-  </p:clrMapOvr>
+  <p:transition xmlns:p14="http://schemas.microsoft.com/office/powerpoint/2010/main" spd="med"/>
 </p:sldLayout>
 </file>
 
@@ -19329,2515 +16692,7 @@
   <p:clrMapOvr>
     <a:masterClrMapping/>
   </p:clrMapOvr>
-  <p:transition spd="med"/>
-</p:sldLayout>
-</file>
-
-<file path=ppt/slideLayouts/slideLayout90.xml><?xml version="1.0" encoding="utf-8"?>
-<p:sldLayout xmlns:a="http://schemas.openxmlformats.org/drawingml/2006/main" xmlns:r="http://schemas.openxmlformats.org/officeDocument/2006/relationships" xmlns:p="http://schemas.openxmlformats.org/presentationml/2006/main" type="obj" preserve="1">
-  <p:cSld name="Title and Content">
-    <p:spTree>
-      <p:nvGrpSpPr>
-        <p:cNvPr id="1" name=""/>
-        <p:cNvGrpSpPr/>
-        <p:nvPr/>
-      </p:nvGrpSpPr>
-      <p:grpSpPr>
-        <a:xfrm>
-          <a:off x="0" y="0"/>
-          <a:ext cx="0" cy="0"/>
-          <a:chOff x="0" y="0"/>
-          <a:chExt cx="0" cy="0"/>
-        </a:xfrm>
-      </p:grpSpPr>
-      <p:sp>
-        <p:nvSpPr>
-          <p:cNvPr id="2" name="Title 1"/>
-          <p:cNvSpPr>
-            <a:spLocks noGrp="1"/>
-          </p:cNvSpPr>
-          <p:nvPr>
-            <p:ph type="title"/>
-          </p:nvPr>
-        </p:nvSpPr>
-        <p:spPr/>
-        <p:txBody>
-          <a:bodyPr/>
-          <a:lstStyle/>
-          <a:p>
-            <a:r>
-              <a:rPr lang="en-US" smtClean="0"/>
-              <a:t>Click to edit Master title style</a:t>
-            </a:r>
-            <a:endParaRPr lang="en-US" dirty="0"/>
-          </a:p>
-        </p:txBody>
-      </p:sp>
-      <p:sp>
-        <p:nvSpPr>
-          <p:cNvPr id="3" name="Content Placeholder 2"/>
-          <p:cNvSpPr>
-            <a:spLocks noGrp="1"/>
-          </p:cNvSpPr>
-          <p:nvPr>
-            <p:ph idx="1"/>
-          </p:nvPr>
-        </p:nvSpPr>
-        <p:spPr/>
-        <p:txBody>
-          <a:bodyPr anchor="ctr"/>
-          <a:lstStyle/>
-          <a:p>
-            <a:pPr lvl="0"/>
-            <a:r>
-              <a:rPr lang="en-US" smtClean="0"/>
-              <a:t>Click to edit Master text styles</a:t>
-            </a:r>
-          </a:p>
-          <a:p>
-            <a:pPr lvl="1"/>
-            <a:r>
-              <a:rPr lang="en-US" smtClean="0"/>
-              <a:t>Second level</a:t>
-            </a:r>
-          </a:p>
-          <a:p>
-            <a:pPr lvl="2"/>
-            <a:r>
-              <a:rPr lang="en-US" smtClean="0"/>
-              <a:t>Third level</a:t>
-            </a:r>
-          </a:p>
-          <a:p>
-            <a:pPr lvl="3"/>
-            <a:r>
-              <a:rPr lang="en-US" smtClean="0"/>
-              <a:t>Fourth level</a:t>
-            </a:r>
-          </a:p>
-          <a:p>
-            <a:pPr lvl="4"/>
-            <a:r>
-              <a:rPr lang="en-US" smtClean="0"/>
-              <a:t>Fifth level</a:t>
-            </a:r>
-            <a:endParaRPr lang="en-US" dirty="0"/>
-          </a:p>
-        </p:txBody>
-      </p:sp>
-      <p:sp>
-        <p:nvSpPr>
-          <p:cNvPr id="4" name="Date Placeholder 3"/>
-          <p:cNvSpPr>
-            <a:spLocks noGrp="1"/>
-          </p:cNvSpPr>
-          <p:nvPr>
-            <p:ph type="dt" sz="half" idx="10"/>
-          </p:nvPr>
-        </p:nvSpPr>
-        <p:spPr/>
-        <p:txBody>
-          <a:bodyPr/>
-          <a:lstStyle/>
-          <a:p>
-            <a:fld id="{B61BEF0D-F0BB-DE4B-95CE-6DB70DBA9567}" type="datetimeFigureOut">
-              <a:rPr lang="en-US" dirty="0"/>
-              <a:pPr/>
-              <a:t>12/1/2016</a:t>
-            </a:fld>
-            <a:endParaRPr lang="en-US" dirty="0"/>
-          </a:p>
-        </p:txBody>
-      </p:sp>
-      <p:sp>
-        <p:nvSpPr>
-          <p:cNvPr id="5" name="Footer Placeholder 4"/>
-          <p:cNvSpPr>
-            <a:spLocks noGrp="1"/>
-          </p:cNvSpPr>
-          <p:nvPr>
-            <p:ph type="ftr" sz="quarter" idx="11"/>
-          </p:nvPr>
-        </p:nvSpPr>
-        <p:spPr/>
-        <p:txBody>
-          <a:bodyPr/>
-          <a:lstStyle/>
-          <a:p>
-            <a:endParaRPr lang="en-US" dirty="0"/>
-          </a:p>
-        </p:txBody>
-      </p:sp>
-      <p:sp>
-        <p:nvSpPr>
-          <p:cNvPr id="6" name="Slide Number Placeholder 5"/>
-          <p:cNvSpPr>
-            <a:spLocks noGrp="1"/>
-          </p:cNvSpPr>
-          <p:nvPr>
-            <p:ph type="sldNum" sz="quarter" idx="12"/>
-          </p:nvPr>
-        </p:nvSpPr>
-        <p:spPr>
-          <a:xfrm>
-            <a:off x="10951856" y="5867131"/>
-            <a:ext cx="551167" cy="365125"/>
-          </a:xfrm>
-        </p:spPr>
-        <p:txBody>
-          <a:bodyPr/>
-          <a:lstStyle/>
-          <a:p>
-            <a:fld id="{D57F1E4F-1CFF-5643-939E-217C01CDF565}" type="slidenum">
-              <a:rPr lang="en-US" dirty="0"/>
-              <a:pPr/>
-              <a:t>‹#›</a:t>
-            </a:fld>
-            <a:endParaRPr lang="en-US" dirty="0"/>
-          </a:p>
-        </p:txBody>
-      </p:sp>
-    </p:spTree>
-    <p:extLst>
-      <p:ext uri="{BB962C8B-B14F-4D97-AF65-F5344CB8AC3E}">
-        <p14:creationId xmlns:p14="http://schemas.microsoft.com/office/powerpoint/2010/main" val="3595354860"/>
-      </p:ext>
-    </p:extLst>
-  </p:cSld>
-  <p:clrMapOvr>
-    <a:masterClrMapping/>
-  </p:clrMapOvr>
-</p:sldLayout>
-</file>
-
-<file path=ppt/slideLayouts/slideLayout91.xml><?xml version="1.0" encoding="utf-8"?>
-<p:sldLayout xmlns:a="http://schemas.openxmlformats.org/drawingml/2006/main" xmlns:r="http://schemas.openxmlformats.org/officeDocument/2006/relationships" xmlns:p="http://schemas.openxmlformats.org/presentationml/2006/main" type="secHead" preserve="1">
-  <p:cSld name="Section Header">
-    <p:spTree>
-      <p:nvGrpSpPr>
-        <p:cNvPr id="1" name=""/>
-        <p:cNvGrpSpPr/>
-        <p:nvPr/>
-      </p:nvGrpSpPr>
-      <p:grpSpPr>
-        <a:xfrm>
-          <a:off x="0" y="0"/>
-          <a:ext cx="0" cy="0"/>
-          <a:chOff x="0" y="0"/>
-          <a:chExt cx="0" cy="0"/>
-        </a:xfrm>
-      </p:grpSpPr>
-      <p:sp>
-        <p:nvSpPr>
-          <p:cNvPr id="2" name="Title 1"/>
-          <p:cNvSpPr>
-            <a:spLocks noGrp="1"/>
-          </p:cNvSpPr>
-          <p:nvPr>
-            <p:ph type="title"/>
-          </p:nvPr>
-        </p:nvSpPr>
-        <p:spPr>
-          <a:xfrm>
-            <a:off x="2572279" y="2666999"/>
-            <a:ext cx="8930747" cy="2110382"/>
-          </a:xfrm>
-        </p:spPr>
-        <p:txBody>
-          <a:bodyPr anchor="b"/>
-          <a:lstStyle>
-            <a:lvl1pPr algn="r">
-              <a:defRPr sz="4000" b="0" cap="none"/>
-            </a:lvl1pPr>
-          </a:lstStyle>
-          <a:p>
-            <a:r>
-              <a:rPr lang="en-US" smtClean="0"/>
-              <a:t>Click to edit Master title style</a:t>
-            </a:r>
-            <a:endParaRPr lang="en-US" dirty="0"/>
-          </a:p>
-        </p:txBody>
-      </p:sp>
-      <p:sp>
-        <p:nvSpPr>
-          <p:cNvPr id="3" name="Text Placeholder 2"/>
-          <p:cNvSpPr>
-            <a:spLocks noGrp="1"/>
-          </p:cNvSpPr>
-          <p:nvPr>
-            <p:ph type="body" idx="1"/>
-          </p:nvPr>
-        </p:nvSpPr>
-        <p:spPr>
-          <a:xfrm>
-            <a:off x="2572278" y="4777381"/>
-            <a:ext cx="8930748" cy="860400"/>
-          </a:xfrm>
-        </p:spPr>
-        <p:txBody>
-          <a:bodyPr anchor="t">
-            <a:normAutofit/>
-          </a:bodyPr>
-          <a:lstStyle>
-            <a:lvl1pPr marL="0" indent="0" algn="r">
-              <a:buNone/>
-              <a:defRPr sz="2000">
-                <a:solidFill>
-                  <a:schemeClr val="tx1"/>
-                </a:solidFill>
-              </a:defRPr>
-            </a:lvl1pPr>
-            <a:lvl2pPr marL="457200" indent="0">
-              <a:buNone/>
-              <a:defRPr sz="1800">
-                <a:solidFill>
-                  <a:schemeClr val="tx1">
-                    <a:tint val="75000"/>
-                  </a:schemeClr>
-                </a:solidFill>
-              </a:defRPr>
-            </a:lvl2pPr>
-            <a:lvl3pPr marL="914400" indent="0">
-              <a:buNone/>
-              <a:defRPr sz="1600">
-                <a:solidFill>
-                  <a:schemeClr val="tx1">
-                    <a:tint val="75000"/>
-                  </a:schemeClr>
-                </a:solidFill>
-              </a:defRPr>
-            </a:lvl3pPr>
-            <a:lvl4pPr marL="1371600" indent="0">
-              <a:buNone/>
-              <a:defRPr sz="1400">
-                <a:solidFill>
-                  <a:schemeClr val="tx1">
-                    <a:tint val="75000"/>
-                  </a:schemeClr>
-                </a:solidFill>
-              </a:defRPr>
-            </a:lvl4pPr>
-            <a:lvl5pPr marL="1828800" indent="0">
-              <a:buNone/>
-              <a:defRPr sz="1400">
-                <a:solidFill>
-                  <a:schemeClr val="tx1">
-                    <a:tint val="75000"/>
-                  </a:schemeClr>
-                </a:solidFill>
-              </a:defRPr>
-            </a:lvl5pPr>
-            <a:lvl6pPr marL="2286000" indent="0">
-              <a:buNone/>
-              <a:defRPr sz="1400">
-                <a:solidFill>
-                  <a:schemeClr val="tx1">
-                    <a:tint val="75000"/>
-                  </a:schemeClr>
-                </a:solidFill>
-              </a:defRPr>
-            </a:lvl6pPr>
-            <a:lvl7pPr marL="2743200" indent="0">
-              <a:buNone/>
-              <a:defRPr sz="1400">
-                <a:solidFill>
-                  <a:schemeClr val="tx1">
-                    <a:tint val="75000"/>
-                  </a:schemeClr>
-                </a:solidFill>
-              </a:defRPr>
-            </a:lvl7pPr>
-            <a:lvl8pPr marL="3200400" indent="0">
-              <a:buNone/>
-              <a:defRPr sz="1400">
-                <a:solidFill>
-                  <a:schemeClr val="tx1">
-                    <a:tint val="75000"/>
-                  </a:schemeClr>
-                </a:solidFill>
-              </a:defRPr>
-            </a:lvl8pPr>
-            <a:lvl9pPr marL="3657600" indent="0">
-              <a:buNone/>
-              <a:defRPr sz="1400">
-                <a:solidFill>
-                  <a:schemeClr val="tx1">
-                    <a:tint val="75000"/>
-                  </a:schemeClr>
-                </a:solidFill>
-              </a:defRPr>
-            </a:lvl9pPr>
-          </a:lstStyle>
-          <a:p>
-            <a:pPr lvl="0"/>
-            <a:r>
-              <a:rPr lang="en-US" smtClean="0"/>
-              <a:t>Click to edit Master text styles</a:t>
-            </a:r>
-          </a:p>
-        </p:txBody>
-      </p:sp>
-      <p:sp>
-        <p:nvSpPr>
-          <p:cNvPr id="4" name="Date Placeholder 3"/>
-          <p:cNvSpPr>
-            <a:spLocks noGrp="1"/>
-          </p:cNvSpPr>
-          <p:nvPr>
-            <p:ph type="dt" sz="half" idx="10"/>
-          </p:nvPr>
-        </p:nvSpPr>
-        <p:spPr/>
-        <p:txBody>
-          <a:bodyPr/>
-          <a:lstStyle/>
-          <a:p>
-            <a:fld id="{B61BEF0D-F0BB-DE4B-95CE-6DB70DBA9567}" type="datetimeFigureOut">
-              <a:rPr lang="en-US" dirty="0"/>
-              <a:pPr/>
-              <a:t>12/1/2016</a:t>
-            </a:fld>
-            <a:endParaRPr lang="en-US" dirty="0"/>
-          </a:p>
-        </p:txBody>
-      </p:sp>
-      <p:sp>
-        <p:nvSpPr>
-          <p:cNvPr id="5" name="Footer Placeholder 4"/>
-          <p:cNvSpPr>
-            <a:spLocks noGrp="1"/>
-          </p:cNvSpPr>
-          <p:nvPr>
-            <p:ph type="ftr" sz="quarter" idx="11"/>
-          </p:nvPr>
-        </p:nvSpPr>
-        <p:spPr/>
-        <p:txBody>
-          <a:bodyPr/>
-          <a:lstStyle/>
-          <a:p>
-            <a:endParaRPr lang="en-US" dirty="0"/>
-          </a:p>
-        </p:txBody>
-      </p:sp>
-      <p:sp>
-        <p:nvSpPr>
-          <p:cNvPr id="6" name="Slide Number Placeholder 5"/>
-          <p:cNvSpPr>
-            <a:spLocks noGrp="1"/>
-          </p:cNvSpPr>
-          <p:nvPr>
-            <p:ph type="sldNum" sz="quarter" idx="12"/>
-          </p:nvPr>
-        </p:nvSpPr>
-        <p:spPr/>
-        <p:txBody>
-          <a:bodyPr/>
-          <a:lstStyle/>
-          <a:p>
-            <a:fld id="{D57F1E4F-1CFF-5643-939E-217C01CDF565}" type="slidenum">
-              <a:rPr lang="en-US" dirty="0"/>
-              <a:pPr/>
-              <a:t>‹#›</a:t>
-            </a:fld>
-            <a:endParaRPr lang="en-US" dirty="0"/>
-          </a:p>
-        </p:txBody>
-      </p:sp>
-    </p:spTree>
-    <p:extLst>
-      <p:ext uri="{BB962C8B-B14F-4D97-AF65-F5344CB8AC3E}">
-        <p14:creationId xmlns:p14="http://schemas.microsoft.com/office/powerpoint/2010/main" val="1730148590"/>
-      </p:ext>
-    </p:extLst>
-  </p:cSld>
-  <p:clrMapOvr>
-    <a:masterClrMapping/>
-  </p:clrMapOvr>
-</p:sldLayout>
-</file>
-
-<file path=ppt/slideLayouts/slideLayout92.xml><?xml version="1.0" encoding="utf-8"?>
-<p:sldLayout xmlns:a="http://schemas.openxmlformats.org/drawingml/2006/main" xmlns:r="http://schemas.openxmlformats.org/officeDocument/2006/relationships" xmlns:p="http://schemas.openxmlformats.org/presentationml/2006/main" type="twoObj" preserve="1">
-  <p:cSld name="Two Content">
-    <p:spTree>
-      <p:nvGrpSpPr>
-        <p:cNvPr id="1" name=""/>
-        <p:cNvGrpSpPr/>
-        <p:nvPr/>
-      </p:nvGrpSpPr>
-      <p:grpSpPr>
-        <a:xfrm>
-          <a:off x="0" y="0"/>
-          <a:ext cx="0" cy="0"/>
-          <a:chOff x="0" y="0"/>
-          <a:chExt cx="0" cy="0"/>
-        </a:xfrm>
-      </p:grpSpPr>
-      <p:sp>
-        <p:nvSpPr>
-          <p:cNvPr id="2" name="Title 1"/>
-          <p:cNvSpPr>
-            <a:spLocks noGrp="1"/>
-          </p:cNvSpPr>
-          <p:nvPr>
-            <p:ph type="title"/>
-          </p:nvPr>
-        </p:nvSpPr>
-        <p:spPr>
-          <a:xfrm>
-            <a:off x="1484311" y="685800"/>
-            <a:ext cx="10018713" cy="1752599"/>
-          </a:xfrm>
-        </p:spPr>
-        <p:txBody>
-          <a:bodyPr/>
-          <a:lstStyle/>
-          <a:p>
-            <a:r>
-              <a:rPr lang="en-US" smtClean="0"/>
-              <a:t>Click to edit Master title style</a:t>
-            </a:r>
-            <a:endParaRPr lang="en-US" dirty="0"/>
-          </a:p>
-        </p:txBody>
-      </p:sp>
-      <p:sp>
-        <p:nvSpPr>
-          <p:cNvPr id="3" name="Content Placeholder 2"/>
-          <p:cNvSpPr>
-            <a:spLocks noGrp="1"/>
-          </p:cNvSpPr>
-          <p:nvPr>
-            <p:ph sz="half" idx="1"/>
-          </p:nvPr>
-        </p:nvSpPr>
-        <p:spPr>
-          <a:xfrm>
-            <a:off x="1484312" y="2666999"/>
-            <a:ext cx="4895055" cy="3124201"/>
-          </a:xfrm>
-        </p:spPr>
-        <p:txBody>
-          <a:bodyPr>
-            <a:normAutofit/>
-          </a:bodyPr>
-          <a:lstStyle>
-            <a:lvl1pPr>
-              <a:defRPr sz="1800"/>
-            </a:lvl1pPr>
-            <a:lvl2pPr>
-              <a:defRPr sz="1600"/>
-            </a:lvl2pPr>
-            <a:lvl3pPr>
-              <a:defRPr sz="1400"/>
-            </a:lvl3pPr>
-            <a:lvl4pPr>
-              <a:defRPr sz="1200"/>
-            </a:lvl4pPr>
-            <a:lvl5pPr>
-              <a:defRPr sz="1200"/>
-            </a:lvl5pPr>
-            <a:lvl6pPr>
-              <a:defRPr sz="1200"/>
-            </a:lvl6pPr>
-            <a:lvl7pPr>
-              <a:defRPr sz="1200"/>
-            </a:lvl7pPr>
-            <a:lvl8pPr>
-              <a:defRPr sz="1200"/>
-            </a:lvl8pPr>
-            <a:lvl9pPr>
-              <a:defRPr sz="1200"/>
-            </a:lvl9pPr>
-          </a:lstStyle>
-          <a:p>
-            <a:pPr lvl="0"/>
-            <a:r>
-              <a:rPr lang="en-US" smtClean="0"/>
-              <a:t>Click to edit Master text styles</a:t>
-            </a:r>
-          </a:p>
-          <a:p>
-            <a:pPr lvl="1"/>
-            <a:r>
-              <a:rPr lang="en-US" smtClean="0"/>
-              <a:t>Second level</a:t>
-            </a:r>
-          </a:p>
-          <a:p>
-            <a:pPr lvl="2"/>
-            <a:r>
-              <a:rPr lang="en-US" smtClean="0"/>
-              <a:t>Third level</a:t>
-            </a:r>
-          </a:p>
-          <a:p>
-            <a:pPr lvl="3"/>
-            <a:r>
-              <a:rPr lang="en-US" smtClean="0"/>
-              <a:t>Fourth level</a:t>
-            </a:r>
-          </a:p>
-          <a:p>
-            <a:pPr lvl="4"/>
-            <a:r>
-              <a:rPr lang="en-US" smtClean="0"/>
-              <a:t>Fifth level</a:t>
-            </a:r>
-            <a:endParaRPr lang="en-US" dirty="0"/>
-          </a:p>
-        </p:txBody>
-      </p:sp>
-      <p:sp>
-        <p:nvSpPr>
-          <p:cNvPr id="4" name="Content Placeholder 3"/>
-          <p:cNvSpPr>
-            <a:spLocks noGrp="1"/>
-          </p:cNvSpPr>
-          <p:nvPr>
-            <p:ph sz="half" idx="2"/>
-          </p:nvPr>
-        </p:nvSpPr>
-        <p:spPr>
-          <a:xfrm>
-            <a:off x="6607967" y="2667000"/>
-            <a:ext cx="4895056" cy="3124200"/>
-          </a:xfrm>
-        </p:spPr>
-        <p:txBody>
-          <a:bodyPr>
-            <a:normAutofit/>
-          </a:bodyPr>
-          <a:lstStyle>
-            <a:lvl1pPr>
-              <a:defRPr sz="1800"/>
-            </a:lvl1pPr>
-            <a:lvl2pPr>
-              <a:defRPr sz="1600"/>
-            </a:lvl2pPr>
-            <a:lvl3pPr>
-              <a:defRPr sz="1400"/>
-            </a:lvl3pPr>
-            <a:lvl4pPr>
-              <a:defRPr sz="1200"/>
-            </a:lvl4pPr>
-            <a:lvl5pPr>
-              <a:defRPr sz="1200"/>
-            </a:lvl5pPr>
-            <a:lvl6pPr>
-              <a:defRPr sz="1200"/>
-            </a:lvl6pPr>
-            <a:lvl7pPr>
-              <a:defRPr sz="1200"/>
-            </a:lvl7pPr>
-            <a:lvl8pPr>
-              <a:defRPr sz="1200"/>
-            </a:lvl8pPr>
-            <a:lvl9pPr>
-              <a:defRPr sz="1200"/>
-            </a:lvl9pPr>
-          </a:lstStyle>
-          <a:p>
-            <a:pPr lvl="0"/>
-            <a:r>
-              <a:rPr lang="en-US" smtClean="0"/>
-              <a:t>Click to edit Master text styles</a:t>
-            </a:r>
-          </a:p>
-          <a:p>
-            <a:pPr lvl="1"/>
-            <a:r>
-              <a:rPr lang="en-US" smtClean="0"/>
-              <a:t>Second level</a:t>
-            </a:r>
-          </a:p>
-          <a:p>
-            <a:pPr lvl="2"/>
-            <a:r>
-              <a:rPr lang="en-US" smtClean="0"/>
-              <a:t>Third level</a:t>
-            </a:r>
-          </a:p>
-          <a:p>
-            <a:pPr lvl="3"/>
-            <a:r>
-              <a:rPr lang="en-US" smtClean="0"/>
-              <a:t>Fourth level</a:t>
-            </a:r>
-          </a:p>
-          <a:p>
-            <a:pPr lvl="4"/>
-            <a:r>
-              <a:rPr lang="en-US" smtClean="0"/>
-              <a:t>Fifth level</a:t>
-            </a:r>
-            <a:endParaRPr lang="en-US" dirty="0"/>
-          </a:p>
-        </p:txBody>
-      </p:sp>
-      <p:sp>
-        <p:nvSpPr>
-          <p:cNvPr id="5" name="Date Placeholder 4"/>
-          <p:cNvSpPr>
-            <a:spLocks noGrp="1"/>
-          </p:cNvSpPr>
-          <p:nvPr>
-            <p:ph type="dt" sz="half" idx="10"/>
-          </p:nvPr>
-        </p:nvSpPr>
-        <p:spPr/>
-        <p:txBody>
-          <a:bodyPr/>
-          <a:lstStyle/>
-          <a:p>
-            <a:fld id="{B61BEF0D-F0BB-DE4B-95CE-6DB70DBA9567}" type="datetimeFigureOut">
-              <a:rPr lang="en-US" dirty="0"/>
-              <a:pPr/>
-              <a:t>12/1/2016</a:t>
-            </a:fld>
-            <a:endParaRPr lang="en-US" dirty="0"/>
-          </a:p>
-        </p:txBody>
-      </p:sp>
-      <p:sp>
-        <p:nvSpPr>
-          <p:cNvPr id="6" name="Footer Placeholder 5"/>
-          <p:cNvSpPr>
-            <a:spLocks noGrp="1"/>
-          </p:cNvSpPr>
-          <p:nvPr>
-            <p:ph type="ftr" sz="quarter" idx="11"/>
-          </p:nvPr>
-        </p:nvSpPr>
-        <p:spPr/>
-        <p:txBody>
-          <a:bodyPr/>
-          <a:lstStyle/>
-          <a:p>
-            <a:endParaRPr lang="en-US" dirty="0"/>
-          </a:p>
-        </p:txBody>
-      </p:sp>
-      <p:sp>
-        <p:nvSpPr>
-          <p:cNvPr id="7" name="Slide Number Placeholder 6"/>
-          <p:cNvSpPr>
-            <a:spLocks noGrp="1"/>
-          </p:cNvSpPr>
-          <p:nvPr>
-            <p:ph type="sldNum" sz="quarter" idx="12"/>
-          </p:nvPr>
-        </p:nvSpPr>
-        <p:spPr/>
-        <p:txBody>
-          <a:bodyPr/>
-          <a:lstStyle/>
-          <a:p>
-            <a:fld id="{D57F1E4F-1CFF-5643-939E-217C01CDF565}" type="slidenum">
-              <a:rPr lang="en-US" dirty="0"/>
-              <a:pPr/>
-              <a:t>‹#›</a:t>
-            </a:fld>
-            <a:endParaRPr lang="en-US" dirty="0"/>
-          </a:p>
-        </p:txBody>
-      </p:sp>
-    </p:spTree>
-    <p:extLst>
-      <p:ext uri="{BB962C8B-B14F-4D97-AF65-F5344CB8AC3E}">
-        <p14:creationId xmlns:p14="http://schemas.microsoft.com/office/powerpoint/2010/main" val="1690133060"/>
-      </p:ext>
-    </p:extLst>
-  </p:cSld>
-  <p:clrMapOvr>
-    <a:masterClrMapping/>
-  </p:clrMapOvr>
-</p:sldLayout>
-</file>
-
-<file path=ppt/slideLayouts/slideLayout93.xml><?xml version="1.0" encoding="utf-8"?>
-<p:sldLayout xmlns:a="http://schemas.openxmlformats.org/drawingml/2006/main" xmlns:r="http://schemas.openxmlformats.org/officeDocument/2006/relationships" xmlns:p="http://schemas.openxmlformats.org/presentationml/2006/main" type="twoTxTwoObj" preserve="1">
-  <p:cSld name="Comparison">
-    <p:spTree>
-      <p:nvGrpSpPr>
-        <p:cNvPr id="1" name=""/>
-        <p:cNvGrpSpPr/>
-        <p:nvPr/>
-      </p:nvGrpSpPr>
-      <p:grpSpPr>
-        <a:xfrm>
-          <a:off x="0" y="0"/>
-          <a:ext cx="0" cy="0"/>
-          <a:chOff x="0" y="0"/>
-          <a:chExt cx="0" cy="0"/>
-        </a:xfrm>
-      </p:grpSpPr>
-      <p:sp>
-        <p:nvSpPr>
-          <p:cNvPr id="2" name="Title 1"/>
-          <p:cNvSpPr>
-            <a:spLocks noGrp="1"/>
-          </p:cNvSpPr>
-          <p:nvPr>
-            <p:ph type="title"/>
-          </p:nvPr>
-        </p:nvSpPr>
-        <p:spPr/>
-        <p:txBody>
-          <a:bodyPr/>
-          <a:lstStyle>
-            <a:lvl1pPr>
-              <a:defRPr/>
-            </a:lvl1pPr>
-          </a:lstStyle>
-          <a:p>
-            <a:r>
-              <a:rPr lang="en-US" smtClean="0"/>
-              <a:t>Click to edit Master title style</a:t>
-            </a:r>
-            <a:endParaRPr lang="en-US" dirty="0"/>
-          </a:p>
-        </p:txBody>
-      </p:sp>
-      <p:sp>
-        <p:nvSpPr>
-          <p:cNvPr id="3" name="Text Placeholder 2"/>
-          <p:cNvSpPr>
-            <a:spLocks noGrp="1"/>
-          </p:cNvSpPr>
-          <p:nvPr>
-            <p:ph type="body" idx="1"/>
-          </p:nvPr>
-        </p:nvSpPr>
-        <p:spPr>
-          <a:xfrm>
-            <a:off x="1772179" y="2658533"/>
-            <a:ext cx="4607188" cy="576262"/>
-          </a:xfrm>
-        </p:spPr>
-        <p:txBody>
-          <a:bodyPr anchor="b">
-            <a:noAutofit/>
-          </a:bodyPr>
-          <a:lstStyle>
-            <a:lvl1pPr marL="0" indent="0">
-              <a:buNone/>
-              <a:defRPr sz="2800" b="0">
-                <a:solidFill>
-                  <a:schemeClr val="accent1">
-                    <a:lumMod val="75000"/>
-                  </a:schemeClr>
-                </a:solidFill>
-              </a:defRPr>
-            </a:lvl1pPr>
-            <a:lvl2pPr marL="457200" indent="0">
-              <a:buNone/>
-              <a:defRPr sz="2000" b="1"/>
-            </a:lvl2pPr>
-            <a:lvl3pPr marL="914400" indent="0">
-              <a:buNone/>
-              <a:defRPr sz="1800" b="1"/>
-            </a:lvl3pPr>
-            <a:lvl4pPr marL="1371600" indent="0">
-              <a:buNone/>
-              <a:defRPr sz="1600" b="1"/>
-            </a:lvl4pPr>
-            <a:lvl5pPr marL="1828800" indent="0">
-              <a:buNone/>
-              <a:defRPr sz="1600" b="1"/>
-            </a:lvl5pPr>
-            <a:lvl6pPr marL="2286000" indent="0">
-              <a:buNone/>
-              <a:defRPr sz="1600" b="1"/>
-            </a:lvl6pPr>
-            <a:lvl7pPr marL="2743200" indent="0">
-              <a:buNone/>
-              <a:defRPr sz="1600" b="1"/>
-            </a:lvl7pPr>
-            <a:lvl8pPr marL="3200400" indent="0">
-              <a:buNone/>
-              <a:defRPr sz="1600" b="1"/>
-            </a:lvl8pPr>
-            <a:lvl9pPr marL="3657600" indent="0">
-              <a:buNone/>
-              <a:defRPr sz="1600" b="1"/>
-            </a:lvl9pPr>
-          </a:lstStyle>
-          <a:p>
-            <a:pPr lvl="0"/>
-            <a:r>
-              <a:rPr lang="en-US" smtClean="0"/>
-              <a:t>Click to edit Master text styles</a:t>
-            </a:r>
-          </a:p>
-        </p:txBody>
-      </p:sp>
-      <p:sp>
-        <p:nvSpPr>
-          <p:cNvPr id="4" name="Content Placeholder 3"/>
-          <p:cNvSpPr>
-            <a:spLocks noGrp="1"/>
-          </p:cNvSpPr>
-          <p:nvPr>
-            <p:ph sz="half" idx="2"/>
-          </p:nvPr>
-        </p:nvSpPr>
-        <p:spPr>
-          <a:xfrm>
-            <a:off x="1484311" y="3335337"/>
-            <a:ext cx="4895056" cy="2455862"/>
-          </a:xfrm>
-        </p:spPr>
-        <p:txBody>
-          <a:bodyPr anchor="t">
-            <a:normAutofit/>
-          </a:bodyPr>
-          <a:lstStyle>
-            <a:lvl1pPr>
-              <a:defRPr sz="1800"/>
-            </a:lvl1pPr>
-            <a:lvl2pPr>
-              <a:defRPr sz="1600"/>
-            </a:lvl2pPr>
-            <a:lvl3pPr>
-              <a:defRPr sz="1400"/>
-            </a:lvl3pPr>
-            <a:lvl4pPr>
-              <a:defRPr sz="1200"/>
-            </a:lvl4pPr>
-            <a:lvl5pPr>
-              <a:defRPr sz="1200"/>
-            </a:lvl5pPr>
-            <a:lvl6pPr>
-              <a:defRPr sz="1200"/>
-            </a:lvl6pPr>
-            <a:lvl7pPr>
-              <a:defRPr sz="1200"/>
-            </a:lvl7pPr>
-            <a:lvl8pPr>
-              <a:defRPr sz="1200"/>
-            </a:lvl8pPr>
-            <a:lvl9pPr>
-              <a:defRPr sz="1200"/>
-            </a:lvl9pPr>
-          </a:lstStyle>
-          <a:p>
-            <a:pPr lvl="0"/>
-            <a:r>
-              <a:rPr lang="en-US" smtClean="0"/>
-              <a:t>Click to edit Master text styles</a:t>
-            </a:r>
-          </a:p>
-          <a:p>
-            <a:pPr lvl="1"/>
-            <a:r>
-              <a:rPr lang="en-US" smtClean="0"/>
-              <a:t>Second level</a:t>
-            </a:r>
-          </a:p>
-          <a:p>
-            <a:pPr lvl="2"/>
-            <a:r>
-              <a:rPr lang="en-US" smtClean="0"/>
-              <a:t>Third level</a:t>
-            </a:r>
-          </a:p>
-          <a:p>
-            <a:pPr lvl="3"/>
-            <a:r>
-              <a:rPr lang="en-US" smtClean="0"/>
-              <a:t>Fourth level</a:t>
-            </a:r>
-          </a:p>
-          <a:p>
-            <a:pPr lvl="4"/>
-            <a:r>
-              <a:rPr lang="en-US" smtClean="0"/>
-              <a:t>Fifth level</a:t>
-            </a:r>
-            <a:endParaRPr lang="en-US" dirty="0"/>
-          </a:p>
-        </p:txBody>
-      </p:sp>
-      <p:sp>
-        <p:nvSpPr>
-          <p:cNvPr id="5" name="Text Placeholder 4"/>
-          <p:cNvSpPr>
-            <a:spLocks noGrp="1"/>
-          </p:cNvSpPr>
-          <p:nvPr>
-            <p:ph type="body" sz="quarter" idx="3"/>
-          </p:nvPr>
-        </p:nvSpPr>
-        <p:spPr>
-          <a:xfrm>
-            <a:off x="6880487" y="2667000"/>
-            <a:ext cx="4622537" cy="576262"/>
-          </a:xfrm>
-        </p:spPr>
-        <p:txBody>
-          <a:bodyPr anchor="b">
-            <a:noAutofit/>
-          </a:bodyPr>
-          <a:lstStyle>
-            <a:lvl1pPr marL="0" indent="0">
-              <a:buNone/>
-              <a:defRPr sz="2800" b="0">
-                <a:solidFill>
-                  <a:schemeClr val="accent1">
-                    <a:lumMod val="75000"/>
-                  </a:schemeClr>
-                </a:solidFill>
-              </a:defRPr>
-            </a:lvl1pPr>
-            <a:lvl2pPr marL="457200" indent="0">
-              <a:buNone/>
-              <a:defRPr sz="2000" b="1"/>
-            </a:lvl2pPr>
-            <a:lvl3pPr marL="914400" indent="0">
-              <a:buNone/>
-              <a:defRPr sz="1800" b="1"/>
-            </a:lvl3pPr>
-            <a:lvl4pPr marL="1371600" indent="0">
-              <a:buNone/>
-              <a:defRPr sz="1600" b="1"/>
-            </a:lvl4pPr>
-            <a:lvl5pPr marL="1828800" indent="0">
-              <a:buNone/>
-              <a:defRPr sz="1600" b="1"/>
-            </a:lvl5pPr>
-            <a:lvl6pPr marL="2286000" indent="0">
-              <a:buNone/>
-              <a:defRPr sz="1600" b="1"/>
-            </a:lvl6pPr>
-            <a:lvl7pPr marL="2743200" indent="0">
-              <a:buNone/>
-              <a:defRPr sz="1600" b="1"/>
-            </a:lvl7pPr>
-            <a:lvl8pPr marL="3200400" indent="0">
-              <a:buNone/>
-              <a:defRPr sz="1600" b="1"/>
-            </a:lvl8pPr>
-            <a:lvl9pPr marL="3657600" indent="0">
-              <a:buNone/>
-              <a:defRPr sz="1600" b="1"/>
-            </a:lvl9pPr>
-          </a:lstStyle>
-          <a:p>
-            <a:pPr lvl="0"/>
-            <a:r>
-              <a:rPr lang="en-US" smtClean="0"/>
-              <a:t>Click to edit Master text styles</a:t>
-            </a:r>
-          </a:p>
-        </p:txBody>
-      </p:sp>
-      <p:sp>
-        <p:nvSpPr>
-          <p:cNvPr id="6" name="Content Placeholder 5"/>
-          <p:cNvSpPr>
-            <a:spLocks noGrp="1"/>
-          </p:cNvSpPr>
-          <p:nvPr>
-            <p:ph sz="quarter" idx="4"/>
-          </p:nvPr>
-        </p:nvSpPr>
-        <p:spPr>
-          <a:xfrm>
-            <a:off x="6607967" y="3335337"/>
-            <a:ext cx="4895056" cy="2455862"/>
-          </a:xfrm>
-        </p:spPr>
-        <p:txBody>
-          <a:bodyPr anchor="t">
-            <a:normAutofit/>
-          </a:bodyPr>
-          <a:lstStyle>
-            <a:lvl1pPr>
-              <a:defRPr sz="1800"/>
-            </a:lvl1pPr>
-            <a:lvl2pPr>
-              <a:defRPr sz="1600"/>
-            </a:lvl2pPr>
-            <a:lvl3pPr>
-              <a:defRPr sz="1400"/>
-            </a:lvl3pPr>
-            <a:lvl4pPr>
-              <a:defRPr sz="1200"/>
-            </a:lvl4pPr>
-            <a:lvl5pPr>
-              <a:defRPr sz="1200"/>
-            </a:lvl5pPr>
-            <a:lvl6pPr>
-              <a:defRPr sz="1200"/>
-            </a:lvl6pPr>
-            <a:lvl7pPr>
-              <a:defRPr sz="1200"/>
-            </a:lvl7pPr>
-            <a:lvl8pPr>
-              <a:defRPr sz="1200"/>
-            </a:lvl8pPr>
-            <a:lvl9pPr>
-              <a:defRPr sz="1200"/>
-            </a:lvl9pPr>
-          </a:lstStyle>
-          <a:p>
-            <a:pPr lvl="0"/>
-            <a:r>
-              <a:rPr lang="en-US" smtClean="0"/>
-              <a:t>Click to edit Master text styles</a:t>
-            </a:r>
-          </a:p>
-          <a:p>
-            <a:pPr lvl="1"/>
-            <a:r>
-              <a:rPr lang="en-US" smtClean="0"/>
-              <a:t>Second level</a:t>
-            </a:r>
-          </a:p>
-          <a:p>
-            <a:pPr lvl="2"/>
-            <a:r>
-              <a:rPr lang="en-US" smtClean="0"/>
-              <a:t>Third level</a:t>
-            </a:r>
-          </a:p>
-          <a:p>
-            <a:pPr lvl="3"/>
-            <a:r>
-              <a:rPr lang="en-US" smtClean="0"/>
-              <a:t>Fourth level</a:t>
-            </a:r>
-          </a:p>
-          <a:p>
-            <a:pPr lvl="4"/>
-            <a:r>
-              <a:rPr lang="en-US" smtClean="0"/>
-              <a:t>Fifth level</a:t>
-            </a:r>
-            <a:endParaRPr lang="en-US" dirty="0"/>
-          </a:p>
-        </p:txBody>
-      </p:sp>
-      <p:sp>
-        <p:nvSpPr>
-          <p:cNvPr id="7" name="Date Placeholder 6"/>
-          <p:cNvSpPr>
-            <a:spLocks noGrp="1"/>
-          </p:cNvSpPr>
-          <p:nvPr>
-            <p:ph type="dt" sz="half" idx="10"/>
-          </p:nvPr>
-        </p:nvSpPr>
-        <p:spPr/>
-        <p:txBody>
-          <a:bodyPr/>
-          <a:lstStyle/>
-          <a:p>
-            <a:fld id="{B61BEF0D-F0BB-DE4B-95CE-6DB70DBA9567}" type="datetimeFigureOut">
-              <a:rPr lang="en-US" dirty="0"/>
-              <a:pPr/>
-              <a:t>12/1/2016</a:t>
-            </a:fld>
-            <a:endParaRPr lang="en-US" dirty="0"/>
-          </a:p>
-        </p:txBody>
-      </p:sp>
-      <p:sp>
-        <p:nvSpPr>
-          <p:cNvPr id="8" name="Footer Placeholder 7"/>
-          <p:cNvSpPr>
-            <a:spLocks noGrp="1"/>
-          </p:cNvSpPr>
-          <p:nvPr>
-            <p:ph type="ftr" sz="quarter" idx="11"/>
-          </p:nvPr>
-        </p:nvSpPr>
-        <p:spPr/>
-        <p:txBody>
-          <a:bodyPr/>
-          <a:lstStyle/>
-          <a:p>
-            <a:endParaRPr lang="en-US" dirty="0"/>
-          </a:p>
-        </p:txBody>
-      </p:sp>
-      <p:sp>
-        <p:nvSpPr>
-          <p:cNvPr id="9" name="Slide Number Placeholder 8"/>
-          <p:cNvSpPr>
-            <a:spLocks noGrp="1"/>
-          </p:cNvSpPr>
-          <p:nvPr>
-            <p:ph type="sldNum" sz="quarter" idx="12"/>
-          </p:nvPr>
-        </p:nvSpPr>
-        <p:spPr/>
-        <p:txBody>
-          <a:bodyPr/>
-          <a:lstStyle/>
-          <a:p>
-            <a:fld id="{D57F1E4F-1CFF-5643-939E-217C01CDF565}" type="slidenum">
-              <a:rPr lang="en-US" dirty="0"/>
-              <a:pPr/>
-              <a:t>‹#›</a:t>
-            </a:fld>
-            <a:endParaRPr lang="en-US" dirty="0"/>
-          </a:p>
-        </p:txBody>
-      </p:sp>
-    </p:spTree>
-    <p:extLst>
-      <p:ext uri="{BB962C8B-B14F-4D97-AF65-F5344CB8AC3E}">
-        <p14:creationId xmlns:p14="http://schemas.microsoft.com/office/powerpoint/2010/main" val="263614258"/>
-      </p:ext>
-    </p:extLst>
-  </p:cSld>
-  <p:clrMapOvr>
-    <a:masterClrMapping/>
-  </p:clrMapOvr>
-</p:sldLayout>
-</file>
-
-<file path=ppt/slideLayouts/slideLayout94.xml><?xml version="1.0" encoding="utf-8"?>
-<p:sldLayout xmlns:a="http://schemas.openxmlformats.org/drawingml/2006/main" xmlns:r="http://schemas.openxmlformats.org/officeDocument/2006/relationships" xmlns:p="http://schemas.openxmlformats.org/presentationml/2006/main" type="titleOnly" preserve="1">
-  <p:cSld name="Title Only">
-    <p:spTree>
-      <p:nvGrpSpPr>
-        <p:cNvPr id="1" name=""/>
-        <p:cNvGrpSpPr/>
-        <p:nvPr/>
-      </p:nvGrpSpPr>
-      <p:grpSpPr>
-        <a:xfrm>
-          <a:off x="0" y="0"/>
-          <a:ext cx="0" cy="0"/>
-          <a:chOff x="0" y="0"/>
-          <a:chExt cx="0" cy="0"/>
-        </a:xfrm>
-      </p:grpSpPr>
-      <p:sp>
-        <p:nvSpPr>
-          <p:cNvPr id="2" name="Title 1"/>
-          <p:cNvSpPr>
-            <a:spLocks noGrp="1"/>
-          </p:cNvSpPr>
-          <p:nvPr>
-            <p:ph type="title"/>
-          </p:nvPr>
-        </p:nvSpPr>
-        <p:spPr/>
-        <p:txBody>
-          <a:bodyPr/>
-          <a:lstStyle/>
-          <a:p>
-            <a:r>
-              <a:rPr lang="en-US" smtClean="0"/>
-              <a:t>Click to edit Master title style</a:t>
-            </a:r>
-            <a:endParaRPr lang="en-US" dirty="0"/>
-          </a:p>
-        </p:txBody>
-      </p:sp>
-      <p:sp>
-        <p:nvSpPr>
-          <p:cNvPr id="3" name="Date Placeholder 2"/>
-          <p:cNvSpPr>
-            <a:spLocks noGrp="1"/>
-          </p:cNvSpPr>
-          <p:nvPr>
-            <p:ph type="dt" sz="half" idx="10"/>
-          </p:nvPr>
-        </p:nvSpPr>
-        <p:spPr/>
-        <p:txBody>
-          <a:bodyPr/>
-          <a:lstStyle/>
-          <a:p>
-            <a:fld id="{B61BEF0D-F0BB-DE4B-95CE-6DB70DBA9567}" type="datetimeFigureOut">
-              <a:rPr lang="en-US" dirty="0"/>
-              <a:pPr/>
-              <a:t>12/1/2016</a:t>
-            </a:fld>
-            <a:endParaRPr lang="en-US" dirty="0"/>
-          </a:p>
-        </p:txBody>
-      </p:sp>
-      <p:sp>
-        <p:nvSpPr>
-          <p:cNvPr id="4" name="Footer Placeholder 3"/>
-          <p:cNvSpPr>
-            <a:spLocks noGrp="1"/>
-          </p:cNvSpPr>
-          <p:nvPr>
-            <p:ph type="ftr" sz="quarter" idx="11"/>
-          </p:nvPr>
-        </p:nvSpPr>
-        <p:spPr/>
-        <p:txBody>
-          <a:bodyPr/>
-          <a:lstStyle/>
-          <a:p>
-            <a:endParaRPr lang="en-US" dirty="0"/>
-          </a:p>
-        </p:txBody>
-      </p:sp>
-      <p:sp>
-        <p:nvSpPr>
-          <p:cNvPr id="5" name="Slide Number Placeholder 4"/>
-          <p:cNvSpPr>
-            <a:spLocks noGrp="1"/>
-          </p:cNvSpPr>
-          <p:nvPr>
-            <p:ph type="sldNum" sz="quarter" idx="12"/>
-          </p:nvPr>
-        </p:nvSpPr>
-        <p:spPr/>
-        <p:txBody>
-          <a:bodyPr/>
-          <a:lstStyle/>
-          <a:p>
-            <a:fld id="{D57F1E4F-1CFF-5643-939E-217C01CDF565}" type="slidenum">
-              <a:rPr lang="en-US" dirty="0"/>
-              <a:pPr/>
-              <a:t>‹#›</a:t>
-            </a:fld>
-            <a:endParaRPr lang="en-US" dirty="0"/>
-          </a:p>
-        </p:txBody>
-      </p:sp>
-    </p:spTree>
-    <p:extLst>
-      <p:ext uri="{BB962C8B-B14F-4D97-AF65-F5344CB8AC3E}">
-        <p14:creationId xmlns:p14="http://schemas.microsoft.com/office/powerpoint/2010/main" val="3217193663"/>
-      </p:ext>
-    </p:extLst>
-  </p:cSld>
-  <p:clrMapOvr>
-    <a:masterClrMapping/>
-  </p:clrMapOvr>
-</p:sldLayout>
-</file>
-
-<file path=ppt/slideLayouts/slideLayout95.xml><?xml version="1.0" encoding="utf-8"?>
-<p:sldLayout xmlns:a="http://schemas.openxmlformats.org/drawingml/2006/main" xmlns:r="http://schemas.openxmlformats.org/officeDocument/2006/relationships" xmlns:p="http://schemas.openxmlformats.org/presentationml/2006/main" type="blank" preserve="1">
-  <p:cSld name="Blank">
-    <p:spTree>
-      <p:nvGrpSpPr>
-        <p:cNvPr id="1" name=""/>
-        <p:cNvGrpSpPr/>
-        <p:nvPr/>
-      </p:nvGrpSpPr>
-      <p:grpSpPr>
-        <a:xfrm>
-          <a:off x="0" y="0"/>
-          <a:ext cx="0" cy="0"/>
-          <a:chOff x="0" y="0"/>
-          <a:chExt cx="0" cy="0"/>
-        </a:xfrm>
-      </p:grpSpPr>
-      <p:sp>
-        <p:nvSpPr>
-          <p:cNvPr id="2" name="Date Placeholder 1"/>
-          <p:cNvSpPr>
-            <a:spLocks noGrp="1"/>
-          </p:cNvSpPr>
-          <p:nvPr>
-            <p:ph type="dt" sz="half" idx="10"/>
-          </p:nvPr>
-        </p:nvSpPr>
-        <p:spPr/>
-        <p:txBody>
-          <a:bodyPr/>
-          <a:lstStyle/>
-          <a:p>
-            <a:fld id="{B61BEF0D-F0BB-DE4B-95CE-6DB70DBA9567}" type="datetimeFigureOut">
-              <a:rPr lang="en-US" dirty="0"/>
-              <a:pPr/>
-              <a:t>12/1/2016</a:t>
-            </a:fld>
-            <a:endParaRPr lang="en-US" dirty="0"/>
-          </a:p>
-        </p:txBody>
-      </p:sp>
-      <p:sp>
-        <p:nvSpPr>
-          <p:cNvPr id="3" name="Footer Placeholder 2"/>
-          <p:cNvSpPr>
-            <a:spLocks noGrp="1"/>
-          </p:cNvSpPr>
-          <p:nvPr>
-            <p:ph type="ftr" sz="quarter" idx="11"/>
-          </p:nvPr>
-        </p:nvSpPr>
-        <p:spPr/>
-        <p:txBody>
-          <a:bodyPr/>
-          <a:lstStyle/>
-          <a:p>
-            <a:endParaRPr lang="en-US" dirty="0"/>
-          </a:p>
-        </p:txBody>
-      </p:sp>
-      <p:sp>
-        <p:nvSpPr>
-          <p:cNvPr id="4" name="Slide Number Placeholder 3"/>
-          <p:cNvSpPr>
-            <a:spLocks noGrp="1"/>
-          </p:cNvSpPr>
-          <p:nvPr>
-            <p:ph type="sldNum" sz="quarter" idx="12"/>
-          </p:nvPr>
-        </p:nvSpPr>
-        <p:spPr/>
-        <p:txBody>
-          <a:bodyPr/>
-          <a:lstStyle/>
-          <a:p>
-            <a:fld id="{D57F1E4F-1CFF-5643-939E-217C01CDF565}" type="slidenum">
-              <a:rPr lang="en-US" dirty="0"/>
-              <a:pPr/>
-              <a:t>‹#›</a:t>
-            </a:fld>
-            <a:endParaRPr lang="en-US" dirty="0"/>
-          </a:p>
-        </p:txBody>
-      </p:sp>
-    </p:spTree>
-    <p:extLst>
-      <p:ext uri="{BB962C8B-B14F-4D97-AF65-F5344CB8AC3E}">
-        <p14:creationId xmlns:p14="http://schemas.microsoft.com/office/powerpoint/2010/main" val="1372208624"/>
-      </p:ext>
-    </p:extLst>
-  </p:cSld>
-  <p:clrMapOvr>
-    <a:masterClrMapping/>
-  </p:clrMapOvr>
-</p:sldLayout>
-</file>
-
-<file path=ppt/slideLayouts/slideLayout96.xml><?xml version="1.0" encoding="utf-8"?>
-<p:sldLayout xmlns:a="http://schemas.openxmlformats.org/drawingml/2006/main" xmlns:r="http://schemas.openxmlformats.org/officeDocument/2006/relationships" xmlns:p="http://schemas.openxmlformats.org/presentationml/2006/main" type="objTx" preserve="1">
-  <p:cSld name="Content with Caption">
-    <p:spTree>
-      <p:nvGrpSpPr>
-        <p:cNvPr id="1" name=""/>
-        <p:cNvGrpSpPr/>
-        <p:nvPr/>
-      </p:nvGrpSpPr>
-      <p:grpSpPr>
-        <a:xfrm>
-          <a:off x="0" y="0"/>
-          <a:ext cx="0" cy="0"/>
-          <a:chOff x="0" y="0"/>
-          <a:chExt cx="0" cy="0"/>
-        </a:xfrm>
-      </p:grpSpPr>
-      <p:sp>
-        <p:nvSpPr>
-          <p:cNvPr id="2" name="Title 1"/>
-          <p:cNvSpPr>
-            <a:spLocks noGrp="1"/>
-          </p:cNvSpPr>
-          <p:nvPr>
-            <p:ph type="title"/>
-          </p:nvPr>
-        </p:nvSpPr>
-        <p:spPr>
-          <a:xfrm>
-            <a:off x="1484312" y="1600200"/>
-            <a:ext cx="3549121" cy="1371600"/>
-          </a:xfrm>
-        </p:spPr>
-        <p:txBody>
-          <a:bodyPr anchor="b">
-            <a:normAutofit/>
-          </a:bodyPr>
-          <a:lstStyle>
-            <a:lvl1pPr algn="ctr">
-              <a:defRPr sz="2400" b="0"/>
-            </a:lvl1pPr>
-          </a:lstStyle>
-          <a:p>
-            <a:r>
-              <a:rPr lang="en-US" smtClean="0"/>
-              <a:t>Click to edit Master title style</a:t>
-            </a:r>
-            <a:endParaRPr lang="en-US" dirty="0"/>
-          </a:p>
-        </p:txBody>
-      </p:sp>
-      <p:sp>
-        <p:nvSpPr>
-          <p:cNvPr id="3" name="Content Placeholder 2"/>
-          <p:cNvSpPr>
-            <a:spLocks noGrp="1"/>
-          </p:cNvSpPr>
-          <p:nvPr>
-            <p:ph idx="1"/>
-          </p:nvPr>
-        </p:nvSpPr>
-        <p:spPr>
-          <a:xfrm>
-            <a:off x="5262033" y="685799"/>
-            <a:ext cx="6240990" cy="5105401"/>
-          </a:xfrm>
-        </p:spPr>
-        <p:txBody>
-          <a:bodyPr anchor="ctr">
-            <a:normAutofit/>
-          </a:bodyPr>
-          <a:lstStyle>
-            <a:lvl1pPr>
-              <a:defRPr sz="2000"/>
-            </a:lvl1pPr>
-            <a:lvl2pPr>
-              <a:defRPr sz="1800"/>
-            </a:lvl2pPr>
-            <a:lvl3pPr>
-              <a:defRPr sz="1600"/>
-            </a:lvl3pPr>
-            <a:lvl4pPr>
-              <a:defRPr sz="1400"/>
-            </a:lvl4pPr>
-            <a:lvl5pPr>
-              <a:defRPr sz="1400"/>
-            </a:lvl5pPr>
-            <a:lvl6pPr>
-              <a:defRPr sz="1400"/>
-            </a:lvl6pPr>
-            <a:lvl7pPr>
-              <a:defRPr sz="1400"/>
-            </a:lvl7pPr>
-            <a:lvl8pPr>
-              <a:defRPr sz="1400"/>
-            </a:lvl8pPr>
-            <a:lvl9pPr>
-              <a:defRPr sz="1400"/>
-            </a:lvl9pPr>
-          </a:lstStyle>
-          <a:p>
-            <a:pPr lvl="0"/>
-            <a:r>
-              <a:rPr lang="en-US" smtClean="0"/>
-              <a:t>Click to edit Master text styles</a:t>
-            </a:r>
-          </a:p>
-          <a:p>
-            <a:pPr lvl="1"/>
-            <a:r>
-              <a:rPr lang="en-US" smtClean="0"/>
-              <a:t>Second level</a:t>
-            </a:r>
-          </a:p>
-          <a:p>
-            <a:pPr lvl="2"/>
-            <a:r>
-              <a:rPr lang="en-US" smtClean="0"/>
-              <a:t>Third level</a:t>
-            </a:r>
-          </a:p>
-          <a:p>
-            <a:pPr lvl="3"/>
-            <a:r>
-              <a:rPr lang="en-US" smtClean="0"/>
-              <a:t>Fourth level</a:t>
-            </a:r>
-          </a:p>
-          <a:p>
-            <a:pPr lvl="4"/>
-            <a:r>
-              <a:rPr lang="en-US" smtClean="0"/>
-              <a:t>Fifth level</a:t>
-            </a:r>
-            <a:endParaRPr lang="en-US" dirty="0"/>
-          </a:p>
-        </p:txBody>
-      </p:sp>
-      <p:sp>
-        <p:nvSpPr>
-          <p:cNvPr id="4" name="Text Placeholder 3"/>
-          <p:cNvSpPr>
-            <a:spLocks noGrp="1"/>
-          </p:cNvSpPr>
-          <p:nvPr>
-            <p:ph type="body" sz="half" idx="2"/>
-          </p:nvPr>
-        </p:nvSpPr>
-        <p:spPr>
-          <a:xfrm>
-            <a:off x="1484312" y="2971800"/>
-            <a:ext cx="3549121" cy="1828800"/>
-          </a:xfrm>
-        </p:spPr>
-        <p:txBody>
-          <a:bodyPr>
-            <a:normAutofit/>
-          </a:bodyPr>
-          <a:lstStyle>
-            <a:lvl1pPr marL="0" indent="0" algn="ctr">
-              <a:buNone/>
-              <a:defRPr sz="1600"/>
-            </a:lvl1pPr>
-            <a:lvl2pPr marL="457200" indent="0">
-              <a:buNone/>
-              <a:defRPr sz="1200"/>
-            </a:lvl2pPr>
-            <a:lvl3pPr marL="914400" indent="0">
-              <a:buNone/>
-              <a:defRPr sz="1000"/>
-            </a:lvl3pPr>
-            <a:lvl4pPr marL="1371600" indent="0">
-              <a:buNone/>
-              <a:defRPr sz="900"/>
-            </a:lvl4pPr>
-            <a:lvl5pPr marL="1828800" indent="0">
-              <a:buNone/>
-              <a:defRPr sz="900"/>
-            </a:lvl5pPr>
-            <a:lvl6pPr marL="2286000" indent="0">
-              <a:buNone/>
-              <a:defRPr sz="900"/>
-            </a:lvl6pPr>
-            <a:lvl7pPr marL="2743200" indent="0">
-              <a:buNone/>
-              <a:defRPr sz="900"/>
-            </a:lvl7pPr>
-            <a:lvl8pPr marL="3200400" indent="0">
-              <a:buNone/>
-              <a:defRPr sz="900"/>
-            </a:lvl8pPr>
-            <a:lvl9pPr marL="3657600" indent="0">
-              <a:buNone/>
-              <a:defRPr sz="900"/>
-            </a:lvl9pPr>
-          </a:lstStyle>
-          <a:p>
-            <a:pPr lvl="0"/>
-            <a:r>
-              <a:rPr lang="en-US" smtClean="0"/>
-              <a:t>Click to edit Master text styles</a:t>
-            </a:r>
-          </a:p>
-        </p:txBody>
-      </p:sp>
-      <p:sp>
-        <p:nvSpPr>
-          <p:cNvPr id="5" name="Date Placeholder 4"/>
-          <p:cNvSpPr>
-            <a:spLocks noGrp="1"/>
-          </p:cNvSpPr>
-          <p:nvPr>
-            <p:ph type="dt" sz="half" idx="10"/>
-          </p:nvPr>
-        </p:nvSpPr>
-        <p:spPr/>
-        <p:txBody>
-          <a:bodyPr/>
-          <a:lstStyle/>
-          <a:p>
-            <a:fld id="{B61BEF0D-F0BB-DE4B-95CE-6DB70DBA9567}" type="datetimeFigureOut">
-              <a:rPr lang="en-US" dirty="0"/>
-              <a:pPr/>
-              <a:t>12/1/2016</a:t>
-            </a:fld>
-            <a:endParaRPr lang="en-US" dirty="0"/>
-          </a:p>
-        </p:txBody>
-      </p:sp>
-      <p:sp>
-        <p:nvSpPr>
-          <p:cNvPr id="6" name="Footer Placeholder 5"/>
-          <p:cNvSpPr>
-            <a:spLocks noGrp="1"/>
-          </p:cNvSpPr>
-          <p:nvPr>
-            <p:ph type="ftr" sz="quarter" idx="11"/>
-          </p:nvPr>
-        </p:nvSpPr>
-        <p:spPr/>
-        <p:txBody>
-          <a:bodyPr/>
-          <a:lstStyle/>
-          <a:p>
-            <a:endParaRPr lang="en-US" dirty="0"/>
-          </a:p>
-        </p:txBody>
-      </p:sp>
-      <p:sp>
-        <p:nvSpPr>
-          <p:cNvPr id="7" name="Slide Number Placeholder 6"/>
-          <p:cNvSpPr>
-            <a:spLocks noGrp="1"/>
-          </p:cNvSpPr>
-          <p:nvPr>
-            <p:ph type="sldNum" sz="quarter" idx="12"/>
-          </p:nvPr>
-        </p:nvSpPr>
-        <p:spPr/>
-        <p:txBody>
-          <a:bodyPr/>
-          <a:lstStyle/>
-          <a:p>
-            <a:fld id="{D57F1E4F-1CFF-5643-939E-217C01CDF565}" type="slidenum">
-              <a:rPr lang="en-US" dirty="0"/>
-              <a:pPr/>
-              <a:t>‹#›</a:t>
-            </a:fld>
-            <a:endParaRPr lang="en-US" dirty="0"/>
-          </a:p>
-        </p:txBody>
-      </p:sp>
-    </p:spTree>
-    <p:extLst>
-      <p:ext uri="{BB962C8B-B14F-4D97-AF65-F5344CB8AC3E}">
-        <p14:creationId xmlns:p14="http://schemas.microsoft.com/office/powerpoint/2010/main" val="934237296"/>
-      </p:ext>
-    </p:extLst>
-  </p:cSld>
-  <p:clrMapOvr>
-    <a:masterClrMapping/>
-  </p:clrMapOvr>
-</p:sldLayout>
-</file>
-
-<file path=ppt/slideLayouts/slideLayout97.xml><?xml version="1.0" encoding="utf-8"?>
-<p:sldLayout xmlns:a="http://schemas.openxmlformats.org/drawingml/2006/main" xmlns:r="http://schemas.openxmlformats.org/officeDocument/2006/relationships" xmlns:p="http://schemas.openxmlformats.org/presentationml/2006/main" type="picTx" preserve="1">
-  <p:cSld name="Picture with Caption">
-    <p:spTree>
-      <p:nvGrpSpPr>
-        <p:cNvPr id="1" name=""/>
-        <p:cNvGrpSpPr/>
-        <p:nvPr/>
-      </p:nvGrpSpPr>
-      <p:grpSpPr>
-        <a:xfrm>
-          <a:off x="0" y="0"/>
-          <a:ext cx="0" cy="0"/>
-          <a:chOff x="0" y="0"/>
-          <a:chExt cx="0" cy="0"/>
-        </a:xfrm>
-      </p:grpSpPr>
-      <p:sp>
-        <p:nvSpPr>
-          <p:cNvPr id="2" name="Title 1"/>
-          <p:cNvSpPr>
-            <a:spLocks noGrp="1"/>
-          </p:cNvSpPr>
-          <p:nvPr>
-            <p:ph type="title"/>
-          </p:nvPr>
-        </p:nvSpPr>
-        <p:spPr>
-          <a:xfrm>
-            <a:off x="1482724" y="1752599"/>
-            <a:ext cx="5426158" cy="1371600"/>
-          </a:xfrm>
-        </p:spPr>
-        <p:txBody>
-          <a:bodyPr anchor="b">
-            <a:normAutofit/>
-          </a:bodyPr>
-          <a:lstStyle>
-            <a:lvl1pPr algn="ctr">
-              <a:defRPr sz="2800" b="0"/>
-            </a:lvl1pPr>
-          </a:lstStyle>
-          <a:p>
-            <a:r>
-              <a:rPr lang="en-US" smtClean="0"/>
-              <a:t>Click to edit Master title style</a:t>
-            </a:r>
-            <a:endParaRPr lang="en-US" dirty="0"/>
-          </a:p>
-        </p:txBody>
-      </p:sp>
-      <p:sp>
-        <p:nvSpPr>
-          <p:cNvPr id="14" name="Picture Placeholder 2"/>
-          <p:cNvSpPr>
-            <a:spLocks noGrp="1" noChangeAspect="1"/>
-          </p:cNvSpPr>
-          <p:nvPr>
-            <p:ph type="pic" idx="1"/>
-          </p:nvPr>
-        </p:nvSpPr>
-        <p:spPr>
-          <a:xfrm>
-            <a:off x="7594682" y="914400"/>
-            <a:ext cx="3280974" cy="4572000"/>
-          </a:xfrm>
-          <a:prstGeom prst="roundRect">
-            <a:avLst>
-              <a:gd name="adj" fmla="val 4280"/>
-            </a:avLst>
-          </a:prstGeom>
-          <a:ln w="38100">
-            <a:gradFill flip="none" rotWithShape="1">
-              <a:gsLst>
-                <a:gs pos="0">
-                  <a:schemeClr val="bg2"/>
-                </a:gs>
-                <a:gs pos="100000">
-                  <a:schemeClr val="bg2">
-                    <a:lumMod val="75000"/>
-                  </a:schemeClr>
-                </a:gs>
-              </a:gsLst>
-              <a:lin ang="5400000" scaled="0"/>
-              <a:tileRect/>
-            </a:gradFill>
-          </a:ln>
-          <a:effectLst>
-            <a:innerShdw blurRad="57150" dist="38100" dir="14460000">
-              <a:srgbClr val="000000">
-                <a:alpha val="70000"/>
-              </a:srgbClr>
-            </a:innerShdw>
-          </a:effectLst>
-        </p:spPr>
-        <p:txBody>
-          <a:bodyPr anchor="t">
-            <a:normAutofit/>
-          </a:bodyPr>
-          <a:lstStyle>
-            <a:lvl1pPr marL="0" indent="0" algn="ctr">
-              <a:buNone/>
-              <a:defRPr sz="1600"/>
-            </a:lvl1pPr>
-            <a:lvl2pPr marL="457200" indent="0">
-              <a:buNone/>
-              <a:defRPr sz="1600"/>
-            </a:lvl2pPr>
-            <a:lvl3pPr marL="914400" indent="0">
-              <a:buNone/>
-              <a:defRPr sz="1600"/>
-            </a:lvl3pPr>
-            <a:lvl4pPr marL="1371600" indent="0">
-              <a:buNone/>
-              <a:defRPr sz="1600"/>
-            </a:lvl4pPr>
-            <a:lvl5pPr marL="1828800" indent="0">
-              <a:buNone/>
-              <a:defRPr sz="1600"/>
-            </a:lvl5pPr>
-            <a:lvl6pPr marL="2286000" indent="0">
-              <a:buNone/>
-              <a:defRPr sz="1600"/>
-            </a:lvl6pPr>
-            <a:lvl7pPr marL="2743200" indent="0">
-              <a:buNone/>
-              <a:defRPr sz="1600"/>
-            </a:lvl7pPr>
-            <a:lvl8pPr marL="3200400" indent="0">
-              <a:buNone/>
-              <a:defRPr sz="1600"/>
-            </a:lvl8pPr>
-            <a:lvl9pPr marL="3657600" indent="0">
-              <a:buNone/>
-              <a:defRPr sz="1600"/>
-            </a:lvl9pPr>
-          </a:lstStyle>
-          <a:p>
-            <a:r>
-              <a:rPr lang="en-US" smtClean="0"/>
-              <a:t>Click icon to add picture</a:t>
-            </a:r>
-            <a:endParaRPr lang="en-US" dirty="0"/>
-          </a:p>
-        </p:txBody>
-      </p:sp>
-      <p:sp>
-        <p:nvSpPr>
-          <p:cNvPr id="4" name="Text Placeholder 3"/>
-          <p:cNvSpPr>
-            <a:spLocks noGrp="1"/>
-          </p:cNvSpPr>
-          <p:nvPr>
-            <p:ph type="body" sz="half" idx="2"/>
-          </p:nvPr>
-        </p:nvSpPr>
-        <p:spPr>
-          <a:xfrm>
-            <a:off x="1482724" y="3124199"/>
-            <a:ext cx="5426158" cy="1828800"/>
-          </a:xfrm>
-        </p:spPr>
-        <p:txBody>
-          <a:bodyPr>
-            <a:normAutofit/>
-          </a:bodyPr>
-          <a:lstStyle>
-            <a:lvl1pPr marL="0" indent="0" algn="ctr">
-              <a:buNone/>
-              <a:defRPr sz="1800"/>
-            </a:lvl1pPr>
-            <a:lvl2pPr marL="457200" indent="0">
-              <a:buNone/>
-              <a:defRPr sz="1200"/>
-            </a:lvl2pPr>
-            <a:lvl3pPr marL="914400" indent="0">
-              <a:buNone/>
-              <a:defRPr sz="1000"/>
-            </a:lvl3pPr>
-            <a:lvl4pPr marL="1371600" indent="0">
-              <a:buNone/>
-              <a:defRPr sz="900"/>
-            </a:lvl4pPr>
-            <a:lvl5pPr marL="1828800" indent="0">
-              <a:buNone/>
-              <a:defRPr sz="900"/>
-            </a:lvl5pPr>
-            <a:lvl6pPr marL="2286000" indent="0">
-              <a:buNone/>
-              <a:defRPr sz="900"/>
-            </a:lvl6pPr>
-            <a:lvl7pPr marL="2743200" indent="0">
-              <a:buNone/>
-              <a:defRPr sz="900"/>
-            </a:lvl7pPr>
-            <a:lvl8pPr marL="3200400" indent="0">
-              <a:buNone/>
-              <a:defRPr sz="900"/>
-            </a:lvl8pPr>
-            <a:lvl9pPr marL="3657600" indent="0">
-              <a:buNone/>
-              <a:defRPr sz="900"/>
-            </a:lvl9pPr>
-          </a:lstStyle>
-          <a:p>
-            <a:pPr lvl="0"/>
-            <a:r>
-              <a:rPr lang="en-US" smtClean="0"/>
-              <a:t>Click to edit Master text styles</a:t>
-            </a:r>
-          </a:p>
-        </p:txBody>
-      </p:sp>
-      <p:sp>
-        <p:nvSpPr>
-          <p:cNvPr id="5" name="Date Placeholder 4"/>
-          <p:cNvSpPr>
-            <a:spLocks noGrp="1"/>
-          </p:cNvSpPr>
-          <p:nvPr>
-            <p:ph type="dt" sz="half" idx="10"/>
-          </p:nvPr>
-        </p:nvSpPr>
-        <p:spPr/>
-        <p:txBody>
-          <a:bodyPr/>
-          <a:lstStyle/>
-          <a:p>
-            <a:fld id="{B61BEF0D-F0BB-DE4B-95CE-6DB70DBA9567}" type="datetimeFigureOut">
-              <a:rPr lang="en-US" dirty="0"/>
-              <a:pPr/>
-              <a:t>12/1/2016</a:t>
-            </a:fld>
-            <a:endParaRPr lang="en-US" dirty="0"/>
-          </a:p>
-        </p:txBody>
-      </p:sp>
-      <p:sp>
-        <p:nvSpPr>
-          <p:cNvPr id="6" name="Footer Placeholder 5"/>
-          <p:cNvSpPr>
-            <a:spLocks noGrp="1"/>
-          </p:cNvSpPr>
-          <p:nvPr>
-            <p:ph type="ftr" sz="quarter" idx="11"/>
-          </p:nvPr>
-        </p:nvSpPr>
-        <p:spPr/>
-        <p:txBody>
-          <a:bodyPr/>
-          <a:lstStyle/>
-          <a:p>
-            <a:endParaRPr lang="en-US" dirty="0"/>
-          </a:p>
-        </p:txBody>
-      </p:sp>
-      <p:sp>
-        <p:nvSpPr>
-          <p:cNvPr id="7" name="Slide Number Placeholder 6"/>
-          <p:cNvSpPr>
-            <a:spLocks noGrp="1"/>
-          </p:cNvSpPr>
-          <p:nvPr>
-            <p:ph type="sldNum" sz="quarter" idx="12"/>
-          </p:nvPr>
-        </p:nvSpPr>
-        <p:spPr/>
-        <p:txBody>
-          <a:bodyPr/>
-          <a:lstStyle/>
-          <a:p>
-            <a:fld id="{D57F1E4F-1CFF-5643-939E-217C01CDF565}" type="slidenum">
-              <a:rPr lang="en-US" dirty="0"/>
-              <a:pPr/>
-              <a:t>‹#›</a:t>
-            </a:fld>
-            <a:endParaRPr lang="en-US" dirty="0"/>
-          </a:p>
-        </p:txBody>
-      </p:sp>
-    </p:spTree>
-    <p:extLst>
-      <p:ext uri="{BB962C8B-B14F-4D97-AF65-F5344CB8AC3E}">
-        <p14:creationId xmlns:p14="http://schemas.microsoft.com/office/powerpoint/2010/main" val="852031893"/>
-      </p:ext>
-    </p:extLst>
-  </p:cSld>
-  <p:clrMapOvr>
-    <a:masterClrMapping/>
-  </p:clrMapOvr>
-</p:sldLayout>
-</file>
-
-<file path=ppt/slideLayouts/slideLayout98.xml><?xml version="1.0" encoding="utf-8"?>
-<p:sldLayout xmlns:a="http://schemas.openxmlformats.org/drawingml/2006/main" xmlns:r="http://schemas.openxmlformats.org/officeDocument/2006/relationships" xmlns:p="http://schemas.openxmlformats.org/presentationml/2006/main" preserve="1">
-  <p:cSld name="Panoramic Picture with Caption">
-    <p:spTree>
-      <p:nvGrpSpPr>
-        <p:cNvPr id="1" name=""/>
-        <p:cNvGrpSpPr/>
-        <p:nvPr/>
-      </p:nvGrpSpPr>
-      <p:grpSpPr>
-        <a:xfrm>
-          <a:off x="0" y="0"/>
-          <a:ext cx="0" cy="0"/>
-          <a:chOff x="0" y="0"/>
-          <a:chExt cx="0" cy="0"/>
-        </a:xfrm>
-      </p:grpSpPr>
-      <p:sp>
-        <p:nvSpPr>
-          <p:cNvPr id="2" name="Title 1"/>
-          <p:cNvSpPr>
-            <a:spLocks noGrp="1"/>
-          </p:cNvSpPr>
-          <p:nvPr>
-            <p:ph type="title"/>
-          </p:nvPr>
-        </p:nvSpPr>
-        <p:spPr>
-          <a:xfrm>
-            <a:off x="1484311" y="4732865"/>
-            <a:ext cx="10018711" cy="566738"/>
-          </a:xfrm>
-        </p:spPr>
-        <p:txBody>
-          <a:bodyPr anchor="b">
-            <a:normAutofit/>
-          </a:bodyPr>
-          <a:lstStyle>
-            <a:lvl1pPr algn="ctr">
-              <a:defRPr sz="2400" b="0"/>
-            </a:lvl1pPr>
-          </a:lstStyle>
-          <a:p>
-            <a:r>
-              <a:rPr lang="en-US" smtClean="0"/>
-              <a:t>Click to edit Master title style</a:t>
-            </a:r>
-            <a:endParaRPr lang="en-US" dirty="0"/>
-          </a:p>
-        </p:txBody>
-      </p:sp>
-      <p:sp>
-        <p:nvSpPr>
-          <p:cNvPr id="3" name="Picture Placeholder 2"/>
-          <p:cNvSpPr>
-            <a:spLocks noGrp="1" noChangeAspect="1"/>
-          </p:cNvSpPr>
-          <p:nvPr>
-            <p:ph type="pic" idx="1"/>
-          </p:nvPr>
-        </p:nvSpPr>
-        <p:spPr>
-          <a:xfrm>
-            <a:off x="2386012" y="932112"/>
-            <a:ext cx="8225944" cy="3164976"/>
-          </a:xfrm>
-          <a:prstGeom prst="roundRect">
-            <a:avLst>
-              <a:gd name="adj" fmla="val 4380"/>
-            </a:avLst>
-          </a:prstGeom>
-          <a:ln w="38100">
-            <a:gradFill flip="none" rotWithShape="1">
-              <a:gsLst>
-                <a:gs pos="0">
-                  <a:schemeClr val="bg2"/>
-                </a:gs>
-                <a:gs pos="100000">
-                  <a:schemeClr val="bg2">
-                    <a:lumMod val="75000"/>
-                  </a:schemeClr>
-                </a:gs>
-              </a:gsLst>
-              <a:lin ang="5400000" scaled="0"/>
-              <a:tileRect/>
-            </a:gradFill>
-          </a:ln>
-          <a:effectLst>
-            <a:innerShdw blurRad="57150" dist="38100" dir="14460000">
-              <a:srgbClr val="000000">
-                <a:alpha val="70000"/>
-              </a:srgbClr>
-            </a:innerShdw>
-          </a:effectLst>
-        </p:spPr>
-        <p:txBody>
-          <a:bodyPr anchor="t">
-            <a:normAutofit/>
-          </a:bodyPr>
-          <a:lstStyle>
-            <a:lvl1pPr marL="0" indent="0" algn="ctr">
-              <a:buNone/>
-              <a:defRPr sz="1600"/>
-            </a:lvl1pPr>
-            <a:lvl2pPr marL="457200" indent="0">
-              <a:buNone/>
-              <a:defRPr sz="1600"/>
-            </a:lvl2pPr>
-            <a:lvl3pPr marL="914400" indent="0">
-              <a:buNone/>
-              <a:defRPr sz="1600"/>
-            </a:lvl3pPr>
-            <a:lvl4pPr marL="1371600" indent="0">
-              <a:buNone/>
-              <a:defRPr sz="1600"/>
-            </a:lvl4pPr>
-            <a:lvl5pPr marL="1828800" indent="0">
-              <a:buNone/>
-              <a:defRPr sz="1600"/>
-            </a:lvl5pPr>
-            <a:lvl6pPr marL="2286000" indent="0">
-              <a:buNone/>
-              <a:defRPr sz="1600"/>
-            </a:lvl6pPr>
-            <a:lvl7pPr marL="2743200" indent="0">
-              <a:buNone/>
-              <a:defRPr sz="1600"/>
-            </a:lvl7pPr>
-            <a:lvl8pPr marL="3200400" indent="0">
-              <a:buNone/>
-              <a:defRPr sz="1600"/>
-            </a:lvl8pPr>
-            <a:lvl9pPr marL="3657600" indent="0">
-              <a:buNone/>
-              <a:defRPr sz="1600"/>
-            </a:lvl9pPr>
-          </a:lstStyle>
-          <a:p>
-            <a:r>
-              <a:rPr lang="en-US" smtClean="0"/>
-              <a:t>Click icon to add picture</a:t>
-            </a:r>
-            <a:endParaRPr lang="en-US" dirty="0"/>
-          </a:p>
-        </p:txBody>
-      </p:sp>
-      <p:sp>
-        <p:nvSpPr>
-          <p:cNvPr id="4" name="Text Placeholder 3"/>
-          <p:cNvSpPr>
-            <a:spLocks noGrp="1"/>
-          </p:cNvSpPr>
-          <p:nvPr>
-            <p:ph type="body" sz="half" idx="2"/>
-          </p:nvPr>
-        </p:nvSpPr>
-        <p:spPr>
-          <a:xfrm>
-            <a:off x="1484311" y="5299603"/>
-            <a:ext cx="10018711" cy="493712"/>
-          </a:xfrm>
-        </p:spPr>
-        <p:txBody>
-          <a:bodyPr>
-            <a:normAutofit/>
-          </a:bodyPr>
-          <a:lstStyle>
-            <a:lvl1pPr marL="0" indent="0" algn="ctr">
-              <a:buNone/>
-              <a:defRPr sz="1400"/>
-            </a:lvl1pPr>
-            <a:lvl2pPr marL="457200" indent="0">
-              <a:buNone/>
-              <a:defRPr sz="1200"/>
-            </a:lvl2pPr>
-            <a:lvl3pPr marL="914400" indent="0">
-              <a:buNone/>
-              <a:defRPr sz="1000"/>
-            </a:lvl3pPr>
-            <a:lvl4pPr marL="1371600" indent="0">
-              <a:buNone/>
-              <a:defRPr sz="900"/>
-            </a:lvl4pPr>
-            <a:lvl5pPr marL="1828800" indent="0">
-              <a:buNone/>
-              <a:defRPr sz="900"/>
-            </a:lvl5pPr>
-            <a:lvl6pPr marL="2286000" indent="0">
-              <a:buNone/>
-              <a:defRPr sz="900"/>
-            </a:lvl6pPr>
-            <a:lvl7pPr marL="2743200" indent="0">
-              <a:buNone/>
-              <a:defRPr sz="900"/>
-            </a:lvl7pPr>
-            <a:lvl8pPr marL="3200400" indent="0">
-              <a:buNone/>
-              <a:defRPr sz="900"/>
-            </a:lvl8pPr>
-            <a:lvl9pPr marL="3657600" indent="0">
-              <a:buNone/>
-              <a:defRPr sz="900"/>
-            </a:lvl9pPr>
-          </a:lstStyle>
-          <a:p>
-            <a:pPr lvl="0"/>
-            <a:r>
-              <a:rPr lang="en-US" smtClean="0"/>
-              <a:t>Click to edit Master text styles</a:t>
-            </a:r>
-          </a:p>
-        </p:txBody>
-      </p:sp>
-      <p:sp>
-        <p:nvSpPr>
-          <p:cNvPr id="5" name="Date Placeholder 4"/>
-          <p:cNvSpPr>
-            <a:spLocks noGrp="1"/>
-          </p:cNvSpPr>
-          <p:nvPr>
-            <p:ph type="dt" sz="half" idx="10"/>
-          </p:nvPr>
-        </p:nvSpPr>
-        <p:spPr/>
-        <p:txBody>
-          <a:bodyPr/>
-          <a:lstStyle/>
-          <a:p>
-            <a:fld id="{B61BEF0D-F0BB-DE4B-95CE-6DB70DBA9567}" type="datetimeFigureOut">
-              <a:rPr lang="en-US" dirty="0"/>
-              <a:pPr/>
-              <a:t>12/1/2016</a:t>
-            </a:fld>
-            <a:endParaRPr lang="en-US" dirty="0"/>
-          </a:p>
-        </p:txBody>
-      </p:sp>
-      <p:sp>
-        <p:nvSpPr>
-          <p:cNvPr id="6" name="Footer Placeholder 5"/>
-          <p:cNvSpPr>
-            <a:spLocks noGrp="1"/>
-          </p:cNvSpPr>
-          <p:nvPr>
-            <p:ph type="ftr" sz="quarter" idx="11"/>
-          </p:nvPr>
-        </p:nvSpPr>
-        <p:spPr/>
-        <p:txBody>
-          <a:bodyPr/>
-          <a:lstStyle/>
-          <a:p>
-            <a:endParaRPr lang="en-US" dirty="0"/>
-          </a:p>
-        </p:txBody>
-      </p:sp>
-      <p:sp>
-        <p:nvSpPr>
-          <p:cNvPr id="7" name="Slide Number Placeholder 6"/>
-          <p:cNvSpPr>
-            <a:spLocks noGrp="1"/>
-          </p:cNvSpPr>
-          <p:nvPr>
-            <p:ph type="sldNum" sz="quarter" idx="12"/>
-          </p:nvPr>
-        </p:nvSpPr>
-        <p:spPr/>
-        <p:txBody>
-          <a:bodyPr/>
-          <a:lstStyle/>
-          <a:p>
-            <a:fld id="{D57F1E4F-1CFF-5643-939E-217C01CDF565}" type="slidenum">
-              <a:rPr lang="en-US" dirty="0"/>
-              <a:pPr/>
-              <a:t>‹#›</a:t>
-            </a:fld>
-            <a:endParaRPr lang="en-US" dirty="0"/>
-          </a:p>
-        </p:txBody>
-      </p:sp>
-    </p:spTree>
-    <p:extLst>
-      <p:ext uri="{BB962C8B-B14F-4D97-AF65-F5344CB8AC3E}">
-        <p14:creationId xmlns:p14="http://schemas.microsoft.com/office/powerpoint/2010/main" val="2245278399"/>
-      </p:ext>
-    </p:extLst>
-  </p:cSld>
-  <p:clrMapOvr>
-    <a:masterClrMapping/>
-  </p:clrMapOvr>
-  <p:hf hdr="0" dt="0"/>
-</p:sldLayout>
-</file>
-
-<file path=ppt/slideLayouts/slideLayout99.xml><?xml version="1.0" encoding="utf-8"?>
-<p:sldLayout xmlns:a="http://schemas.openxmlformats.org/drawingml/2006/main" xmlns:r="http://schemas.openxmlformats.org/officeDocument/2006/relationships" xmlns:p="http://schemas.openxmlformats.org/presentationml/2006/main" preserve="1">
-  <p:cSld name="Title and Caption">
-    <p:spTree>
-      <p:nvGrpSpPr>
-        <p:cNvPr id="1" name=""/>
-        <p:cNvGrpSpPr/>
-        <p:nvPr/>
-      </p:nvGrpSpPr>
-      <p:grpSpPr>
-        <a:xfrm>
-          <a:off x="0" y="0"/>
-          <a:ext cx="0" cy="0"/>
-          <a:chOff x="0" y="0"/>
-          <a:chExt cx="0" cy="0"/>
-        </a:xfrm>
-      </p:grpSpPr>
-      <p:sp>
-        <p:nvSpPr>
-          <p:cNvPr id="2" name="Title 1"/>
-          <p:cNvSpPr>
-            <a:spLocks noGrp="1"/>
-          </p:cNvSpPr>
-          <p:nvPr>
-            <p:ph type="title"/>
-          </p:nvPr>
-        </p:nvSpPr>
-        <p:spPr>
-          <a:xfrm>
-            <a:off x="1484312" y="685800"/>
-            <a:ext cx="10018711" cy="3048000"/>
-          </a:xfrm>
-        </p:spPr>
-        <p:txBody>
-          <a:bodyPr anchor="ctr">
-            <a:normAutofit/>
-          </a:bodyPr>
-          <a:lstStyle>
-            <a:lvl1pPr algn="ctr">
-              <a:defRPr sz="3200" b="0" cap="none"/>
-            </a:lvl1pPr>
-          </a:lstStyle>
-          <a:p>
-            <a:r>
-              <a:rPr lang="en-US" smtClean="0"/>
-              <a:t>Click to edit Master title style</a:t>
-            </a:r>
-            <a:endParaRPr lang="en-US" dirty="0"/>
-          </a:p>
-        </p:txBody>
-      </p:sp>
-      <p:sp>
-        <p:nvSpPr>
-          <p:cNvPr id="3" name="Text Placeholder 2"/>
-          <p:cNvSpPr>
-            <a:spLocks noGrp="1"/>
-          </p:cNvSpPr>
-          <p:nvPr>
-            <p:ph type="body" idx="1"/>
-          </p:nvPr>
-        </p:nvSpPr>
-        <p:spPr>
-          <a:xfrm>
-            <a:off x="1484312" y="4343400"/>
-            <a:ext cx="10018713" cy="1447800"/>
-          </a:xfrm>
-        </p:spPr>
-        <p:txBody>
-          <a:bodyPr anchor="ctr">
-            <a:normAutofit/>
-          </a:bodyPr>
-          <a:lstStyle>
-            <a:lvl1pPr marL="0" indent="0" algn="ctr">
-              <a:buNone/>
-              <a:defRPr sz="2000">
-                <a:solidFill>
-                  <a:schemeClr val="tx1"/>
-                </a:solidFill>
-              </a:defRPr>
-            </a:lvl1pPr>
-            <a:lvl2pPr marL="457200" indent="0">
-              <a:buNone/>
-              <a:defRPr sz="1800">
-                <a:solidFill>
-                  <a:schemeClr val="tx1">
-                    <a:tint val="75000"/>
-                  </a:schemeClr>
-                </a:solidFill>
-              </a:defRPr>
-            </a:lvl2pPr>
-            <a:lvl3pPr marL="914400" indent="0">
-              <a:buNone/>
-              <a:defRPr sz="1600">
-                <a:solidFill>
-                  <a:schemeClr val="tx1">
-                    <a:tint val="75000"/>
-                  </a:schemeClr>
-                </a:solidFill>
-              </a:defRPr>
-            </a:lvl3pPr>
-            <a:lvl4pPr marL="1371600" indent="0">
-              <a:buNone/>
-              <a:defRPr sz="1400">
-                <a:solidFill>
-                  <a:schemeClr val="tx1">
-                    <a:tint val="75000"/>
-                  </a:schemeClr>
-                </a:solidFill>
-              </a:defRPr>
-            </a:lvl4pPr>
-            <a:lvl5pPr marL="1828800" indent="0">
-              <a:buNone/>
-              <a:defRPr sz="1400">
-                <a:solidFill>
-                  <a:schemeClr val="tx1">
-                    <a:tint val="75000"/>
-                  </a:schemeClr>
-                </a:solidFill>
-              </a:defRPr>
-            </a:lvl5pPr>
-            <a:lvl6pPr marL="2286000" indent="0">
-              <a:buNone/>
-              <a:defRPr sz="1400">
-                <a:solidFill>
-                  <a:schemeClr val="tx1">
-                    <a:tint val="75000"/>
-                  </a:schemeClr>
-                </a:solidFill>
-              </a:defRPr>
-            </a:lvl6pPr>
-            <a:lvl7pPr marL="2743200" indent="0">
-              <a:buNone/>
-              <a:defRPr sz="1400">
-                <a:solidFill>
-                  <a:schemeClr val="tx1">
-                    <a:tint val="75000"/>
-                  </a:schemeClr>
-                </a:solidFill>
-              </a:defRPr>
-            </a:lvl7pPr>
-            <a:lvl8pPr marL="3200400" indent="0">
-              <a:buNone/>
-              <a:defRPr sz="1400">
-                <a:solidFill>
-                  <a:schemeClr val="tx1">
-                    <a:tint val="75000"/>
-                  </a:schemeClr>
-                </a:solidFill>
-              </a:defRPr>
-            </a:lvl8pPr>
-            <a:lvl9pPr marL="3657600" indent="0">
-              <a:buNone/>
-              <a:defRPr sz="1400">
-                <a:solidFill>
-                  <a:schemeClr val="tx1">
-                    <a:tint val="75000"/>
-                  </a:schemeClr>
-                </a:solidFill>
-              </a:defRPr>
-            </a:lvl9pPr>
-          </a:lstStyle>
-          <a:p>
-            <a:pPr lvl="0"/>
-            <a:r>
-              <a:rPr lang="en-US" smtClean="0"/>
-              <a:t>Click to edit Master text styles</a:t>
-            </a:r>
-          </a:p>
-        </p:txBody>
-      </p:sp>
-      <p:sp>
-        <p:nvSpPr>
-          <p:cNvPr id="4" name="Date Placeholder 3"/>
-          <p:cNvSpPr>
-            <a:spLocks noGrp="1"/>
-          </p:cNvSpPr>
-          <p:nvPr>
-            <p:ph type="dt" sz="half" idx="10"/>
-          </p:nvPr>
-        </p:nvSpPr>
-        <p:spPr/>
-        <p:txBody>
-          <a:bodyPr/>
-          <a:lstStyle/>
-          <a:p>
-            <a:fld id="{B61BEF0D-F0BB-DE4B-95CE-6DB70DBA9567}" type="datetimeFigureOut">
-              <a:rPr lang="en-US" dirty="0"/>
-              <a:pPr/>
-              <a:t>12/1/2016</a:t>
-            </a:fld>
-            <a:endParaRPr lang="en-US" dirty="0"/>
-          </a:p>
-        </p:txBody>
-      </p:sp>
-      <p:sp>
-        <p:nvSpPr>
-          <p:cNvPr id="5" name="Footer Placeholder 4"/>
-          <p:cNvSpPr>
-            <a:spLocks noGrp="1"/>
-          </p:cNvSpPr>
-          <p:nvPr>
-            <p:ph type="ftr" sz="quarter" idx="11"/>
-          </p:nvPr>
-        </p:nvSpPr>
-        <p:spPr/>
-        <p:txBody>
-          <a:bodyPr/>
-          <a:lstStyle/>
-          <a:p>
-            <a:endParaRPr lang="en-US" dirty="0"/>
-          </a:p>
-        </p:txBody>
-      </p:sp>
-      <p:sp>
-        <p:nvSpPr>
-          <p:cNvPr id="6" name="Slide Number Placeholder 5"/>
-          <p:cNvSpPr>
-            <a:spLocks noGrp="1"/>
-          </p:cNvSpPr>
-          <p:nvPr>
-            <p:ph type="sldNum" sz="quarter" idx="12"/>
-          </p:nvPr>
-        </p:nvSpPr>
-        <p:spPr/>
-        <p:txBody>
-          <a:bodyPr/>
-          <a:lstStyle/>
-          <a:p>
-            <a:fld id="{D57F1E4F-1CFF-5643-939E-217C01CDF565}" type="slidenum">
-              <a:rPr lang="en-US" dirty="0"/>
-              <a:pPr/>
-              <a:t>‹#›</a:t>
-            </a:fld>
-            <a:endParaRPr lang="en-US" dirty="0"/>
-          </a:p>
-        </p:txBody>
-      </p:sp>
-    </p:spTree>
-    <p:extLst>
-      <p:ext uri="{BB962C8B-B14F-4D97-AF65-F5344CB8AC3E}">
-        <p14:creationId xmlns:p14="http://schemas.microsoft.com/office/powerpoint/2010/main" val="52364023"/>
-      </p:ext>
-    </p:extLst>
-  </p:cSld>
-  <p:clrMapOvr>
-    <a:masterClrMapping/>
-  </p:clrMapOvr>
-  <p:hf hdr="0" dt="0"/>
+  <p:transition xmlns:p14="http://schemas.microsoft.com/office/powerpoint/2010/main" spd="med"/>
 </p:sldLayout>
 </file>
 
@@ -21906,7 +16761,6 @@
               <a:rPr lang="en-US" smtClean="0"/>
               <a:t>Click to edit Master title style</a:t>
             </a:r>
-            <a:endParaRPr lang="en-US" smtClean="0"/>
           </a:p>
         </p:txBody>
       </p:sp>
@@ -21977,7 +16831,6 @@
               <a:rPr lang="en-US" smtClean="0"/>
               <a:t>Fifth level</a:t>
             </a:r>
-            <a:endParaRPr lang="en-US" smtClean="0"/>
           </a:p>
         </p:txBody>
       </p:sp>
@@ -22245,11 +17098,11 @@
     <p:sldLayoutId id="2147483789" r:id="rId10"/>
     <p:sldLayoutId id="2147483790" r:id="rId11"/>
   </p:sldLayoutIdLst>
-  <p:transition spd="med"/>
+  <p:transition xmlns:p14="http://schemas.microsoft.com/office/powerpoint/2010/main" spd="med"/>
   <p:timing>
     <p:tnLst>
       <p:par>
-        <p:cTn id="1" dur="indefinite" restart="never" nodeType="tmRoot"/>
+        <p:cTn xmlns:p14="http://schemas.microsoft.com/office/powerpoint/2010/main" id="1" dur="indefinite" restart="never" nodeType="tmRoot"/>
       </p:par>
     </p:tnLst>
   </p:timing>
@@ -22742,7 +17595,7 @@
   </p:txStyles>
   <p:extLst>
     <p:ext uri="{27BBF7A9-308A-43DC-89C8-2F10F3537804}">
-      <p15:sldGuideLst xmlns:p15="http://schemas.microsoft.com/office/powerpoint/2012/main"/>
+      <p15:sldGuideLst xmlns:p15="http://schemas.microsoft.com/office/powerpoint/2012/main" xmlns=""/>
     </p:ext>
   </p:extLst>
 </p:sldMaster>
@@ -22813,7 +17666,6 @@
               <a:rPr lang="en-US" smtClean="0"/>
               <a:t>Click to edit Master title style</a:t>
             </a:r>
-            <a:endParaRPr lang="en-US" smtClean="0"/>
           </a:p>
         </p:txBody>
       </p:sp>
@@ -22884,7 +17736,6 @@
               <a:rPr lang="en-US" smtClean="0"/>
               <a:t>Fifth level</a:t>
             </a:r>
-            <a:endParaRPr lang="en-US" smtClean="0"/>
           </a:p>
         </p:txBody>
       </p:sp>
@@ -23167,11 +18018,11 @@
     <p:sldLayoutId id="2147483801" r:id="rId10"/>
     <p:sldLayoutId id="2147483802" r:id="rId11"/>
   </p:sldLayoutIdLst>
-  <p:transition spd="med"/>
+  <p:transition xmlns:p14="http://schemas.microsoft.com/office/powerpoint/2010/main" spd="med"/>
   <p:timing>
     <p:tnLst>
       <p:par>
-        <p:cTn id="1" dur="indefinite" restart="never" nodeType="tmRoot"/>
+        <p:cTn xmlns:p14="http://schemas.microsoft.com/office/powerpoint/2010/main" id="1" dur="indefinite" restart="never" nodeType="tmRoot"/>
       </p:par>
     </p:tnLst>
   </p:timing>
@@ -23731,7 +18582,6 @@
               <a:rPr lang="en-US" smtClean="0"/>
               <a:t>Click to edit Master title style</a:t>
             </a:r>
-            <a:endParaRPr lang="en-US" smtClean="0"/>
           </a:p>
         </p:txBody>
       </p:sp>
@@ -23802,7 +18652,6 @@
               <a:rPr lang="en-US" smtClean="0"/>
               <a:t>Fifth level</a:t>
             </a:r>
-            <a:endParaRPr lang="en-US" smtClean="0"/>
           </a:p>
         </p:txBody>
       </p:sp>
@@ -24070,11 +18919,11 @@
     <p:sldLayoutId id="2147483813" r:id="rId10"/>
     <p:sldLayoutId id="2147483814" r:id="rId11"/>
   </p:sldLayoutIdLst>
-  <p:transition spd="med"/>
+  <p:transition xmlns:p14="http://schemas.microsoft.com/office/powerpoint/2010/main" spd="med"/>
   <p:timing>
     <p:tnLst>
       <p:par>
-        <p:cTn id="1" dur="indefinite" restart="never" nodeType="tmRoot"/>
+        <p:cTn xmlns:p14="http://schemas.microsoft.com/office/powerpoint/2010/main" id="1" dur="indefinite" restart="never" nodeType="tmRoot"/>
       </p:par>
     </p:tnLst>
   </p:timing>
@@ -24633,7 +19482,6 @@
               <a:rPr lang="en-US" smtClean="0"/>
               <a:t>Click to edit Master title style</a:t>
             </a:r>
-            <a:endParaRPr lang="en-US" smtClean="0"/>
           </a:p>
         </p:txBody>
       </p:sp>
@@ -24704,7 +19552,6 @@
               <a:rPr lang="en-US" smtClean="0"/>
               <a:t>Fifth level</a:t>
             </a:r>
-            <a:endParaRPr lang="en-US" smtClean="0"/>
           </a:p>
         </p:txBody>
       </p:sp>
@@ -24987,11 +19834,11 @@
     <p:sldLayoutId id="2147483825" r:id="rId10"/>
     <p:sldLayoutId id="2147483826" r:id="rId11"/>
   </p:sldLayoutIdLst>
-  <p:transition spd="med"/>
+  <p:transition xmlns:p14="http://schemas.microsoft.com/office/powerpoint/2010/main" spd="med"/>
   <p:timing>
     <p:tnLst>
       <p:par>
-        <p:cTn id="1" dur="indefinite" restart="never" nodeType="tmRoot"/>
+        <p:cTn xmlns:p14="http://schemas.microsoft.com/office/powerpoint/2010/main" id="1" dur="indefinite" restart="never" nodeType="tmRoot"/>
       </p:par>
     </p:tnLst>
   </p:timing>
@@ -25551,7 +20398,6 @@
               <a:rPr lang="en-US" smtClean="0"/>
               <a:t>Click to edit Master title style</a:t>
             </a:r>
-            <a:endParaRPr lang="en-US" smtClean="0"/>
           </a:p>
         </p:txBody>
       </p:sp>
@@ -25622,7 +20468,6 @@
               <a:rPr lang="en-US" smtClean="0"/>
               <a:t>Fifth level</a:t>
             </a:r>
-            <a:endParaRPr lang="en-US" smtClean="0"/>
           </a:p>
         </p:txBody>
       </p:sp>
@@ -25890,11 +20735,11 @@
     <p:sldLayoutId id="2147483837" r:id="rId10"/>
     <p:sldLayoutId id="2147483838" r:id="rId11"/>
   </p:sldLayoutIdLst>
-  <p:transition spd="med"/>
+  <p:transition xmlns:p14="http://schemas.microsoft.com/office/powerpoint/2010/main" spd="med"/>
   <p:timing>
     <p:tnLst>
       <p:par>
-        <p:cTn id="1" dur="indefinite" restart="never" nodeType="tmRoot"/>
+        <p:cTn xmlns:p14="http://schemas.microsoft.com/office/powerpoint/2010/main" id="1" dur="indefinite" restart="never" nodeType="tmRoot"/>
       </p:par>
     </p:tnLst>
   </p:timing>
@@ -26453,7 +21298,6 @@
               <a:rPr lang="en-US" smtClean="0"/>
               <a:t>Click to edit Master title style</a:t>
             </a:r>
-            <a:endParaRPr lang="en-US" smtClean="0"/>
           </a:p>
         </p:txBody>
       </p:sp>
@@ -26524,7 +21368,6 @@
               <a:rPr lang="en-US" smtClean="0"/>
               <a:t>Fifth level</a:t>
             </a:r>
-            <a:endParaRPr lang="en-US" smtClean="0"/>
           </a:p>
         </p:txBody>
       </p:sp>
@@ -26807,11 +21650,11 @@
     <p:sldLayoutId id="2147483849" r:id="rId10"/>
     <p:sldLayoutId id="2147483850" r:id="rId11"/>
   </p:sldLayoutIdLst>
-  <p:transition spd="med"/>
+  <p:transition xmlns:p14="http://schemas.microsoft.com/office/powerpoint/2010/main" spd="med"/>
   <p:timing>
     <p:tnLst>
       <p:par>
-        <p:cTn id="1" dur="indefinite" restart="never" nodeType="tmRoot"/>
+        <p:cTn xmlns:p14="http://schemas.microsoft.com/office/powerpoint/2010/main" id="1" dur="indefinite" restart="never" nodeType="tmRoot"/>
       </p:par>
     </p:tnLst>
   </p:timing>
@@ -27371,7 +22214,6 @@
               <a:rPr lang="en-US" smtClean="0"/>
               <a:t>Click to edit Master title style</a:t>
             </a:r>
-            <a:endParaRPr lang="en-US" smtClean="0"/>
           </a:p>
         </p:txBody>
       </p:sp>
@@ -27442,7 +22284,6 @@
               <a:rPr lang="en-US" smtClean="0"/>
               <a:t>Fifth level</a:t>
             </a:r>
-            <a:endParaRPr lang="en-US" smtClean="0"/>
           </a:p>
         </p:txBody>
       </p:sp>
@@ -27710,11 +22551,11 @@
     <p:sldLayoutId id="2147483861" r:id="rId10"/>
     <p:sldLayoutId id="2147483862" r:id="rId11"/>
   </p:sldLayoutIdLst>
-  <p:transition spd="med"/>
+  <p:transition xmlns:p14="http://schemas.microsoft.com/office/powerpoint/2010/main" spd="med"/>
   <p:timing>
     <p:tnLst>
       <p:par>
-        <p:cTn id="1" dur="indefinite" restart="never" nodeType="tmRoot"/>
+        <p:cTn xmlns:p14="http://schemas.microsoft.com/office/powerpoint/2010/main" id="1" dur="indefinite" restart="never" nodeType="tmRoot"/>
       </p:par>
     </p:tnLst>
   </p:timing>
@@ -28273,7 +23114,6 @@
               <a:rPr lang="en-US" smtClean="0"/>
               <a:t>Click to edit Master title style</a:t>
             </a:r>
-            <a:endParaRPr lang="en-US" smtClean="0"/>
           </a:p>
         </p:txBody>
       </p:sp>
@@ -28344,7 +23184,6 @@
               <a:rPr lang="en-US" smtClean="0"/>
               <a:t>Fifth level</a:t>
             </a:r>
-            <a:endParaRPr lang="en-US" smtClean="0"/>
           </a:p>
         </p:txBody>
       </p:sp>
@@ -28627,11 +23466,11 @@
     <p:sldLayoutId id="2147483873" r:id="rId10"/>
     <p:sldLayoutId id="2147483874" r:id="rId11"/>
   </p:sldLayoutIdLst>
-  <p:transition spd="med"/>
+  <p:transition xmlns:p14="http://schemas.microsoft.com/office/powerpoint/2010/main" spd="med"/>
   <p:timing>
     <p:tnLst>
       <p:par>
-        <p:cTn id="1" dur="indefinite" restart="never" nodeType="tmRoot"/>
+        <p:cTn xmlns:p14="http://schemas.microsoft.com/office/powerpoint/2010/main" id="1" dur="indefinite" restart="never" nodeType="tmRoot"/>
       </p:par>
     </p:tnLst>
   </p:timing>
@@ -29126,991 +23965,6 @@
 </p:sldMaster>
 </file>
 
-<file path=ppt/slideMasters/slideMaster9.xml><?xml version="1.0" encoding="utf-8"?>
-<p:sldMaster xmlns:a="http://schemas.openxmlformats.org/drawingml/2006/main" xmlns:r="http://schemas.openxmlformats.org/officeDocument/2006/relationships" xmlns:p="http://schemas.openxmlformats.org/presentationml/2006/main">
-  <p:cSld>
-    <p:bg>
-      <p:bgRef idx="1003">
-        <a:schemeClr val="bg2"/>
-      </p:bgRef>
-    </p:bg>
-    <p:spTree>
-      <p:nvGrpSpPr>
-        <p:cNvPr id="1" name=""/>
-        <p:cNvGrpSpPr/>
-        <p:nvPr/>
-      </p:nvGrpSpPr>
-      <p:grpSpPr>
-        <a:xfrm>
-          <a:off x="0" y="0"/>
-          <a:ext cx="0" cy="0"/>
-          <a:chOff x="0" y="0"/>
-          <a:chExt cx="0" cy="0"/>
-        </a:xfrm>
-      </p:grpSpPr>
-      <p:grpSp>
-        <p:nvGrpSpPr>
-          <p:cNvPr id="7" name="Group 6"/>
-          <p:cNvGrpSpPr/>
-          <p:nvPr/>
-        </p:nvGrpSpPr>
-        <p:grpSpPr>
-          <a:xfrm>
-            <a:off x="150812" y="0"/>
-            <a:ext cx="2436813" cy="6858001"/>
-            <a:chOff x="1320800" y="0"/>
-            <a:chExt cx="2436813" cy="6858001"/>
-          </a:xfrm>
-        </p:grpSpPr>
-        <p:sp>
-          <p:nvSpPr>
-            <p:cNvPr id="8" name="Freeform 6"/>
-            <p:cNvSpPr/>
-            <p:nvPr/>
-          </p:nvSpPr>
-          <p:spPr bwMode="auto">
-            <a:xfrm>
-              <a:off x="1627188" y="0"/>
-              <a:ext cx="1122363" cy="5329238"/>
-            </a:xfrm>
-            <a:custGeom>
-              <a:avLst/>
-              <a:gdLst/>
-              <a:ahLst/>
-              <a:cxnLst/>
-              <a:rect l="0" t="0" r="r" b="b"/>
-              <a:pathLst>
-                <a:path w="707" h="3357">
-                  <a:moveTo>
-                    <a:pt x="0" y="3330"/>
-                  </a:moveTo>
-                  <a:lnTo>
-                    <a:pt x="156" y="3357"/>
-                  </a:lnTo>
-                  <a:lnTo>
-                    <a:pt x="707" y="0"/>
-                  </a:lnTo>
-                  <a:lnTo>
-                    <a:pt x="547" y="0"/>
-                  </a:lnTo>
-                  <a:lnTo>
-                    <a:pt x="0" y="3330"/>
-                  </a:lnTo>
-                  <a:close/>
-                </a:path>
-              </a:pathLst>
-            </a:custGeom>
-            <a:solidFill>
-              <a:schemeClr val="accent1"/>
-            </a:solidFill>
-            <a:ln>
-              <a:noFill/>
-            </a:ln>
-          </p:spPr>
-        </p:sp>
-        <p:sp>
-          <p:nvSpPr>
-            <p:cNvPr id="9" name="Freeform 7"/>
-            <p:cNvSpPr/>
-            <p:nvPr/>
-          </p:nvSpPr>
-          <p:spPr bwMode="auto">
-            <a:xfrm>
-              <a:off x="1320800" y="0"/>
-              <a:ext cx="1117600" cy="5276850"/>
-            </a:xfrm>
-            <a:custGeom>
-              <a:avLst/>
-              <a:gdLst/>
-              <a:ahLst/>
-              <a:cxnLst/>
-              <a:rect l="0" t="0" r="r" b="b"/>
-              <a:pathLst>
-                <a:path w="704" h="3324">
-                  <a:moveTo>
-                    <a:pt x="704" y="0"/>
-                  </a:moveTo>
-                  <a:lnTo>
-                    <a:pt x="545" y="0"/>
-                  </a:lnTo>
-                  <a:lnTo>
-                    <a:pt x="0" y="3300"/>
-                  </a:lnTo>
-                  <a:lnTo>
-                    <a:pt x="157" y="3324"/>
-                  </a:lnTo>
-                  <a:lnTo>
-                    <a:pt x="704" y="0"/>
-                  </a:lnTo>
-                  <a:close/>
-                </a:path>
-              </a:pathLst>
-            </a:custGeom>
-            <a:solidFill>
-              <a:schemeClr val="tx1">
-                <a:lumMod val="65000"/>
-                <a:lumOff val="35000"/>
-              </a:schemeClr>
-            </a:solidFill>
-            <a:ln>
-              <a:noFill/>
-            </a:ln>
-          </p:spPr>
-        </p:sp>
-        <p:sp>
-          <p:nvSpPr>
-            <p:cNvPr id="10" name="Freeform 8"/>
-            <p:cNvSpPr/>
-            <p:nvPr/>
-          </p:nvSpPr>
-          <p:spPr bwMode="auto">
-            <a:xfrm>
-              <a:off x="1320800" y="5238750"/>
-              <a:ext cx="1228725" cy="1619250"/>
-            </a:xfrm>
-            <a:custGeom>
-              <a:avLst/>
-              <a:gdLst/>
-              <a:ahLst/>
-              <a:cxnLst/>
-              <a:rect l="0" t="0" r="r" b="b"/>
-              <a:pathLst>
-                <a:path w="774" h="1020">
-                  <a:moveTo>
-                    <a:pt x="0" y="0"/>
-                  </a:moveTo>
-                  <a:lnTo>
-                    <a:pt x="740" y="1020"/>
-                  </a:lnTo>
-                  <a:lnTo>
-                    <a:pt x="774" y="1020"/>
-                  </a:lnTo>
-                  <a:lnTo>
-                    <a:pt x="0" y="0"/>
-                  </a:lnTo>
-                  <a:close/>
-                </a:path>
-              </a:pathLst>
-            </a:custGeom>
-            <a:solidFill>
-              <a:schemeClr val="tx1">
-                <a:lumMod val="85000"/>
-                <a:lumOff val="15000"/>
-              </a:schemeClr>
-            </a:solidFill>
-            <a:ln>
-              <a:noFill/>
-            </a:ln>
-          </p:spPr>
-        </p:sp>
-        <p:sp>
-          <p:nvSpPr>
-            <p:cNvPr id="11" name="Freeform 9"/>
-            <p:cNvSpPr/>
-            <p:nvPr/>
-          </p:nvSpPr>
-          <p:spPr bwMode="auto">
-            <a:xfrm>
-              <a:off x="1627188" y="5291138"/>
-              <a:ext cx="1495425" cy="1566863"/>
-            </a:xfrm>
-            <a:custGeom>
-              <a:avLst/>
-              <a:gdLst/>
-              <a:ahLst/>
-              <a:cxnLst/>
-              <a:rect l="0" t="0" r="r" b="b"/>
-              <a:pathLst>
-                <a:path w="942" h="987">
-                  <a:moveTo>
-                    <a:pt x="0" y="0"/>
-                  </a:moveTo>
-                  <a:lnTo>
-                    <a:pt x="909" y="987"/>
-                  </a:lnTo>
-                  <a:lnTo>
-                    <a:pt x="942" y="987"/>
-                  </a:lnTo>
-                  <a:lnTo>
-                    <a:pt x="0" y="0"/>
-                  </a:lnTo>
-                  <a:close/>
-                </a:path>
-              </a:pathLst>
-            </a:custGeom>
-            <a:solidFill>
-              <a:schemeClr val="accent1">
-                <a:lumMod val="50000"/>
-              </a:schemeClr>
-            </a:solidFill>
-            <a:ln>
-              <a:noFill/>
-            </a:ln>
-          </p:spPr>
-        </p:sp>
-        <p:sp>
-          <p:nvSpPr>
-            <p:cNvPr id="12" name="Freeform 10"/>
-            <p:cNvSpPr/>
-            <p:nvPr/>
-          </p:nvSpPr>
-          <p:spPr bwMode="auto">
-            <a:xfrm>
-              <a:off x="1627188" y="5286375"/>
-              <a:ext cx="2130425" cy="1571625"/>
-            </a:xfrm>
-            <a:custGeom>
-              <a:avLst/>
-              <a:gdLst/>
-              <a:ahLst/>
-              <a:cxnLst/>
-              <a:rect l="0" t="0" r="r" b="b"/>
-              <a:pathLst>
-                <a:path w="1342" h="990">
-                  <a:moveTo>
-                    <a:pt x="0" y="3"/>
-                  </a:moveTo>
-                  <a:lnTo>
-                    <a:pt x="942" y="990"/>
-                  </a:lnTo>
-                  <a:lnTo>
-                    <a:pt x="1342" y="990"/>
-                  </a:lnTo>
-                  <a:lnTo>
-                    <a:pt x="156" y="27"/>
-                  </a:lnTo>
-                  <a:lnTo>
-                    <a:pt x="0" y="0"/>
-                  </a:lnTo>
-                  <a:lnTo>
-                    <a:pt x="0" y="3"/>
-                  </a:lnTo>
-                  <a:close/>
-                </a:path>
-              </a:pathLst>
-            </a:custGeom>
-            <a:solidFill>
-              <a:schemeClr val="accent1">
-                <a:lumMod val="75000"/>
-              </a:schemeClr>
-            </a:solidFill>
-            <a:ln>
-              <a:noFill/>
-            </a:ln>
-          </p:spPr>
-        </p:sp>
-        <p:sp>
-          <p:nvSpPr>
-            <p:cNvPr id="13" name="Freeform 11"/>
-            <p:cNvSpPr/>
-            <p:nvPr/>
-          </p:nvSpPr>
-          <p:spPr bwMode="auto">
-            <a:xfrm>
-              <a:off x="1320800" y="5238750"/>
-              <a:ext cx="1695450" cy="1619250"/>
-            </a:xfrm>
-            <a:custGeom>
-              <a:avLst/>
-              <a:gdLst/>
-              <a:ahLst/>
-              <a:cxnLst/>
-              <a:rect l="0" t="0" r="r" b="b"/>
-              <a:pathLst>
-                <a:path w="1068" h="1020">
-                  <a:moveTo>
-                    <a:pt x="1068" y="1020"/>
-                  </a:moveTo>
-                  <a:lnTo>
-                    <a:pt x="184" y="60"/>
-                  </a:lnTo>
-                  <a:lnTo>
-                    <a:pt x="154" y="27"/>
-                  </a:lnTo>
-                  <a:lnTo>
-                    <a:pt x="157" y="27"/>
-                  </a:lnTo>
-                  <a:lnTo>
-                    <a:pt x="157" y="24"/>
-                  </a:lnTo>
-                  <a:lnTo>
-                    <a:pt x="154" y="24"/>
-                  </a:lnTo>
-                  <a:lnTo>
-                    <a:pt x="0" y="0"/>
-                  </a:lnTo>
-                  <a:lnTo>
-                    <a:pt x="0" y="0"/>
-                  </a:lnTo>
-                  <a:lnTo>
-                    <a:pt x="774" y="1020"/>
-                  </a:lnTo>
-                  <a:lnTo>
-                    <a:pt x="1068" y="1020"/>
-                  </a:lnTo>
-                  <a:close/>
-                </a:path>
-              </a:pathLst>
-            </a:custGeom>
-            <a:solidFill>
-              <a:schemeClr val="tx1">
-                <a:lumMod val="75000"/>
-                <a:lumOff val="25000"/>
-              </a:schemeClr>
-            </a:solidFill>
-            <a:ln>
-              <a:noFill/>
-            </a:ln>
-          </p:spPr>
-        </p:sp>
-      </p:grpSp>
-      <p:sp>
-        <p:nvSpPr>
-          <p:cNvPr id="2" name="Title Placeholder 1"/>
-          <p:cNvSpPr>
-            <a:spLocks noGrp="1"/>
-          </p:cNvSpPr>
-          <p:nvPr>
-            <p:ph type="title"/>
-          </p:nvPr>
-        </p:nvSpPr>
-        <p:spPr>
-          <a:xfrm>
-            <a:off x="1484311" y="685800"/>
-            <a:ext cx="10018713" cy="1752599"/>
-          </a:xfrm>
-          <a:prstGeom prst="rect">
-            <a:avLst/>
-          </a:prstGeom>
-          <a:effectLst/>
-        </p:spPr>
-        <p:txBody>
-          <a:bodyPr vert="horz" lIns="91440" tIns="45720" rIns="91440" bIns="45720" rtlCol="0" anchor="ctr">
-            <a:normAutofit/>
-          </a:bodyPr>
-          <a:lstStyle/>
-          <a:p>
-            <a:r>
-              <a:rPr lang="en-US" smtClean="0"/>
-              <a:t>Click to edit Master title style</a:t>
-            </a:r>
-            <a:endParaRPr lang="en-US" dirty="0"/>
-          </a:p>
-        </p:txBody>
-      </p:sp>
-      <p:sp>
-        <p:nvSpPr>
-          <p:cNvPr id="3" name="Text Placeholder 2"/>
-          <p:cNvSpPr>
-            <a:spLocks noGrp="1"/>
-          </p:cNvSpPr>
-          <p:nvPr>
-            <p:ph type="body" idx="1"/>
-          </p:nvPr>
-        </p:nvSpPr>
-        <p:spPr>
-          <a:xfrm>
-            <a:off x="1484310" y="2666999"/>
-            <a:ext cx="10018713" cy="3124201"/>
-          </a:xfrm>
-          <a:prstGeom prst="rect">
-            <a:avLst/>
-          </a:prstGeom>
-        </p:spPr>
-        <p:txBody>
-          <a:bodyPr vert="horz" lIns="91440" tIns="45720" rIns="91440" bIns="45720" rtlCol="0" anchor="ctr">
-            <a:normAutofit/>
-          </a:bodyPr>
-          <a:lstStyle/>
-          <a:p>
-            <a:pPr lvl="0"/>
-            <a:r>
-              <a:rPr lang="en-US" smtClean="0"/>
-              <a:t>Click to edit Master text styles</a:t>
-            </a:r>
-          </a:p>
-          <a:p>
-            <a:pPr lvl="1"/>
-            <a:r>
-              <a:rPr lang="en-US" smtClean="0"/>
-              <a:t>Second level</a:t>
-            </a:r>
-          </a:p>
-          <a:p>
-            <a:pPr lvl="2"/>
-            <a:r>
-              <a:rPr lang="en-US" smtClean="0"/>
-              <a:t>Third level</a:t>
-            </a:r>
-          </a:p>
-          <a:p>
-            <a:pPr lvl="3"/>
-            <a:r>
-              <a:rPr lang="en-US" smtClean="0"/>
-              <a:t>Fourth level</a:t>
-            </a:r>
-          </a:p>
-          <a:p>
-            <a:pPr lvl="4"/>
-            <a:r>
-              <a:rPr lang="en-US" smtClean="0"/>
-              <a:t>Fifth level</a:t>
-            </a:r>
-            <a:endParaRPr lang="en-US" dirty="0"/>
-          </a:p>
-        </p:txBody>
-      </p:sp>
-      <p:sp>
-        <p:nvSpPr>
-          <p:cNvPr id="4" name="Date Placeholder 3"/>
-          <p:cNvSpPr>
-            <a:spLocks noGrp="1"/>
-          </p:cNvSpPr>
-          <p:nvPr>
-            <p:ph type="dt" sz="half" idx="2"/>
-          </p:nvPr>
-        </p:nvSpPr>
-        <p:spPr>
-          <a:xfrm>
-            <a:off x="9732656" y="5883275"/>
-            <a:ext cx="1143000" cy="365125"/>
-          </a:xfrm>
-          <a:prstGeom prst="rect">
-            <a:avLst/>
-          </a:prstGeom>
-        </p:spPr>
-        <p:txBody>
-          <a:bodyPr vert="horz" lIns="91440" tIns="45720" rIns="91440" bIns="45720" rtlCol="0" anchor="ctr"/>
-          <a:lstStyle>
-            <a:lvl1pPr algn="r">
-              <a:defRPr sz="1000" b="0" i="0">
-                <a:solidFill>
-                  <a:schemeClr val="tx1"/>
-                </a:solidFill>
-                <a:effectLst/>
-                <a:latin typeface="+mn-lt"/>
-              </a:defRPr>
-            </a:lvl1pPr>
-          </a:lstStyle>
-          <a:p>
-            <a:fld id="{B61BEF0D-F0BB-DE4B-95CE-6DB70DBA9567}" type="datetimeFigureOut">
-              <a:rPr lang="en-US" dirty="0"/>
-              <a:pPr/>
-              <a:t>12/1/2016</a:t>
-            </a:fld>
-            <a:endParaRPr lang="en-US" dirty="0"/>
-          </a:p>
-        </p:txBody>
-      </p:sp>
-      <p:sp>
-        <p:nvSpPr>
-          <p:cNvPr id="5" name="Footer Placeholder 4"/>
-          <p:cNvSpPr>
-            <a:spLocks noGrp="1"/>
-          </p:cNvSpPr>
-          <p:nvPr>
-            <p:ph type="ftr" sz="quarter" idx="3"/>
-          </p:nvPr>
-        </p:nvSpPr>
-        <p:spPr>
-          <a:xfrm>
-            <a:off x="2572279" y="5883275"/>
-            <a:ext cx="7084177" cy="365125"/>
-          </a:xfrm>
-          <a:prstGeom prst="rect">
-            <a:avLst/>
-          </a:prstGeom>
-        </p:spPr>
-        <p:txBody>
-          <a:bodyPr vert="horz" lIns="91440" tIns="45720" rIns="91440" bIns="45720" rtlCol="0" anchor="ctr"/>
-          <a:lstStyle>
-            <a:lvl1pPr algn="l">
-              <a:defRPr sz="1000" b="0" i="0">
-                <a:solidFill>
-                  <a:schemeClr val="tx1"/>
-                </a:solidFill>
-                <a:effectLst/>
-                <a:latin typeface="+mn-lt"/>
-              </a:defRPr>
-            </a:lvl1pPr>
-          </a:lstStyle>
-          <a:p>
-            <a:endParaRPr lang="en-US" dirty="0"/>
-          </a:p>
-        </p:txBody>
-      </p:sp>
-      <p:sp>
-        <p:nvSpPr>
-          <p:cNvPr id="6" name="Slide Number Placeholder 5"/>
-          <p:cNvSpPr>
-            <a:spLocks noGrp="1"/>
-          </p:cNvSpPr>
-          <p:nvPr>
-            <p:ph type="sldNum" sz="quarter" idx="4"/>
-          </p:nvPr>
-        </p:nvSpPr>
-        <p:spPr>
-          <a:xfrm>
-            <a:off x="10951856" y="5883275"/>
-            <a:ext cx="551167" cy="365125"/>
-          </a:xfrm>
-          <a:prstGeom prst="rect">
-            <a:avLst/>
-          </a:prstGeom>
-        </p:spPr>
-        <p:txBody>
-          <a:bodyPr vert="horz" lIns="91440" tIns="45720" rIns="91440" bIns="45720" rtlCol="0" anchor="ctr"/>
-          <a:lstStyle>
-            <a:lvl1pPr algn="r">
-              <a:defRPr sz="1000" b="0" i="0">
-                <a:solidFill>
-                  <a:schemeClr val="tx1"/>
-                </a:solidFill>
-                <a:effectLst/>
-                <a:latin typeface="+mn-lt"/>
-              </a:defRPr>
-            </a:lvl1pPr>
-          </a:lstStyle>
-          <a:p>
-            <a:fld id="{D57F1E4F-1CFF-5643-939E-217C01CDF565}" type="slidenum">
-              <a:rPr lang="en-US" dirty="0"/>
-              <a:pPr/>
-              <a:t>‹#›</a:t>
-            </a:fld>
-            <a:endParaRPr lang="en-US" dirty="0"/>
-          </a:p>
-        </p:txBody>
-      </p:sp>
-    </p:spTree>
-    <p:extLst>
-      <p:ext uri="{BB962C8B-B14F-4D97-AF65-F5344CB8AC3E}">
-        <p14:creationId xmlns:p14="http://schemas.microsoft.com/office/powerpoint/2010/main" val="1866252827"/>
-      </p:ext>
-    </p:extLst>
-  </p:cSld>
-  <p:clrMap bg1="lt1" tx1="dk1" bg2="lt2" tx2="dk2" accent1="accent1" accent2="accent2" accent3="accent3" accent4="accent4" accent5="accent5" accent6="accent6" hlink="hlink" folHlink="folHlink"/>
-  <p:sldLayoutIdLst>
-    <p:sldLayoutId id="2147483876" r:id="rId1"/>
-    <p:sldLayoutId id="2147483877" r:id="rId2"/>
-    <p:sldLayoutId id="2147483878" r:id="rId3"/>
-    <p:sldLayoutId id="2147483879" r:id="rId4"/>
-    <p:sldLayoutId id="2147483880" r:id="rId5"/>
-    <p:sldLayoutId id="2147483881" r:id="rId6"/>
-    <p:sldLayoutId id="2147483882" r:id="rId7"/>
-    <p:sldLayoutId id="2147483883" r:id="rId8"/>
-    <p:sldLayoutId id="2147483884" r:id="rId9"/>
-    <p:sldLayoutId id="2147483885" r:id="rId10"/>
-    <p:sldLayoutId id="2147483886" r:id="rId11"/>
-    <p:sldLayoutId id="2147483887" r:id="rId12"/>
-    <p:sldLayoutId id="2147483888" r:id="rId13"/>
-    <p:sldLayoutId id="2147483889" r:id="rId14"/>
-    <p:sldLayoutId id="2147483890" r:id="rId15"/>
-    <p:sldLayoutId id="2147483891" r:id="rId16"/>
-    <p:sldLayoutId id="2147483892" r:id="rId17"/>
-  </p:sldLayoutIdLst>
-  <p:txStyles>
-    <p:titleStyle>
-      <a:lvl1pPr algn="ctr" defTabSz="457200" rtl="0" eaLnBrk="1" latinLnBrk="0" hangingPunct="1">
-        <a:spcBef>
-          <a:spcPct val="0"/>
-        </a:spcBef>
-        <a:buNone/>
-        <a:defRPr sz="4000" kern="1200" cap="none">
-          <a:ln w="3175" cmpd="sng">
-            <a:noFill/>
-          </a:ln>
-          <a:solidFill>
-            <a:schemeClr val="tx1"/>
-          </a:solidFill>
-          <a:effectLst/>
-          <a:latin typeface="+mj-lt"/>
-          <a:ea typeface="+mj-ea"/>
-          <a:cs typeface="+mj-cs"/>
-        </a:defRPr>
-      </a:lvl1pPr>
-      <a:lvl2pPr eaLnBrk="1" hangingPunct="1">
-        <a:defRPr>
-          <a:solidFill>
-            <a:schemeClr val="tx2"/>
-          </a:solidFill>
-        </a:defRPr>
-      </a:lvl2pPr>
-      <a:lvl3pPr eaLnBrk="1" hangingPunct="1">
-        <a:defRPr>
-          <a:solidFill>
-            <a:schemeClr val="tx2"/>
-          </a:solidFill>
-        </a:defRPr>
-      </a:lvl3pPr>
-      <a:lvl4pPr eaLnBrk="1" hangingPunct="1">
-        <a:defRPr>
-          <a:solidFill>
-            <a:schemeClr val="tx2"/>
-          </a:solidFill>
-        </a:defRPr>
-      </a:lvl4pPr>
-      <a:lvl5pPr eaLnBrk="1" hangingPunct="1">
-        <a:defRPr>
-          <a:solidFill>
-            <a:schemeClr val="tx2"/>
-          </a:solidFill>
-        </a:defRPr>
-      </a:lvl5pPr>
-      <a:lvl6pPr eaLnBrk="1" hangingPunct="1">
-        <a:defRPr>
-          <a:solidFill>
-            <a:schemeClr val="tx2"/>
-          </a:solidFill>
-        </a:defRPr>
-      </a:lvl6pPr>
-      <a:lvl7pPr eaLnBrk="1" hangingPunct="1">
-        <a:defRPr>
-          <a:solidFill>
-            <a:schemeClr val="tx2"/>
-          </a:solidFill>
-        </a:defRPr>
-      </a:lvl7pPr>
-      <a:lvl8pPr eaLnBrk="1" hangingPunct="1">
-        <a:defRPr>
-          <a:solidFill>
-            <a:schemeClr val="tx2"/>
-          </a:solidFill>
-        </a:defRPr>
-      </a:lvl8pPr>
-      <a:lvl9pPr eaLnBrk="1" hangingPunct="1">
-        <a:defRPr>
-          <a:solidFill>
-            <a:schemeClr val="tx2"/>
-          </a:solidFill>
-        </a:defRPr>
-      </a:lvl9pPr>
-    </p:titleStyle>
-    <p:bodyStyle>
-      <a:lvl1pPr marL="285750" indent="-285750" algn="l" defTabSz="457200" rtl="0" eaLnBrk="1" latinLnBrk="0" hangingPunct="1">
-        <a:spcBef>
-          <a:spcPct val="20000"/>
-        </a:spcBef>
-        <a:spcAft>
-          <a:spcPts val="600"/>
-        </a:spcAft>
-        <a:buClr>
-          <a:schemeClr val="accent1">
-            <a:lumMod val="75000"/>
-          </a:schemeClr>
-        </a:buClr>
-        <a:buSzPct val="145000"/>
-        <a:buFont typeface="Arial"/>
-        <a:buChar char="•"/>
-        <a:defRPr sz="2400" kern="1200" cap="none">
-          <a:solidFill>
-            <a:schemeClr val="tx1"/>
-          </a:solidFill>
-          <a:effectLst/>
-          <a:latin typeface="+mn-lt"/>
-          <a:ea typeface="+mn-ea"/>
-          <a:cs typeface="+mn-cs"/>
-        </a:defRPr>
-      </a:lvl1pPr>
-      <a:lvl2pPr marL="742950" indent="-285750" algn="l" defTabSz="457200" rtl="0" eaLnBrk="1" latinLnBrk="0" hangingPunct="1">
-        <a:spcBef>
-          <a:spcPct val="20000"/>
-        </a:spcBef>
-        <a:spcAft>
-          <a:spcPts val="600"/>
-        </a:spcAft>
-        <a:buClr>
-          <a:schemeClr val="accent1">
-            <a:lumMod val="75000"/>
-          </a:schemeClr>
-        </a:buClr>
-        <a:buSzPct val="145000"/>
-        <a:buFont typeface="Arial"/>
-        <a:buChar char="•"/>
-        <a:defRPr sz="2000" kern="1200" cap="none">
-          <a:solidFill>
-            <a:schemeClr val="tx1"/>
-          </a:solidFill>
-          <a:effectLst/>
-          <a:latin typeface="+mn-lt"/>
-          <a:ea typeface="+mn-ea"/>
-          <a:cs typeface="+mn-cs"/>
-        </a:defRPr>
-      </a:lvl2pPr>
-      <a:lvl3pPr marL="1200150" indent="-285750" algn="l" defTabSz="457200" rtl="0" eaLnBrk="1" latinLnBrk="0" hangingPunct="1">
-        <a:spcBef>
-          <a:spcPct val="20000"/>
-        </a:spcBef>
-        <a:spcAft>
-          <a:spcPts val="600"/>
-        </a:spcAft>
-        <a:buClr>
-          <a:schemeClr val="accent1">
-            <a:lumMod val="75000"/>
-          </a:schemeClr>
-        </a:buClr>
-        <a:buSzPct val="145000"/>
-        <a:buFont typeface="Arial"/>
-        <a:buChar char="•"/>
-        <a:defRPr sz="1800" kern="1200" cap="none">
-          <a:solidFill>
-            <a:schemeClr val="tx1"/>
-          </a:solidFill>
-          <a:effectLst/>
-          <a:latin typeface="+mn-lt"/>
-          <a:ea typeface="+mn-ea"/>
-          <a:cs typeface="+mn-cs"/>
-        </a:defRPr>
-      </a:lvl3pPr>
-      <a:lvl4pPr marL="1543050" indent="-171450" algn="l" defTabSz="457200" rtl="0" eaLnBrk="1" latinLnBrk="0" hangingPunct="1">
-        <a:spcBef>
-          <a:spcPct val="20000"/>
-        </a:spcBef>
-        <a:spcAft>
-          <a:spcPts val="600"/>
-        </a:spcAft>
-        <a:buClr>
-          <a:schemeClr val="accent1">
-            <a:lumMod val="75000"/>
-          </a:schemeClr>
-        </a:buClr>
-        <a:buSzPct val="145000"/>
-        <a:buFont typeface="Arial"/>
-        <a:buChar char="•"/>
-        <a:defRPr sz="1600" kern="1200" cap="none">
-          <a:solidFill>
-            <a:schemeClr val="tx1"/>
-          </a:solidFill>
-          <a:effectLst/>
-          <a:latin typeface="+mn-lt"/>
-          <a:ea typeface="+mn-ea"/>
-          <a:cs typeface="+mn-cs"/>
-        </a:defRPr>
-      </a:lvl4pPr>
-      <a:lvl5pPr marL="2000250" indent="-171450" algn="l" defTabSz="457200" rtl="0" eaLnBrk="1" latinLnBrk="0" hangingPunct="1">
-        <a:spcBef>
-          <a:spcPct val="20000"/>
-        </a:spcBef>
-        <a:spcAft>
-          <a:spcPts val="600"/>
-        </a:spcAft>
-        <a:buClr>
-          <a:schemeClr val="accent1">
-            <a:lumMod val="75000"/>
-          </a:schemeClr>
-        </a:buClr>
-        <a:buSzPct val="145000"/>
-        <a:buFont typeface="Arial"/>
-        <a:buChar char="•"/>
-        <a:defRPr sz="1400" kern="1200" cap="none">
-          <a:solidFill>
-            <a:schemeClr val="tx1"/>
-          </a:solidFill>
-          <a:effectLst/>
-          <a:latin typeface="+mn-lt"/>
-          <a:ea typeface="+mn-ea"/>
-          <a:cs typeface="+mn-cs"/>
-        </a:defRPr>
-      </a:lvl5pPr>
-      <a:lvl6pPr marL="2514600" indent="-228600" algn="l" defTabSz="457200" rtl="0" eaLnBrk="1" latinLnBrk="0" hangingPunct="1">
-        <a:spcBef>
-          <a:spcPct val="20000"/>
-        </a:spcBef>
-        <a:spcAft>
-          <a:spcPts val="600"/>
-        </a:spcAft>
-        <a:buClr>
-          <a:schemeClr val="accent1">
-            <a:lumMod val="75000"/>
-          </a:schemeClr>
-        </a:buClr>
-        <a:buSzPct val="145000"/>
-        <a:buFont typeface="Arial"/>
-        <a:buChar char="•"/>
-        <a:defRPr sz="1400" kern="1200" cap="none">
-          <a:solidFill>
-            <a:schemeClr val="tx1"/>
-          </a:solidFill>
-          <a:effectLst/>
-          <a:latin typeface="+mn-lt"/>
-          <a:ea typeface="+mn-ea"/>
-          <a:cs typeface="+mn-cs"/>
-        </a:defRPr>
-      </a:lvl6pPr>
-      <a:lvl7pPr marL="2971800" indent="-228600" algn="l" defTabSz="457200" rtl="0" eaLnBrk="1" latinLnBrk="0" hangingPunct="1">
-        <a:spcBef>
-          <a:spcPct val="20000"/>
-        </a:spcBef>
-        <a:spcAft>
-          <a:spcPts val="600"/>
-        </a:spcAft>
-        <a:buClr>
-          <a:schemeClr val="accent1">
-            <a:lumMod val="75000"/>
-          </a:schemeClr>
-        </a:buClr>
-        <a:buSzPct val="145000"/>
-        <a:buFont typeface="Arial"/>
-        <a:buChar char="•"/>
-        <a:defRPr sz="1400" kern="1200" cap="none">
-          <a:solidFill>
-            <a:schemeClr val="tx1"/>
-          </a:solidFill>
-          <a:effectLst/>
-          <a:latin typeface="+mn-lt"/>
-          <a:ea typeface="+mn-ea"/>
-          <a:cs typeface="+mn-cs"/>
-        </a:defRPr>
-      </a:lvl7pPr>
-      <a:lvl8pPr marL="3429000" indent="-228600" algn="l" defTabSz="457200" rtl="0" eaLnBrk="1" latinLnBrk="0" hangingPunct="1">
-        <a:spcBef>
-          <a:spcPct val="20000"/>
-        </a:spcBef>
-        <a:spcAft>
-          <a:spcPts val="600"/>
-        </a:spcAft>
-        <a:buClr>
-          <a:schemeClr val="accent1">
-            <a:lumMod val="75000"/>
-          </a:schemeClr>
-        </a:buClr>
-        <a:buSzPct val="145000"/>
-        <a:buFont typeface="Arial"/>
-        <a:buChar char="•"/>
-        <a:defRPr sz="1400" kern="1200" cap="none">
-          <a:solidFill>
-            <a:schemeClr val="tx1"/>
-          </a:solidFill>
-          <a:effectLst/>
-          <a:latin typeface="+mn-lt"/>
-          <a:ea typeface="+mn-ea"/>
-          <a:cs typeface="+mn-cs"/>
-        </a:defRPr>
-      </a:lvl8pPr>
-      <a:lvl9pPr marL="3886200" indent="-228600" algn="l" defTabSz="457200" rtl="0" eaLnBrk="1" latinLnBrk="0" hangingPunct="1">
-        <a:spcBef>
-          <a:spcPct val="20000"/>
-        </a:spcBef>
-        <a:spcAft>
-          <a:spcPts val="600"/>
-        </a:spcAft>
-        <a:buClr>
-          <a:schemeClr val="accent1">
-            <a:lumMod val="75000"/>
-          </a:schemeClr>
-        </a:buClr>
-        <a:buSzPct val="145000"/>
-        <a:buFont typeface="Arial"/>
-        <a:buChar char="•"/>
-        <a:defRPr sz="1400" kern="1200" cap="none">
-          <a:solidFill>
-            <a:schemeClr val="tx1"/>
-          </a:solidFill>
-          <a:effectLst/>
-          <a:latin typeface="+mn-lt"/>
-          <a:ea typeface="+mn-ea"/>
-          <a:cs typeface="+mn-cs"/>
-        </a:defRPr>
-      </a:lvl9pPr>
-    </p:bodyStyle>
-    <p:otherStyle>
-      <a:defPPr>
-        <a:defRPr lang="en-US"/>
-      </a:defPPr>
-      <a:lvl1pPr marL="0" algn="l" defTabSz="457200" rtl="0" eaLnBrk="1" latinLnBrk="0" hangingPunct="1">
-        <a:defRPr sz="1800" kern="1200">
-          <a:solidFill>
-            <a:schemeClr val="tx1"/>
-          </a:solidFill>
-          <a:latin typeface="+mn-lt"/>
-          <a:ea typeface="+mn-ea"/>
-          <a:cs typeface="+mn-cs"/>
-        </a:defRPr>
-      </a:lvl1pPr>
-      <a:lvl2pPr marL="457200" algn="l" defTabSz="457200" rtl="0" eaLnBrk="1" latinLnBrk="0" hangingPunct="1">
-        <a:defRPr sz="1800" kern="1200">
-          <a:solidFill>
-            <a:schemeClr val="tx1"/>
-          </a:solidFill>
-          <a:latin typeface="+mn-lt"/>
-          <a:ea typeface="+mn-ea"/>
-          <a:cs typeface="+mn-cs"/>
-        </a:defRPr>
-      </a:lvl2pPr>
-      <a:lvl3pPr marL="914400" algn="l" defTabSz="457200" rtl="0" eaLnBrk="1" latinLnBrk="0" hangingPunct="1">
-        <a:defRPr sz="1800" kern="1200">
-          <a:solidFill>
-            <a:schemeClr val="tx1"/>
-          </a:solidFill>
-          <a:latin typeface="+mn-lt"/>
-          <a:ea typeface="+mn-ea"/>
-          <a:cs typeface="+mn-cs"/>
-        </a:defRPr>
-      </a:lvl3pPr>
-      <a:lvl4pPr marL="1371600" algn="l" defTabSz="457200" rtl="0" eaLnBrk="1" latinLnBrk="0" hangingPunct="1">
-        <a:defRPr sz="1800" kern="1200">
-          <a:solidFill>
-            <a:schemeClr val="tx1"/>
-          </a:solidFill>
-          <a:latin typeface="+mn-lt"/>
-          <a:ea typeface="+mn-ea"/>
-          <a:cs typeface="+mn-cs"/>
-        </a:defRPr>
-      </a:lvl4pPr>
-      <a:lvl5pPr marL="1828800" algn="l" defTabSz="457200" rtl="0" eaLnBrk="1" latinLnBrk="0" hangingPunct="1">
-        <a:defRPr sz="1800" kern="1200">
-          <a:solidFill>
-            <a:schemeClr val="tx1"/>
-          </a:solidFill>
-          <a:latin typeface="+mn-lt"/>
-          <a:ea typeface="+mn-ea"/>
-          <a:cs typeface="+mn-cs"/>
-        </a:defRPr>
-      </a:lvl5pPr>
-      <a:lvl6pPr marL="2286000" algn="l" defTabSz="457200" rtl="0" eaLnBrk="1" latinLnBrk="0" hangingPunct="1">
-        <a:defRPr sz="1800" kern="1200">
-          <a:solidFill>
-            <a:schemeClr val="tx1"/>
-          </a:solidFill>
-          <a:latin typeface="+mn-lt"/>
-          <a:ea typeface="+mn-ea"/>
-          <a:cs typeface="+mn-cs"/>
-        </a:defRPr>
-      </a:lvl6pPr>
-      <a:lvl7pPr marL="2743200" algn="l" defTabSz="457200" rtl="0" eaLnBrk="1" latinLnBrk="0" hangingPunct="1">
-        <a:defRPr sz="1800" kern="1200">
-          <a:solidFill>
-            <a:schemeClr val="tx1"/>
-          </a:solidFill>
-          <a:latin typeface="+mn-lt"/>
-          <a:ea typeface="+mn-ea"/>
-          <a:cs typeface="+mn-cs"/>
-        </a:defRPr>
-      </a:lvl7pPr>
-      <a:lvl8pPr marL="3200400" algn="l" defTabSz="457200" rtl="0" eaLnBrk="1" latinLnBrk="0" hangingPunct="1">
-        <a:defRPr sz="1800" kern="1200">
-          <a:solidFill>
-            <a:schemeClr val="tx1"/>
-          </a:solidFill>
-          <a:latin typeface="+mn-lt"/>
-          <a:ea typeface="+mn-ea"/>
-          <a:cs typeface="+mn-cs"/>
-        </a:defRPr>
-      </a:lvl8pPr>
-      <a:lvl9pPr marL="3657600" algn="l" defTabSz="457200" rtl="0" eaLnBrk="1" latinLnBrk="0" hangingPunct="1">
-        <a:defRPr sz="1800" kern="1200">
-          <a:solidFill>
-            <a:schemeClr val="tx1"/>
-          </a:solidFill>
-          <a:latin typeface="+mn-lt"/>
-          <a:ea typeface="+mn-ea"/>
-          <a:cs typeface="+mn-cs"/>
-        </a:defRPr>
-      </a:lvl9pPr>
-    </p:otherStyle>
-  </p:txStyles>
-</p:sldMaster>
-</file>
-
 <file path=ppt/slides/slide1.xml><?xml version="1.0" encoding="utf-8"?>
 <p:sld xmlns:a="http://schemas.openxmlformats.org/drawingml/2006/main" xmlns:r="http://schemas.openxmlformats.org/officeDocument/2006/relationships" xmlns:p="http://schemas.openxmlformats.org/presentationml/2006/main">
   <p:cSld>
@@ -30151,25 +24005,6 @@
           </a:p>
         </p:txBody>
       </p:sp>
-      <p:sp>
-        <p:nvSpPr>
-          <p:cNvPr id="3" name="Subtitle 2"/>
-          <p:cNvSpPr>
-            <a:spLocks noGrp="1"/>
-          </p:cNvSpPr>
-          <p:nvPr>
-            <p:ph type="subTitle" idx="1"/>
-          </p:nvPr>
-        </p:nvSpPr>
-        <p:spPr/>
-        <p:txBody>
-          <a:bodyPr/>
-          <a:lstStyle/>
-          <a:p>
-            <a:endParaRPr lang="en-US" dirty="0"/>
-          </a:p>
-        </p:txBody>
-      </p:sp>
     </p:spTree>
     <p:extLst>
       <p:ext uri="{BB962C8B-B14F-4D97-AF65-F5344CB8AC3E}">
@@ -30180,18 +24015,11 @@
   <p:clrMapOvr>
     <a:masterClrMapping/>
   </p:clrMapOvr>
-  <mc:AlternateContent xmlns:mc="http://schemas.openxmlformats.org/markup-compatibility/2006">
-    <mc:Choice xmlns:p14="http://schemas.microsoft.com/office/powerpoint/2010/main" Requires="p14">
-      <p:transition spd="slow" p14:dur="2000"/>
-    </mc:Choice>
-    <mc:Fallback>
-      <p:transition spd="slow"/>
-    </mc:Fallback>
-  </mc:AlternateContent>
+  <p:transition xmlns:p14="http://schemas.microsoft.com/office/powerpoint/2010/main" spd="med"/>
   <p:timing>
     <p:tnLst>
       <p:par>
-        <p:cTn id="1" dur="indefinite" restart="never" nodeType="tmRoot"/>
+        <p:cTn xmlns:p14="http://schemas.microsoft.com/office/powerpoint/2010/main" id="1" dur="indefinite" restart="never" nodeType="tmRoot"/>
       </p:par>
     </p:tnLst>
   </p:timing>
@@ -30215,88 +24043,44 @@
           <a:chExt cx="0" cy="0"/>
         </a:xfrm>
       </p:grpSpPr>
-      <p:sp>
-        <p:nvSpPr>
-          <p:cNvPr id="2" name="Title 1"/>
-          <p:cNvSpPr>
-            <a:spLocks noGrp="1"/>
-          </p:cNvSpPr>
-          <p:nvPr>
-            <p:ph type="title"/>
-          </p:nvPr>
-        </p:nvSpPr>
-        <p:spPr/>
-        <p:txBody>
-          <a:bodyPr/>
-          <a:lstStyle/>
-          <a:p>
-            <a:r>
-              <a:rPr lang="en-US" dirty="0" smtClean="0"/>
-              <a:t>Historical Trend - Closing </a:t>
-            </a:r>
-            <a:endParaRPr lang="en-US" dirty="0"/>
-          </a:p>
-        </p:txBody>
-      </p:sp>
-      <p:sp>
-        <p:nvSpPr>
-          <p:cNvPr id="3" name="Content Placeholder 2"/>
-          <p:cNvSpPr>
-            <a:spLocks noGrp="1"/>
-          </p:cNvSpPr>
+      <p:pic>
+        <p:nvPicPr>
+          <p:cNvPr id="4" name="Content Placeholder 3"/>
+          <p:cNvPicPr>
+            <a:picLocks noGrp="1"/>
+          </p:cNvPicPr>
           <p:nvPr>
             <p:ph idx="1"/>
           </p:nvPr>
-        </p:nvSpPr>
-        <p:spPr/>
-        <p:txBody>
-          <a:bodyPr/>
-          <a:lstStyle/>
-          <a:p>
-            <a:r>
-              <a:rPr lang="en-US" dirty="0" smtClean="0"/>
-              <a:t>Provides the month-to-date and prior months historical scores for the chosen supplier including the historical values for closing performance metrics</a:t>
-            </a:r>
-          </a:p>
-          <a:p>
-            <a:pPr lvl="1"/>
-            <a:r>
-              <a:rPr lang="en-US" dirty="0" smtClean="0"/>
-              <a:t> Overall Conversion Rate Historical Trend, Days OA to Dispose Trend, Days to Receive Funds Trend, and Days to Dispose Trend, HUD OOB, QC Audit and </a:t>
-            </a:r>
-            <a:r>
-              <a:rPr lang="en-US" dirty="0" err="1" smtClean="0"/>
-              <a:t>Softskill</a:t>
-            </a:r>
-            <a:endParaRPr lang="en-US" sz="2000" dirty="0"/>
-          </a:p>
-        </p:txBody>
-      </p:sp>
+        </p:nvPicPr>
+        <p:blipFill>
+          <a:blip r:embed="rId2"/>
+          <a:srcRect l="-27482" r="-27482"/>
+          <a:stretch>
+            <a:fillRect/>
+          </a:stretch>
+        </p:blipFill>
+        <p:spPr>
+          <a:xfrm>
+            <a:off x="1247581" y="977708"/>
+            <a:ext cx="9339987" cy="5218061"/>
+          </a:xfrm>
+          <a:prstGeom prst="rect">
+            <a:avLst/>
+          </a:prstGeom>
+        </p:spPr>
+      </p:pic>
     </p:spTree>
     <p:extLst>
       <p:ext uri="{BB962C8B-B14F-4D97-AF65-F5344CB8AC3E}">
-        <p14:creationId xmlns:p14="http://schemas.microsoft.com/office/powerpoint/2010/main" val="3046041432"/>
+        <p14:creationId xmlns:p14="http://schemas.microsoft.com/office/powerpoint/2010/main" val="4268517533"/>
       </p:ext>
     </p:extLst>
   </p:cSld>
   <p:clrMapOvr>
     <a:masterClrMapping/>
   </p:clrMapOvr>
-  <mc:AlternateContent xmlns:mc="http://schemas.openxmlformats.org/markup-compatibility/2006">
-    <mc:Choice xmlns:p14="http://schemas.microsoft.com/office/powerpoint/2010/main" Requires="p14">
-      <p:transition spd="slow" p14:dur="2000"/>
-    </mc:Choice>
-    <mc:Fallback>
-      <p:transition spd="slow"/>
-    </mc:Fallback>
-  </mc:AlternateContent>
-  <p:timing>
-    <p:tnLst>
-      <p:par>
-        <p:cTn id="1" dur="indefinite" restart="never" nodeType="tmRoot"/>
-      </p:par>
-    </p:tnLst>
-  </p:timing>
+  <p:transition xmlns:p14="http://schemas.microsoft.com/office/powerpoint/2010/main" spd="med"/>
 </p:sld>
 </file>
 
@@ -30327,19 +24111,14 @@
             <p:ph type="title"/>
           </p:nvPr>
         </p:nvSpPr>
-        <p:spPr>
-          <a:xfrm>
-            <a:off x="838200" y="444328"/>
-            <a:ext cx="10515600" cy="1325563"/>
-          </a:xfrm>
-        </p:spPr>
+        <p:spPr/>
         <p:txBody>
           <a:bodyPr/>
           <a:lstStyle/>
           <a:p>
             <a:r>
               <a:rPr lang="en-US" dirty="0" smtClean="0"/>
-              <a:t>Details - Title</a:t>
+              <a:t>Historical Trend - Title</a:t>
             </a:r>
             <a:endParaRPr lang="en-US" dirty="0"/>
           </a:p>
@@ -30357,64 +24136,48 @@
         </p:nvSpPr>
         <p:spPr/>
         <p:txBody>
-          <a:bodyPr/>
+          <a:bodyPr>
+            <a:normAutofit/>
+          </a:bodyPr>
           <a:lstStyle/>
           <a:p>
+            <a:pPr>
+              <a:buFont typeface="Arial"/>
+              <a:buChar char="•"/>
+            </a:pPr>
+            <a:r>
+              <a:rPr lang="en-US" dirty="0"/>
+              <a:t>Provides the month-to-date and prior months historical scores for the chosen supplier including the historical values for title score, closing score and final score, as well as title performance metrics including </a:t>
+            </a:r>
+            <a:endParaRPr lang="en-US" dirty="0" smtClean="0"/>
+          </a:p>
+          <a:p>
+            <a:pPr lvl="1">
+              <a:buFont typeface="Arial"/>
+              <a:buChar char="•"/>
+            </a:pPr>
             <a:r>
               <a:rPr lang="en-US" dirty="0" smtClean="0"/>
-              <a:t>Provides </a:t>
-            </a:r>
-            <a:r>
-              <a:rPr lang="en-US" dirty="0"/>
-              <a:t>selected property level details for the month-to-date or selected months for the chosen state including </a:t>
-            </a:r>
-          </a:p>
-          <a:p>
-            <a:pPr lvl="1"/>
-            <a:r>
-              <a:rPr lang="en-US" dirty="0" smtClean="0"/>
-              <a:t>Issues </a:t>
-            </a:r>
-            <a:r>
-              <a:rPr lang="en-US" dirty="0"/>
-              <a:t>Completed Outside Standard, Issues Completed Within Standard, Issues Outstanding, Issues Opened After </a:t>
-            </a:r>
-            <a:r>
-              <a:rPr lang="en-US" dirty="0" smtClean="0"/>
-              <a:t>OA</a:t>
-            </a:r>
-            <a:endParaRPr lang="en-US" dirty="0"/>
-          </a:p>
-          <a:p>
-            <a:pPr marL="0" indent="0">
-              <a:buNone/>
-            </a:pPr>
-            <a:endParaRPr lang="en-US" dirty="0"/>
+              <a:t>Average Days to Completion (Curative &amp; Vesting), % Completed Within Standard (Curative &amp; Vesting), % of Issues Aged Over 90 Days and % Issues Opened After OA</a:t>
+            </a:r>
           </a:p>
         </p:txBody>
       </p:sp>
     </p:spTree>
     <p:extLst>
       <p:ext uri="{BB962C8B-B14F-4D97-AF65-F5344CB8AC3E}">
-        <p14:creationId xmlns:p14="http://schemas.microsoft.com/office/powerpoint/2010/main" val="4228239752"/>
+        <p14:creationId xmlns:p14="http://schemas.microsoft.com/office/powerpoint/2010/main" val="945138972"/>
       </p:ext>
     </p:extLst>
   </p:cSld>
   <p:clrMapOvr>
     <a:masterClrMapping/>
   </p:clrMapOvr>
-  <mc:AlternateContent xmlns:mc="http://schemas.openxmlformats.org/markup-compatibility/2006">
-    <mc:Choice xmlns:p14="http://schemas.microsoft.com/office/powerpoint/2010/main" Requires="p14">
-      <p:transition spd="slow" p14:dur="2000"/>
-    </mc:Choice>
-    <mc:Fallback>
-      <p:transition spd="slow"/>
-    </mc:Fallback>
-  </mc:AlternateContent>
+  <p:transition xmlns:p14="http://schemas.microsoft.com/office/powerpoint/2010/main" spd="med"/>
   <p:timing>
     <p:tnLst>
       <p:par>
-        <p:cTn id="1" dur="indefinite" restart="never" nodeType="tmRoot"/>
+        <p:cTn xmlns:p14="http://schemas.microsoft.com/office/powerpoint/2010/main" id="1" dur="indefinite" restart="never" nodeType="tmRoot"/>
       </p:par>
     </p:tnLst>
   </p:timing>
@@ -30438,84 +24201,39 @@
           <a:chExt cx="0" cy="0"/>
         </a:xfrm>
       </p:grpSpPr>
-      <p:sp>
-        <p:nvSpPr>
-          <p:cNvPr id="2" name="Title 1"/>
-          <p:cNvSpPr>
-            <a:spLocks noGrp="1"/>
-          </p:cNvSpPr>
-          <p:nvPr>
-            <p:ph type="title"/>
-          </p:nvPr>
-        </p:nvSpPr>
-        <p:spPr/>
-        <p:txBody>
-          <a:bodyPr/>
-          <a:lstStyle/>
-          <a:p>
-            <a:r>
-              <a:rPr lang="en-US" dirty="0" smtClean="0"/>
-              <a:t>Detail - Closing</a:t>
-            </a:r>
-            <a:endParaRPr lang="en-US" dirty="0"/>
-          </a:p>
-        </p:txBody>
-      </p:sp>
-      <p:sp>
-        <p:nvSpPr>
-          <p:cNvPr id="3" name="Content Placeholder 2"/>
-          <p:cNvSpPr>
-            <a:spLocks noGrp="1"/>
-          </p:cNvSpPr>
-          <p:nvPr>
-            <p:ph idx="1"/>
-          </p:nvPr>
-        </p:nvSpPr>
-        <p:spPr/>
-        <p:txBody>
-          <a:bodyPr/>
-          <a:lstStyle/>
-          <a:p>
-            <a:r>
-              <a:rPr lang="en-US" dirty="0" smtClean="0"/>
-              <a:t>Provides selected property level details for the month-to-date or selected month for the chosen supplier and state, including</a:t>
-            </a:r>
-          </a:p>
-          <a:p>
-            <a:pPr lvl="1"/>
-            <a:r>
-              <a:rPr lang="en-US" dirty="0" smtClean="0"/>
-              <a:t>Properties with Offer Accepted &gt; 40 Days, Properties Disposed Outside Standard, and Funds Received Outside Standard, and HUD OOB</a:t>
-            </a:r>
-            <a:endParaRPr lang="en-US" dirty="0"/>
-          </a:p>
-        </p:txBody>
-      </p:sp>
+      <p:pic>
+        <p:nvPicPr>
+          <p:cNvPr id="11" name="Picture 10"/>
+          <p:cNvPicPr/>
+          <p:nvPr/>
+        </p:nvPicPr>
+        <p:blipFill>
+          <a:blip r:embed="rId2"/>
+          <a:stretch>
+            <a:fillRect/>
+          </a:stretch>
+        </p:blipFill>
+        <p:spPr>
+          <a:xfrm>
+            <a:off x="2476882" y="831612"/>
+            <a:ext cx="7177812" cy="5493659"/>
+          </a:xfrm>
+          <a:prstGeom prst="rect">
+            <a:avLst/>
+          </a:prstGeom>
+        </p:spPr>
+      </p:pic>
     </p:spTree>
     <p:extLst>
       <p:ext uri="{BB962C8B-B14F-4D97-AF65-F5344CB8AC3E}">
-        <p14:creationId xmlns:p14="http://schemas.microsoft.com/office/powerpoint/2010/main" val="526898853"/>
+        <p14:creationId xmlns:p14="http://schemas.microsoft.com/office/powerpoint/2010/main" val="4255832393"/>
       </p:ext>
     </p:extLst>
   </p:cSld>
   <p:clrMapOvr>
     <a:masterClrMapping/>
   </p:clrMapOvr>
-  <mc:AlternateContent xmlns:mc="http://schemas.openxmlformats.org/markup-compatibility/2006">
-    <mc:Choice xmlns:p14="http://schemas.microsoft.com/office/powerpoint/2010/main" Requires="p14">
-      <p:transition spd="slow" p14:dur="2000"/>
-    </mc:Choice>
-    <mc:Fallback>
-      <p:transition spd="slow"/>
-    </mc:Fallback>
-  </mc:AlternateContent>
-  <p:timing>
-    <p:tnLst>
-      <p:par>
-        <p:cTn id="1" dur="indefinite" restart="never" nodeType="tmRoot"/>
-      </p:par>
-    </p:tnLst>
-  </p:timing>
+  <p:transition xmlns:p14="http://schemas.microsoft.com/office/powerpoint/2010/main" spd="med"/>
 </p:sld>
 </file>
 
@@ -30553,7 +24271,7 @@
           <a:p>
             <a:r>
               <a:rPr lang="en-US" dirty="0" smtClean="0"/>
-              <a:t>Glossary</a:t>
+              <a:t>Historical Trend - Closing </a:t>
             </a:r>
             <a:endParaRPr lang="en-US" dirty="0"/>
           </a:p>
@@ -30574,36 +24292,55 @@
           <a:bodyPr/>
           <a:lstStyle/>
           <a:p>
+            <a:pPr>
+              <a:buFont typeface="Arial"/>
+              <a:buChar char="•"/>
+            </a:pPr>
             <a:r>
               <a:rPr lang="en-US" dirty="0" smtClean="0"/>
-              <a:t>Provides a list of terms and definitions</a:t>
-            </a:r>
-            <a:endParaRPr lang="en-US" dirty="0"/>
+              <a:t>Provides the month-to-date and prior months historical scores for the chosen supplier including the historical values for closing performance </a:t>
+            </a:r>
+            <a:r>
+              <a:rPr lang="en-US" dirty="0" smtClean="0"/>
+              <a:t>metrics</a:t>
+            </a:r>
+          </a:p>
+          <a:p>
+            <a:pPr lvl="1">
+              <a:buFont typeface="Arial"/>
+              <a:buChar char="•"/>
+            </a:pPr>
+            <a:r>
+              <a:rPr lang="en-US" dirty="0" smtClean="0"/>
+              <a:t>Overall </a:t>
+            </a:r>
+            <a:r>
+              <a:rPr lang="en-US" dirty="0" smtClean="0"/>
+              <a:t>Conversion Rate Historical Trend, Days OA to Dispose Trend, Days to Receive Funds Trend, and Days to Dispose Trend, HUD OOB, QC Audit and </a:t>
+            </a:r>
+            <a:r>
+              <a:rPr lang="en-US" dirty="0" err="1" smtClean="0"/>
+              <a:t>Softskill</a:t>
+            </a:r>
+            <a:endParaRPr lang="en-US" sz="1800" dirty="0"/>
           </a:p>
         </p:txBody>
       </p:sp>
     </p:spTree>
     <p:extLst>
       <p:ext uri="{BB962C8B-B14F-4D97-AF65-F5344CB8AC3E}">
-        <p14:creationId xmlns:p14="http://schemas.microsoft.com/office/powerpoint/2010/main" val="4248797074"/>
+        <p14:creationId xmlns:p14="http://schemas.microsoft.com/office/powerpoint/2010/main" val="3046041432"/>
       </p:ext>
     </p:extLst>
   </p:cSld>
   <p:clrMapOvr>
     <a:masterClrMapping/>
   </p:clrMapOvr>
-  <mc:AlternateContent xmlns:mc="http://schemas.openxmlformats.org/markup-compatibility/2006">
-    <mc:Choice xmlns:p14="http://schemas.microsoft.com/office/powerpoint/2010/main" Requires="p14">
-      <p:transition spd="slow" p14:dur="2000"/>
-    </mc:Choice>
-    <mc:Fallback>
-      <p:transition spd="slow"/>
-    </mc:Fallback>
-  </mc:AlternateContent>
+  <p:transition xmlns:p14="http://schemas.microsoft.com/office/powerpoint/2010/main" spd="med"/>
   <p:timing>
     <p:tnLst>
       <p:par>
-        <p:cTn id="1" dur="indefinite" restart="never" nodeType="tmRoot"/>
+        <p:cTn xmlns:p14="http://schemas.microsoft.com/office/powerpoint/2010/main" id="1" dur="indefinite" restart="never" nodeType="tmRoot"/>
       </p:par>
     </p:tnLst>
   </p:timing>
@@ -30627,96 +24364,482 @@
           <a:chExt cx="0" cy="0"/>
         </a:xfrm>
       </p:grpSpPr>
-      <p:sp>
-        <p:nvSpPr>
-          <p:cNvPr id="2" name="Title 1"/>
-          <p:cNvSpPr>
-            <a:spLocks noGrp="1"/>
-          </p:cNvSpPr>
-          <p:nvPr>
-            <p:ph type="title"/>
-          </p:nvPr>
-        </p:nvSpPr>
-        <p:spPr/>
-        <p:txBody>
-          <a:bodyPr/>
-          <a:lstStyle/>
-          <a:p>
-            <a:endParaRPr lang="en-US" dirty="0"/>
-          </a:p>
-        </p:txBody>
-      </p:sp>
-      <p:sp>
-        <p:nvSpPr>
-          <p:cNvPr id="3" name="Content Placeholder 2"/>
-          <p:cNvSpPr>
-            <a:spLocks noGrp="1"/>
-          </p:cNvSpPr>
-          <p:nvPr>
-            <p:ph idx="1"/>
-          </p:nvPr>
-        </p:nvSpPr>
-        <p:spPr/>
-        <p:txBody>
-          <a:bodyPr>
-            <a:normAutofit fontScale="92500" lnSpcReduction="10000"/>
-          </a:bodyPr>
-          <a:lstStyle/>
-          <a:p>
-            <a:r>
-              <a:rPr lang="en-US" dirty="0" smtClean="0"/>
-              <a:t>Instead of pulling Vendor’s name, we are pulling analyst name from equator</a:t>
-            </a:r>
-          </a:p>
-          <a:p>
-            <a:r>
-              <a:rPr lang="en-US" dirty="0" smtClean="0"/>
-              <a:t>Getting supplier name and IDs, we used analyst name pulled from equator and join by the analyst name with OASISPRD.D_TITL_CLS_ANALYST_VNDR_XREF</a:t>
-            </a:r>
-          </a:p>
-          <a:p>
-            <a:r>
-              <a:rPr lang="en-US" dirty="0" smtClean="0"/>
-              <a:t>Business should keep the analyst name exactly how it spell in equator to match and get supplier name and IDs</a:t>
-            </a:r>
-          </a:p>
-          <a:p>
-            <a:r>
-              <a:rPr lang="en-US" dirty="0"/>
-              <a:t>Business requested to change the supplier level score calculation to be based on supplier's aggregate metric values instead of weighted average of state level </a:t>
-            </a:r>
-            <a:r>
-              <a:rPr lang="en-US" dirty="0" smtClean="0"/>
-              <a:t>score </a:t>
-            </a:r>
-            <a:endParaRPr lang="en-US" dirty="0"/>
-          </a:p>
-          <a:p>
-            <a:pPr lvl="1"/>
-            <a:r>
-              <a:rPr lang="en-US" dirty="0"/>
-              <a:t>Validation was performed on the new supplier level metric and score calculation</a:t>
-            </a:r>
-          </a:p>
-          <a:p>
-            <a:endParaRPr lang="en-US" dirty="0"/>
-          </a:p>
-        </p:txBody>
-      </p:sp>
+      <p:pic>
+        <p:nvPicPr>
+          <p:cNvPr id="4" name="Picture 3"/>
+          <p:cNvPicPr/>
+          <p:nvPr/>
+        </p:nvPicPr>
+        <p:blipFill>
+          <a:blip r:embed="rId2"/>
+          <a:stretch>
+            <a:fillRect/>
+          </a:stretch>
+        </p:blipFill>
+        <p:spPr>
+          <a:xfrm>
+            <a:off x="2506399" y="966469"/>
+            <a:ext cx="7283165" cy="5270486"/>
+          </a:xfrm>
+          <a:prstGeom prst="rect">
+            <a:avLst/>
+          </a:prstGeom>
+        </p:spPr>
+      </p:pic>
     </p:spTree>
     <p:extLst>
       <p:ext uri="{BB962C8B-B14F-4D97-AF65-F5344CB8AC3E}">
-        <p14:creationId xmlns:p14="http://schemas.microsoft.com/office/powerpoint/2010/main" val="907554485"/>
+        <p14:creationId xmlns:p14="http://schemas.microsoft.com/office/powerpoint/2010/main" val="3321861633"/>
       </p:ext>
     </p:extLst>
   </p:cSld>
   <p:clrMapOvr>
     <a:masterClrMapping/>
   </p:clrMapOvr>
+  <p:transition xmlns:p14="http://schemas.microsoft.com/office/powerpoint/2010/main" spd="med"/>
+</p:sld>
+</file>
+
+<file path=ppt/slides/slide15.xml><?xml version="1.0" encoding="utf-8"?>
+<p:sld xmlns:a="http://schemas.openxmlformats.org/drawingml/2006/main" xmlns:r="http://schemas.openxmlformats.org/officeDocument/2006/relationships" xmlns:p="http://schemas.openxmlformats.org/presentationml/2006/main">
+  <p:cSld>
+    <p:spTree>
+      <p:nvGrpSpPr>
+        <p:cNvPr id="1" name=""/>
+        <p:cNvGrpSpPr/>
+        <p:nvPr/>
+      </p:nvGrpSpPr>
+      <p:grpSpPr>
+        <a:xfrm>
+          <a:off x="0" y="0"/>
+          <a:ext cx="0" cy="0"/>
+          <a:chOff x="0" y="0"/>
+          <a:chExt cx="0" cy="0"/>
+        </a:xfrm>
+      </p:grpSpPr>
+      <p:sp>
+        <p:nvSpPr>
+          <p:cNvPr id="2" name="Title 1"/>
+          <p:cNvSpPr>
+            <a:spLocks noGrp="1"/>
+          </p:cNvSpPr>
+          <p:nvPr>
+            <p:ph type="title"/>
+          </p:nvPr>
+        </p:nvSpPr>
+        <p:spPr>
+          <a:xfrm>
+            <a:off x="838200" y="444328"/>
+            <a:ext cx="10515600" cy="1325563"/>
+          </a:xfrm>
+        </p:spPr>
+        <p:txBody>
+          <a:bodyPr/>
+          <a:lstStyle/>
+          <a:p>
+            <a:r>
+              <a:rPr lang="en-US" dirty="0" smtClean="0"/>
+              <a:t>Details - Title</a:t>
+            </a:r>
+            <a:endParaRPr lang="en-US" dirty="0"/>
+          </a:p>
+        </p:txBody>
+      </p:sp>
+      <p:sp>
+        <p:nvSpPr>
+          <p:cNvPr id="3" name="Content Placeholder 2"/>
+          <p:cNvSpPr>
+            <a:spLocks noGrp="1"/>
+          </p:cNvSpPr>
+          <p:nvPr>
+            <p:ph idx="1"/>
+          </p:nvPr>
+        </p:nvSpPr>
+        <p:spPr/>
+        <p:txBody>
+          <a:bodyPr/>
+          <a:lstStyle/>
+          <a:p>
+            <a:pPr>
+              <a:buFont typeface="Arial"/>
+              <a:buChar char="•"/>
+            </a:pPr>
+            <a:r>
+              <a:rPr lang="en-US" dirty="0" smtClean="0"/>
+              <a:t>Provides </a:t>
+            </a:r>
+            <a:r>
+              <a:rPr lang="en-US" dirty="0"/>
+              <a:t>selected property level details for the month-to-date or selected months for the chosen state including </a:t>
+            </a:r>
+            <a:endParaRPr lang="en-US" dirty="0"/>
+          </a:p>
+          <a:p>
+            <a:pPr lvl="1">
+              <a:buFont typeface="Arial"/>
+              <a:buChar char="•"/>
+            </a:pPr>
+            <a:r>
+              <a:rPr lang="en-US" dirty="0" smtClean="0"/>
+              <a:t>Issues </a:t>
+            </a:r>
+            <a:r>
+              <a:rPr lang="en-US" dirty="0"/>
+              <a:t>Completed Outside Standard, Issues Completed Within Standard, Issues Outstanding, Issues Opened After </a:t>
+            </a:r>
+            <a:r>
+              <a:rPr lang="en-US" dirty="0" smtClean="0"/>
+              <a:t>OA</a:t>
+            </a:r>
+            <a:endParaRPr lang="en-US" dirty="0"/>
+          </a:p>
+          <a:p>
+            <a:pPr marL="0" indent="0">
+              <a:buNone/>
+            </a:pPr>
+            <a:endParaRPr lang="en-US" dirty="0"/>
+          </a:p>
+        </p:txBody>
+      </p:sp>
+    </p:spTree>
+    <p:extLst>
+      <p:ext uri="{BB962C8B-B14F-4D97-AF65-F5344CB8AC3E}">
+        <p14:creationId xmlns:p14="http://schemas.microsoft.com/office/powerpoint/2010/main" val="4228239752"/>
+      </p:ext>
+    </p:extLst>
+  </p:cSld>
+  <p:clrMapOvr>
+    <a:masterClrMapping/>
+  </p:clrMapOvr>
+  <p:transition xmlns:p14="http://schemas.microsoft.com/office/powerpoint/2010/main" spd="med"/>
   <p:timing>
     <p:tnLst>
       <p:par>
-        <p:cTn id="1" dur="indefinite" restart="never" nodeType="tmRoot"/>
+        <p:cTn xmlns:p14="http://schemas.microsoft.com/office/powerpoint/2010/main" id="1" dur="indefinite" restart="never" nodeType="tmRoot"/>
+      </p:par>
+    </p:tnLst>
+  </p:timing>
+</p:sld>
+</file>
+
+<file path=ppt/slides/slide16.xml><?xml version="1.0" encoding="utf-8"?>
+<p:sld xmlns:a="http://schemas.openxmlformats.org/drawingml/2006/main" xmlns:r="http://schemas.openxmlformats.org/officeDocument/2006/relationships" xmlns:p="http://schemas.openxmlformats.org/presentationml/2006/main">
+  <p:cSld>
+    <p:spTree>
+      <p:nvGrpSpPr>
+        <p:cNvPr id="1" name=""/>
+        <p:cNvGrpSpPr/>
+        <p:nvPr/>
+      </p:nvGrpSpPr>
+      <p:grpSpPr>
+        <a:xfrm>
+          <a:off x="0" y="0"/>
+          <a:ext cx="0" cy="0"/>
+          <a:chOff x="0" y="0"/>
+          <a:chExt cx="0" cy="0"/>
+        </a:xfrm>
+      </p:grpSpPr>
+      <p:pic>
+        <p:nvPicPr>
+          <p:cNvPr id="4" name="Picture 3"/>
+          <p:cNvPicPr/>
+          <p:nvPr/>
+        </p:nvPicPr>
+        <p:blipFill>
+          <a:blip r:embed="rId2"/>
+          <a:stretch>
+            <a:fillRect/>
+          </a:stretch>
+        </p:blipFill>
+        <p:spPr>
+          <a:xfrm>
+            <a:off x="2724150" y="646747"/>
+            <a:ext cx="6743700" cy="5564505"/>
+          </a:xfrm>
+          <a:prstGeom prst="rect">
+            <a:avLst/>
+          </a:prstGeom>
+        </p:spPr>
+      </p:pic>
+    </p:spTree>
+    <p:extLst>
+      <p:ext uri="{BB962C8B-B14F-4D97-AF65-F5344CB8AC3E}">
+        <p14:creationId xmlns:p14="http://schemas.microsoft.com/office/powerpoint/2010/main" val="2941916791"/>
+      </p:ext>
+    </p:extLst>
+  </p:cSld>
+  <p:clrMapOvr>
+    <a:masterClrMapping/>
+  </p:clrMapOvr>
+  <p:transition xmlns:p14="http://schemas.microsoft.com/office/powerpoint/2010/main" spd="med"/>
+</p:sld>
+</file>
+
+<file path=ppt/slides/slide17.xml><?xml version="1.0" encoding="utf-8"?>
+<p:sld xmlns:a="http://schemas.openxmlformats.org/drawingml/2006/main" xmlns:r="http://schemas.openxmlformats.org/officeDocument/2006/relationships" xmlns:p="http://schemas.openxmlformats.org/presentationml/2006/main">
+  <p:cSld>
+    <p:spTree>
+      <p:nvGrpSpPr>
+        <p:cNvPr id="1" name=""/>
+        <p:cNvGrpSpPr/>
+        <p:nvPr/>
+      </p:nvGrpSpPr>
+      <p:grpSpPr>
+        <a:xfrm>
+          <a:off x="0" y="0"/>
+          <a:ext cx="0" cy="0"/>
+          <a:chOff x="0" y="0"/>
+          <a:chExt cx="0" cy="0"/>
+        </a:xfrm>
+      </p:grpSpPr>
+      <p:sp>
+        <p:nvSpPr>
+          <p:cNvPr id="2" name="Title 1"/>
+          <p:cNvSpPr>
+            <a:spLocks noGrp="1"/>
+          </p:cNvSpPr>
+          <p:nvPr>
+            <p:ph type="title"/>
+          </p:nvPr>
+        </p:nvSpPr>
+        <p:spPr/>
+        <p:txBody>
+          <a:bodyPr/>
+          <a:lstStyle/>
+          <a:p>
+            <a:r>
+              <a:rPr lang="en-US" dirty="0" smtClean="0"/>
+              <a:t>Detail - Closing</a:t>
+            </a:r>
+            <a:endParaRPr lang="en-US" dirty="0"/>
+          </a:p>
+        </p:txBody>
+      </p:sp>
+      <p:sp>
+        <p:nvSpPr>
+          <p:cNvPr id="3" name="Content Placeholder 2"/>
+          <p:cNvSpPr>
+            <a:spLocks noGrp="1"/>
+          </p:cNvSpPr>
+          <p:nvPr>
+            <p:ph idx="1"/>
+          </p:nvPr>
+        </p:nvSpPr>
+        <p:spPr/>
+        <p:txBody>
+          <a:bodyPr/>
+          <a:lstStyle/>
+          <a:p>
+            <a:pPr>
+              <a:buFont typeface="Arial"/>
+              <a:buChar char="•"/>
+            </a:pPr>
+            <a:r>
+              <a:rPr lang="en-US" dirty="0" smtClean="0"/>
+              <a:t>Provides selected property level details for the month-to-date or selected month for the chosen supplier and state, </a:t>
+            </a:r>
+            <a:r>
+              <a:rPr lang="en-US" dirty="0" smtClean="0"/>
+              <a:t>including</a:t>
+            </a:r>
+          </a:p>
+          <a:p>
+            <a:pPr lvl="1">
+              <a:buFont typeface="Arial"/>
+              <a:buChar char="•"/>
+            </a:pPr>
+            <a:r>
+              <a:rPr lang="en-US" dirty="0" smtClean="0"/>
+              <a:t>Properties </a:t>
+            </a:r>
+            <a:r>
+              <a:rPr lang="en-US" dirty="0" smtClean="0"/>
+              <a:t>with Offer Accepted &gt; 40 Days, Properties Disposed Outside Standard, and Funds Received Outside Standard, and HUD OOB</a:t>
+            </a:r>
+            <a:endParaRPr lang="en-US" dirty="0"/>
+          </a:p>
+        </p:txBody>
+      </p:sp>
+    </p:spTree>
+    <p:extLst>
+      <p:ext uri="{BB962C8B-B14F-4D97-AF65-F5344CB8AC3E}">
+        <p14:creationId xmlns:p14="http://schemas.microsoft.com/office/powerpoint/2010/main" val="526898853"/>
+      </p:ext>
+    </p:extLst>
+  </p:cSld>
+  <p:clrMapOvr>
+    <a:masterClrMapping/>
+  </p:clrMapOvr>
+  <p:transition xmlns:p14="http://schemas.microsoft.com/office/powerpoint/2010/main" spd="med"/>
+  <p:timing>
+    <p:tnLst>
+      <p:par>
+        <p:cTn xmlns:p14="http://schemas.microsoft.com/office/powerpoint/2010/main" id="1" dur="indefinite" restart="never" nodeType="tmRoot"/>
+      </p:par>
+    </p:tnLst>
+  </p:timing>
+</p:sld>
+</file>
+
+<file path=ppt/slides/slide18.xml><?xml version="1.0" encoding="utf-8"?>
+<p:sld xmlns:a="http://schemas.openxmlformats.org/drawingml/2006/main" xmlns:r="http://schemas.openxmlformats.org/officeDocument/2006/relationships" xmlns:p="http://schemas.openxmlformats.org/presentationml/2006/main">
+  <p:cSld>
+    <p:spTree>
+      <p:nvGrpSpPr>
+        <p:cNvPr id="1" name=""/>
+        <p:cNvGrpSpPr/>
+        <p:nvPr/>
+      </p:nvGrpSpPr>
+      <p:grpSpPr>
+        <a:xfrm>
+          <a:off x="0" y="0"/>
+          <a:ext cx="0" cy="0"/>
+          <a:chOff x="0" y="0"/>
+          <a:chExt cx="0" cy="0"/>
+        </a:xfrm>
+      </p:grpSpPr>
+      <p:pic>
+        <p:nvPicPr>
+          <p:cNvPr id="4" name="Picture 3"/>
+          <p:cNvPicPr/>
+          <p:nvPr/>
+        </p:nvPicPr>
+        <p:blipFill>
+          <a:blip r:embed="rId2"/>
+          <a:stretch>
+            <a:fillRect/>
+          </a:stretch>
+        </p:blipFill>
+        <p:spPr>
+          <a:xfrm>
+            <a:off x="2724150" y="636270"/>
+            <a:ext cx="6743700" cy="5585460"/>
+          </a:xfrm>
+          <a:prstGeom prst="rect">
+            <a:avLst/>
+          </a:prstGeom>
+        </p:spPr>
+      </p:pic>
+    </p:spTree>
+    <p:extLst>
+      <p:ext uri="{BB962C8B-B14F-4D97-AF65-F5344CB8AC3E}">
+        <p14:creationId xmlns:p14="http://schemas.microsoft.com/office/powerpoint/2010/main" val="4273962081"/>
+      </p:ext>
+    </p:extLst>
+  </p:cSld>
+  <p:clrMapOvr>
+    <a:masterClrMapping/>
+  </p:clrMapOvr>
+  <p:transition xmlns:p14="http://schemas.microsoft.com/office/powerpoint/2010/main" spd="med"/>
+</p:sld>
+</file>
+
+<file path=ppt/slides/slide19.xml><?xml version="1.0" encoding="utf-8"?>
+<p:sld xmlns:a="http://schemas.openxmlformats.org/drawingml/2006/main" xmlns:r="http://schemas.openxmlformats.org/officeDocument/2006/relationships" xmlns:p="http://schemas.openxmlformats.org/presentationml/2006/main">
+  <p:cSld>
+    <p:spTree>
+      <p:nvGrpSpPr>
+        <p:cNvPr id="1" name=""/>
+        <p:cNvGrpSpPr/>
+        <p:nvPr/>
+      </p:nvGrpSpPr>
+      <p:grpSpPr>
+        <a:xfrm>
+          <a:off x="0" y="0"/>
+          <a:ext cx="0" cy="0"/>
+          <a:chOff x="0" y="0"/>
+          <a:chExt cx="0" cy="0"/>
+        </a:xfrm>
+      </p:grpSpPr>
+      <p:sp>
+        <p:nvSpPr>
+          <p:cNvPr id="2" name="Title 1"/>
+          <p:cNvSpPr>
+            <a:spLocks noGrp="1"/>
+          </p:cNvSpPr>
+          <p:nvPr>
+            <p:ph type="title"/>
+          </p:nvPr>
+        </p:nvSpPr>
+        <p:spPr/>
+        <p:txBody>
+          <a:bodyPr/>
+          <a:lstStyle/>
+          <a:p>
+            <a:r>
+              <a:rPr lang="en-US" dirty="0" smtClean="0"/>
+              <a:t>Glossary</a:t>
+            </a:r>
+            <a:endParaRPr lang="en-US" dirty="0"/>
+          </a:p>
+        </p:txBody>
+      </p:sp>
+      <p:sp>
+        <p:nvSpPr>
+          <p:cNvPr id="3" name="Content Placeholder 2"/>
+          <p:cNvSpPr>
+            <a:spLocks noGrp="1"/>
+          </p:cNvSpPr>
+          <p:nvPr>
+            <p:ph idx="1"/>
+          </p:nvPr>
+        </p:nvSpPr>
+        <p:spPr/>
+        <p:txBody>
+          <a:bodyPr/>
+          <a:lstStyle/>
+          <a:p>
+            <a:r>
+              <a:rPr lang="en-US" dirty="0" smtClean="0"/>
+              <a:t>Provides a list of terms and </a:t>
+            </a:r>
+            <a:r>
+              <a:rPr lang="en-US" dirty="0" smtClean="0"/>
+              <a:t>definitions</a:t>
+            </a:r>
+          </a:p>
+          <a:p>
+            <a:endParaRPr lang="en-US" dirty="0"/>
+          </a:p>
+        </p:txBody>
+      </p:sp>
+      <p:pic>
+        <p:nvPicPr>
+          <p:cNvPr id="5" name="Picture 4"/>
+          <p:cNvPicPr/>
+          <p:nvPr/>
+        </p:nvPicPr>
+        <p:blipFill>
+          <a:blip r:embed="rId3"/>
+          <a:stretch>
+            <a:fillRect/>
+          </a:stretch>
+        </p:blipFill>
+        <p:spPr>
+          <a:xfrm>
+            <a:off x="4889165" y="2303794"/>
+            <a:ext cx="5035276" cy="4146827"/>
+          </a:xfrm>
+          <a:prstGeom prst="rect">
+            <a:avLst/>
+          </a:prstGeom>
+        </p:spPr>
+      </p:pic>
+    </p:spTree>
+    <p:extLst>
+      <p:ext uri="{BB962C8B-B14F-4D97-AF65-F5344CB8AC3E}">
+        <p14:creationId xmlns:p14="http://schemas.microsoft.com/office/powerpoint/2010/main" val="4248797074"/>
+      </p:ext>
+    </p:extLst>
+  </p:cSld>
+  <p:clrMapOvr>
+    <a:masterClrMapping/>
+  </p:clrMapOvr>
+  <p:transition xmlns:p14="http://schemas.microsoft.com/office/powerpoint/2010/main" spd="med"/>
+  <p:timing>
+    <p:tnLst>
+      <p:par>
+        <p:cTn xmlns:p14="http://schemas.microsoft.com/office/powerpoint/2010/main" id="1" dur="indefinite" restart="never" nodeType="tmRoot"/>
       </p:par>
     </p:tnLst>
   </p:timing>
@@ -30778,6 +24901,10 @@
           <a:bodyPr/>
           <a:lstStyle/>
           <a:p>
+            <a:pPr>
+              <a:buFont typeface="Arial"/>
+              <a:buChar char="•"/>
+            </a:pPr>
             <a:r>
               <a:rPr lang="en-US" dirty="0" smtClean="0"/>
               <a:t>Provide suppliers team and senior real </a:t>
@@ -30792,6 +24919,10 @@
             </a:r>
           </a:p>
           <a:p>
+            <a:pPr>
+              <a:buFont typeface="Arial"/>
+              <a:buChar char="•"/>
+            </a:pPr>
             <a:r>
               <a:rPr lang="en-US" dirty="0" smtClean="0"/>
               <a:t>Provide title and closing suppliers a functional scorecard that displays their performance </a:t>
@@ -30810,18 +24941,11 @@
   <p:clrMapOvr>
     <a:masterClrMapping/>
   </p:clrMapOvr>
-  <mc:AlternateContent xmlns:mc="http://schemas.openxmlformats.org/markup-compatibility/2006">
-    <mc:Choice xmlns:p14="http://schemas.microsoft.com/office/powerpoint/2010/main" Requires="p14">
-      <p:transition spd="slow" p14:dur="2000"/>
-    </mc:Choice>
-    <mc:Fallback>
-      <p:transition spd="slow"/>
-    </mc:Fallback>
-  </mc:AlternateContent>
+  <p:transition xmlns:p14="http://schemas.microsoft.com/office/powerpoint/2010/main" spd="med"/>
   <p:timing>
     <p:tnLst>
       <p:par>
-        <p:cTn id="1" dur="indefinite" restart="never" nodeType="tmRoot"/>
+        <p:cTn xmlns:p14="http://schemas.microsoft.com/office/powerpoint/2010/main" id="1" dur="indefinite" restart="never" nodeType="tmRoot"/>
       </p:par>
     </p:tnLst>
   </p:timing>
@@ -30928,18 +25052,11 @@
   <p:clrMapOvr>
     <a:masterClrMapping/>
   </p:clrMapOvr>
-  <mc:AlternateContent xmlns:mc="http://schemas.openxmlformats.org/markup-compatibility/2006">
-    <mc:Choice xmlns:p14="http://schemas.microsoft.com/office/powerpoint/2010/main" Requires="p14">
-      <p:transition spd="slow" p14:dur="2000"/>
-    </mc:Choice>
-    <mc:Fallback>
-      <p:transition spd="slow"/>
-    </mc:Fallback>
-  </mc:AlternateContent>
+  <p:transition xmlns:p14="http://schemas.microsoft.com/office/powerpoint/2010/main" spd="med"/>
   <p:timing>
     <p:tnLst>
       <p:par>
-        <p:cTn id="1" dur="indefinite" restart="never" nodeType="tmRoot"/>
+        <p:cTn xmlns:p14="http://schemas.microsoft.com/office/powerpoint/2010/main" id="1" dur="indefinite" restart="never" nodeType="tmRoot"/>
       </p:par>
     </p:tnLst>
   </p:timing>
@@ -30997,14 +25114,14 @@
             <a:noFill/>
           </a:ln>
           <a:extLst>
-            <a:ext uri="{909E8E84-426E-40DD-AFC4-6F175D3DCCD1}">
+            <a:ext uri="{909E8E84-426E-40dd-AFC4-6F175D3DCCD1}">
               <a14:hiddenFill xmlns:a14="http://schemas.microsoft.com/office/drawing/2010/main">
                 <a:solidFill>
                   <a:srgbClr val="FFFFFF"/>
                 </a:solidFill>
               </a14:hiddenFill>
             </a:ext>
-            <a:ext uri="{91240B29-F687-4F45-9708-019B960494DF}">
+            <a:ext uri="{91240B29-F687-4f45-9708-019B960494DF}">
               <a14:hiddenLine xmlns:a14="http://schemas.microsoft.com/office/drawing/2010/main" w="9525">
                 <a:solidFill>
                   <a:srgbClr val="000000"/>
@@ -31027,18 +25144,11 @@
   <p:clrMapOvr>
     <a:masterClrMapping/>
   </p:clrMapOvr>
-  <mc:AlternateContent xmlns:mc="http://schemas.openxmlformats.org/markup-compatibility/2006">
-    <mc:Choice xmlns:p14="http://schemas.microsoft.com/office/powerpoint/2010/main" Requires="p14">
-      <p:transition spd="slow" p14:dur="2000"/>
-    </mc:Choice>
-    <mc:Fallback>
-      <p:transition spd="slow"/>
-    </mc:Fallback>
-  </mc:AlternateContent>
+  <p:transition xmlns:p14="http://schemas.microsoft.com/office/powerpoint/2010/main" spd="med"/>
   <p:timing>
     <p:tnLst>
       <p:par>
-        <p:cTn id="1" dur="indefinite" restart="never" nodeType="tmRoot"/>
+        <p:cTn xmlns:p14="http://schemas.microsoft.com/office/powerpoint/2010/main" id="1" dur="indefinite" restart="never" nodeType="tmRoot"/>
       </p:par>
     </p:tnLst>
   </p:timing>
@@ -31098,10 +25208,14 @@
         <p:spPr/>
         <p:txBody>
           <a:bodyPr>
-            <a:normAutofit fontScale="92500" lnSpcReduction="20000"/>
+            <a:normAutofit/>
           </a:bodyPr>
           <a:lstStyle/>
           <a:p>
+            <a:pPr>
+              <a:buFont typeface="Arial"/>
+              <a:buChar char="•"/>
+            </a:pPr>
             <a:r>
               <a:rPr lang="en-US" dirty="0" smtClean="0"/>
               <a:t>Compared </a:t>
@@ -31117,6 +25231,10 @@
             <a:endParaRPr lang="en-US" dirty="0"/>
           </a:p>
           <a:p>
+            <a:pPr>
+              <a:buFont typeface="Arial"/>
+              <a:buChar char="•"/>
+            </a:pPr>
             <a:r>
               <a:rPr lang="en-US" dirty="0" smtClean="0"/>
               <a:t>Compared </a:t>
@@ -31131,6 +25249,10 @@
             </a:r>
           </a:p>
           <a:p>
+            <a:pPr lvl="1">
+              <a:buFont typeface="Arial"/>
+              <a:buChar char="•"/>
+            </a:pPr>
             <a:r>
               <a:rPr lang="en-US" dirty="0"/>
               <a:t>Compared title score and components, closing score and components with the vendor scorecard at aggregate </a:t>
@@ -31141,6 +25263,10 @@
             </a:r>
           </a:p>
           <a:p>
+            <a:pPr lvl="1">
+              <a:buFont typeface="Arial"/>
+              <a:buChar char="•"/>
+            </a:pPr>
             <a:r>
               <a:rPr lang="en-US" dirty="0" smtClean="0"/>
               <a:t>Independent </a:t>
@@ -31152,19 +25278,6 @@
             <a:r>
               <a:rPr lang="en-US" dirty="0" smtClean="0"/>
               <a:t>scoring</a:t>
-            </a:r>
-          </a:p>
-          <a:p>
-            <a:r>
-              <a:rPr lang="en-US" dirty="0"/>
-              <a:t>Business requested to change the supplier level score calculation to be based on supplier's aggregate metric values instead of weighted average of state level score </a:t>
-            </a:r>
-          </a:p>
-          <a:p>
-            <a:pPr lvl="1"/>
-            <a:r>
-              <a:rPr lang="en-US" dirty="0"/>
-              <a:t>Validation was performed on the new supplier level metric and score calculation</a:t>
             </a:r>
           </a:p>
           <a:p>
@@ -31182,10 +25295,11 @@
   <p:clrMapOvr>
     <a:masterClrMapping/>
   </p:clrMapOvr>
+  <p:transition xmlns:p14="http://schemas.microsoft.com/office/powerpoint/2010/main" spd="med"/>
   <p:timing>
     <p:tnLst>
       <p:par>
-        <p:cTn id="1" dur="indefinite" restart="never" nodeType="tmRoot"/>
+        <p:cTn xmlns:p14="http://schemas.microsoft.com/office/powerpoint/2010/main" id="1" dur="indefinite" restart="never" nodeType="tmRoot"/>
       </p:par>
     </p:tnLst>
   </p:timing>
@@ -31245,60 +25359,84 @@
         <p:spPr/>
         <p:txBody>
           <a:bodyPr>
-            <a:normAutofit fontScale="85000" lnSpcReduction="20000"/>
+            <a:normAutofit/>
           </a:bodyPr>
           <a:lstStyle/>
           <a:p>
-            <a:pPr lvl="0"/>
+            <a:pPr lvl="0">
+              <a:buFont typeface="Arial"/>
+              <a:buChar char="•"/>
+            </a:pPr>
             <a:r>
               <a:rPr lang="en-US" dirty="0"/>
               <a:t>Cover Page</a:t>
             </a:r>
           </a:p>
           <a:p>
-            <a:pPr lvl="0"/>
+            <a:pPr lvl="0">
+              <a:buFont typeface="Arial"/>
+              <a:buChar char="•"/>
+            </a:pPr>
             <a:r>
               <a:rPr lang="en-US" dirty="0"/>
               <a:t>Scorecard Summary</a:t>
             </a:r>
           </a:p>
           <a:p>
-            <a:pPr lvl="0"/>
+            <a:pPr lvl="0">
+              <a:buFont typeface="Arial"/>
+              <a:buChar char="•"/>
+            </a:pPr>
             <a:r>
               <a:rPr lang="en-US" dirty="0"/>
               <a:t>Performance Summary</a:t>
             </a:r>
           </a:p>
           <a:p>
-            <a:pPr lvl="0"/>
+            <a:pPr lvl="0">
+              <a:buFont typeface="Arial"/>
+              <a:buChar char="•"/>
+            </a:pPr>
             <a:r>
               <a:rPr lang="en-US" dirty="0"/>
               <a:t>Historical Trend - Title</a:t>
             </a:r>
           </a:p>
           <a:p>
-            <a:pPr lvl="0"/>
+            <a:pPr lvl="0">
+              <a:buFont typeface="Arial"/>
+              <a:buChar char="•"/>
+            </a:pPr>
             <a:r>
               <a:rPr lang="en-US" dirty="0"/>
               <a:t>Historical Trend - Closing</a:t>
             </a:r>
           </a:p>
           <a:p>
-            <a:pPr lvl="0"/>
+            <a:pPr lvl="0">
+              <a:buFont typeface="Arial"/>
+              <a:buChar char="•"/>
+            </a:pPr>
             <a:r>
               <a:rPr lang="en-US" dirty="0"/>
               <a:t>Details - Title </a:t>
             </a:r>
           </a:p>
           <a:p>
-            <a:pPr lvl="0"/>
+            <a:pPr lvl="0">
+              <a:buFont typeface="Arial"/>
+              <a:buChar char="•"/>
+            </a:pPr>
             <a:r>
               <a:rPr lang="en-US" dirty="0"/>
               <a:t>Details - Closing</a:t>
             </a:r>
           </a:p>
           <a:p>
-            <a:pPr lvl="0"/>
+            <a:pPr lvl="0">
+              <a:buFont typeface="Arial"/>
+              <a:buChar char="•"/>
+            </a:pPr>
             <a:r>
               <a:rPr lang="en-US" dirty="0"/>
               <a:t>Glossary</a:t>
@@ -31322,18 +25460,11 @@
   <p:clrMapOvr>
     <a:masterClrMapping/>
   </p:clrMapOvr>
-  <mc:AlternateContent xmlns:mc="http://schemas.openxmlformats.org/markup-compatibility/2006">
-    <mc:Choice xmlns:p14="http://schemas.microsoft.com/office/powerpoint/2010/main" Requires="p14">
-      <p:transition spd="slow" p14:dur="2000"/>
-    </mc:Choice>
-    <mc:Fallback>
-      <p:transition spd="slow"/>
-    </mc:Fallback>
-  </mc:AlternateContent>
+  <p:transition xmlns:p14="http://schemas.microsoft.com/office/powerpoint/2010/main" spd="med"/>
   <p:timing>
     <p:tnLst>
       <p:par>
-        <p:cTn id="1" dur="indefinite" restart="never" nodeType="tmRoot"/>
+        <p:cTn xmlns:p14="http://schemas.microsoft.com/office/powerpoint/2010/main" id="1" dur="indefinite" restart="never" nodeType="tmRoot"/>
       </p:par>
     </p:tnLst>
   </p:timing>
@@ -31403,6 +25534,28 @@
           </a:p>
         </p:txBody>
       </p:sp>
+      <p:pic>
+        <p:nvPicPr>
+          <p:cNvPr id="4" name="Picture 3"/>
+          <p:cNvPicPr/>
+          <p:nvPr/>
+        </p:nvPicPr>
+        <p:blipFill>
+          <a:blip r:embed="rId3"/>
+          <a:stretch>
+            <a:fillRect/>
+          </a:stretch>
+        </p:blipFill>
+        <p:spPr>
+          <a:xfrm>
+            <a:off x="4798688" y="2528554"/>
+            <a:ext cx="4867245" cy="3569919"/>
+          </a:xfrm>
+          <a:prstGeom prst="rect">
+            <a:avLst/>
+          </a:prstGeom>
+        </p:spPr>
+      </p:pic>
     </p:spTree>
     <p:extLst>
       <p:ext uri="{BB962C8B-B14F-4D97-AF65-F5344CB8AC3E}">
@@ -31413,18 +25566,11 @@
   <p:clrMapOvr>
     <a:masterClrMapping/>
   </p:clrMapOvr>
-  <mc:AlternateContent xmlns:mc="http://schemas.openxmlformats.org/markup-compatibility/2006">
-    <mc:Choice xmlns:p14="http://schemas.microsoft.com/office/powerpoint/2010/main" Requires="p14">
-      <p:transition spd="slow" p14:dur="2000"/>
-    </mc:Choice>
-    <mc:Fallback>
-      <p:transition spd="slow"/>
-    </mc:Fallback>
-  </mc:AlternateContent>
+  <p:transition xmlns:p14="http://schemas.microsoft.com/office/powerpoint/2010/main" spd="med"/>
   <p:timing>
     <p:tnLst>
       <p:par>
-        <p:cTn id="1" dur="indefinite" restart="never" nodeType="tmRoot"/>
+        <p:cTn xmlns:p14="http://schemas.microsoft.com/office/powerpoint/2010/main" id="1" dur="indefinite" restart="never" nodeType="tmRoot"/>
       </p:par>
     </p:tnLst>
   </p:timing>
@@ -31486,9 +25632,17 @@
           <a:bodyPr/>
           <a:lstStyle/>
           <a:p>
+            <a:pPr>
+              <a:buFont typeface="Arial"/>
+              <a:buChar char="•"/>
+            </a:pPr>
             <a:r>
               <a:rPr lang="en-US" dirty="0" smtClean="0"/>
-              <a:t>These two worksheets together provide the daily month-to-date and month-end score for the chosen supplier and the detailed metrics for the supplier firm and other supplier</a:t>
+              <a:t>These two worksheets together provide the daily month-to-date and month-end score for the chosen supplier and the detailed metrics for the supplier firm and other </a:t>
+            </a:r>
+            <a:r>
+              <a:rPr lang="en-US" dirty="0" smtClean="0"/>
+              <a:t>supplier</a:t>
             </a:r>
             <a:endParaRPr lang="en-US" dirty="0"/>
           </a:p>
@@ -31504,18 +25658,11 @@
   <p:clrMapOvr>
     <a:masterClrMapping/>
   </p:clrMapOvr>
-  <mc:AlternateContent xmlns:mc="http://schemas.openxmlformats.org/markup-compatibility/2006">
-    <mc:Choice xmlns:p14="http://schemas.microsoft.com/office/powerpoint/2010/main" Requires="p14">
-      <p:transition spd="slow" p14:dur="2000"/>
-    </mc:Choice>
-    <mc:Fallback>
-      <p:transition spd="slow"/>
-    </mc:Fallback>
-  </mc:AlternateContent>
+  <p:transition xmlns:p14="http://schemas.microsoft.com/office/powerpoint/2010/main" spd="med"/>
   <p:timing>
     <p:tnLst>
       <p:par>
-        <p:cTn id="1" dur="indefinite" restart="never" nodeType="tmRoot"/>
+        <p:cTn xmlns:p14="http://schemas.microsoft.com/office/powerpoint/2010/main" id="1" dur="indefinite" restart="never" nodeType="tmRoot"/>
       </p:par>
     </p:tnLst>
   </p:timing>
@@ -31539,81 +25686,48 @@
           <a:chExt cx="0" cy="0"/>
         </a:xfrm>
       </p:grpSpPr>
-      <p:sp>
-        <p:nvSpPr>
-          <p:cNvPr id="2" name="Title 1"/>
-          <p:cNvSpPr>
-            <a:spLocks noGrp="1"/>
-          </p:cNvSpPr>
-          <p:nvPr>
-            <p:ph type="title"/>
-          </p:nvPr>
-        </p:nvSpPr>
-        <p:spPr/>
-        <p:txBody>
-          <a:bodyPr/>
-          <a:lstStyle/>
-          <a:p>
-            <a:r>
-              <a:rPr lang="en-US" dirty="0" smtClean="0"/>
-              <a:t>Historical Trend - Title</a:t>
-            </a:r>
-            <a:endParaRPr lang="en-US" dirty="0"/>
-          </a:p>
-        </p:txBody>
-      </p:sp>
-      <p:sp>
-        <p:nvSpPr>
-          <p:cNvPr id="3" name="Content Placeholder 2"/>
-          <p:cNvSpPr>
-            <a:spLocks noGrp="1"/>
-          </p:cNvSpPr>
+      <p:pic>
+        <p:nvPicPr>
+          <p:cNvPr id="7" name="Content Placeholder 6"/>
+          <p:cNvPicPr>
+            <a:picLocks noGrp="1"/>
+          </p:cNvPicPr>
           <p:nvPr>
             <p:ph idx="1"/>
           </p:nvPr>
-        </p:nvSpPr>
-        <p:spPr/>
-        <p:txBody>
-          <a:bodyPr/>
-          <a:lstStyle/>
-          <a:p>
-            <a:r>
-              <a:rPr lang="en-US" dirty="0" smtClean="0"/>
-              <a:t>Provides the month-to-date and prior months historical scores for the chosen supplier including the historical values for title score, closing score and final score, as well as title performance metrics including</a:t>
-            </a:r>
-          </a:p>
-          <a:p>
-            <a:pPr lvl="1"/>
-            <a:r>
-              <a:rPr lang="en-US" dirty="0" smtClean="0"/>
-              <a:t>Average Days to Completion (Curative &amp; Vesting), % Completed Within Standard (Curative &amp; Vesting), % of Issues Aged Over 90 Days and % Issues Opened After OA</a:t>
-            </a:r>
-            <a:endParaRPr lang="en-US" dirty="0"/>
-          </a:p>
-        </p:txBody>
-      </p:sp>
+        </p:nvPicPr>
+        <p:blipFill>
+          <a:blip r:embed="rId2"/>
+          <a:srcRect l="-24815" r="-24815"/>
+          <a:stretch>
+            <a:fillRect/>
+          </a:stretch>
+        </p:blipFill>
+        <p:spPr>
+          <a:xfrm>
+            <a:off x="1270059" y="730469"/>
+            <a:ext cx="9755848" cy="5566439"/>
+          </a:xfrm>
+          <a:prstGeom prst="rect">
+            <a:avLst/>
+          </a:prstGeom>
+        </p:spPr>
+      </p:pic>
     </p:spTree>
     <p:extLst>
       <p:ext uri="{BB962C8B-B14F-4D97-AF65-F5344CB8AC3E}">
-        <p14:creationId xmlns:p14="http://schemas.microsoft.com/office/powerpoint/2010/main" val="945138972"/>
+        <p14:creationId xmlns:p14="http://schemas.microsoft.com/office/powerpoint/2010/main" val="4064172514"/>
       </p:ext>
     </p:extLst>
   </p:cSld>
   <p:clrMapOvr>
     <a:masterClrMapping/>
   </p:clrMapOvr>
-  <mc:AlternateContent xmlns:mc="http://schemas.openxmlformats.org/markup-compatibility/2006">
-    <mc:Choice xmlns:p14="http://schemas.microsoft.com/office/powerpoint/2010/main" Requires="p14">
-      <p:transition spd="slow" p14:dur="2000"/>
-    </mc:Choice>
-    <mc:Fallback>
-      <p:transition spd="slow"/>
-    </mc:Fallback>
-  </mc:AlternateContent>
+  <p:transition xmlns:p14="http://schemas.microsoft.com/office/powerpoint/2010/main" spd="med"/>
   <p:timing>
     <p:tnLst>
       <p:par>
-        <p:cTn id="1" dur="indefinite" restart="never" nodeType="tmRoot"/>
+        <p:cTn xmlns:p14="http://schemas.microsoft.com/office/powerpoint/2010/main" id="1" dur="indefinite" restart="never" nodeType="tmRoot"/>
       </p:par>
     </p:tnLst>
   </p:timing>
@@ -32337,7 +26451,7 @@
   </a:extraClrSchemeLst>
   <a:extLst>
     <a:ext uri="{05A4C25C-085E-4340-85A3-A5531E510DB2}">
-      <thm15:themeFamily xmlns:thm15="http://schemas.microsoft.com/office/thememl/2012/main" name="Theme1" id="{0FF9826A-23F4-4E21-970C-A3072FFC6417}" vid="{86AEE9B6-B01F-438A-AAC8-79D751E40397}"/>
+      <thm15:themeFamily xmlns:thm15="http://schemas.microsoft.com/office/thememl/2012/main" xmlns="" name="Theme1" id="{0FF9826A-23F4-4E21-970C-A3072FFC6417}" vid="{86AEE9B6-B01F-438A-AAC8-79D751E40397}"/>
     </a:ext>
   </a:extLst>
 </a:theme>
@@ -32386,7 +26500,7 @@
     </a:clrScheme>
     <a:fontScheme name="Office">
       <a:majorFont>
-        <a:latin typeface="Calibri Light" panose="020F0302020204030204"/>
+        <a:latin typeface="Calibri Light"/>
         <a:ea typeface=""/>
         <a:cs typeface=""/>
         <a:font script="Jpan" typeface="ＭＳ Ｐゴシック"/>
@@ -32421,7 +26535,7 @@
         <a:font script="Geor" typeface="Sylfaen"/>
       </a:majorFont>
       <a:minorFont>
-        <a:latin typeface="Calibri" panose="020F0502020204030204"/>
+        <a:latin typeface="Calibri"/>
         <a:ea typeface=""/>
         <a:cs typeface=""/>
         <a:font script="Jpan" typeface="ＭＳ Ｐゴシック"/>
@@ -32598,268 +26712,7 @@
   <a:extraClrSchemeLst/>
   <a:extLst>
     <a:ext uri="{05A4C25C-085E-4340-85A3-A5531E510DB2}">
-      <thm15:themeFamily xmlns:thm15="http://schemas.microsoft.com/office/thememl/2012/main" name="Office Theme" id="{62F939B6-93AF-4DB8-9C6B-D6C7DFDC589F}" vid="{4A3C46E8-61CC-4603-A589-7422A47A8E4A}"/>
-    </a:ext>
-  </a:extLst>
-</a:theme>
-</file>
-
-<file path=ppt/theme/theme11.xml><?xml version="1.0" encoding="utf-8"?>
-<a:theme xmlns:a="http://schemas.openxmlformats.org/drawingml/2006/main" name="Office Theme">
-  <a:themeElements>
-    <a:clrScheme name="Office">
-      <a:dk1>
-        <a:sysClr val="windowText" lastClr="000000"/>
-      </a:dk1>
-      <a:lt1>
-        <a:sysClr val="window" lastClr="FFFFFF"/>
-      </a:lt1>
-      <a:dk2>
-        <a:srgbClr val="44546A"/>
-      </a:dk2>
-      <a:lt2>
-        <a:srgbClr val="E7E6E6"/>
-      </a:lt2>
-      <a:accent1>
-        <a:srgbClr val="5B9BD5"/>
-      </a:accent1>
-      <a:accent2>
-        <a:srgbClr val="ED7D31"/>
-      </a:accent2>
-      <a:accent3>
-        <a:srgbClr val="A5A5A5"/>
-      </a:accent3>
-      <a:accent4>
-        <a:srgbClr val="FFC000"/>
-      </a:accent4>
-      <a:accent5>
-        <a:srgbClr val="4472C4"/>
-      </a:accent5>
-      <a:accent6>
-        <a:srgbClr val="70AD47"/>
-      </a:accent6>
-      <a:hlink>
-        <a:srgbClr val="0563C1"/>
-      </a:hlink>
-      <a:folHlink>
-        <a:srgbClr val="954F72"/>
-      </a:folHlink>
-    </a:clrScheme>
-    <a:fontScheme name="Office">
-      <a:majorFont>
-        <a:latin typeface="Calibri Light" panose="020F0302020204030204"/>
-        <a:ea typeface=""/>
-        <a:cs typeface=""/>
-        <a:font script="Jpan" typeface="ＭＳ Ｐゴシック"/>
-        <a:font script="Hang" typeface="맑은 고딕"/>
-        <a:font script="Hans" typeface="宋体"/>
-        <a:font script="Hant" typeface="新細明體"/>
-        <a:font script="Arab" typeface="Times New Roman"/>
-        <a:font script="Hebr" typeface="Times New Roman"/>
-        <a:font script="Thai" typeface="Angsana New"/>
-        <a:font script="Ethi" typeface="Nyala"/>
-        <a:font script="Beng" typeface="Vrinda"/>
-        <a:font script="Gujr" typeface="Shruti"/>
-        <a:font script="Khmr" typeface="MoolBoran"/>
-        <a:font script="Knda" typeface="Tunga"/>
-        <a:font script="Guru" typeface="Raavi"/>
-        <a:font script="Cans" typeface="Euphemia"/>
-        <a:font script="Cher" typeface="Plantagenet Cherokee"/>
-        <a:font script="Yiii" typeface="Microsoft Yi Baiti"/>
-        <a:font script="Tibt" typeface="Microsoft Himalaya"/>
-        <a:font script="Thaa" typeface="MV Boli"/>
-        <a:font script="Deva" typeface="Mangal"/>
-        <a:font script="Telu" typeface="Gautami"/>
-        <a:font script="Taml" typeface="Latha"/>
-        <a:font script="Syrc" typeface="Estrangelo Edessa"/>
-        <a:font script="Orya" typeface="Kalinga"/>
-        <a:font script="Mlym" typeface="Kartika"/>
-        <a:font script="Laoo" typeface="DokChampa"/>
-        <a:font script="Sinh" typeface="Iskoola Pota"/>
-        <a:font script="Mong" typeface="Mongolian Baiti"/>
-        <a:font script="Viet" typeface="Times New Roman"/>
-        <a:font script="Uigh" typeface="Microsoft Uighur"/>
-        <a:font script="Geor" typeface="Sylfaen"/>
-      </a:majorFont>
-      <a:minorFont>
-        <a:latin typeface="Calibri" panose="020F0502020204030204"/>
-        <a:ea typeface=""/>
-        <a:cs typeface=""/>
-        <a:font script="Jpan" typeface="ＭＳ Ｐゴシック"/>
-        <a:font script="Hang" typeface="맑은 고딕"/>
-        <a:font script="Hans" typeface="宋体"/>
-        <a:font script="Hant" typeface="新細明體"/>
-        <a:font script="Arab" typeface="Arial"/>
-        <a:font script="Hebr" typeface="Arial"/>
-        <a:font script="Thai" typeface="Cordia New"/>
-        <a:font script="Ethi" typeface="Nyala"/>
-        <a:font script="Beng" typeface="Vrinda"/>
-        <a:font script="Gujr" typeface="Shruti"/>
-        <a:font script="Khmr" typeface="DaunPenh"/>
-        <a:font script="Knda" typeface="Tunga"/>
-        <a:font script="Guru" typeface="Raavi"/>
-        <a:font script="Cans" typeface="Euphemia"/>
-        <a:font script="Cher" typeface="Plantagenet Cherokee"/>
-        <a:font script="Yiii" typeface="Microsoft Yi Baiti"/>
-        <a:font script="Tibt" typeface="Microsoft Himalaya"/>
-        <a:font script="Thaa" typeface="MV Boli"/>
-        <a:font script="Deva" typeface="Mangal"/>
-        <a:font script="Telu" typeface="Gautami"/>
-        <a:font script="Taml" typeface="Latha"/>
-        <a:font script="Syrc" typeface="Estrangelo Edessa"/>
-        <a:font script="Orya" typeface="Kalinga"/>
-        <a:font script="Mlym" typeface="Kartika"/>
-        <a:font script="Laoo" typeface="DokChampa"/>
-        <a:font script="Sinh" typeface="Iskoola Pota"/>
-        <a:font script="Mong" typeface="Mongolian Baiti"/>
-        <a:font script="Viet" typeface="Arial"/>
-        <a:font script="Uigh" typeface="Microsoft Uighur"/>
-        <a:font script="Geor" typeface="Sylfaen"/>
-      </a:minorFont>
-    </a:fontScheme>
-    <a:fmtScheme name="Office">
-      <a:fillStyleLst>
-        <a:solidFill>
-          <a:schemeClr val="phClr"/>
-        </a:solidFill>
-        <a:gradFill rotWithShape="1">
-          <a:gsLst>
-            <a:gs pos="0">
-              <a:schemeClr val="phClr">
-                <a:lumMod val="110000"/>
-                <a:satMod val="105000"/>
-                <a:tint val="67000"/>
-              </a:schemeClr>
-            </a:gs>
-            <a:gs pos="50000">
-              <a:schemeClr val="phClr">
-                <a:lumMod val="105000"/>
-                <a:satMod val="103000"/>
-                <a:tint val="73000"/>
-              </a:schemeClr>
-            </a:gs>
-            <a:gs pos="100000">
-              <a:schemeClr val="phClr">
-                <a:lumMod val="105000"/>
-                <a:satMod val="109000"/>
-                <a:tint val="81000"/>
-              </a:schemeClr>
-            </a:gs>
-          </a:gsLst>
-          <a:lin ang="5400000" scaled="0"/>
-        </a:gradFill>
-        <a:gradFill rotWithShape="1">
-          <a:gsLst>
-            <a:gs pos="0">
-              <a:schemeClr val="phClr">
-                <a:satMod val="103000"/>
-                <a:lumMod val="102000"/>
-                <a:tint val="94000"/>
-              </a:schemeClr>
-            </a:gs>
-            <a:gs pos="50000">
-              <a:schemeClr val="phClr">
-                <a:satMod val="110000"/>
-                <a:lumMod val="100000"/>
-                <a:shade val="100000"/>
-              </a:schemeClr>
-            </a:gs>
-            <a:gs pos="100000">
-              <a:schemeClr val="phClr">
-                <a:lumMod val="99000"/>
-                <a:satMod val="120000"/>
-                <a:shade val="78000"/>
-              </a:schemeClr>
-            </a:gs>
-          </a:gsLst>
-          <a:lin ang="5400000" scaled="0"/>
-        </a:gradFill>
-      </a:fillStyleLst>
-      <a:lnStyleLst>
-        <a:ln w="6350" cap="flat" cmpd="sng" algn="ctr">
-          <a:solidFill>
-            <a:schemeClr val="phClr"/>
-          </a:solidFill>
-          <a:prstDash val="solid"/>
-          <a:miter lim="800000"/>
-        </a:ln>
-        <a:ln w="12700" cap="flat" cmpd="sng" algn="ctr">
-          <a:solidFill>
-            <a:schemeClr val="phClr"/>
-          </a:solidFill>
-          <a:prstDash val="solid"/>
-          <a:miter lim="800000"/>
-        </a:ln>
-        <a:ln w="19050" cap="flat" cmpd="sng" algn="ctr">
-          <a:solidFill>
-            <a:schemeClr val="phClr"/>
-          </a:solidFill>
-          <a:prstDash val="solid"/>
-          <a:miter lim="800000"/>
-        </a:ln>
-      </a:lnStyleLst>
-      <a:effectStyleLst>
-        <a:effectStyle>
-          <a:effectLst/>
-        </a:effectStyle>
-        <a:effectStyle>
-          <a:effectLst/>
-        </a:effectStyle>
-        <a:effectStyle>
-          <a:effectLst>
-            <a:outerShdw blurRad="57150" dist="19050" dir="5400000" algn="ctr" rotWithShape="0">
-              <a:srgbClr val="000000">
-                <a:alpha val="63000"/>
-              </a:srgbClr>
-            </a:outerShdw>
-          </a:effectLst>
-        </a:effectStyle>
-      </a:effectStyleLst>
-      <a:bgFillStyleLst>
-        <a:solidFill>
-          <a:schemeClr val="phClr"/>
-        </a:solidFill>
-        <a:solidFill>
-          <a:schemeClr val="phClr">
-            <a:tint val="95000"/>
-            <a:satMod val="170000"/>
-          </a:schemeClr>
-        </a:solidFill>
-        <a:gradFill rotWithShape="1">
-          <a:gsLst>
-            <a:gs pos="0">
-              <a:schemeClr val="phClr">
-                <a:tint val="93000"/>
-                <a:satMod val="150000"/>
-                <a:shade val="98000"/>
-                <a:lumMod val="102000"/>
-              </a:schemeClr>
-            </a:gs>
-            <a:gs pos="50000">
-              <a:schemeClr val="phClr">
-                <a:tint val="98000"/>
-                <a:satMod val="130000"/>
-                <a:shade val="90000"/>
-                <a:lumMod val="103000"/>
-              </a:schemeClr>
-            </a:gs>
-            <a:gs pos="100000">
-              <a:schemeClr val="phClr">
-                <a:shade val="63000"/>
-                <a:satMod val="120000"/>
-              </a:schemeClr>
-            </a:gs>
-          </a:gsLst>
-          <a:lin ang="5400000" scaled="0"/>
-        </a:gradFill>
-      </a:bgFillStyleLst>
-    </a:fmtScheme>
-  </a:themeElements>
-  <a:objectDefaults/>
-  <a:extraClrSchemeLst/>
-  <a:extLst>
-    <a:ext uri="{05A4C25C-085E-4340-85A3-A5531E510DB2}">
-      <thm15:themeFamily xmlns:thm15="http://schemas.microsoft.com/office/thememl/2012/main" name="Office Theme" id="{62F939B6-93AF-4DB8-9C6B-D6C7DFDC589F}" vid="{4A3C46E8-61CC-4603-A589-7422A47A8E4A}"/>
+      <thm15:themeFamily xmlns:thm15="http://schemas.microsoft.com/office/thememl/2012/main" xmlns="" name="Office Theme" id="{62F939B6-93AF-4DB8-9C6B-D6C7DFDC589F}" vid="{4A3C46E8-61CC-4603-A589-7422A47A8E4A}"/>
     </a:ext>
   </a:extLst>
 </a:theme>
@@ -34300,7 +28153,7 @@
   </a:extraClrSchemeLst>
   <a:extLst>
     <a:ext uri="{05A4C25C-085E-4340-85A3-A5531E510DB2}">
-      <thm15:themeFamily xmlns:thm15="http://schemas.microsoft.com/office/thememl/2012/main" name="Theme1" id="{0FF9826A-23F4-4E21-970C-A3072FFC6417}" vid="{86AEE9B6-B01F-438A-AAC8-79D751E40397}"/>
+      <thm15:themeFamily xmlns:thm15="http://schemas.microsoft.com/office/thememl/2012/main" xmlns="" name="Theme1" id="{0FF9826A-23F4-4E21-970C-A3072FFC6417}" vid="{86AEE9B6-B01F-438A-AAC8-79D751E40397}"/>
     </a:ext>
   </a:extLst>
 </a:theme>
@@ -35741,7 +29594,7 @@
   </a:extraClrSchemeLst>
   <a:extLst>
     <a:ext uri="{05A4C25C-085E-4340-85A3-A5531E510DB2}">
-      <thm15:themeFamily xmlns:thm15="http://schemas.microsoft.com/office/thememl/2012/main" name="Theme1" id="{0FF9826A-23F4-4E21-970C-A3072FFC6417}" vid="{86AEE9B6-B01F-438A-AAC8-79D751E40397}"/>
+      <thm15:themeFamily xmlns:thm15="http://schemas.microsoft.com/office/thememl/2012/main" xmlns="" name="Theme1" id="{0FF9826A-23F4-4E21-970C-A3072FFC6417}" vid="{86AEE9B6-B01F-438A-AAC8-79D751E40397}"/>
     </a:ext>
   </a:extLst>
 </a:theme>
@@ -37182,7 +31035,7 @@
   </a:extraClrSchemeLst>
   <a:extLst>
     <a:ext uri="{05A4C25C-085E-4340-85A3-A5531E510DB2}">
-      <thm15:themeFamily xmlns:thm15="http://schemas.microsoft.com/office/thememl/2012/main" name="Theme1" id="{0FF9826A-23F4-4E21-970C-A3072FFC6417}" vid="{86AEE9B6-B01F-438A-AAC8-79D751E40397}"/>
+      <thm15:themeFamily xmlns:thm15="http://schemas.microsoft.com/office/thememl/2012/main" xmlns="" name="Theme1" id="{0FF9826A-23F4-4E21-970C-A3072FFC6417}" vid="{86AEE9B6-B01F-438A-AAC8-79D751E40397}"/>
     </a:ext>
   </a:extLst>
 </a:theme>
@@ -37907,9 +31760,9 @@
 </file>
 
 <file path=ppt/theme/theme9.xml><?xml version="1.0" encoding="utf-8"?>
-<a:theme xmlns:a="http://schemas.openxmlformats.org/drawingml/2006/main" name="Parallax">
+<a:theme xmlns:a="http://schemas.openxmlformats.org/drawingml/2006/main" name="Office Theme">
   <a:themeElements>
-    <a:clrScheme name="Parallax">
+    <a:clrScheme name="Office">
       <a:dk1>
         <a:sysClr val="windowText" lastClr="000000"/>
       </a:dk1>
@@ -37917,52 +31770,52 @@
         <a:sysClr val="window" lastClr="FFFFFF"/>
       </a:lt1>
       <a:dk2>
-        <a:srgbClr val="212121"/>
+        <a:srgbClr val="44546A"/>
       </a:dk2>
       <a:lt2>
-        <a:srgbClr val="CDD0D1"/>
+        <a:srgbClr val="E7E6E6"/>
       </a:lt2>
       <a:accent1>
-        <a:srgbClr val="30ACEC"/>
+        <a:srgbClr val="5B9BD5"/>
       </a:accent1>
       <a:accent2>
-        <a:srgbClr val="80C34F"/>
+        <a:srgbClr val="ED7D31"/>
       </a:accent2>
       <a:accent3>
-        <a:srgbClr val="E29D3E"/>
+        <a:srgbClr val="A5A5A5"/>
       </a:accent3>
       <a:accent4>
-        <a:srgbClr val="D64A3B"/>
+        <a:srgbClr val="FFC000"/>
       </a:accent4>
       <a:accent5>
-        <a:srgbClr val="D64787"/>
+        <a:srgbClr val="4472C4"/>
       </a:accent5>
       <a:accent6>
-        <a:srgbClr val="A666E1"/>
+        <a:srgbClr val="70AD47"/>
       </a:accent6>
       <a:hlink>
-        <a:srgbClr val="3085ED"/>
+        <a:srgbClr val="0563C1"/>
       </a:hlink>
       <a:folHlink>
-        <a:srgbClr val="82B6F4"/>
+        <a:srgbClr val="954F72"/>
       </a:folHlink>
     </a:clrScheme>
-    <a:fontScheme name="Parallax">
+    <a:fontScheme name="Office">
       <a:majorFont>
-        <a:latin typeface="Corbel" panose="020B0503020204020204"/>
+        <a:latin typeface="Calibri Light"/>
         <a:ea typeface=""/>
         <a:cs typeface=""/>
-        <a:font script="Jpan" typeface="HGｺﾞｼｯｸM"/>
-        <a:font script="Hang" typeface="HY엽서L"/>
-        <a:font script="Hans" typeface="华文楷体"/>
+        <a:font script="Jpan" typeface="ＭＳ Ｐゴシック"/>
+        <a:font script="Hang" typeface="맑은 고딕"/>
+        <a:font script="Hans" typeface="宋体"/>
         <a:font script="Hant" typeface="新細明體"/>
-        <a:font script="Arab" typeface="Tahoma"/>
-        <a:font script="Hebr" typeface="Miriam"/>
-        <a:font script="Thai" typeface="DilleniaUPC"/>
+        <a:font script="Arab" typeface="Times New Roman"/>
+        <a:font script="Hebr" typeface="Times New Roman"/>
+        <a:font script="Thai" typeface="Angsana New"/>
         <a:font script="Ethi" typeface="Nyala"/>
         <a:font script="Beng" typeface="Vrinda"/>
         <a:font script="Gujr" typeface="Shruti"/>
-        <a:font script="Khmr" typeface="DaunPenh"/>
+        <a:font script="Khmr" typeface="MoolBoran"/>
         <a:font script="Knda" typeface="Tunga"/>
         <a:font script="Guru" typeface="Raavi"/>
         <a:font script="Cans" typeface="Euphemia"/>
@@ -37979,21 +31832,21 @@
         <a:font script="Laoo" typeface="DokChampa"/>
         <a:font script="Sinh" typeface="Iskoola Pota"/>
         <a:font script="Mong" typeface="Mongolian Baiti"/>
-        <a:font script="Viet" typeface="Arial"/>
+        <a:font script="Viet" typeface="Times New Roman"/>
         <a:font script="Uigh" typeface="Microsoft Uighur"/>
         <a:font script="Geor" typeface="Sylfaen"/>
       </a:majorFont>
       <a:minorFont>
-        <a:latin typeface="Corbel" panose="020B0503020204020204"/>
+        <a:latin typeface="Calibri"/>
         <a:ea typeface=""/>
         <a:cs typeface=""/>
-        <a:font script="Jpan" typeface="HGｺﾞｼｯｸM"/>
-        <a:font script="Hang" typeface="HY엽서L"/>
-        <a:font script="Hans" typeface="华文楷体"/>
+        <a:font script="Jpan" typeface="ＭＳ Ｐゴシック"/>
+        <a:font script="Hang" typeface="맑은 고딕"/>
+        <a:font script="Hans" typeface="宋体"/>
         <a:font script="Hant" typeface="新細明體"/>
-        <a:font script="Arab" typeface="Tahoma"/>
-        <a:font script="Hebr" typeface="Miriam"/>
-        <a:font script="Thai" typeface="DilleniaUPC"/>
+        <a:font script="Arab" typeface="Arial"/>
+        <a:font script="Hebr" typeface="Arial"/>
+        <a:font script="Thai" typeface="Cordia New"/>
         <a:font script="Ethi" typeface="Nyala"/>
         <a:font script="Beng" typeface="Vrinda"/>
         <a:font script="Gujr" typeface="Shruti"/>
@@ -38019,7 +31872,7 @@
         <a:font script="Geor" typeface="Sylfaen"/>
       </a:minorFont>
     </a:fontScheme>
-    <a:fmtScheme name="Parallax">
+    <a:fmtScheme name="Office">
       <a:fillStyleLst>
         <a:solidFill>
           <a:schemeClr val="phClr"/>
@@ -38028,13 +31881,23 @@
           <a:gsLst>
             <a:gs pos="0">
               <a:schemeClr val="phClr">
-                <a:tint val="60000"/>
-                <a:lumMod val="104000"/>
+                <a:lumMod val="110000"/>
+                <a:satMod val="105000"/>
+                <a:tint val="67000"/>
+              </a:schemeClr>
+            </a:gs>
+            <a:gs pos="50000">
+              <a:schemeClr val="phClr">
+                <a:lumMod val="105000"/>
+                <a:satMod val="103000"/>
+                <a:tint val="73000"/>
               </a:schemeClr>
             </a:gs>
             <a:gs pos="100000">
               <a:schemeClr val="phClr">
-                <a:tint val="84000"/>
+                <a:lumMod val="105000"/>
+                <a:satMod val="109000"/>
+                <a:tint val="81000"/>
               </a:schemeClr>
             </a:gs>
           </a:gsLst>
@@ -38044,42 +31907,50 @@
           <a:gsLst>
             <a:gs pos="0">
               <a:schemeClr val="phClr">
-                <a:tint val="96000"/>
+                <a:satMod val="103000"/>
                 <a:lumMod val="102000"/>
+                <a:tint val="94000"/>
+              </a:schemeClr>
+            </a:gs>
+            <a:gs pos="50000">
+              <a:schemeClr val="phClr">
+                <a:satMod val="110000"/>
+                <a:lumMod val="100000"/>
+                <a:shade val="100000"/>
               </a:schemeClr>
             </a:gs>
             <a:gs pos="100000">
               <a:schemeClr val="phClr">
-                <a:shade val="88000"/>
-                <a:lumMod val="94000"/>
+                <a:lumMod val="99000"/>
+                <a:satMod val="120000"/>
+                <a:shade val="78000"/>
               </a:schemeClr>
             </a:gs>
           </a:gsLst>
-          <a:path path="circle">
-            <a:fillToRect l="50000" t="100000" r="100000" b="50000"/>
-          </a:path>
+          <a:lin ang="5400000" scaled="0"/>
         </a:gradFill>
       </a:fillStyleLst>
       <a:lnStyleLst>
-        <a:ln w="9525" cap="rnd" cmpd="sng" algn="ctr">
-          <a:solidFill>
-            <a:schemeClr val="phClr">
-              <a:tint val="60000"/>
-            </a:schemeClr>
-          </a:solidFill>
-          <a:prstDash val="solid"/>
-        </a:ln>
-        <a:ln w="15875" cap="rnd" cmpd="sng" algn="ctr">
+        <a:ln w="6350" cap="flat" cmpd="sng" algn="ctr">
           <a:solidFill>
             <a:schemeClr val="phClr"/>
           </a:solidFill>
           <a:prstDash val="solid"/>
+          <a:miter lim="800000"/>
         </a:ln>
-        <a:ln w="22225" cap="rnd" cmpd="sng" algn="ctr">
+        <a:ln w="12700" cap="flat" cmpd="sng" algn="ctr">
           <a:solidFill>
             <a:schemeClr val="phClr"/>
           </a:solidFill>
           <a:prstDash val="solid"/>
+          <a:miter lim="800000"/>
+        </a:ln>
+        <a:ln w="19050" cap="flat" cmpd="sng" algn="ctr">
+          <a:solidFill>
+            <a:schemeClr val="phClr"/>
+          </a:solidFill>
+          <a:prstDash val="solid"/>
+          <a:miter lim="800000"/>
         </a:ln>
       </a:lnStyleLst>
       <a:effectStyleLst>
@@ -38087,68 +31958,55 @@
           <a:effectLst/>
         </a:effectStyle>
         <a:effectStyle>
-          <a:effectLst>
-            <a:reflection blurRad="12700" stA="26000" endPos="32000" dist="12700" dir="5400000" sy="-100000" rotWithShape="0"/>
-          </a:effectLst>
+          <a:effectLst/>
         </a:effectStyle>
         <a:effectStyle>
           <a:effectLst>
-            <a:outerShdw blurRad="38100" dist="25400" dir="5400000" rotWithShape="0">
+            <a:outerShdw blurRad="57150" dist="19050" dir="5400000" algn="ctr" rotWithShape="0">
               <a:srgbClr val="000000">
-                <a:alpha val="64000"/>
+                <a:alpha val="63000"/>
               </a:srgbClr>
             </a:outerShdw>
           </a:effectLst>
-          <a:scene3d>
-            <a:camera prst="orthographicFront">
-              <a:rot lat="0" lon="0" rev="0"/>
-            </a:camera>
-            <a:lightRig rig="threePt" dir="tl">
-              <a:rot lat="0" lon="0" rev="1200000"/>
-            </a:lightRig>
-          </a:scene3d>
-          <a:sp3d>
-            <a:bevelT w="25400" h="12700"/>
-          </a:sp3d>
         </a:effectStyle>
       </a:effectStyleLst>
       <a:bgFillStyleLst>
         <a:solidFill>
           <a:schemeClr val="phClr"/>
         </a:solidFill>
+        <a:solidFill>
+          <a:schemeClr val="phClr">
+            <a:tint val="95000"/>
+            <a:satMod val="170000"/>
+          </a:schemeClr>
+        </a:solidFill>
         <a:gradFill rotWithShape="1">
           <a:gsLst>
             <a:gs pos="0">
               <a:schemeClr val="phClr">
-                <a:tint val="90000"/>
-                <a:lumMod val="110000"/>
+                <a:tint val="93000"/>
+                <a:satMod val="150000"/>
+                <a:shade val="98000"/>
+                <a:lumMod val="102000"/>
+              </a:schemeClr>
+            </a:gs>
+            <a:gs pos="50000">
+              <a:schemeClr val="phClr">
+                <a:tint val="98000"/>
+                <a:satMod val="130000"/>
+                <a:shade val="90000"/>
+                <a:lumMod val="103000"/>
               </a:schemeClr>
             </a:gs>
             <a:gs pos="100000">
               <a:schemeClr val="phClr">
-                <a:shade val="64000"/>
-                <a:lumMod val="98000"/>
+                <a:shade val="63000"/>
+                <a:satMod val="120000"/>
               </a:schemeClr>
             </a:gs>
           </a:gsLst>
           <a:lin ang="5400000" scaled="0"/>
         </a:gradFill>
-        <a:blipFill rotWithShape="1">
-          <a:blip xmlns:r="http://schemas.openxmlformats.org/officeDocument/2006/relationships" r:embed="rId1">
-            <a:duotone>
-              <a:schemeClr val="phClr">
-                <a:shade val="76000"/>
-                <a:satMod val="180000"/>
-              </a:schemeClr>
-              <a:schemeClr val="phClr">
-                <a:tint val="80000"/>
-                <a:satMod val="120000"/>
-                <a:lumMod val="180000"/>
-              </a:schemeClr>
-            </a:duotone>
-          </a:blip>
-          <a:stretch/>
-        </a:blipFill>
       </a:bgFillStyleLst>
     </a:fmtScheme>
   </a:themeElements>
@@ -38156,7 +32014,7 @@
   <a:extraClrSchemeLst/>
   <a:extLst>
     <a:ext uri="{05A4C25C-085E-4340-85A3-A5531E510DB2}">
-      <thm15:themeFamily xmlns:thm15="http://schemas.microsoft.com/office/thememl/2012/main" name="Parallax" id="{3388167B-A2EB-4685-9635-1831D9AEF8C4}" vid="{4F7A876A-7598-49CA-AFC8-8EDA2551E4A7}"/>
+      <thm15:themeFamily xmlns:thm15="http://schemas.microsoft.com/office/thememl/2012/main" xmlns="" name="Office Theme" id="{62F939B6-93AF-4DB8-9C6B-D6C7DFDC589F}" vid="{4A3C46E8-61CC-4603-A589-7422A47A8E4A}"/>
     </a:ext>
   </a:extLst>
 </a:theme>

--- a/Supplier Scorecard Project Review.pptx
+++ b/Supplier Scorecard Project Review.pptx
@@ -135,6 +135,22 @@
       </a:defRPr>
     </a:lvl9pPr>
   </p:defaultTextStyle>
+  <p:extLst>
+    <p:ext uri="{EFAFB233-063F-42B5-8137-9DF3F51BA10A}">
+      <p15:sldGuideLst xmlns:p15="http://schemas.microsoft.com/office/powerpoint/2012/main">
+        <p15:guide id="1" orient="horz" pos="2160">
+          <p15:clr>
+            <a:srgbClr val="A4A3A4"/>
+          </p15:clr>
+        </p15:guide>
+        <p15:guide id="2" pos="3840">
+          <p15:clr>
+            <a:srgbClr val="A4A3A4"/>
+          </p15:clr>
+        </p15:guide>
+      </p15:sldGuideLst>
+    </p:ext>
+  </p:extLst>
 </p:presentation>
 </file>
 
@@ -220,7 +236,7 @@
           <a:p>
             <a:fld id="{83EDBFD5-74B3-4FB6-A912-D4AA98054A76}" type="datetimeFigureOut">
               <a:rPr lang="en-US" smtClean="0"/>
-              <a:t>7/31/17</a:t>
+              <a:t>8/2/2017</a:t>
             </a:fld>
             <a:endParaRPr lang="en-US"/>
           </a:p>
@@ -385,7 +401,7 @@
           <a:p>
             <a:fld id="{AC08A307-01DC-415A-8DFC-AD44DF2FA618}" type="datetimeFigureOut">
               <a:rPr lang="en-US" smtClean="0"/>
-              <a:t>7/31/17</a:t>
+              <a:t>8/2/2017</a:t>
             </a:fld>
             <a:endParaRPr lang="en-US"/>
           </a:p>
@@ -2281,7 +2297,7 @@
   <p:clrMapOvr>
     <a:masterClrMapping/>
   </p:clrMapOvr>
-  <p:transition xmlns:p14="http://schemas.microsoft.com/office/powerpoint/2010/main" spd="med"/>
+  <p:transition spd="med"/>
 </p:sldLayout>
 </file>
 
@@ -2387,7 +2403,7 @@
   <p:clrMapOvr>
     <a:masterClrMapping/>
   </p:clrMapOvr>
-  <p:transition xmlns:p14="http://schemas.microsoft.com/office/powerpoint/2010/main" spd="med"/>
+  <p:transition spd="med"/>
 </p:sldLayout>
 </file>
 
@@ -2503,7 +2519,7 @@
   <p:clrMapOvr>
     <a:masterClrMapping/>
   </p:clrMapOvr>
-  <p:transition xmlns:p14="http://schemas.microsoft.com/office/powerpoint/2010/main" spd="med"/>
+  <p:transition spd="med"/>
 </p:sldLayout>
 </file>
 
@@ -2627,7 +2643,7 @@
   <p:clrMapOvr>
     <a:masterClrMapping/>
   </p:clrMapOvr>
-  <p:transition xmlns:p14="http://schemas.microsoft.com/office/powerpoint/2010/main" spd="med"/>
+  <p:transition spd="med"/>
 </p:sldLayout>
 </file>
 
@@ -2733,7 +2749,7 @@
   <p:clrMapOvr>
     <a:masterClrMapping/>
   </p:clrMapOvr>
-  <p:transition xmlns:p14="http://schemas.microsoft.com/office/powerpoint/2010/main" spd="med"/>
+  <p:transition spd="med"/>
 </p:sldLayout>
 </file>
 
@@ -2861,7 +2877,7 @@
   <p:clrMapOvr>
     <a:masterClrMapping/>
   </p:clrMapOvr>
-  <p:transition xmlns:p14="http://schemas.microsoft.com/office/powerpoint/2010/main" spd="med"/>
+  <p:transition spd="med"/>
 </p:sldLayout>
 </file>
 
@@ -3085,7 +3101,7 @@
   <p:clrMapOvr>
     <a:masterClrMapping/>
   </p:clrMapOvr>
-  <p:transition xmlns:p14="http://schemas.microsoft.com/office/powerpoint/2010/main" spd="med"/>
+  <p:transition spd="med"/>
 </p:sldLayout>
 </file>
 
@@ -3448,7 +3464,7 @@
   <p:clrMapOvr>
     <a:masterClrMapping/>
   </p:clrMapOvr>
-  <p:transition xmlns:p14="http://schemas.microsoft.com/office/powerpoint/2010/main" spd="med"/>
+  <p:transition spd="med"/>
 </p:sldLayout>
 </file>
 
@@ -3502,7 +3518,7 @@
   <p:clrMapOvr>
     <a:masterClrMapping/>
   </p:clrMapOvr>
-  <p:transition xmlns:p14="http://schemas.microsoft.com/office/powerpoint/2010/main" spd="med"/>
+  <p:transition spd="med"/>
 </p:sldLayout>
 </file>
 
@@ -3533,7 +3549,7 @@
   <p:clrMapOvr>
     <a:masterClrMapping/>
   </p:clrMapOvr>
-  <p:transition xmlns:p14="http://schemas.microsoft.com/office/powerpoint/2010/main" spd="med"/>
+  <p:transition spd="med"/>
 </p:sldLayout>
 </file>
 
@@ -3746,7 +3762,7 @@
   <p:clrMapOvr>
     <a:masterClrMapping/>
   </p:clrMapOvr>
-  <p:transition xmlns:p14="http://schemas.microsoft.com/office/powerpoint/2010/main" spd="med"/>
+  <p:transition spd="med"/>
 </p:sldLayout>
 </file>
 
@@ -3852,7 +3868,7 @@
   <p:clrMapOvr>
     <a:masterClrMapping/>
   </p:clrMapOvr>
-  <p:transition xmlns:p14="http://schemas.microsoft.com/office/powerpoint/2010/main" spd="med"/>
+  <p:transition spd="med"/>
 </p:sldLayout>
 </file>
 
@@ -4046,7 +4062,7 @@
   <p:clrMapOvr>
     <a:masterClrMapping/>
   </p:clrMapOvr>
-  <p:transition xmlns:p14="http://schemas.microsoft.com/office/powerpoint/2010/main" spd="med"/>
+  <p:transition spd="med"/>
 </p:sldLayout>
 </file>
 
@@ -4152,7 +4168,7 @@
   <p:clrMapOvr>
     <a:masterClrMapping/>
   </p:clrMapOvr>
-  <p:transition xmlns:p14="http://schemas.microsoft.com/office/powerpoint/2010/main" spd="med"/>
+  <p:transition spd="med"/>
 </p:sldLayout>
 </file>
 
@@ -4268,7 +4284,7 @@
   <p:clrMapOvr>
     <a:masterClrMapping/>
   </p:clrMapOvr>
-  <p:transition xmlns:p14="http://schemas.microsoft.com/office/powerpoint/2010/main" spd="med"/>
+  <p:transition spd="med"/>
 </p:sldLayout>
 </file>
 
@@ -4808,7 +4824,7 @@
   <p:clrMapOvr>
     <a:masterClrMapping/>
   </p:clrMapOvr>
-  <p:transition xmlns:p14="http://schemas.microsoft.com/office/powerpoint/2010/main" spd="med"/>
+  <p:transition spd="med"/>
 </p:sldLayout>
 </file>
 
@@ -4914,7 +4930,7 @@
   <p:clrMapOvr>
     <a:masterClrMapping/>
   </p:clrMapOvr>
-  <p:transition xmlns:p14="http://schemas.microsoft.com/office/powerpoint/2010/main" spd="med"/>
+  <p:transition spd="med"/>
 </p:sldLayout>
 </file>
 
@@ -5042,7 +5058,7 @@
   <p:clrMapOvr>
     <a:masterClrMapping/>
   </p:clrMapOvr>
-  <p:transition xmlns:p14="http://schemas.microsoft.com/office/powerpoint/2010/main" spd="med"/>
+  <p:transition spd="med"/>
 </p:sldLayout>
 </file>
 
@@ -5266,7 +5282,7 @@
   <p:clrMapOvr>
     <a:masterClrMapping/>
   </p:clrMapOvr>
-  <p:transition xmlns:p14="http://schemas.microsoft.com/office/powerpoint/2010/main" spd="med"/>
+  <p:transition spd="med"/>
 </p:sldLayout>
 </file>
 
@@ -5629,7 +5645,7 @@
   <p:clrMapOvr>
     <a:masterClrMapping/>
   </p:clrMapOvr>
-  <p:transition xmlns:p14="http://schemas.microsoft.com/office/powerpoint/2010/main" spd="med"/>
+  <p:transition spd="med"/>
 </p:sldLayout>
 </file>
 
@@ -5683,7 +5699,7 @@
   <p:clrMapOvr>
     <a:masterClrMapping/>
   </p:clrMapOvr>
-  <p:transition xmlns:p14="http://schemas.microsoft.com/office/powerpoint/2010/main" spd="med"/>
+  <p:transition spd="med"/>
 </p:sldLayout>
 </file>
 
@@ -5714,7 +5730,7 @@
   <p:clrMapOvr>
     <a:masterClrMapping/>
   </p:clrMapOvr>
-  <p:transition xmlns:p14="http://schemas.microsoft.com/office/powerpoint/2010/main" spd="med"/>
+  <p:transition spd="med"/>
 </p:sldLayout>
 </file>
 
@@ -5842,7 +5858,7 @@
   <p:clrMapOvr>
     <a:masterClrMapping/>
   </p:clrMapOvr>
-  <p:transition xmlns:p14="http://schemas.microsoft.com/office/powerpoint/2010/main" spd="med"/>
+  <p:transition spd="med"/>
 </p:sldLayout>
 </file>
 
@@ -6055,7 +6071,7 @@
   <p:clrMapOvr>
     <a:masterClrMapping/>
   </p:clrMapOvr>
-  <p:transition xmlns:p14="http://schemas.microsoft.com/office/powerpoint/2010/main" spd="med"/>
+  <p:transition spd="med"/>
 </p:sldLayout>
 </file>
 
@@ -6249,7 +6265,7 @@
   <p:clrMapOvr>
     <a:masterClrMapping/>
   </p:clrMapOvr>
-  <p:transition xmlns:p14="http://schemas.microsoft.com/office/powerpoint/2010/main" spd="med"/>
+  <p:transition spd="med"/>
 </p:sldLayout>
 </file>
 
@@ -6355,7 +6371,7 @@
   <p:clrMapOvr>
     <a:masterClrMapping/>
   </p:clrMapOvr>
-  <p:transition xmlns:p14="http://schemas.microsoft.com/office/powerpoint/2010/main" spd="med"/>
+  <p:transition spd="med"/>
 </p:sldLayout>
 </file>
 
@@ -6471,7 +6487,7 @@
   <p:clrMapOvr>
     <a:masterClrMapping/>
   </p:clrMapOvr>
-  <p:transition xmlns:p14="http://schemas.microsoft.com/office/powerpoint/2010/main" spd="med"/>
+  <p:transition spd="med"/>
 </p:sldLayout>
 </file>
 
@@ -6595,7 +6611,7 @@
   <p:clrMapOvr>
     <a:masterClrMapping/>
   </p:clrMapOvr>
-  <p:transition xmlns:p14="http://schemas.microsoft.com/office/powerpoint/2010/main" spd="med"/>
+  <p:transition spd="med"/>
 </p:sldLayout>
 </file>
 
@@ -6701,7 +6717,7 @@
   <p:clrMapOvr>
     <a:masterClrMapping/>
   </p:clrMapOvr>
-  <p:transition xmlns:p14="http://schemas.microsoft.com/office/powerpoint/2010/main" spd="med"/>
+  <p:transition spd="med"/>
 </p:sldLayout>
 </file>
 
@@ -6829,7 +6845,7 @@
   <p:clrMapOvr>
     <a:masterClrMapping/>
   </p:clrMapOvr>
-  <p:transition xmlns:p14="http://schemas.microsoft.com/office/powerpoint/2010/main" spd="med"/>
+  <p:transition spd="med"/>
 </p:sldLayout>
 </file>
 
@@ -7053,7 +7069,7 @@
   <p:clrMapOvr>
     <a:masterClrMapping/>
   </p:clrMapOvr>
-  <p:transition xmlns:p14="http://schemas.microsoft.com/office/powerpoint/2010/main" spd="med"/>
+  <p:transition spd="med"/>
 </p:sldLayout>
 </file>
 
@@ -7416,7 +7432,7 @@
   <p:clrMapOvr>
     <a:masterClrMapping/>
   </p:clrMapOvr>
-  <p:transition xmlns:p14="http://schemas.microsoft.com/office/powerpoint/2010/main" spd="med"/>
+  <p:transition spd="med"/>
 </p:sldLayout>
 </file>
 
@@ -7470,7 +7486,7 @@
   <p:clrMapOvr>
     <a:masterClrMapping/>
   </p:clrMapOvr>
-  <p:transition xmlns:p14="http://schemas.microsoft.com/office/powerpoint/2010/main" spd="med"/>
+  <p:transition spd="med"/>
 </p:sldLayout>
 </file>
 
@@ -7694,10 +7710,10 @@
   <p:clrMapOvr>
     <a:masterClrMapping/>
   </p:clrMapOvr>
-  <p:transition xmlns:p14="http://schemas.microsoft.com/office/powerpoint/2010/main" spd="med"/>
+  <p:transition spd="med"/>
   <p:extLst>
     <p:ext uri="{DCECCB84-F9BA-43D5-87BE-67443E8EF086}">
-      <p15:sldGuideLst xmlns:p15="http://schemas.microsoft.com/office/powerpoint/2012/main" xmlns=""/>
+      <p15:sldGuideLst xmlns:p15="http://schemas.microsoft.com/office/powerpoint/2012/main"/>
     </p:ext>
   </p:extLst>
 </p:sldLayout>
@@ -7730,7 +7746,7 @@
   <p:clrMapOvr>
     <a:masterClrMapping/>
   </p:clrMapOvr>
-  <p:transition xmlns:p14="http://schemas.microsoft.com/office/powerpoint/2010/main" spd="med"/>
+  <p:transition spd="med"/>
 </p:sldLayout>
 </file>
 
@@ -7943,7 +7959,7 @@
   <p:clrMapOvr>
     <a:masterClrMapping/>
   </p:clrMapOvr>
-  <p:transition xmlns:p14="http://schemas.microsoft.com/office/powerpoint/2010/main" spd="med"/>
+  <p:transition spd="med"/>
 </p:sldLayout>
 </file>
 
@@ -8137,7 +8153,7 @@
   <p:clrMapOvr>
     <a:masterClrMapping/>
   </p:clrMapOvr>
-  <p:transition xmlns:p14="http://schemas.microsoft.com/office/powerpoint/2010/main" spd="med"/>
+  <p:transition spd="med"/>
 </p:sldLayout>
 </file>
 
@@ -8243,7 +8259,7 @@
   <p:clrMapOvr>
     <a:masterClrMapping/>
   </p:clrMapOvr>
-  <p:transition xmlns:p14="http://schemas.microsoft.com/office/powerpoint/2010/main" spd="med"/>
+  <p:transition spd="med"/>
 </p:sldLayout>
 </file>
 
@@ -8359,7 +8375,7 @@
   <p:clrMapOvr>
     <a:masterClrMapping/>
   </p:clrMapOvr>
-  <p:transition xmlns:p14="http://schemas.microsoft.com/office/powerpoint/2010/main" spd="med"/>
+  <p:transition spd="med"/>
 </p:sldLayout>
 </file>
 
@@ -8899,7 +8915,7 @@
   <p:clrMapOvr>
     <a:masterClrMapping/>
   </p:clrMapOvr>
-  <p:transition xmlns:p14="http://schemas.microsoft.com/office/powerpoint/2010/main" spd="med"/>
+  <p:transition spd="med"/>
 </p:sldLayout>
 </file>
 
@@ -9005,7 +9021,7 @@
   <p:clrMapOvr>
     <a:masterClrMapping/>
   </p:clrMapOvr>
-  <p:transition xmlns:p14="http://schemas.microsoft.com/office/powerpoint/2010/main" spd="med"/>
+  <p:transition spd="med"/>
 </p:sldLayout>
 </file>
 
@@ -9133,7 +9149,7 @@
   <p:clrMapOvr>
     <a:masterClrMapping/>
   </p:clrMapOvr>
-  <p:transition xmlns:p14="http://schemas.microsoft.com/office/powerpoint/2010/main" spd="med"/>
+  <p:transition spd="med"/>
 </p:sldLayout>
 </file>
 
@@ -9357,7 +9373,7 @@
   <p:clrMapOvr>
     <a:masterClrMapping/>
   </p:clrMapOvr>
-  <p:transition xmlns:p14="http://schemas.microsoft.com/office/powerpoint/2010/main" spd="med"/>
+  <p:transition spd="med"/>
 </p:sldLayout>
 </file>
 
@@ -9720,7 +9736,7 @@
   <p:clrMapOvr>
     <a:masterClrMapping/>
   </p:clrMapOvr>
-  <p:transition xmlns:p14="http://schemas.microsoft.com/office/powerpoint/2010/main" spd="med"/>
+  <p:transition spd="med"/>
 </p:sldLayout>
 </file>
 
@@ -10083,10 +10099,10 @@
   <p:clrMapOvr>
     <a:masterClrMapping/>
   </p:clrMapOvr>
-  <p:transition xmlns:p14="http://schemas.microsoft.com/office/powerpoint/2010/main" spd="med"/>
+  <p:transition spd="med"/>
   <p:extLst>
     <p:ext uri="{DCECCB84-F9BA-43D5-87BE-67443E8EF086}">
-      <p15:sldGuideLst xmlns:p15="http://schemas.microsoft.com/office/powerpoint/2012/main" xmlns=""/>
+      <p15:sldGuideLst xmlns:p15="http://schemas.microsoft.com/office/powerpoint/2012/main"/>
     </p:ext>
   </p:extLst>
 </p:sldLayout>
@@ -10142,7 +10158,7 @@
   <p:clrMapOvr>
     <a:masterClrMapping/>
   </p:clrMapOvr>
-  <p:transition xmlns:p14="http://schemas.microsoft.com/office/powerpoint/2010/main" spd="med"/>
+  <p:transition spd="med"/>
 </p:sldLayout>
 </file>
 
@@ -10173,7 +10189,7 @@
   <p:clrMapOvr>
     <a:masterClrMapping/>
   </p:clrMapOvr>
-  <p:transition xmlns:p14="http://schemas.microsoft.com/office/powerpoint/2010/main" spd="med"/>
+  <p:transition spd="med"/>
 </p:sldLayout>
 </file>
 
@@ -10386,7 +10402,7 @@
   <p:clrMapOvr>
     <a:masterClrMapping/>
   </p:clrMapOvr>
-  <p:transition xmlns:p14="http://schemas.microsoft.com/office/powerpoint/2010/main" spd="med"/>
+  <p:transition spd="med"/>
 </p:sldLayout>
 </file>
 
@@ -10580,7 +10596,7 @@
   <p:clrMapOvr>
     <a:masterClrMapping/>
   </p:clrMapOvr>
-  <p:transition xmlns:p14="http://schemas.microsoft.com/office/powerpoint/2010/main" spd="med"/>
+  <p:transition spd="med"/>
 </p:sldLayout>
 </file>
 
@@ -10686,7 +10702,7 @@
   <p:clrMapOvr>
     <a:masterClrMapping/>
   </p:clrMapOvr>
-  <p:transition xmlns:p14="http://schemas.microsoft.com/office/powerpoint/2010/main" spd="med"/>
+  <p:transition spd="med"/>
 </p:sldLayout>
 </file>
 
@@ -10802,7 +10818,7 @@
   <p:clrMapOvr>
     <a:masterClrMapping/>
   </p:clrMapOvr>
-  <p:transition xmlns:p14="http://schemas.microsoft.com/office/powerpoint/2010/main" spd="med"/>
+  <p:transition spd="med"/>
 </p:sldLayout>
 </file>
 
@@ -10926,7 +10942,7 @@
   <p:clrMapOvr>
     <a:masterClrMapping/>
   </p:clrMapOvr>
-  <p:transition xmlns:p14="http://schemas.microsoft.com/office/powerpoint/2010/main" spd="med"/>
+  <p:transition spd="med"/>
 </p:sldLayout>
 </file>
 
@@ -11032,7 +11048,7 @@
   <p:clrMapOvr>
     <a:masterClrMapping/>
   </p:clrMapOvr>
-  <p:transition xmlns:p14="http://schemas.microsoft.com/office/powerpoint/2010/main" spd="med"/>
+  <p:transition spd="med"/>
 </p:sldLayout>
 </file>
 
@@ -11160,7 +11176,7 @@
   <p:clrMapOvr>
     <a:masterClrMapping/>
   </p:clrMapOvr>
-  <p:transition xmlns:p14="http://schemas.microsoft.com/office/powerpoint/2010/main" spd="med"/>
+  <p:transition spd="med"/>
 </p:sldLayout>
 </file>
 
@@ -11384,7 +11400,7 @@
   <p:clrMapOvr>
     <a:masterClrMapping/>
   </p:clrMapOvr>
-  <p:transition xmlns:p14="http://schemas.microsoft.com/office/powerpoint/2010/main" spd="med"/>
+  <p:transition spd="med"/>
 </p:sldLayout>
 </file>
 
@@ -11438,7 +11454,7 @@
   <p:clrMapOvr>
     <a:masterClrMapping/>
   </p:clrMapOvr>
-  <p:transition xmlns:p14="http://schemas.microsoft.com/office/powerpoint/2010/main" spd="med"/>
+  <p:transition spd="med"/>
 </p:sldLayout>
 </file>
 
@@ -11801,7 +11817,7 @@
   <p:clrMapOvr>
     <a:masterClrMapping/>
   </p:clrMapOvr>
-  <p:transition xmlns:p14="http://schemas.microsoft.com/office/powerpoint/2010/main" spd="med"/>
+  <p:transition spd="med"/>
 </p:sldLayout>
 </file>
 
@@ -11855,7 +11871,7 @@
   <p:clrMapOvr>
     <a:masterClrMapping/>
   </p:clrMapOvr>
-  <p:transition xmlns:p14="http://schemas.microsoft.com/office/powerpoint/2010/main" spd="med"/>
+  <p:transition spd="med"/>
 </p:sldLayout>
 </file>
 
@@ -11886,7 +11902,7 @@
   <p:clrMapOvr>
     <a:masterClrMapping/>
   </p:clrMapOvr>
-  <p:transition xmlns:p14="http://schemas.microsoft.com/office/powerpoint/2010/main" spd="med"/>
+  <p:transition spd="med"/>
 </p:sldLayout>
 </file>
 
@@ -12099,7 +12115,7 @@
   <p:clrMapOvr>
     <a:masterClrMapping/>
   </p:clrMapOvr>
-  <p:transition xmlns:p14="http://schemas.microsoft.com/office/powerpoint/2010/main" spd="med"/>
+  <p:transition spd="med"/>
 </p:sldLayout>
 </file>
 
@@ -12293,7 +12309,7 @@
   <p:clrMapOvr>
     <a:masterClrMapping/>
   </p:clrMapOvr>
-  <p:transition xmlns:p14="http://schemas.microsoft.com/office/powerpoint/2010/main" spd="med"/>
+  <p:transition spd="med"/>
 </p:sldLayout>
 </file>
 
@@ -12399,7 +12415,7 @@
   <p:clrMapOvr>
     <a:masterClrMapping/>
   </p:clrMapOvr>
-  <p:transition xmlns:p14="http://schemas.microsoft.com/office/powerpoint/2010/main" spd="med"/>
+  <p:transition spd="med"/>
 </p:sldLayout>
 </file>
 
@@ -12515,7 +12531,7 @@
   <p:clrMapOvr>
     <a:masterClrMapping/>
   </p:clrMapOvr>
-  <p:transition xmlns:p14="http://schemas.microsoft.com/office/powerpoint/2010/main" spd="med"/>
+  <p:transition spd="med"/>
 </p:sldLayout>
 </file>
 
@@ -13055,7 +13071,7 @@
   <p:clrMapOvr>
     <a:masterClrMapping/>
   </p:clrMapOvr>
-  <p:transition xmlns:p14="http://schemas.microsoft.com/office/powerpoint/2010/main" spd="med"/>
+  <p:transition spd="med"/>
 </p:sldLayout>
 </file>
 
@@ -13161,7 +13177,7 @@
   <p:clrMapOvr>
     <a:masterClrMapping/>
   </p:clrMapOvr>
-  <p:transition xmlns:p14="http://schemas.microsoft.com/office/powerpoint/2010/main" spd="med"/>
+  <p:transition spd="med"/>
 </p:sldLayout>
 </file>
 
@@ -13289,7 +13305,7 @@
   <p:clrMapOvr>
     <a:masterClrMapping/>
   </p:clrMapOvr>
-  <p:transition xmlns:p14="http://schemas.microsoft.com/office/powerpoint/2010/main" spd="med"/>
+  <p:transition spd="med"/>
 </p:sldLayout>
 </file>
 
@@ -13320,7 +13336,7 @@
   <p:clrMapOvr>
     <a:masterClrMapping/>
   </p:clrMapOvr>
-  <p:transition xmlns:p14="http://schemas.microsoft.com/office/powerpoint/2010/main" spd="med"/>
+  <p:transition spd="med"/>
 </p:sldLayout>
 </file>
 
@@ -13544,7 +13560,7 @@
   <p:clrMapOvr>
     <a:masterClrMapping/>
   </p:clrMapOvr>
-  <p:transition xmlns:p14="http://schemas.microsoft.com/office/powerpoint/2010/main" spd="med"/>
+  <p:transition spd="med"/>
 </p:sldLayout>
 </file>
 
@@ -13907,7 +13923,7 @@
   <p:clrMapOvr>
     <a:masterClrMapping/>
   </p:clrMapOvr>
-  <p:transition xmlns:p14="http://schemas.microsoft.com/office/powerpoint/2010/main" spd="med"/>
+  <p:transition spd="med"/>
 </p:sldLayout>
 </file>
 
@@ -13961,7 +13977,7 @@
   <p:clrMapOvr>
     <a:masterClrMapping/>
   </p:clrMapOvr>
-  <p:transition xmlns:p14="http://schemas.microsoft.com/office/powerpoint/2010/main" spd="med"/>
+  <p:transition spd="med"/>
 </p:sldLayout>
 </file>
 
@@ -13992,7 +14008,7 @@
   <p:clrMapOvr>
     <a:masterClrMapping/>
   </p:clrMapOvr>
-  <p:transition xmlns:p14="http://schemas.microsoft.com/office/powerpoint/2010/main" spd="med"/>
+  <p:transition spd="med"/>
 </p:sldLayout>
 </file>
 
@@ -14205,7 +14221,7 @@
   <p:clrMapOvr>
     <a:masterClrMapping/>
   </p:clrMapOvr>
-  <p:transition xmlns:p14="http://schemas.microsoft.com/office/powerpoint/2010/main" spd="med"/>
+  <p:transition spd="med"/>
 </p:sldLayout>
 </file>
 
@@ -14399,7 +14415,7 @@
   <p:clrMapOvr>
     <a:masterClrMapping/>
   </p:clrMapOvr>
-  <p:transition xmlns:p14="http://schemas.microsoft.com/office/powerpoint/2010/main" spd="med"/>
+  <p:transition spd="med"/>
 </p:sldLayout>
 </file>
 
@@ -14505,7 +14521,7 @@
   <p:clrMapOvr>
     <a:masterClrMapping/>
   </p:clrMapOvr>
-  <p:transition xmlns:p14="http://schemas.microsoft.com/office/powerpoint/2010/main" spd="med"/>
+  <p:transition spd="med"/>
 </p:sldLayout>
 </file>
 
@@ -14621,7 +14637,7 @@
   <p:clrMapOvr>
     <a:masterClrMapping/>
   </p:clrMapOvr>
-  <p:transition xmlns:p14="http://schemas.microsoft.com/office/powerpoint/2010/main" spd="med"/>
+  <p:transition spd="med"/>
 </p:sldLayout>
 </file>
 
@@ -14745,7 +14761,7 @@
   <p:clrMapOvr>
     <a:masterClrMapping/>
   </p:clrMapOvr>
-  <p:transition xmlns:p14="http://schemas.microsoft.com/office/powerpoint/2010/main" spd="med"/>
+  <p:transition spd="med"/>
 </p:sldLayout>
 </file>
 
@@ -14851,7 +14867,7 @@
   <p:clrMapOvr>
     <a:masterClrMapping/>
   </p:clrMapOvr>
-  <p:transition xmlns:p14="http://schemas.microsoft.com/office/powerpoint/2010/main" spd="med"/>
+  <p:transition spd="med"/>
 </p:sldLayout>
 </file>
 
@@ -15064,10 +15080,10 @@
   <p:clrMapOvr>
     <a:masterClrMapping/>
   </p:clrMapOvr>
-  <p:transition xmlns:p14="http://schemas.microsoft.com/office/powerpoint/2010/main" spd="med"/>
+  <p:transition spd="med"/>
   <p:extLst>
     <p:ext uri="{DCECCB84-F9BA-43D5-87BE-67443E8EF086}">
-      <p15:sldGuideLst xmlns:p15="http://schemas.microsoft.com/office/powerpoint/2012/main" xmlns=""/>
+      <p15:sldGuideLst xmlns:p15="http://schemas.microsoft.com/office/powerpoint/2012/main"/>
     </p:ext>
   </p:extLst>
 </p:sldLayout>
@@ -15197,7 +15213,7 @@
   <p:clrMapOvr>
     <a:masterClrMapping/>
   </p:clrMapOvr>
-  <p:transition xmlns:p14="http://schemas.microsoft.com/office/powerpoint/2010/main" spd="med"/>
+  <p:transition spd="med"/>
 </p:sldLayout>
 </file>
 
@@ -15421,7 +15437,7 @@
   <p:clrMapOvr>
     <a:masterClrMapping/>
   </p:clrMapOvr>
-  <p:transition xmlns:p14="http://schemas.microsoft.com/office/powerpoint/2010/main" spd="med"/>
+  <p:transition spd="med"/>
 </p:sldLayout>
 </file>
 
@@ -15784,7 +15800,7 @@
   <p:clrMapOvr>
     <a:masterClrMapping/>
   </p:clrMapOvr>
-  <p:transition xmlns:p14="http://schemas.microsoft.com/office/powerpoint/2010/main" spd="med"/>
+  <p:transition spd="med"/>
 </p:sldLayout>
 </file>
 
@@ -15838,7 +15854,7 @@
   <p:clrMapOvr>
     <a:masterClrMapping/>
   </p:clrMapOvr>
-  <p:transition xmlns:p14="http://schemas.microsoft.com/office/powerpoint/2010/main" spd="med"/>
+  <p:transition spd="med"/>
 </p:sldLayout>
 </file>
 
@@ -15869,7 +15885,7 @@
   <p:clrMapOvr>
     <a:masterClrMapping/>
   </p:clrMapOvr>
-  <p:transition xmlns:p14="http://schemas.microsoft.com/office/powerpoint/2010/main" spd="med"/>
+  <p:transition spd="med"/>
 </p:sldLayout>
 </file>
 
@@ -16082,7 +16098,7 @@
   <p:clrMapOvr>
     <a:masterClrMapping/>
   </p:clrMapOvr>
-  <p:transition xmlns:p14="http://schemas.microsoft.com/office/powerpoint/2010/main" spd="med"/>
+  <p:transition spd="med"/>
 </p:sldLayout>
 </file>
 
@@ -16276,7 +16292,7 @@
   <p:clrMapOvr>
     <a:masterClrMapping/>
   </p:clrMapOvr>
-  <p:transition xmlns:p14="http://schemas.microsoft.com/office/powerpoint/2010/main" spd="med"/>
+  <p:transition spd="med"/>
 </p:sldLayout>
 </file>
 
@@ -16382,7 +16398,7 @@
   <p:clrMapOvr>
     <a:masterClrMapping/>
   </p:clrMapOvr>
-  <p:transition xmlns:p14="http://schemas.microsoft.com/office/powerpoint/2010/main" spd="med"/>
+  <p:transition spd="med"/>
 </p:sldLayout>
 </file>
 
@@ -16498,7 +16514,7 @@
   <p:clrMapOvr>
     <a:masterClrMapping/>
   </p:clrMapOvr>
-  <p:transition xmlns:p14="http://schemas.microsoft.com/office/powerpoint/2010/main" spd="med"/>
+  <p:transition spd="med"/>
 </p:sldLayout>
 </file>
 
@@ -16692,7 +16708,7 @@
   <p:clrMapOvr>
     <a:masterClrMapping/>
   </p:clrMapOvr>
-  <p:transition xmlns:p14="http://schemas.microsoft.com/office/powerpoint/2010/main" spd="med"/>
+  <p:transition spd="med"/>
 </p:sldLayout>
 </file>
 
@@ -17098,11 +17114,11 @@
     <p:sldLayoutId id="2147483789" r:id="rId10"/>
     <p:sldLayoutId id="2147483790" r:id="rId11"/>
   </p:sldLayoutIdLst>
-  <p:transition xmlns:p14="http://schemas.microsoft.com/office/powerpoint/2010/main" spd="med"/>
+  <p:transition spd="med"/>
   <p:timing>
     <p:tnLst>
       <p:par>
-        <p:cTn xmlns:p14="http://schemas.microsoft.com/office/powerpoint/2010/main" id="1" dur="indefinite" restart="never" nodeType="tmRoot"/>
+        <p:cTn id="1" dur="indefinite" restart="never" nodeType="tmRoot"/>
       </p:par>
     </p:tnLst>
   </p:timing>
@@ -17595,7 +17611,7 @@
   </p:txStyles>
   <p:extLst>
     <p:ext uri="{27BBF7A9-308A-43DC-89C8-2F10F3537804}">
-      <p15:sldGuideLst xmlns:p15="http://schemas.microsoft.com/office/powerpoint/2012/main" xmlns=""/>
+      <p15:sldGuideLst xmlns:p15="http://schemas.microsoft.com/office/powerpoint/2012/main"/>
     </p:ext>
   </p:extLst>
 </p:sldMaster>
@@ -18018,11 +18034,11 @@
     <p:sldLayoutId id="2147483801" r:id="rId10"/>
     <p:sldLayoutId id="2147483802" r:id="rId11"/>
   </p:sldLayoutIdLst>
-  <p:transition xmlns:p14="http://schemas.microsoft.com/office/powerpoint/2010/main" spd="med"/>
+  <p:transition spd="med"/>
   <p:timing>
     <p:tnLst>
       <p:par>
-        <p:cTn xmlns:p14="http://schemas.microsoft.com/office/powerpoint/2010/main" id="1" dur="indefinite" restart="never" nodeType="tmRoot"/>
+        <p:cTn id="1" dur="indefinite" restart="never" nodeType="tmRoot"/>
       </p:par>
     </p:tnLst>
   </p:timing>
@@ -18919,11 +18935,11 @@
     <p:sldLayoutId id="2147483813" r:id="rId10"/>
     <p:sldLayoutId id="2147483814" r:id="rId11"/>
   </p:sldLayoutIdLst>
-  <p:transition xmlns:p14="http://schemas.microsoft.com/office/powerpoint/2010/main" spd="med"/>
+  <p:transition spd="med"/>
   <p:timing>
     <p:tnLst>
       <p:par>
-        <p:cTn xmlns:p14="http://schemas.microsoft.com/office/powerpoint/2010/main" id="1" dur="indefinite" restart="never" nodeType="tmRoot"/>
+        <p:cTn id="1" dur="indefinite" restart="never" nodeType="tmRoot"/>
       </p:par>
     </p:tnLst>
   </p:timing>
@@ -19834,11 +19850,11 @@
     <p:sldLayoutId id="2147483825" r:id="rId10"/>
     <p:sldLayoutId id="2147483826" r:id="rId11"/>
   </p:sldLayoutIdLst>
-  <p:transition xmlns:p14="http://schemas.microsoft.com/office/powerpoint/2010/main" spd="med"/>
+  <p:transition spd="med"/>
   <p:timing>
     <p:tnLst>
       <p:par>
-        <p:cTn xmlns:p14="http://schemas.microsoft.com/office/powerpoint/2010/main" id="1" dur="indefinite" restart="never" nodeType="tmRoot"/>
+        <p:cTn id="1" dur="indefinite" restart="never" nodeType="tmRoot"/>
       </p:par>
     </p:tnLst>
   </p:timing>
@@ -20735,11 +20751,11 @@
     <p:sldLayoutId id="2147483837" r:id="rId10"/>
     <p:sldLayoutId id="2147483838" r:id="rId11"/>
   </p:sldLayoutIdLst>
-  <p:transition xmlns:p14="http://schemas.microsoft.com/office/powerpoint/2010/main" spd="med"/>
+  <p:transition spd="med"/>
   <p:timing>
     <p:tnLst>
       <p:par>
-        <p:cTn xmlns:p14="http://schemas.microsoft.com/office/powerpoint/2010/main" id="1" dur="indefinite" restart="never" nodeType="tmRoot"/>
+        <p:cTn id="1" dur="indefinite" restart="never" nodeType="tmRoot"/>
       </p:par>
     </p:tnLst>
   </p:timing>
@@ -21650,11 +21666,11 @@
     <p:sldLayoutId id="2147483849" r:id="rId10"/>
     <p:sldLayoutId id="2147483850" r:id="rId11"/>
   </p:sldLayoutIdLst>
-  <p:transition xmlns:p14="http://schemas.microsoft.com/office/powerpoint/2010/main" spd="med"/>
+  <p:transition spd="med"/>
   <p:timing>
     <p:tnLst>
       <p:par>
-        <p:cTn xmlns:p14="http://schemas.microsoft.com/office/powerpoint/2010/main" id="1" dur="indefinite" restart="never" nodeType="tmRoot"/>
+        <p:cTn id="1" dur="indefinite" restart="never" nodeType="tmRoot"/>
       </p:par>
     </p:tnLst>
   </p:timing>
@@ -22551,11 +22567,11 @@
     <p:sldLayoutId id="2147483861" r:id="rId10"/>
     <p:sldLayoutId id="2147483862" r:id="rId11"/>
   </p:sldLayoutIdLst>
-  <p:transition xmlns:p14="http://schemas.microsoft.com/office/powerpoint/2010/main" spd="med"/>
+  <p:transition spd="med"/>
   <p:timing>
     <p:tnLst>
       <p:par>
-        <p:cTn xmlns:p14="http://schemas.microsoft.com/office/powerpoint/2010/main" id="1" dur="indefinite" restart="never" nodeType="tmRoot"/>
+        <p:cTn id="1" dur="indefinite" restart="never" nodeType="tmRoot"/>
       </p:par>
     </p:tnLst>
   </p:timing>
@@ -23466,11 +23482,11 @@
     <p:sldLayoutId id="2147483873" r:id="rId10"/>
     <p:sldLayoutId id="2147483874" r:id="rId11"/>
   </p:sldLayoutIdLst>
-  <p:transition xmlns:p14="http://schemas.microsoft.com/office/powerpoint/2010/main" spd="med"/>
+  <p:transition spd="med"/>
   <p:timing>
     <p:tnLst>
       <p:par>
-        <p:cTn xmlns:p14="http://schemas.microsoft.com/office/powerpoint/2010/main" id="1" dur="indefinite" restart="never" nodeType="tmRoot"/>
+        <p:cTn id="1" dur="indefinite" restart="never" nodeType="tmRoot"/>
       </p:par>
     </p:tnLst>
   </p:timing>
@@ -24015,11 +24031,11 @@
   <p:clrMapOvr>
     <a:masterClrMapping/>
   </p:clrMapOvr>
-  <p:transition xmlns:p14="http://schemas.microsoft.com/office/powerpoint/2010/main" spd="med"/>
+  <p:transition spd="med"/>
   <p:timing>
     <p:tnLst>
       <p:par>
-        <p:cTn xmlns:p14="http://schemas.microsoft.com/office/powerpoint/2010/main" id="1" dur="indefinite" restart="never" nodeType="tmRoot"/>
+        <p:cTn id="1" dur="indefinite" restart="never" nodeType="tmRoot"/>
       </p:par>
     </p:tnLst>
   </p:timing>
@@ -24045,25 +24061,22 @@
       </p:grpSpPr>
       <p:pic>
         <p:nvPicPr>
-          <p:cNvPr id="4" name="Content Placeholder 3"/>
+          <p:cNvPr id="5" name="Picture 4"/>
           <p:cNvPicPr>
-            <a:picLocks noGrp="1"/>
+            <a:picLocks noChangeAspect="1"/>
           </p:cNvPicPr>
-          <p:nvPr>
-            <p:ph idx="1"/>
-          </p:nvPr>
+          <p:nvPr/>
         </p:nvPicPr>
         <p:blipFill>
           <a:blip r:embed="rId2"/>
-          <a:srcRect l="-27482" r="-27482"/>
           <a:stretch>
             <a:fillRect/>
           </a:stretch>
         </p:blipFill>
         <p:spPr>
           <a:xfrm>
-            <a:off x="1247581" y="977708"/>
-            <a:ext cx="9339987" cy="5218061"/>
+            <a:off x="2858787" y="714503"/>
+            <a:ext cx="6457950" cy="5610225"/>
           </a:xfrm>
           <a:prstGeom prst="rect">
             <a:avLst/>
@@ -24080,7 +24093,7 @@
   <p:clrMapOvr>
     <a:masterClrMapping/>
   </p:clrMapOvr>
-  <p:transition xmlns:p14="http://schemas.microsoft.com/office/powerpoint/2010/main" spd="med"/>
+  <p:transition spd="med"/>
 </p:sld>
 </file>
 
@@ -24173,11 +24186,11 @@
   <p:clrMapOvr>
     <a:masterClrMapping/>
   </p:clrMapOvr>
-  <p:transition xmlns:p14="http://schemas.microsoft.com/office/powerpoint/2010/main" spd="med"/>
+  <p:transition spd="med"/>
   <p:timing>
     <p:tnLst>
       <p:par>
-        <p:cTn xmlns:p14="http://schemas.microsoft.com/office/powerpoint/2010/main" id="1" dur="indefinite" restart="never" nodeType="tmRoot"/>
+        <p:cTn id="1" dur="indefinite" restart="never" nodeType="tmRoot"/>
       </p:par>
     </p:tnLst>
   </p:timing>
@@ -24203,8 +24216,10 @@
       </p:grpSpPr>
       <p:pic>
         <p:nvPicPr>
-          <p:cNvPr id="11" name="Picture 10"/>
-          <p:cNvPicPr/>
+          <p:cNvPr id="3" name="Picture 2"/>
+          <p:cNvPicPr>
+            <a:picLocks noChangeAspect="1"/>
+          </p:cNvPicPr>
           <p:nvPr/>
         </p:nvPicPr>
         <p:blipFill>
@@ -24215,8 +24230,32 @@
         </p:blipFill>
         <p:spPr>
           <a:xfrm>
-            <a:off x="2476882" y="831612"/>
-            <a:ext cx="7177812" cy="5493659"/>
+            <a:off x="2856599" y="789031"/>
+            <a:ext cx="6429375" cy="5543550"/>
+          </a:xfrm>
+          <a:prstGeom prst="rect">
+            <a:avLst/>
+          </a:prstGeom>
+        </p:spPr>
+      </p:pic>
+      <p:pic>
+        <p:nvPicPr>
+          <p:cNvPr id="4" name="Picture 3"/>
+          <p:cNvPicPr>
+            <a:picLocks noChangeAspect="1"/>
+          </p:cNvPicPr>
+          <p:nvPr/>
+        </p:nvPicPr>
+        <p:blipFill>
+          <a:blip r:embed="rId3"/>
+          <a:stretch>
+            <a:fillRect/>
+          </a:stretch>
+        </p:blipFill>
+        <p:spPr>
+          <a:xfrm>
+            <a:off x="2856598" y="789031"/>
+            <a:ext cx="6429375" cy="5543550"/>
           </a:xfrm>
           <a:prstGeom prst="rect">
             <a:avLst/>
@@ -24233,7 +24272,7 @@
   <p:clrMapOvr>
     <a:masterClrMapping/>
   </p:clrMapOvr>
-  <p:transition xmlns:p14="http://schemas.microsoft.com/office/powerpoint/2010/main" spd="med"/>
+  <p:transition spd="med"/>
 </p:sld>
 </file>
 
@@ -24298,11 +24337,7 @@
             </a:pPr>
             <a:r>
               <a:rPr lang="en-US" dirty="0" smtClean="0"/>
-              <a:t>Provides the month-to-date and prior months historical scores for the chosen supplier including the historical values for closing performance </a:t>
-            </a:r>
-            <a:r>
-              <a:rPr lang="en-US" dirty="0" smtClean="0"/>
-              <a:t>metrics</a:t>
+              <a:t>Provides the month-to-date and prior months historical scores for the chosen supplier including the historical values for closing performance metrics</a:t>
             </a:r>
           </a:p>
           <a:p>
@@ -24312,15 +24347,11 @@
             </a:pPr>
             <a:r>
               <a:rPr lang="en-US" dirty="0" smtClean="0"/>
-              <a:t>Overall </a:t>
+              <a:t>Overall Conversion Rate Historical Trend, Days OA to Dispose Trend, Days to Receive Funds Trend, and Days to Dispose Trend, HUD OOB, QC Audit and </a:t>
             </a:r>
             <a:r>
               <a:rPr lang="en-US" dirty="0" smtClean="0"/>
-              <a:t>Conversion Rate Historical Trend, Days OA to Dispose Trend, Days to Receive Funds Trend, and Days to Dispose Trend, HUD OOB, QC Audit and </a:t>
-            </a:r>
-            <a:r>
-              <a:rPr lang="en-US" dirty="0" err="1" smtClean="0"/>
-              <a:t>Softskill</a:t>
+              <a:t>Soft skill</a:t>
             </a:r>
             <a:endParaRPr lang="en-US" sz="1800" dirty="0"/>
           </a:p>
@@ -24336,11 +24367,11 @@
   <p:clrMapOvr>
     <a:masterClrMapping/>
   </p:clrMapOvr>
-  <p:transition xmlns:p14="http://schemas.microsoft.com/office/powerpoint/2010/main" spd="med"/>
+  <p:transition spd="med"/>
   <p:timing>
     <p:tnLst>
       <p:par>
-        <p:cTn xmlns:p14="http://schemas.microsoft.com/office/powerpoint/2010/main" id="1" dur="indefinite" restart="never" nodeType="tmRoot"/>
+        <p:cTn id="1" dur="indefinite" restart="never" nodeType="tmRoot"/>
       </p:par>
     </p:tnLst>
   </p:timing>
@@ -24366,8 +24397,10 @@
       </p:grpSpPr>
       <p:pic>
         <p:nvPicPr>
-          <p:cNvPr id="4" name="Picture 3"/>
-          <p:cNvPicPr/>
+          <p:cNvPr id="2" name="Picture 1"/>
+          <p:cNvPicPr>
+            <a:picLocks noChangeAspect="1"/>
+          </p:cNvPicPr>
           <p:nvPr/>
         </p:nvPicPr>
         <p:blipFill>
@@ -24378,8 +24411,8 @@
         </p:blipFill>
         <p:spPr>
           <a:xfrm>
-            <a:off x="2506399" y="966469"/>
-            <a:ext cx="7283165" cy="5270486"/>
+            <a:off x="2860074" y="782980"/>
+            <a:ext cx="6438900" cy="5572125"/>
           </a:xfrm>
           <a:prstGeom prst="rect">
             <a:avLst/>
@@ -24396,7 +24429,7 @@
   <p:clrMapOvr>
     <a:masterClrMapping/>
   </p:clrMapOvr>
-  <p:transition xmlns:p14="http://schemas.microsoft.com/office/powerpoint/2010/main" spd="med"/>
+  <p:transition spd="med"/>
 </p:sld>
 </file>
 
@@ -24472,7 +24505,6 @@
               <a:rPr lang="en-US" dirty="0"/>
               <a:t>selected property level details for the month-to-date or selected months for the chosen state including </a:t>
             </a:r>
-            <a:endParaRPr lang="en-US" dirty="0"/>
           </a:p>
           <a:p>
             <a:pPr lvl="1">
@@ -24511,11 +24543,11 @@
   <p:clrMapOvr>
     <a:masterClrMapping/>
   </p:clrMapOvr>
-  <p:transition xmlns:p14="http://schemas.microsoft.com/office/powerpoint/2010/main" spd="med"/>
+  <p:transition spd="med"/>
   <p:timing>
     <p:tnLst>
       <p:par>
-        <p:cTn xmlns:p14="http://schemas.microsoft.com/office/powerpoint/2010/main" id="1" dur="indefinite" restart="never" nodeType="tmRoot"/>
+        <p:cTn id="1" dur="indefinite" restart="never" nodeType="tmRoot"/>
       </p:par>
     </p:tnLst>
   </p:timing>
@@ -24541,8 +24573,10 @@
       </p:grpSpPr>
       <p:pic>
         <p:nvPicPr>
-          <p:cNvPr id="4" name="Picture 3"/>
-          <p:cNvPicPr/>
+          <p:cNvPr id="2" name="Picture 1"/>
+          <p:cNvPicPr>
+            <a:picLocks noChangeAspect="1"/>
+          </p:cNvPicPr>
           <p:nvPr/>
         </p:nvPicPr>
         <p:blipFill>
@@ -24553,8 +24587,8 @@
         </p:blipFill>
         <p:spPr>
           <a:xfrm>
-            <a:off x="2724150" y="646747"/>
-            <a:ext cx="6743700" cy="5564505"/>
+            <a:off x="2862262" y="638175"/>
+            <a:ext cx="6467475" cy="5581650"/>
           </a:xfrm>
           <a:prstGeom prst="rect">
             <a:avLst/>
@@ -24571,7 +24605,7 @@
   <p:clrMapOvr>
     <a:masterClrMapping/>
   </p:clrMapOvr>
-  <p:transition xmlns:p14="http://schemas.microsoft.com/office/powerpoint/2010/main" spd="med"/>
+  <p:transition spd="med"/>
 </p:sld>
 </file>
 
@@ -24636,11 +24670,7 @@
             </a:pPr>
             <a:r>
               <a:rPr lang="en-US" dirty="0" smtClean="0"/>
-              <a:t>Provides selected property level details for the month-to-date or selected month for the chosen supplier and state, </a:t>
-            </a:r>
-            <a:r>
-              <a:rPr lang="en-US" dirty="0" smtClean="0"/>
-              <a:t>including</a:t>
+              <a:t>Provides selected property level details for the month-to-date or selected month for the chosen supplier and state, including</a:t>
             </a:r>
           </a:p>
           <a:p>
@@ -24650,11 +24680,7 @@
             </a:pPr>
             <a:r>
               <a:rPr lang="en-US" dirty="0" smtClean="0"/>
-              <a:t>Properties </a:t>
-            </a:r>
-            <a:r>
-              <a:rPr lang="en-US" dirty="0" smtClean="0"/>
-              <a:t>with Offer Accepted &gt; 40 Days, Properties Disposed Outside Standard, and Funds Received Outside Standard, and HUD OOB</a:t>
+              <a:t>Properties with Offer Accepted &gt; 40 Days, Properties Disposed Outside Standard, and Funds Received Outside Standard, and HUD OOB</a:t>
             </a:r>
             <a:endParaRPr lang="en-US" dirty="0"/>
           </a:p>
@@ -24670,11 +24696,11 @@
   <p:clrMapOvr>
     <a:masterClrMapping/>
   </p:clrMapOvr>
-  <p:transition xmlns:p14="http://schemas.microsoft.com/office/powerpoint/2010/main" spd="med"/>
+  <p:transition spd="med"/>
   <p:timing>
     <p:tnLst>
       <p:par>
-        <p:cTn xmlns:p14="http://schemas.microsoft.com/office/powerpoint/2010/main" id="1" dur="indefinite" restart="never" nodeType="tmRoot"/>
+        <p:cTn id="1" dur="indefinite" restart="never" nodeType="tmRoot"/>
       </p:par>
     </p:tnLst>
   </p:timing>
@@ -24700,8 +24726,10 @@
       </p:grpSpPr>
       <p:pic>
         <p:nvPicPr>
-          <p:cNvPr id="4" name="Picture 3"/>
-          <p:cNvPicPr/>
+          <p:cNvPr id="3" name="Picture 2"/>
+          <p:cNvPicPr>
+            <a:picLocks noChangeAspect="1"/>
+          </p:cNvPicPr>
           <p:nvPr/>
         </p:nvPicPr>
         <p:blipFill>
@@ -24712,8 +24740,8 @@
         </p:blipFill>
         <p:spPr>
           <a:xfrm>
-            <a:off x="2724150" y="636270"/>
-            <a:ext cx="6743700" cy="5585460"/>
+            <a:off x="2874619" y="810525"/>
+            <a:ext cx="6467475" cy="5591175"/>
           </a:xfrm>
           <a:prstGeom prst="rect">
             <a:avLst/>
@@ -24730,7 +24758,7 @@
   <p:clrMapOvr>
     <a:masterClrMapping/>
   </p:clrMapOvr>
-  <p:transition xmlns:p14="http://schemas.microsoft.com/office/powerpoint/2010/main" spd="med"/>
+  <p:transition spd="med"/>
 </p:sld>
 </file>
 
@@ -24791,11 +24819,7 @@
           <a:p>
             <a:r>
               <a:rPr lang="en-US" dirty="0" smtClean="0"/>
-              <a:t>Provides a list of terms and </a:t>
-            </a:r>
-            <a:r>
-              <a:rPr lang="en-US" dirty="0" smtClean="0"/>
-              <a:t>definitions</a:t>
+              <a:t>Provides a list of terms and definitions</a:t>
             </a:r>
           </a:p>
           <a:p>
@@ -24835,11 +24859,11 @@
   <p:clrMapOvr>
     <a:masterClrMapping/>
   </p:clrMapOvr>
-  <p:transition xmlns:p14="http://schemas.microsoft.com/office/powerpoint/2010/main" spd="med"/>
+  <p:transition spd="med"/>
   <p:timing>
     <p:tnLst>
       <p:par>
-        <p:cTn xmlns:p14="http://schemas.microsoft.com/office/powerpoint/2010/main" id="1" dur="indefinite" restart="never" nodeType="tmRoot"/>
+        <p:cTn id="1" dur="indefinite" restart="never" nodeType="tmRoot"/>
       </p:par>
     </p:tnLst>
   </p:timing>
@@ -24941,11 +24965,11 @@
   <p:clrMapOvr>
     <a:masterClrMapping/>
   </p:clrMapOvr>
-  <p:transition xmlns:p14="http://schemas.microsoft.com/office/powerpoint/2010/main" spd="med"/>
+  <p:transition spd="med"/>
   <p:timing>
     <p:tnLst>
       <p:par>
-        <p:cTn xmlns:p14="http://schemas.microsoft.com/office/powerpoint/2010/main" id="1" dur="indefinite" restart="never" nodeType="tmRoot"/>
+        <p:cTn id="1" dur="indefinite" restart="never" nodeType="tmRoot"/>
       </p:par>
     </p:tnLst>
   </p:timing>
@@ -25052,11 +25076,11 @@
   <p:clrMapOvr>
     <a:masterClrMapping/>
   </p:clrMapOvr>
-  <p:transition xmlns:p14="http://schemas.microsoft.com/office/powerpoint/2010/main" spd="med"/>
+  <p:transition spd="med"/>
   <p:timing>
     <p:tnLst>
       <p:par>
-        <p:cTn xmlns:p14="http://schemas.microsoft.com/office/powerpoint/2010/main" id="1" dur="indefinite" restart="never" nodeType="tmRoot"/>
+        <p:cTn id="1" dur="indefinite" restart="never" nodeType="tmRoot"/>
       </p:par>
     </p:tnLst>
   </p:timing>
@@ -25115,14 +25139,14 @@
           </a:ln>
           <a:extLst>
             <a:ext uri="{909E8E84-426E-40dd-AFC4-6F175D3DCCD1}">
-              <a14:hiddenFill xmlns:a14="http://schemas.microsoft.com/office/drawing/2010/main">
+              <a14:hiddenFill xmlns:a14="http://schemas.microsoft.com/office/drawing/2010/main" xmlns="">
                 <a:solidFill>
                   <a:srgbClr val="FFFFFF"/>
                 </a:solidFill>
               </a14:hiddenFill>
             </a:ext>
             <a:ext uri="{91240B29-F687-4f45-9708-019B960494DF}">
-              <a14:hiddenLine xmlns:a14="http://schemas.microsoft.com/office/drawing/2010/main" w="9525">
+              <a14:hiddenLine xmlns:a14="http://schemas.microsoft.com/office/drawing/2010/main" xmlns="" w="9525">
                 <a:solidFill>
                   <a:srgbClr val="000000"/>
                 </a:solidFill>
@@ -25144,11 +25168,11 @@
   <p:clrMapOvr>
     <a:masterClrMapping/>
   </p:clrMapOvr>
-  <p:transition xmlns:p14="http://schemas.microsoft.com/office/powerpoint/2010/main" spd="med"/>
+  <p:transition spd="med"/>
   <p:timing>
     <p:tnLst>
       <p:par>
-        <p:cTn xmlns:p14="http://schemas.microsoft.com/office/powerpoint/2010/main" id="1" dur="indefinite" restart="never" nodeType="tmRoot"/>
+        <p:cTn id="1" dur="indefinite" restart="never" nodeType="tmRoot"/>
       </p:par>
     </p:tnLst>
   </p:timing>
@@ -25295,11 +25319,11 @@
   <p:clrMapOvr>
     <a:masterClrMapping/>
   </p:clrMapOvr>
-  <p:transition xmlns:p14="http://schemas.microsoft.com/office/powerpoint/2010/main" spd="med"/>
+  <p:transition spd="med"/>
   <p:timing>
     <p:tnLst>
       <p:par>
-        <p:cTn xmlns:p14="http://schemas.microsoft.com/office/powerpoint/2010/main" id="1" dur="indefinite" restart="never" nodeType="tmRoot"/>
+        <p:cTn id="1" dur="indefinite" restart="never" nodeType="tmRoot"/>
       </p:par>
     </p:tnLst>
   </p:timing>
@@ -25460,11 +25484,11 @@
   <p:clrMapOvr>
     <a:masterClrMapping/>
   </p:clrMapOvr>
-  <p:transition xmlns:p14="http://schemas.microsoft.com/office/powerpoint/2010/main" spd="med"/>
+  <p:transition spd="med"/>
   <p:timing>
     <p:tnLst>
       <p:par>
-        <p:cTn xmlns:p14="http://schemas.microsoft.com/office/powerpoint/2010/main" id="1" dur="indefinite" restart="never" nodeType="tmRoot"/>
+        <p:cTn id="1" dur="indefinite" restart="never" nodeType="tmRoot"/>
       </p:par>
     </p:tnLst>
   </p:timing>
@@ -25536,8 +25560,10 @@
       </p:sp>
       <p:pic>
         <p:nvPicPr>
-          <p:cNvPr id="4" name="Picture 3"/>
-          <p:cNvPicPr/>
+          <p:cNvPr id="6" name="Picture 5"/>
+          <p:cNvPicPr>
+            <a:picLocks noChangeAspect="1"/>
+          </p:cNvPicPr>
           <p:nvPr/>
         </p:nvPicPr>
         <p:blipFill>
@@ -25548,8 +25574,8 @@
         </p:blipFill>
         <p:spPr>
           <a:xfrm>
-            <a:off x="4798688" y="2528554"/>
-            <a:ext cx="4867245" cy="3569919"/>
+            <a:off x="6032929" y="2503599"/>
+            <a:ext cx="4371460" cy="3761791"/>
           </a:xfrm>
           <a:prstGeom prst="rect">
             <a:avLst/>
@@ -25566,11 +25592,11 @@
   <p:clrMapOvr>
     <a:masterClrMapping/>
   </p:clrMapOvr>
-  <p:transition xmlns:p14="http://schemas.microsoft.com/office/powerpoint/2010/main" spd="med"/>
+  <p:transition spd="med"/>
   <p:timing>
     <p:tnLst>
       <p:par>
-        <p:cTn xmlns:p14="http://schemas.microsoft.com/office/powerpoint/2010/main" id="1" dur="indefinite" restart="never" nodeType="tmRoot"/>
+        <p:cTn id="1" dur="indefinite" restart="never" nodeType="tmRoot"/>
       </p:par>
     </p:tnLst>
   </p:timing>
@@ -25638,11 +25664,7 @@
             </a:pPr>
             <a:r>
               <a:rPr lang="en-US" dirty="0" smtClean="0"/>
-              <a:t>These two worksheets together provide the daily month-to-date and month-end score for the chosen supplier and the detailed metrics for the supplier firm and other </a:t>
-            </a:r>
-            <a:r>
-              <a:rPr lang="en-US" dirty="0" smtClean="0"/>
-              <a:t>supplier</a:t>
+              <a:t>These two worksheets together provide the daily month-to-date and month-end score for the chosen supplier and the detailed metrics for the supplier firm and other supplier</a:t>
             </a:r>
             <a:endParaRPr lang="en-US" dirty="0"/>
           </a:p>
@@ -25658,11 +25680,11 @@
   <p:clrMapOvr>
     <a:masterClrMapping/>
   </p:clrMapOvr>
-  <p:transition xmlns:p14="http://schemas.microsoft.com/office/powerpoint/2010/main" spd="med"/>
+  <p:transition spd="med"/>
   <p:timing>
     <p:tnLst>
       <p:par>
-        <p:cTn xmlns:p14="http://schemas.microsoft.com/office/powerpoint/2010/main" id="1" dur="indefinite" restart="never" nodeType="tmRoot"/>
+        <p:cTn id="1" dur="indefinite" restart="never" nodeType="tmRoot"/>
       </p:par>
     </p:tnLst>
   </p:timing>
@@ -25688,25 +25710,22 @@
       </p:grpSpPr>
       <p:pic>
         <p:nvPicPr>
-          <p:cNvPr id="7" name="Content Placeholder 6"/>
+          <p:cNvPr id="4" name="Picture 3"/>
           <p:cNvPicPr>
-            <a:picLocks noGrp="1"/>
+            <a:picLocks noChangeAspect="1"/>
           </p:cNvPicPr>
-          <p:nvPr>
-            <p:ph idx="1"/>
-          </p:nvPr>
+          <p:nvPr/>
         </p:nvPicPr>
         <p:blipFill>
           <a:blip r:embed="rId2"/>
-          <a:srcRect l="-24815" r="-24815"/>
           <a:stretch>
             <a:fillRect/>
           </a:stretch>
         </p:blipFill>
         <p:spPr>
           <a:xfrm>
-            <a:off x="1270059" y="730469"/>
-            <a:ext cx="9755848" cy="5566439"/>
+            <a:off x="2862262" y="710126"/>
+            <a:ext cx="6467475" cy="5553075"/>
           </a:xfrm>
           <a:prstGeom prst="rect">
             <a:avLst/>
@@ -25723,11 +25742,11 @@
   <p:clrMapOvr>
     <a:masterClrMapping/>
   </p:clrMapOvr>
-  <p:transition xmlns:p14="http://schemas.microsoft.com/office/powerpoint/2010/main" spd="med"/>
+  <p:transition spd="med"/>
   <p:timing>
     <p:tnLst>
       <p:par>
-        <p:cTn xmlns:p14="http://schemas.microsoft.com/office/powerpoint/2010/main" id="1" dur="indefinite" restart="never" nodeType="tmRoot"/>
+        <p:cTn id="1" dur="indefinite" restart="never" nodeType="tmRoot"/>
       </p:par>
     </p:tnLst>
   </p:timing>
@@ -26451,7 +26470,7 @@
   </a:extraClrSchemeLst>
   <a:extLst>
     <a:ext uri="{05A4C25C-085E-4340-85A3-A5531E510DB2}">
-      <thm15:themeFamily xmlns:thm15="http://schemas.microsoft.com/office/thememl/2012/main" xmlns="" name="Theme1" id="{0FF9826A-23F4-4E21-970C-A3072FFC6417}" vid="{86AEE9B6-B01F-438A-AAC8-79D751E40397}"/>
+      <thm15:themeFamily xmlns:thm15="http://schemas.microsoft.com/office/thememl/2012/main" name="Theme1" id="{0FF9826A-23F4-4E21-970C-A3072FFC6417}" vid="{86AEE9B6-B01F-438A-AAC8-79D751E40397}"/>
     </a:ext>
   </a:extLst>
 </a:theme>
@@ -26712,7 +26731,7 @@
   <a:extraClrSchemeLst/>
   <a:extLst>
     <a:ext uri="{05A4C25C-085E-4340-85A3-A5531E510DB2}">
-      <thm15:themeFamily xmlns:thm15="http://schemas.microsoft.com/office/thememl/2012/main" xmlns="" name="Office Theme" id="{62F939B6-93AF-4DB8-9C6B-D6C7DFDC589F}" vid="{4A3C46E8-61CC-4603-A589-7422A47A8E4A}"/>
+      <thm15:themeFamily xmlns:thm15="http://schemas.microsoft.com/office/thememl/2012/main" name="Office Theme" id="{62F939B6-93AF-4DB8-9C6B-D6C7DFDC589F}" vid="{4A3C46E8-61CC-4603-A589-7422A47A8E4A}"/>
     </a:ext>
   </a:extLst>
 </a:theme>
@@ -28153,7 +28172,7 @@
   </a:extraClrSchemeLst>
   <a:extLst>
     <a:ext uri="{05A4C25C-085E-4340-85A3-A5531E510DB2}">
-      <thm15:themeFamily xmlns:thm15="http://schemas.microsoft.com/office/thememl/2012/main" xmlns="" name="Theme1" id="{0FF9826A-23F4-4E21-970C-A3072FFC6417}" vid="{86AEE9B6-B01F-438A-AAC8-79D751E40397}"/>
+      <thm15:themeFamily xmlns:thm15="http://schemas.microsoft.com/office/thememl/2012/main" name="Theme1" id="{0FF9826A-23F4-4E21-970C-A3072FFC6417}" vid="{86AEE9B6-B01F-438A-AAC8-79D751E40397}"/>
     </a:ext>
   </a:extLst>
 </a:theme>
@@ -29594,7 +29613,7 @@
   </a:extraClrSchemeLst>
   <a:extLst>
     <a:ext uri="{05A4C25C-085E-4340-85A3-A5531E510DB2}">
-      <thm15:themeFamily xmlns:thm15="http://schemas.microsoft.com/office/thememl/2012/main" xmlns="" name="Theme1" id="{0FF9826A-23F4-4E21-970C-A3072FFC6417}" vid="{86AEE9B6-B01F-438A-AAC8-79D751E40397}"/>
+      <thm15:themeFamily xmlns:thm15="http://schemas.microsoft.com/office/thememl/2012/main" name="Theme1" id="{0FF9826A-23F4-4E21-970C-A3072FFC6417}" vid="{86AEE9B6-B01F-438A-AAC8-79D751E40397}"/>
     </a:ext>
   </a:extLst>
 </a:theme>
@@ -31035,7 +31054,7 @@
   </a:extraClrSchemeLst>
   <a:extLst>
     <a:ext uri="{05A4C25C-085E-4340-85A3-A5531E510DB2}">
-      <thm15:themeFamily xmlns:thm15="http://schemas.microsoft.com/office/thememl/2012/main" xmlns="" name="Theme1" id="{0FF9826A-23F4-4E21-970C-A3072FFC6417}" vid="{86AEE9B6-B01F-438A-AAC8-79D751E40397}"/>
+      <thm15:themeFamily xmlns:thm15="http://schemas.microsoft.com/office/thememl/2012/main" name="Theme1" id="{0FF9826A-23F4-4E21-970C-A3072FFC6417}" vid="{86AEE9B6-B01F-438A-AAC8-79D751E40397}"/>
     </a:ext>
   </a:extLst>
 </a:theme>
@@ -32014,7 +32033,7 @@
   <a:extraClrSchemeLst/>
   <a:extLst>
     <a:ext uri="{05A4C25C-085E-4340-85A3-A5531E510DB2}">
-      <thm15:themeFamily xmlns:thm15="http://schemas.microsoft.com/office/thememl/2012/main" xmlns="" name="Office Theme" id="{62F939B6-93AF-4DB8-9C6B-D6C7DFDC589F}" vid="{4A3C46E8-61CC-4603-A589-7422A47A8E4A}"/>
+      <thm15:themeFamily xmlns:thm15="http://schemas.microsoft.com/office/thememl/2012/main" name="Office Theme" id="{62F939B6-93AF-4DB8-9C6B-D6C7DFDC589F}" vid="{4A3C46E8-61CC-4603-A589-7422A47A8E4A}"/>
     </a:ext>
   </a:extLst>
 </a:theme>
